--- a/Praktika IKT/Day 8.pptx
+++ b/Praktika IKT/Day 8.pptx
@@ -4445,13 +4445,13 @@
   <p:clrMapOvr>
     <a:masterClrMapping/>
   </p:clrMapOvr>
-  <mc:AlternateContent xmlns:mc="http://schemas.openxmlformats.org/markup-compatibility/2006">
-    <mc:Choice xmlns:p15="http://schemas.microsoft.com/office/powerpoint/2012/main" Requires="p15">
+  <mc:AlternateContent xmlns:mc="http://schemas.openxmlformats.org/markup-compatibility/2006" xmlns:p15="http://schemas.microsoft.com/office/powerpoint/2012/main">
+    <mc:Choice Requires="p15">
       <p:transition xmlns:p14="http://schemas.microsoft.com/office/powerpoint/2010/main" spd="slow" p14:dur="2000">
         <p15:prstTrans prst="fracture"/>
       </p:transition>
     </mc:Choice>
-    <mc:Fallback>
+    <mc:Fallback xmlns="">
       <p:transition spd="slow">
         <p:fade/>
       </p:transition>
@@ -7533,13 +7533,13 @@
   <p:clrMapOvr>
     <a:masterClrMapping/>
   </p:clrMapOvr>
-  <mc:AlternateContent xmlns:mc="http://schemas.openxmlformats.org/markup-compatibility/2006">
-    <mc:Choice xmlns:p14="http://schemas.microsoft.com/office/powerpoint/2010/main" Requires="p14">
+  <mc:AlternateContent xmlns:mc="http://schemas.openxmlformats.org/markup-compatibility/2006" xmlns:p14="http://schemas.microsoft.com/office/powerpoint/2010/main">
+    <mc:Choice Requires="p14">
       <p:transition spd="slow" p14:dur="4000">
         <p14:vortex dir="r"/>
       </p:transition>
     </mc:Choice>
-    <mc:Fallback>
+    <mc:Fallback xmlns="">
       <p:transition spd="slow">
         <p:fade/>
       </p:transition>
@@ -10174,7 +10174,7 @@
         </p:nvSpPr>
         <p:spPr>
           <a:xfrm>
-            <a:off x="0" y="6125382"/>
+            <a:off x="0" y="6172200"/>
             <a:ext cx="4161618" cy="4114800"/>
           </a:xfrm>
           <a:custGeom>
@@ -10235,9 +10235,6 @@
                     <p:cTn id="3" fill="hold">
                       <p:stCondLst>
                         <p:cond delay="indefinite"/>
-                        <p:cond evt="onBegin" delay="0">
-                          <p:tn val="2"/>
-                        </p:cond>
                       </p:stCondLst>
                       <p:childTnLst>
                         <p:par>
@@ -10247,7 +10244,7 @@
                             </p:stCondLst>
                             <p:childTnLst>
                               <p:par>
-                                <p:cTn id="5" presetID="22" presetClass="entr" presetSubtype="4" fill="hold" nodeType="withEffect">
+                                <p:cTn id="5" presetID="22" presetClass="entr" presetSubtype="4" fill="hold" grpId="0" nodeType="clickEffect">
                                   <p:stCondLst>
                                     <p:cond delay="0"/>
                                   </p:stCondLst>
@@ -10260,7 +10257,7 @@
                                           </p:stCondLst>
                                         </p:cTn>
                                         <p:tgtEl>
-                                          <p:spTgt spid="12"/>
+                                          <p:spTgt spid="10"/>
                                         </p:tgtEl>
                                         <p:attrNameLst>
                                           <p:attrName>style.visibility</p:attrName>
@@ -10274,7 +10271,7 @@
                                       <p:cBhvr>
                                         <p:cTn id="7" dur="500"/>
                                         <p:tgtEl>
-                                          <p:spTgt spid="12"/>
+                                          <p:spTgt spid="10"/>
                                         </p:tgtEl>
                                       </p:cBhvr>
                                     </p:animEffect>
@@ -10300,7 +10297,7 @@
                             </p:stCondLst>
                             <p:childTnLst>
                               <p:par>
-                                <p:cTn id="10" presetID="22" presetClass="entr" presetSubtype="4" fill="hold" grpId="0" nodeType="clickEffect">
+                                <p:cTn id="10" presetID="21" presetClass="entr" presetSubtype="1" fill="hold" nodeType="clickEffect">
                                   <p:stCondLst>
                                     <p:cond delay="0"/>
                                   </p:stCondLst>
@@ -10313,7 +10310,7 @@
                                           </p:stCondLst>
                                         </p:cTn>
                                         <p:tgtEl>
-                                          <p:spTgt spid="10"/>
+                                          <p:spTgt spid="12"/>
                                         </p:tgtEl>
                                         <p:attrNameLst>
                                           <p:attrName>style.visibility</p:attrName>
@@ -10323,44 +10320,26 @@
                                         <p:strVal val="visible"/>
                                       </p:to>
                                     </p:set>
-                                    <p:animEffect transition="in" filter="wipe(down)">
+                                    <p:animEffect transition="in" filter="wheel(1)">
                                       <p:cBhvr>
-                                        <p:cTn id="12" dur="500"/>
+                                        <p:cTn id="12" dur="2000"/>
                                         <p:tgtEl>
-                                          <p:spTgt spid="10"/>
+                                          <p:spTgt spid="12"/>
                                         </p:tgtEl>
                                       </p:cBhvr>
                                     </p:animEffect>
                                   </p:childTnLst>
                                 </p:cTn>
                               </p:par>
-                            </p:childTnLst>
-                          </p:cTn>
-                        </p:par>
-                      </p:childTnLst>
-                    </p:cTn>
-                  </p:par>
-                  <p:par>
-                    <p:cTn id="13" fill="hold">
-                      <p:stCondLst>
-                        <p:cond delay="indefinite"/>
-                      </p:stCondLst>
-                      <p:childTnLst>
-                        <p:par>
-                          <p:cTn id="14" fill="hold">
-                            <p:stCondLst>
-                              <p:cond delay="0"/>
-                            </p:stCondLst>
-                            <p:childTnLst>
                               <p:par>
-                                <p:cTn id="15" presetID="22" presetClass="entr" presetSubtype="4" fill="hold" nodeType="clickEffect">
+                                <p:cTn id="13" presetID="21" presetClass="entr" presetSubtype="1" fill="hold" nodeType="withEffect">
                                   <p:stCondLst>
                                     <p:cond delay="0"/>
                                   </p:stCondLst>
                                   <p:childTnLst>
                                     <p:set>
                                       <p:cBhvr>
-                                        <p:cTn id="16" dur="1" fill="hold">
+                                        <p:cTn id="14" dur="1" fill="hold">
                                           <p:stCondLst>
                                             <p:cond delay="0"/>
                                           </p:stCondLst>
@@ -10376,9 +10355,9 @@
                                         <p:strVal val="visible"/>
                                       </p:to>
                                     </p:set>
-                                    <p:animEffect transition="in" filter="wipe(down)">
+                                    <p:animEffect transition="in" filter="wheel(1)">
                                       <p:cBhvr>
-                                        <p:cTn id="17" dur="500"/>
+                                        <p:cTn id="15" dur="2000"/>
                                         <p:tgtEl>
                                           <p:spTgt spid="13"/>
                                         </p:tgtEl>
@@ -11349,4196 +11328,6 @@
           <a:chExt cx="0" cy="0"/>
         </a:xfrm>
       </p:grpSpPr>
-      <p:graphicFrame>
-        <p:nvGraphicFramePr>
-          <p:cNvPr id="2" name="Table 2"/>
-          <p:cNvGraphicFramePr>
-            <a:graphicFrameLocks noGrp="1"/>
-          </p:cNvGraphicFramePr>
-          <p:nvPr/>
-        </p:nvGraphicFramePr>
-        <p:xfrm>
-          <a:off x="1419083" y="3614628"/>
-          <a:ext cx="15449832" cy="5643672"/>
-        </p:xfrm>
-        <a:graphic>
-          <a:graphicData uri="http://schemas.openxmlformats.org/drawingml/2006/table">
-            <a:tbl>
-              <a:tblPr/>
-              <a:tblGrid>
-                <a:gridCol w="2642247">
-                  <a:extLst>
-                    <a:ext uri="{9D8B030D-6E8A-4147-A177-3AD203B41FA5}">
-                      <a16:colId xmlns:a16="http://schemas.microsoft.com/office/drawing/2014/main" val="20000"/>
-                    </a:ext>
-                  </a:extLst>
-                </a:gridCol>
-                <a:gridCol w="1423065">
-                  <a:extLst>
-                    <a:ext uri="{9D8B030D-6E8A-4147-A177-3AD203B41FA5}">
-                      <a16:colId xmlns:a16="http://schemas.microsoft.com/office/drawing/2014/main" val="20001"/>
-                    </a:ext>
-                  </a:extLst>
-                </a:gridCol>
-                <a:gridCol w="1423065">
-                  <a:extLst>
-                    <a:ext uri="{9D8B030D-6E8A-4147-A177-3AD203B41FA5}">
-                      <a16:colId xmlns:a16="http://schemas.microsoft.com/office/drawing/2014/main" val="20002"/>
-                    </a:ext>
-                  </a:extLst>
-                </a:gridCol>
-                <a:gridCol w="1423065">
-                  <a:extLst>
-                    <a:ext uri="{9D8B030D-6E8A-4147-A177-3AD203B41FA5}">
-                      <a16:colId xmlns:a16="http://schemas.microsoft.com/office/drawing/2014/main" val="20003"/>
-                    </a:ext>
-                  </a:extLst>
-                </a:gridCol>
-                <a:gridCol w="1423065">
-                  <a:extLst>
-                    <a:ext uri="{9D8B030D-6E8A-4147-A177-3AD203B41FA5}">
-                      <a16:colId xmlns:a16="http://schemas.microsoft.com/office/drawing/2014/main" val="20004"/>
-                    </a:ext>
-                  </a:extLst>
-                </a:gridCol>
-                <a:gridCol w="1423065">
-                  <a:extLst>
-                    <a:ext uri="{9D8B030D-6E8A-4147-A177-3AD203B41FA5}">
-                      <a16:colId xmlns:a16="http://schemas.microsoft.com/office/drawing/2014/main" val="20005"/>
-                    </a:ext>
-                  </a:extLst>
-                </a:gridCol>
-                <a:gridCol w="1423065">
-                  <a:extLst>
-                    <a:ext uri="{9D8B030D-6E8A-4147-A177-3AD203B41FA5}">
-                      <a16:colId xmlns:a16="http://schemas.microsoft.com/office/drawing/2014/main" val="20006"/>
-                    </a:ext>
-                  </a:extLst>
-                </a:gridCol>
-                <a:gridCol w="1423065">
-                  <a:extLst>
-                    <a:ext uri="{9D8B030D-6E8A-4147-A177-3AD203B41FA5}">
-                      <a16:colId xmlns:a16="http://schemas.microsoft.com/office/drawing/2014/main" val="20007"/>
-                    </a:ext>
-                  </a:extLst>
-                </a:gridCol>
-                <a:gridCol w="1423065">
-                  <a:extLst>
-                    <a:ext uri="{9D8B030D-6E8A-4147-A177-3AD203B41FA5}">
-                      <a16:colId xmlns:a16="http://schemas.microsoft.com/office/drawing/2014/main" val="20008"/>
-                    </a:ext>
-                  </a:extLst>
-                </a:gridCol>
-                <a:gridCol w="1423065">
-                  <a:extLst>
-                    <a:ext uri="{9D8B030D-6E8A-4147-A177-3AD203B41FA5}">
-                      <a16:colId xmlns:a16="http://schemas.microsoft.com/office/drawing/2014/main" val="20009"/>
-                    </a:ext>
-                  </a:extLst>
-                </a:gridCol>
-              </a:tblGrid>
-              <a:tr h="1094733">
-                <a:tc>
-                  <a:txBody>
-                    <a:bodyPr/>
-                    <a:lstStyle/>
-                    <a:p>
-                      <a:pPr algn="ctr">
-                        <a:lnSpc>
-                          <a:spcPts val="4899"/>
-                        </a:lnSpc>
-                        <a:defRPr/>
-                      </a:pPr>
-                      <a:endParaRPr lang="en-US" sz="1100"/>
-                    </a:p>
-                  </a:txBody>
-                  <a:tcPr marL="47625" marR="47625" marT="47625" marB="47625" anchor="ctr">
-                    <a:lnL w="38100" cap="flat" cmpd="sng" algn="ctr">
-                      <a:solidFill>
-                        <a:srgbClr val="000000"/>
-                      </a:solidFill>
-                      <a:prstDash val="solid"/>
-                      <a:round/>
-                      <a:headEnd type="none" w="med" len="med"/>
-                      <a:tailEnd type="none" w="med" len="med"/>
-                    </a:lnL>
-                    <a:lnR w="38100" cap="flat" cmpd="sng" algn="ctr">
-                      <a:solidFill>
-                        <a:srgbClr val="000000"/>
-                      </a:solidFill>
-                      <a:prstDash val="solid"/>
-                      <a:round/>
-                      <a:headEnd type="none" w="med" len="med"/>
-                      <a:tailEnd type="none" w="med" len="med"/>
-                    </a:lnR>
-                    <a:lnT w="38100" cap="flat" cmpd="sng" algn="ctr">
-                      <a:solidFill>
-                        <a:srgbClr val="000000"/>
-                      </a:solidFill>
-                      <a:prstDash val="solid"/>
-                      <a:round/>
-                      <a:headEnd type="none" w="med" len="med"/>
-                      <a:tailEnd type="none" w="med" len="med"/>
-                    </a:lnT>
-                    <a:lnB w="38100" cap="flat" cmpd="sng" algn="ctr">
-                      <a:solidFill>
-                        <a:srgbClr val="000000"/>
-                      </a:solidFill>
-                      <a:prstDash val="solid"/>
-                      <a:round/>
-                      <a:headEnd type="none" w="med" len="med"/>
-                      <a:tailEnd type="none" w="med" len="med"/>
-                    </a:lnB>
-                    <a:solidFill>
-                      <a:srgbClr val="FEFBDB"/>
-                    </a:solidFill>
-                  </a:tcPr>
-                </a:tc>
-                <a:tc>
-                  <a:txBody>
-                    <a:bodyPr/>
-                    <a:lstStyle/>
-                    <a:p>
-                      <a:pPr algn="ctr">
-                        <a:lnSpc>
-                          <a:spcPts val="4899"/>
-                        </a:lnSpc>
-                        <a:defRPr/>
-                      </a:pPr>
-                      <a:r>
-                        <a:rPr lang="en-US" sz="3499" b="1">
-                          <a:solidFill>
-                            <a:srgbClr val="000000"/>
-                          </a:solidFill>
-                          <a:latin typeface="Bitter Bold"/>
-                          <a:ea typeface="Bitter Bold"/>
-                          <a:cs typeface="Bitter Bold"/>
-                          <a:sym typeface="Bitter Bold"/>
-                        </a:rPr>
-                        <a:t>2^8</a:t>
-                      </a:r>
-                      <a:endParaRPr lang="en-US" sz="1100"/>
-                    </a:p>
-                  </a:txBody>
-                  <a:tcPr marL="47625" marR="47625" marT="47625" marB="47625" anchor="ctr">
-                    <a:lnL w="38100" cap="flat" cmpd="sng" algn="ctr">
-                      <a:solidFill>
-                        <a:srgbClr val="000000"/>
-                      </a:solidFill>
-                      <a:prstDash val="solid"/>
-                      <a:round/>
-                      <a:headEnd type="none" w="med" len="med"/>
-                      <a:tailEnd type="none" w="med" len="med"/>
-                    </a:lnL>
-                    <a:lnR w="38100" cap="flat" cmpd="sng" algn="ctr">
-                      <a:solidFill>
-                        <a:srgbClr val="000000"/>
-                      </a:solidFill>
-                      <a:prstDash val="solid"/>
-                      <a:round/>
-                      <a:headEnd type="none" w="med" len="med"/>
-                      <a:tailEnd type="none" w="med" len="med"/>
-                    </a:lnR>
-                    <a:lnT w="38100" cap="flat" cmpd="sng" algn="ctr">
-                      <a:solidFill>
-                        <a:srgbClr val="000000"/>
-                      </a:solidFill>
-                      <a:prstDash val="solid"/>
-                      <a:round/>
-                      <a:headEnd type="none" w="med" len="med"/>
-                      <a:tailEnd type="none" w="med" len="med"/>
-                    </a:lnT>
-                    <a:lnB w="38100" cap="flat" cmpd="sng" algn="ctr">
-                      <a:solidFill>
-                        <a:srgbClr val="000000"/>
-                      </a:solidFill>
-                      <a:prstDash val="solid"/>
-                      <a:round/>
-                      <a:headEnd type="none" w="med" len="med"/>
-                      <a:tailEnd type="none" w="med" len="med"/>
-                    </a:lnB>
-                    <a:solidFill>
-                      <a:srgbClr val="FEFBDB"/>
-                    </a:solidFill>
-                  </a:tcPr>
-                </a:tc>
-                <a:tc>
-                  <a:txBody>
-                    <a:bodyPr/>
-                    <a:lstStyle/>
-                    <a:p>
-                      <a:pPr algn="ctr">
-                        <a:lnSpc>
-                          <a:spcPts val="4899"/>
-                        </a:lnSpc>
-                        <a:defRPr/>
-                      </a:pPr>
-                      <a:r>
-                        <a:rPr lang="en-US" sz="3499" b="1">
-                          <a:solidFill>
-                            <a:srgbClr val="000000"/>
-                          </a:solidFill>
-                          <a:latin typeface="Bitter Bold"/>
-                          <a:ea typeface="Bitter Bold"/>
-                          <a:cs typeface="Bitter Bold"/>
-                          <a:sym typeface="Bitter Bold"/>
-                        </a:rPr>
-                        <a:t>2^7</a:t>
-                      </a:r>
-                      <a:endParaRPr lang="en-US" sz="1100"/>
-                    </a:p>
-                  </a:txBody>
-                  <a:tcPr marL="47625" marR="47625" marT="47625" marB="47625" anchor="ctr">
-                    <a:lnL w="38100" cap="flat" cmpd="sng" algn="ctr">
-                      <a:solidFill>
-                        <a:srgbClr val="000000"/>
-                      </a:solidFill>
-                      <a:prstDash val="solid"/>
-                      <a:round/>
-                      <a:headEnd type="none" w="med" len="med"/>
-                      <a:tailEnd type="none" w="med" len="med"/>
-                    </a:lnL>
-                    <a:lnR w="38100" cap="flat" cmpd="sng" algn="ctr">
-                      <a:solidFill>
-                        <a:srgbClr val="000000"/>
-                      </a:solidFill>
-                      <a:prstDash val="solid"/>
-                      <a:round/>
-                      <a:headEnd type="none" w="med" len="med"/>
-                      <a:tailEnd type="none" w="med" len="med"/>
-                    </a:lnR>
-                    <a:lnT w="38100" cap="flat" cmpd="sng" algn="ctr">
-                      <a:solidFill>
-                        <a:srgbClr val="000000"/>
-                      </a:solidFill>
-                      <a:prstDash val="solid"/>
-                      <a:round/>
-                      <a:headEnd type="none" w="med" len="med"/>
-                      <a:tailEnd type="none" w="med" len="med"/>
-                    </a:lnT>
-                    <a:lnB w="38100" cap="flat" cmpd="sng" algn="ctr">
-                      <a:solidFill>
-                        <a:srgbClr val="000000"/>
-                      </a:solidFill>
-                      <a:prstDash val="solid"/>
-                      <a:round/>
-                      <a:headEnd type="none" w="med" len="med"/>
-                      <a:tailEnd type="none" w="med" len="med"/>
-                    </a:lnB>
-                    <a:solidFill>
-                      <a:srgbClr val="FEFBDB"/>
-                    </a:solidFill>
-                  </a:tcPr>
-                </a:tc>
-                <a:tc>
-                  <a:txBody>
-                    <a:bodyPr/>
-                    <a:lstStyle/>
-                    <a:p>
-                      <a:pPr algn="ctr">
-                        <a:lnSpc>
-                          <a:spcPts val="4899"/>
-                        </a:lnSpc>
-                        <a:defRPr/>
-                      </a:pPr>
-                      <a:r>
-                        <a:rPr lang="en-US" sz="3499" b="1">
-                          <a:solidFill>
-                            <a:srgbClr val="000000"/>
-                          </a:solidFill>
-                          <a:latin typeface="Bitter Bold"/>
-                          <a:ea typeface="Bitter Bold"/>
-                          <a:cs typeface="Bitter Bold"/>
-                          <a:sym typeface="Bitter Bold"/>
-                        </a:rPr>
-                        <a:t>2^6</a:t>
-                      </a:r>
-                      <a:endParaRPr lang="en-US" sz="1100"/>
-                    </a:p>
-                  </a:txBody>
-                  <a:tcPr marL="47625" marR="47625" marT="47625" marB="47625" anchor="ctr">
-                    <a:lnL w="38100" cap="flat" cmpd="sng" algn="ctr">
-                      <a:solidFill>
-                        <a:srgbClr val="000000"/>
-                      </a:solidFill>
-                      <a:prstDash val="solid"/>
-                      <a:round/>
-                      <a:headEnd type="none" w="med" len="med"/>
-                      <a:tailEnd type="none" w="med" len="med"/>
-                    </a:lnL>
-                    <a:lnR w="38100" cap="flat" cmpd="sng" algn="ctr">
-                      <a:solidFill>
-                        <a:srgbClr val="000000"/>
-                      </a:solidFill>
-                      <a:prstDash val="solid"/>
-                      <a:round/>
-                      <a:headEnd type="none" w="med" len="med"/>
-                      <a:tailEnd type="none" w="med" len="med"/>
-                    </a:lnR>
-                    <a:lnT w="38100" cap="flat" cmpd="sng" algn="ctr">
-                      <a:solidFill>
-                        <a:srgbClr val="000000"/>
-                      </a:solidFill>
-                      <a:prstDash val="solid"/>
-                      <a:round/>
-                      <a:headEnd type="none" w="med" len="med"/>
-                      <a:tailEnd type="none" w="med" len="med"/>
-                    </a:lnT>
-                    <a:lnB w="38100" cap="flat" cmpd="sng" algn="ctr">
-                      <a:solidFill>
-                        <a:srgbClr val="000000"/>
-                      </a:solidFill>
-                      <a:prstDash val="solid"/>
-                      <a:round/>
-                      <a:headEnd type="none" w="med" len="med"/>
-                      <a:tailEnd type="none" w="med" len="med"/>
-                    </a:lnB>
-                    <a:solidFill>
-                      <a:srgbClr val="FEFBDB"/>
-                    </a:solidFill>
-                  </a:tcPr>
-                </a:tc>
-                <a:tc>
-                  <a:txBody>
-                    <a:bodyPr/>
-                    <a:lstStyle/>
-                    <a:p>
-                      <a:pPr algn="ctr">
-                        <a:lnSpc>
-                          <a:spcPts val="4899"/>
-                        </a:lnSpc>
-                        <a:defRPr/>
-                      </a:pPr>
-                      <a:r>
-                        <a:rPr lang="en-US" sz="3499" b="1">
-                          <a:solidFill>
-                            <a:srgbClr val="000000"/>
-                          </a:solidFill>
-                          <a:latin typeface="Bitter Bold"/>
-                          <a:ea typeface="Bitter Bold"/>
-                          <a:cs typeface="Bitter Bold"/>
-                          <a:sym typeface="Bitter Bold"/>
-                        </a:rPr>
-                        <a:t>2^5</a:t>
-                      </a:r>
-                      <a:endParaRPr lang="en-US" sz="1100"/>
-                    </a:p>
-                  </a:txBody>
-                  <a:tcPr marL="47625" marR="47625" marT="47625" marB="47625" anchor="ctr">
-                    <a:lnL w="38100" cap="flat" cmpd="sng" algn="ctr">
-                      <a:solidFill>
-                        <a:srgbClr val="000000"/>
-                      </a:solidFill>
-                      <a:prstDash val="solid"/>
-                      <a:round/>
-                      <a:headEnd type="none" w="med" len="med"/>
-                      <a:tailEnd type="none" w="med" len="med"/>
-                    </a:lnL>
-                    <a:lnR w="38100" cap="flat" cmpd="sng" algn="ctr">
-                      <a:solidFill>
-                        <a:srgbClr val="000000"/>
-                      </a:solidFill>
-                      <a:prstDash val="solid"/>
-                      <a:round/>
-                      <a:headEnd type="none" w="med" len="med"/>
-                      <a:tailEnd type="none" w="med" len="med"/>
-                    </a:lnR>
-                    <a:lnT w="38100" cap="flat" cmpd="sng" algn="ctr">
-                      <a:solidFill>
-                        <a:srgbClr val="000000"/>
-                      </a:solidFill>
-                      <a:prstDash val="solid"/>
-                      <a:round/>
-                      <a:headEnd type="none" w="med" len="med"/>
-                      <a:tailEnd type="none" w="med" len="med"/>
-                    </a:lnT>
-                    <a:lnB w="38100" cap="flat" cmpd="sng" algn="ctr">
-                      <a:solidFill>
-                        <a:srgbClr val="000000"/>
-                      </a:solidFill>
-                      <a:prstDash val="solid"/>
-                      <a:round/>
-                      <a:headEnd type="none" w="med" len="med"/>
-                      <a:tailEnd type="none" w="med" len="med"/>
-                    </a:lnB>
-                    <a:solidFill>
-                      <a:srgbClr val="FEFBDB"/>
-                    </a:solidFill>
-                  </a:tcPr>
-                </a:tc>
-                <a:tc>
-                  <a:txBody>
-                    <a:bodyPr/>
-                    <a:lstStyle/>
-                    <a:p>
-                      <a:pPr algn="ctr">
-                        <a:lnSpc>
-                          <a:spcPts val="4899"/>
-                        </a:lnSpc>
-                        <a:defRPr/>
-                      </a:pPr>
-                      <a:r>
-                        <a:rPr lang="en-US" sz="3499" b="1">
-                          <a:solidFill>
-                            <a:srgbClr val="000000"/>
-                          </a:solidFill>
-                          <a:latin typeface="Bitter Bold"/>
-                          <a:ea typeface="Bitter Bold"/>
-                          <a:cs typeface="Bitter Bold"/>
-                          <a:sym typeface="Bitter Bold"/>
-                        </a:rPr>
-                        <a:t>2^4</a:t>
-                      </a:r>
-                      <a:endParaRPr lang="en-US" sz="1100"/>
-                    </a:p>
-                  </a:txBody>
-                  <a:tcPr marL="47625" marR="47625" marT="47625" marB="47625" anchor="ctr">
-                    <a:lnL w="38100" cap="flat" cmpd="sng" algn="ctr">
-                      <a:solidFill>
-                        <a:srgbClr val="000000"/>
-                      </a:solidFill>
-                      <a:prstDash val="solid"/>
-                      <a:round/>
-                      <a:headEnd type="none" w="med" len="med"/>
-                      <a:tailEnd type="none" w="med" len="med"/>
-                    </a:lnL>
-                    <a:lnR w="38100" cap="flat" cmpd="sng" algn="ctr">
-                      <a:solidFill>
-                        <a:srgbClr val="000000"/>
-                      </a:solidFill>
-                      <a:prstDash val="solid"/>
-                      <a:round/>
-                      <a:headEnd type="none" w="med" len="med"/>
-                      <a:tailEnd type="none" w="med" len="med"/>
-                    </a:lnR>
-                    <a:lnT w="38100" cap="flat" cmpd="sng" algn="ctr">
-                      <a:solidFill>
-                        <a:srgbClr val="000000"/>
-                      </a:solidFill>
-                      <a:prstDash val="solid"/>
-                      <a:round/>
-                      <a:headEnd type="none" w="med" len="med"/>
-                      <a:tailEnd type="none" w="med" len="med"/>
-                    </a:lnT>
-                    <a:lnB w="38100" cap="flat" cmpd="sng" algn="ctr">
-                      <a:solidFill>
-                        <a:srgbClr val="000000"/>
-                      </a:solidFill>
-                      <a:prstDash val="solid"/>
-                      <a:round/>
-                      <a:headEnd type="none" w="med" len="med"/>
-                      <a:tailEnd type="none" w="med" len="med"/>
-                    </a:lnB>
-                    <a:solidFill>
-                      <a:srgbClr val="FEFBDB"/>
-                    </a:solidFill>
-                  </a:tcPr>
-                </a:tc>
-                <a:tc>
-                  <a:txBody>
-                    <a:bodyPr/>
-                    <a:lstStyle/>
-                    <a:p>
-                      <a:pPr algn="ctr">
-                        <a:lnSpc>
-                          <a:spcPts val="4899"/>
-                        </a:lnSpc>
-                        <a:defRPr/>
-                      </a:pPr>
-                      <a:r>
-                        <a:rPr lang="en-US" sz="3499" b="1">
-                          <a:solidFill>
-                            <a:srgbClr val="000000"/>
-                          </a:solidFill>
-                          <a:latin typeface="Bitter Bold"/>
-                          <a:ea typeface="Bitter Bold"/>
-                          <a:cs typeface="Bitter Bold"/>
-                          <a:sym typeface="Bitter Bold"/>
-                        </a:rPr>
-                        <a:t>2^3</a:t>
-                      </a:r>
-                      <a:endParaRPr lang="en-US" sz="1100"/>
-                    </a:p>
-                  </a:txBody>
-                  <a:tcPr marL="47625" marR="47625" marT="47625" marB="47625" anchor="ctr">
-                    <a:lnL w="38100" cap="flat" cmpd="sng" algn="ctr">
-                      <a:solidFill>
-                        <a:srgbClr val="000000"/>
-                      </a:solidFill>
-                      <a:prstDash val="solid"/>
-                      <a:round/>
-                      <a:headEnd type="none" w="med" len="med"/>
-                      <a:tailEnd type="none" w="med" len="med"/>
-                    </a:lnL>
-                    <a:lnR w="38100" cap="flat" cmpd="sng" algn="ctr">
-                      <a:solidFill>
-                        <a:srgbClr val="000000"/>
-                      </a:solidFill>
-                      <a:prstDash val="solid"/>
-                      <a:round/>
-                      <a:headEnd type="none" w="med" len="med"/>
-                      <a:tailEnd type="none" w="med" len="med"/>
-                    </a:lnR>
-                    <a:lnT w="38100" cap="flat" cmpd="sng" algn="ctr">
-                      <a:solidFill>
-                        <a:srgbClr val="000000"/>
-                      </a:solidFill>
-                      <a:prstDash val="solid"/>
-                      <a:round/>
-                      <a:headEnd type="none" w="med" len="med"/>
-                      <a:tailEnd type="none" w="med" len="med"/>
-                    </a:lnT>
-                    <a:lnB w="38100" cap="flat" cmpd="sng" algn="ctr">
-                      <a:solidFill>
-                        <a:srgbClr val="000000"/>
-                      </a:solidFill>
-                      <a:prstDash val="solid"/>
-                      <a:round/>
-                      <a:headEnd type="none" w="med" len="med"/>
-                      <a:tailEnd type="none" w="med" len="med"/>
-                    </a:lnB>
-                    <a:solidFill>
-                      <a:srgbClr val="FEFBDB"/>
-                    </a:solidFill>
-                  </a:tcPr>
-                </a:tc>
-                <a:tc>
-                  <a:txBody>
-                    <a:bodyPr/>
-                    <a:lstStyle/>
-                    <a:p>
-                      <a:pPr algn="ctr">
-                        <a:lnSpc>
-                          <a:spcPts val="4899"/>
-                        </a:lnSpc>
-                        <a:defRPr/>
-                      </a:pPr>
-                      <a:r>
-                        <a:rPr lang="en-US" sz="3499" b="1">
-                          <a:solidFill>
-                            <a:srgbClr val="000000"/>
-                          </a:solidFill>
-                          <a:latin typeface="Bitter Bold"/>
-                          <a:ea typeface="Bitter Bold"/>
-                          <a:cs typeface="Bitter Bold"/>
-                          <a:sym typeface="Bitter Bold"/>
-                        </a:rPr>
-                        <a:t>2^2</a:t>
-                      </a:r>
-                      <a:endParaRPr lang="en-US" sz="1100"/>
-                    </a:p>
-                  </a:txBody>
-                  <a:tcPr marL="47625" marR="47625" marT="47625" marB="47625" anchor="ctr">
-                    <a:lnL w="38100" cap="flat" cmpd="sng" algn="ctr">
-                      <a:solidFill>
-                        <a:srgbClr val="000000"/>
-                      </a:solidFill>
-                      <a:prstDash val="solid"/>
-                      <a:round/>
-                      <a:headEnd type="none" w="med" len="med"/>
-                      <a:tailEnd type="none" w="med" len="med"/>
-                    </a:lnL>
-                    <a:lnR w="38100" cap="flat" cmpd="sng" algn="ctr">
-                      <a:solidFill>
-                        <a:srgbClr val="000000"/>
-                      </a:solidFill>
-                      <a:prstDash val="solid"/>
-                      <a:round/>
-                      <a:headEnd type="none" w="med" len="med"/>
-                      <a:tailEnd type="none" w="med" len="med"/>
-                    </a:lnR>
-                    <a:lnT w="38100" cap="flat" cmpd="sng" algn="ctr">
-                      <a:solidFill>
-                        <a:srgbClr val="000000"/>
-                      </a:solidFill>
-                      <a:prstDash val="solid"/>
-                      <a:round/>
-                      <a:headEnd type="none" w="med" len="med"/>
-                      <a:tailEnd type="none" w="med" len="med"/>
-                    </a:lnT>
-                    <a:lnB w="38100" cap="flat" cmpd="sng" algn="ctr">
-                      <a:solidFill>
-                        <a:srgbClr val="000000"/>
-                      </a:solidFill>
-                      <a:prstDash val="solid"/>
-                      <a:round/>
-                      <a:headEnd type="none" w="med" len="med"/>
-                      <a:tailEnd type="none" w="med" len="med"/>
-                    </a:lnB>
-                    <a:solidFill>
-                      <a:srgbClr val="FEFBDB"/>
-                    </a:solidFill>
-                  </a:tcPr>
-                </a:tc>
-                <a:tc>
-                  <a:txBody>
-                    <a:bodyPr/>
-                    <a:lstStyle/>
-                    <a:p>
-                      <a:pPr algn="ctr">
-                        <a:lnSpc>
-                          <a:spcPts val="4899"/>
-                        </a:lnSpc>
-                        <a:defRPr/>
-                      </a:pPr>
-                      <a:r>
-                        <a:rPr lang="en-US" sz="3499" b="1">
-                          <a:solidFill>
-                            <a:srgbClr val="000000"/>
-                          </a:solidFill>
-                          <a:latin typeface="Bitter Bold"/>
-                          <a:ea typeface="Bitter Bold"/>
-                          <a:cs typeface="Bitter Bold"/>
-                          <a:sym typeface="Bitter Bold"/>
-                        </a:rPr>
-                        <a:t>2^1</a:t>
-                      </a:r>
-                      <a:endParaRPr lang="en-US" sz="1100"/>
-                    </a:p>
-                  </a:txBody>
-                  <a:tcPr marL="47625" marR="47625" marT="47625" marB="47625" anchor="ctr">
-                    <a:lnL w="38100" cap="flat" cmpd="sng" algn="ctr">
-                      <a:solidFill>
-                        <a:srgbClr val="000000"/>
-                      </a:solidFill>
-                      <a:prstDash val="solid"/>
-                      <a:round/>
-                      <a:headEnd type="none" w="med" len="med"/>
-                      <a:tailEnd type="none" w="med" len="med"/>
-                    </a:lnL>
-                    <a:lnR w="38100" cap="flat" cmpd="sng" algn="ctr">
-                      <a:solidFill>
-                        <a:srgbClr val="000000"/>
-                      </a:solidFill>
-                      <a:prstDash val="solid"/>
-                      <a:round/>
-                      <a:headEnd type="none" w="med" len="med"/>
-                      <a:tailEnd type="none" w="med" len="med"/>
-                    </a:lnR>
-                    <a:lnT w="38100" cap="flat" cmpd="sng" algn="ctr">
-                      <a:solidFill>
-                        <a:srgbClr val="000000"/>
-                      </a:solidFill>
-                      <a:prstDash val="solid"/>
-                      <a:round/>
-                      <a:headEnd type="none" w="med" len="med"/>
-                      <a:tailEnd type="none" w="med" len="med"/>
-                    </a:lnT>
-                    <a:lnB w="38100" cap="flat" cmpd="sng" algn="ctr">
-                      <a:solidFill>
-                        <a:srgbClr val="000000"/>
-                      </a:solidFill>
-                      <a:prstDash val="solid"/>
-                      <a:round/>
-                      <a:headEnd type="none" w="med" len="med"/>
-                      <a:tailEnd type="none" w="med" len="med"/>
-                    </a:lnB>
-                    <a:solidFill>
-                      <a:srgbClr val="FEFBDB"/>
-                    </a:solidFill>
-                  </a:tcPr>
-                </a:tc>
-                <a:tc>
-                  <a:txBody>
-                    <a:bodyPr/>
-                    <a:lstStyle/>
-                    <a:p>
-                      <a:pPr algn="ctr">
-                        <a:lnSpc>
-                          <a:spcPts val="4899"/>
-                        </a:lnSpc>
-                        <a:defRPr/>
-                      </a:pPr>
-                      <a:r>
-                        <a:rPr lang="en-US" sz="3499" b="1">
-                          <a:solidFill>
-                            <a:srgbClr val="000000"/>
-                          </a:solidFill>
-                          <a:latin typeface="Bitter Bold"/>
-                          <a:ea typeface="Bitter Bold"/>
-                          <a:cs typeface="Bitter Bold"/>
-                          <a:sym typeface="Bitter Bold"/>
-                        </a:rPr>
-                        <a:t> 2^0</a:t>
-                      </a:r>
-                      <a:endParaRPr lang="en-US" sz="1100"/>
-                    </a:p>
-                  </a:txBody>
-                  <a:tcPr marL="47625" marR="47625" marT="47625" marB="47625" anchor="ctr">
-                    <a:lnL w="38100" cap="flat" cmpd="sng" algn="ctr">
-                      <a:solidFill>
-                        <a:srgbClr val="000000"/>
-                      </a:solidFill>
-                      <a:prstDash val="solid"/>
-                      <a:round/>
-                      <a:headEnd type="none" w="med" len="med"/>
-                      <a:tailEnd type="none" w="med" len="med"/>
-                    </a:lnL>
-                    <a:lnR w="38100" cap="flat" cmpd="sng" algn="ctr">
-                      <a:solidFill>
-                        <a:srgbClr val="000000"/>
-                      </a:solidFill>
-                      <a:prstDash val="solid"/>
-                      <a:round/>
-                      <a:headEnd type="none" w="med" len="med"/>
-                      <a:tailEnd type="none" w="med" len="med"/>
-                    </a:lnR>
-                    <a:lnT w="38100" cap="flat" cmpd="sng" algn="ctr">
-                      <a:solidFill>
-                        <a:srgbClr val="000000"/>
-                      </a:solidFill>
-                      <a:prstDash val="solid"/>
-                      <a:round/>
-                      <a:headEnd type="none" w="med" len="med"/>
-                      <a:tailEnd type="none" w="med" len="med"/>
-                    </a:lnT>
-                    <a:lnB w="38100" cap="flat" cmpd="sng" algn="ctr">
-                      <a:solidFill>
-                        <a:srgbClr val="000000"/>
-                      </a:solidFill>
-                      <a:prstDash val="solid"/>
-                      <a:round/>
-                      <a:headEnd type="none" w="med" len="med"/>
-                      <a:tailEnd type="none" w="med" len="med"/>
-                    </a:lnB>
-                    <a:solidFill>
-                      <a:srgbClr val="FEFBDB"/>
-                    </a:solidFill>
-                  </a:tcPr>
-                </a:tc>
-                <a:extLst>
-                  <a:ext uri="{0D108BD9-81ED-4DB2-BD59-A6C34878D82A}">
-                    <a16:rowId xmlns:a16="http://schemas.microsoft.com/office/drawing/2014/main" val="10000"/>
-                  </a:ext>
-                </a:extLst>
-              </a:tr>
-              <a:tr h="908771">
-                <a:tc>
-                  <a:txBody>
-                    <a:bodyPr/>
-                    <a:lstStyle/>
-                    <a:p>
-                      <a:pPr algn="ctr">
-                        <a:lnSpc>
-                          <a:spcPts val="2939"/>
-                        </a:lnSpc>
-                        <a:defRPr/>
-                      </a:pPr>
-                      <a:endParaRPr lang="en-US" sz="1100"/>
-                    </a:p>
-                  </a:txBody>
-                  <a:tcPr marL="47625" marR="47625" marT="47625" marB="47625" anchor="ctr">
-                    <a:lnL w="38100" cap="flat" cmpd="sng" algn="ctr">
-                      <a:solidFill>
-                        <a:srgbClr val="000000"/>
-                      </a:solidFill>
-                      <a:prstDash val="solid"/>
-                      <a:round/>
-                      <a:headEnd type="none" w="med" len="med"/>
-                      <a:tailEnd type="none" w="med" len="med"/>
-                    </a:lnL>
-                    <a:lnR w="38100" cap="flat" cmpd="sng" algn="ctr">
-                      <a:solidFill>
-                        <a:srgbClr val="000000"/>
-                      </a:solidFill>
-                      <a:prstDash val="solid"/>
-                      <a:round/>
-                      <a:headEnd type="none" w="med" len="med"/>
-                      <a:tailEnd type="none" w="med" len="med"/>
-                    </a:lnR>
-                    <a:lnT w="38100" cap="flat" cmpd="sng" algn="ctr">
-                      <a:solidFill>
-                        <a:srgbClr val="000000"/>
-                      </a:solidFill>
-                      <a:prstDash val="solid"/>
-                      <a:round/>
-                      <a:headEnd type="none" w="med" len="med"/>
-                      <a:tailEnd type="none" w="med" len="med"/>
-                    </a:lnT>
-                    <a:lnB w="38100" cap="flat" cmpd="sng" algn="ctr">
-                      <a:solidFill>
-                        <a:srgbClr val="000000"/>
-                      </a:solidFill>
-                      <a:prstDash val="solid"/>
-                      <a:round/>
-                      <a:headEnd type="none" w="med" len="med"/>
-                      <a:tailEnd type="none" w="med" len="med"/>
-                    </a:lnB>
-                    <a:solidFill>
-                      <a:srgbClr val="FEFBDB"/>
-                    </a:solidFill>
-                  </a:tcPr>
-                </a:tc>
-                <a:tc>
-                  <a:txBody>
-                    <a:bodyPr/>
-                    <a:lstStyle/>
-                    <a:p>
-                      <a:pPr algn="ctr">
-                        <a:lnSpc>
-                          <a:spcPts val="3639"/>
-                        </a:lnSpc>
-                        <a:defRPr/>
-                      </a:pPr>
-                      <a:r>
-                        <a:rPr lang="en-US" sz="2599">
-                          <a:solidFill>
-                            <a:srgbClr val="000000"/>
-                          </a:solidFill>
-                          <a:latin typeface="Bitter"/>
-                          <a:ea typeface="Bitter"/>
-                          <a:cs typeface="Bitter"/>
-                          <a:sym typeface="Bitter"/>
-                        </a:rPr>
-                        <a:t>256</a:t>
-                      </a:r>
-                      <a:endParaRPr lang="en-US" sz="1100"/>
-                    </a:p>
-                  </a:txBody>
-                  <a:tcPr marL="47625" marR="47625" marT="47625" marB="47625" anchor="ctr">
-                    <a:lnL w="38100" cap="flat" cmpd="sng" algn="ctr">
-                      <a:solidFill>
-                        <a:srgbClr val="000000"/>
-                      </a:solidFill>
-                      <a:prstDash val="solid"/>
-                      <a:round/>
-                      <a:headEnd type="none" w="med" len="med"/>
-                      <a:tailEnd type="none" w="med" len="med"/>
-                    </a:lnL>
-                    <a:lnR w="38100" cap="flat" cmpd="sng" algn="ctr">
-                      <a:solidFill>
-                        <a:srgbClr val="000000"/>
-                      </a:solidFill>
-                      <a:prstDash val="solid"/>
-                      <a:round/>
-                      <a:headEnd type="none" w="med" len="med"/>
-                      <a:tailEnd type="none" w="med" len="med"/>
-                    </a:lnR>
-                    <a:lnT w="38100" cap="flat" cmpd="sng" algn="ctr">
-                      <a:solidFill>
-                        <a:srgbClr val="000000"/>
-                      </a:solidFill>
-                      <a:prstDash val="solid"/>
-                      <a:round/>
-                      <a:headEnd type="none" w="med" len="med"/>
-                      <a:tailEnd type="none" w="med" len="med"/>
-                    </a:lnT>
-                    <a:lnB w="38100" cap="flat" cmpd="sng" algn="ctr">
-                      <a:solidFill>
-                        <a:srgbClr val="000000"/>
-                      </a:solidFill>
-                      <a:prstDash val="solid"/>
-                      <a:round/>
-                      <a:headEnd type="none" w="med" len="med"/>
-                      <a:tailEnd type="none" w="med" len="med"/>
-                    </a:lnB>
-                    <a:solidFill>
-                      <a:srgbClr val="FEFBDB"/>
-                    </a:solidFill>
-                  </a:tcPr>
-                </a:tc>
-                <a:tc>
-                  <a:txBody>
-                    <a:bodyPr/>
-                    <a:lstStyle/>
-                    <a:p>
-                      <a:pPr algn="ctr">
-                        <a:lnSpc>
-                          <a:spcPts val="3639"/>
-                        </a:lnSpc>
-                        <a:defRPr/>
-                      </a:pPr>
-                      <a:r>
-                        <a:rPr lang="en-US" sz="2599">
-                          <a:solidFill>
-                            <a:srgbClr val="000000"/>
-                          </a:solidFill>
-                          <a:latin typeface="Bitter"/>
-                          <a:ea typeface="Bitter"/>
-                          <a:cs typeface="Bitter"/>
-                          <a:sym typeface="Bitter"/>
-                        </a:rPr>
-                        <a:t>128</a:t>
-                      </a:r>
-                      <a:endParaRPr lang="en-US" sz="1100"/>
-                    </a:p>
-                  </a:txBody>
-                  <a:tcPr marL="47625" marR="47625" marT="47625" marB="47625" anchor="ctr">
-                    <a:lnL w="38100" cap="flat" cmpd="sng" algn="ctr">
-                      <a:solidFill>
-                        <a:srgbClr val="000000"/>
-                      </a:solidFill>
-                      <a:prstDash val="solid"/>
-                      <a:round/>
-                      <a:headEnd type="none" w="med" len="med"/>
-                      <a:tailEnd type="none" w="med" len="med"/>
-                    </a:lnL>
-                    <a:lnR w="38100" cap="flat" cmpd="sng" algn="ctr">
-                      <a:solidFill>
-                        <a:srgbClr val="000000"/>
-                      </a:solidFill>
-                      <a:prstDash val="solid"/>
-                      <a:round/>
-                      <a:headEnd type="none" w="med" len="med"/>
-                      <a:tailEnd type="none" w="med" len="med"/>
-                    </a:lnR>
-                    <a:lnT w="38100" cap="flat" cmpd="sng" algn="ctr">
-                      <a:solidFill>
-                        <a:srgbClr val="000000"/>
-                      </a:solidFill>
-                      <a:prstDash val="solid"/>
-                      <a:round/>
-                      <a:headEnd type="none" w="med" len="med"/>
-                      <a:tailEnd type="none" w="med" len="med"/>
-                    </a:lnT>
-                    <a:lnB w="38100" cap="flat" cmpd="sng" algn="ctr">
-                      <a:solidFill>
-                        <a:srgbClr val="000000"/>
-                      </a:solidFill>
-                      <a:prstDash val="solid"/>
-                      <a:round/>
-                      <a:headEnd type="none" w="med" len="med"/>
-                      <a:tailEnd type="none" w="med" len="med"/>
-                    </a:lnB>
-                    <a:solidFill>
-                      <a:srgbClr val="FEFBDB"/>
-                    </a:solidFill>
-                  </a:tcPr>
-                </a:tc>
-                <a:tc>
-                  <a:txBody>
-                    <a:bodyPr/>
-                    <a:lstStyle/>
-                    <a:p>
-                      <a:pPr algn="ctr">
-                        <a:lnSpc>
-                          <a:spcPts val="3639"/>
-                        </a:lnSpc>
-                        <a:defRPr/>
-                      </a:pPr>
-                      <a:r>
-                        <a:rPr lang="en-US" sz="2599">
-                          <a:solidFill>
-                            <a:srgbClr val="000000"/>
-                          </a:solidFill>
-                          <a:latin typeface="Bitter"/>
-                          <a:ea typeface="Bitter"/>
-                          <a:cs typeface="Bitter"/>
-                          <a:sym typeface="Bitter"/>
-                        </a:rPr>
-                        <a:t>64</a:t>
-                      </a:r>
-                      <a:endParaRPr lang="en-US" sz="1100"/>
-                    </a:p>
-                  </a:txBody>
-                  <a:tcPr marL="47625" marR="47625" marT="47625" marB="47625" anchor="ctr">
-                    <a:lnL w="38100" cap="flat" cmpd="sng" algn="ctr">
-                      <a:solidFill>
-                        <a:srgbClr val="000000"/>
-                      </a:solidFill>
-                      <a:prstDash val="solid"/>
-                      <a:round/>
-                      <a:headEnd type="none" w="med" len="med"/>
-                      <a:tailEnd type="none" w="med" len="med"/>
-                    </a:lnL>
-                    <a:lnR w="38100" cap="flat" cmpd="sng" algn="ctr">
-                      <a:solidFill>
-                        <a:srgbClr val="000000"/>
-                      </a:solidFill>
-                      <a:prstDash val="solid"/>
-                      <a:round/>
-                      <a:headEnd type="none" w="med" len="med"/>
-                      <a:tailEnd type="none" w="med" len="med"/>
-                    </a:lnR>
-                    <a:lnT w="38100" cap="flat" cmpd="sng" algn="ctr">
-                      <a:solidFill>
-                        <a:srgbClr val="000000"/>
-                      </a:solidFill>
-                      <a:prstDash val="solid"/>
-                      <a:round/>
-                      <a:headEnd type="none" w="med" len="med"/>
-                      <a:tailEnd type="none" w="med" len="med"/>
-                    </a:lnT>
-                    <a:lnB w="38100" cap="flat" cmpd="sng" algn="ctr">
-                      <a:solidFill>
-                        <a:srgbClr val="000000"/>
-                      </a:solidFill>
-                      <a:prstDash val="solid"/>
-                      <a:round/>
-                      <a:headEnd type="none" w="med" len="med"/>
-                      <a:tailEnd type="none" w="med" len="med"/>
-                    </a:lnB>
-                    <a:solidFill>
-                      <a:srgbClr val="FEFBDB"/>
-                    </a:solidFill>
-                  </a:tcPr>
-                </a:tc>
-                <a:tc>
-                  <a:txBody>
-                    <a:bodyPr/>
-                    <a:lstStyle/>
-                    <a:p>
-                      <a:pPr algn="ctr">
-                        <a:lnSpc>
-                          <a:spcPts val="3639"/>
-                        </a:lnSpc>
-                        <a:defRPr/>
-                      </a:pPr>
-                      <a:r>
-                        <a:rPr lang="en-US" sz="2599">
-                          <a:solidFill>
-                            <a:srgbClr val="000000"/>
-                          </a:solidFill>
-                          <a:latin typeface="Bitter"/>
-                          <a:ea typeface="Bitter"/>
-                          <a:cs typeface="Bitter"/>
-                          <a:sym typeface="Bitter"/>
-                        </a:rPr>
-                        <a:t>32</a:t>
-                      </a:r>
-                      <a:endParaRPr lang="en-US" sz="1100"/>
-                    </a:p>
-                  </a:txBody>
-                  <a:tcPr marL="47625" marR="47625" marT="47625" marB="47625" anchor="ctr">
-                    <a:lnL w="38100" cap="flat" cmpd="sng" algn="ctr">
-                      <a:solidFill>
-                        <a:srgbClr val="000000"/>
-                      </a:solidFill>
-                      <a:prstDash val="solid"/>
-                      <a:round/>
-                      <a:headEnd type="none" w="med" len="med"/>
-                      <a:tailEnd type="none" w="med" len="med"/>
-                    </a:lnL>
-                    <a:lnR w="38100" cap="flat" cmpd="sng" algn="ctr">
-                      <a:solidFill>
-                        <a:srgbClr val="000000"/>
-                      </a:solidFill>
-                      <a:prstDash val="solid"/>
-                      <a:round/>
-                      <a:headEnd type="none" w="med" len="med"/>
-                      <a:tailEnd type="none" w="med" len="med"/>
-                    </a:lnR>
-                    <a:lnT w="38100" cap="flat" cmpd="sng" algn="ctr">
-                      <a:solidFill>
-                        <a:srgbClr val="000000"/>
-                      </a:solidFill>
-                      <a:prstDash val="solid"/>
-                      <a:round/>
-                      <a:headEnd type="none" w="med" len="med"/>
-                      <a:tailEnd type="none" w="med" len="med"/>
-                    </a:lnT>
-                    <a:lnB w="38100" cap="flat" cmpd="sng" algn="ctr">
-                      <a:solidFill>
-                        <a:srgbClr val="000000"/>
-                      </a:solidFill>
-                      <a:prstDash val="solid"/>
-                      <a:round/>
-                      <a:headEnd type="none" w="med" len="med"/>
-                      <a:tailEnd type="none" w="med" len="med"/>
-                    </a:lnB>
-                    <a:solidFill>
-                      <a:srgbClr val="FEFBDB"/>
-                    </a:solidFill>
-                  </a:tcPr>
-                </a:tc>
-                <a:tc>
-                  <a:txBody>
-                    <a:bodyPr/>
-                    <a:lstStyle/>
-                    <a:p>
-                      <a:pPr algn="ctr">
-                        <a:lnSpc>
-                          <a:spcPts val="3639"/>
-                        </a:lnSpc>
-                        <a:defRPr/>
-                      </a:pPr>
-                      <a:r>
-                        <a:rPr lang="en-US" sz="2599">
-                          <a:solidFill>
-                            <a:srgbClr val="000000"/>
-                          </a:solidFill>
-                          <a:latin typeface="Bitter"/>
-                          <a:ea typeface="Bitter"/>
-                          <a:cs typeface="Bitter"/>
-                          <a:sym typeface="Bitter"/>
-                        </a:rPr>
-                        <a:t>16</a:t>
-                      </a:r>
-                      <a:endParaRPr lang="en-US" sz="1100"/>
-                    </a:p>
-                  </a:txBody>
-                  <a:tcPr marL="47625" marR="47625" marT="47625" marB="47625" anchor="ctr">
-                    <a:lnL w="38100" cap="flat" cmpd="sng" algn="ctr">
-                      <a:solidFill>
-                        <a:srgbClr val="000000"/>
-                      </a:solidFill>
-                      <a:prstDash val="solid"/>
-                      <a:round/>
-                      <a:headEnd type="none" w="med" len="med"/>
-                      <a:tailEnd type="none" w="med" len="med"/>
-                    </a:lnL>
-                    <a:lnR w="38100" cap="flat" cmpd="sng" algn="ctr">
-                      <a:solidFill>
-                        <a:srgbClr val="000000"/>
-                      </a:solidFill>
-                      <a:prstDash val="solid"/>
-                      <a:round/>
-                      <a:headEnd type="none" w="med" len="med"/>
-                      <a:tailEnd type="none" w="med" len="med"/>
-                    </a:lnR>
-                    <a:lnT w="38100" cap="flat" cmpd="sng" algn="ctr">
-                      <a:solidFill>
-                        <a:srgbClr val="000000"/>
-                      </a:solidFill>
-                      <a:prstDash val="solid"/>
-                      <a:round/>
-                      <a:headEnd type="none" w="med" len="med"/>
-                      <a:tailEnd type="none" w="med" len="med"/>
-                    </a:lnT>
-                    <a:lnB w="38100" cap="flat" cmpd="sng" algn="ctr">
-                      <a:solidFill>
-                        <a:srgbClr val="000000"/>
-                      </a:solidFill>
-                      <a:prstDash val="solid"/>
-                      <a:round/>
-                      <a:headEnd type="none" w="med" len="med"/>
-                      <a:tailEnd type="none" w="med" len="med"/>
-                    </a:lnB>
-                    <a:solidFill>
-                      <a:srgbClr val="FEFBDB"/>
-                    </a:solidFill>
-                  </a:tcPr>
-                </a:tc>
-                <a:tc>
-                  <a:txBody>
-                    <a:bodyPr/>
-                    <a:lstStyle/>
-                    <a:p>
-                      <a:pPr algn="ctr">
-                        <a:lnSpc>
-                          <a:spcPts val="3639"/>
-                        </a:lnSpc>
-                        <a:defRPr/>
-                      </a:pPr>
-                      <a:r>
-                        <a:rPr lang="en-US" sz="2599">
-                          <a:solidFill>
-                            <a:srgbClr val="000000"/>
-                          </a:solidFill>
-                          <a:latin typeface="Bitter"/>
-                          <a:ea typeface="Bitter"/>
-                          <a:cs typeface="Bitter"/>
-                          <a:sym typeface="Bitter"/>
-                        </a:rPr>
-                        <a:t>8</a:t>
-                      </a:r>
-                      <a:endParaRPr lang="en-US" sz="1100"/>
-                    </a:p>
-                  </a:txBody>
-                  <a:tcPr marL="47625" marR="47625" marT="47625" marB="47625" anchor="ctr">
-                    <a:lnL w="38100" cap="flat" cmpd="sng" algn="ctr">
-                      <a:solidFill>
-                        <a:srgbClr val="000000"/>
-                      </a:solidFill>
-                      <a:prstDash val="solid"/>
-                      <a:round/>
-                      <a:headEnd type="none" w="med" len="med"/>
-                      <a:tailEnd type="none" w="med" len="med"/>
-                    </a:lnL>
-                    <a:lnR w="38100" cap="flat" cmpd="sng" algn="ctr">
-                      <a:solidFill>
-                        <a:srgbClr val="000000"/>
-                      </a:solidFill>
-                      <a:prstDash val="solid"/>
-                      <a:round/>
-                      <a:headEnd type="none" w="med" len="med"/>
-                      <a:tailEnd type="none" w="med" len="med"/>
-                    </a:lnR>
-                    <a:lnT w="38100" cap="flat" cmpd="sng" algn="ctr">
-                      <a:solidFill>
-                        <a:srgbClr val="000000"/>
-                      </a:solidFill>
-                      <a:prstDash val="solid"/>
-                      <a:round/>
-                      <a:headEnd type="none" w="med" len="med"/>
-                      <a:tailEnd type="none" w="med" len="med"/>
-                    </a:lnT>
-                    <a:lnB w="38100" cap="flat" cmpd="sng" algn="ctr">
-                      <a:solidFill>
-                        <a:srgbClr val="000000"/>
-                      </a:solidFill>
-                      <a:prstDash val="solid"/>
-                      <a:round/>
-                      <a:headEnd type="none" w="med" len="med"/>
-                      <a:tailEnd type="none" w="med" len="med"/>
-                    </a:lnB>
-                    <a:solidFill>
-                      <a:srgbClr val="FEFBDB"/>
-                    </a:solidFill>
-                  </a:tcPr>
-                </a:tc>
-                <a:tc>
-                  <a:txBody>
-                    <a:bodyPr/>
-                    <a:lstStyle/>
-                    <a:p>
-                      <a:pPr algn="ctr">
-                        <a:lnSpc>
-                          <a:spcPts val="3639"/>
-                        </a:lnSpc>
-                        <a:defRPr/>
-                      </a:pPr>
-                      <a:r>
-                        <a:rPr lang="en-US" sz="2599">
-                          <a:solidFill>
-                            <a:srgbClr val="000000"/>
-                          </a:solidFill>
-                          <a:latin typeface="Bitter"/>
-                          <a:ea typeface="Bitter"/>
-                          <a:cs typeface="Bitter"/>
-                          <a:sym typeface="Bitter"/>
-                        </a:rPr>
-                        <a:t>4</a:t>
-                      </a:r>
-                      <a:endParaRPr lang="en-US" sz="1100"/>
-                    </a:p>
-                  </a:txBody>
-                  <a:tcPr marL="47625" marR="47625" marT="47625" marB="47625" anchor="ctr">
-                    <a:lnL w="38100" cap="flat" cmpd="sng" algn="ctr">
-                      <a:solidFill>
-                        <a:srgbClr val="000000"/>
-                      </a:solidFill>
-                      <a:prstDash val="solid"/>
-                      <a:round/>
-                      <a:headEnd type="none" w="med" len="med"/>
-                      <a:tailEnd type="none" w="med" len="med"/>
-                    </a:lnL>
-                    <a:lnR w="38100" cap="flat" cmpd="sng" algn="ctr">
-                      <a:solidFill>
-                        <a:srgbClr val="000000"/>
-                      </a:solidFill>
-                      <a:prstDash val="solid"/>
-                      <a:round/>
-                      <a:headEnd type="none" w="med" len="med"/>
-                      <a:tailEnd type="none" w="med" len="med"/>
-                    </a:lnR>
-                    <a:lnT w="38100" cap="flat" cmpd="sng" algn="ctr">
-                      <a:solidFill>
-                        <a:srgbClr val="000000"/>
-                      </a:solidFill>
-                      <a:prstDash val="solid"/>
-                      <a:round/>
-                      <a:headEnd type="none" w="med" len="med"/>
-                      <a:tailEnd type="none" w="med" len="med"/>
-                    </a:lnT>
-                    <a:lnB w="38100" cap="flat" cmpd="sng" algn="ctr">
-                      <a:solidFill>
-                        <a:srgbClr val="000000"/>
-                      </a:solidFill>
-                      <a:prstDash val="solid"/>
-                      <a:round/>
-                      <a:headEnd type="none" w="med" len="med"/>
-                      <a:tailEnd type="none" w="med" len="med"/>
-                    </a:lnB>
-                    <a:solidFill>
-                      <a:srgbClr val="FEFBDB"/>
-                    </a:solidFill>
-                  </a:tcPr>
-                </a:tc>
-                <a:tc>
-                  <a:txBody>
-                    <a:bodyPr/>
-                    <a:lstStyle/>
-                    <a:p>
-                      <a:pPr algn="ctr">
-                        <a:lnSpc>
-                          <a:spcPts val="3639"/>
-                        </a:lnSpc>
-                        <a:defRPr/>
-                      </a:pPr>
-                      <a:r>
-                        <a:rPr lang="en-US" sz="2599">
-                          <a:solidFill>
-                            <a:srgbClr val="000000"/>
-                          </a:solidFill>
-                          <a:latin typeface="Bitter"/>
-                          <a:ea typeface="Bitter"/>
-                          <a:cs typeface="Bitter"/>
-                          <a:sym typeface="Bitter"/>
-                        </a:rPr>
-                        <a:t>2</a:t>
-                      </a:r>
-                      <a:endParaRPr lang="en-US" sz="1100"/>
-                    </a:p>
-                  </a:txBody>
-                  <a:tcPr marL="47625" marR="47625" marT="47625" marB="47625" anchor="ctr">
-                    <a:lnL w="38100" cap="flat" cmpd="sng" algn="ctr">
-                      <a:solidFill>
-                        <a:srgbClr val="000000"/>
-                      </a:solidFill>
-                      <a:prstDash val="solid"/>
-                      <a:round/>
-                      <a:headEnd type="none" w="med" len="med"/>
-                      <a:tailEnd type="none" w="med" len="med"/>
-                    </a:lnL>
-                    <a:lnR w="38100" cap="flat" cmpd="sng" algn="ctr">
-                      <a:solidFill>
-                        <a:srgbClr val="000000"/>
-                      </a:solidFill>
-                      <a:prstDash val="solid"/>
-                      <a:round/>
-                      <a:headEnd type="none" w="med" len="med"/>
-                      <a:tailEnd type="none" w="med" len="med"/>
-                    </a:lnR>
-                    <a:lnT w="38100" cap="flat" cmpd="sng" algn="ctr">
-                      <a:solidFill>
-                        <a:srgbClr val="000000"/>
-                      </a:solidFill>
-                      <a:prstDash val="solid"/>
-                      <a:round/>
-                      <a:headEnd type="none" w="med" len="med"/>
-                      <a:tailEnd type="none" w="med" len="med"/>
-                    </a:lnT>
-                    <a:lnB w="38100" cap="flat" cmpd="sng" algn="ctr">
-                      <a:solidFill>
-                        <a:srgbClr val="000000"/>
-                      </a:solidFill>
-                      <a:prstDash val="solid"/>
-                      <a:round/>
-                      <a:headEnd type="none" w="med" len="med"/>
-                      <a:tailEnd type="none" w="med" len="med"/>
-                    </a:lnB>
-                    <a:solidFill>
-                      <a:srgbClr val="FEFBDB"/>
-                    </a:solidFill>
-                  </a:tcPr>
-                </a:tc>
-                <a:tc>
-                  <a:txBody>
-                    <a:bodyPr/>
-                    <a:lstStyle/>
-                    <a:p>
-                      <a:pPr algn="ctr">
-                        <a:lnSpc>
-                          <a:spcPts val="3639"/>
-                        </a:lnSpc>
-                        <a:defRPr/>
-                      </a:pPr>
-                      <a:r>
-                        <a:rPr lang="en-US" sz="2599">
-                          <a:solidFill>
-                            <a:srgbClr val="000000"/>
-                          </a:solidFill>
-                          <a:latin typeface="Bitter"/>
-                          <a:ea typeface="Bitter"/>
-                          <a:cs typeface="Bitter"/>
-                          <a:sym typeface="Bitter"/>
-                        </a:rPr>
-                        <a:t>0</a:t>
-                      </a:r>
-                      <a:endParaRPr lang="en-US" sz="1100"/>
-                    </a:p>
-                  </a:txBody>
-                  <a:tcPr marL="47625" marR="47625" marT="47625" marB="47625" anchor="ctr">
-                    <a:lnL w="38100" cap="flat" cmpd="sng" algn="ctr">
-                      <a:solidFill>
-                        <a:srgbClr val="000000"/>
-                      </a:solidFill>
-                      <a:prstDash val="solid"/>
-                      <a:round/>
-                      <a:headEnd type="none" w="med" len="med"/>
-                      <a:tailEnd type="none" w="med" len="med"/>
-                    </a:lnL>
-                    <a:lnR w="38100" cap="flat" cmpd="sng" algn="ctr">
-                      <a:solidFill>
-                        <a:srgbClr val="000000"/>
-                      </a:solidFill>
-                      <a:prstDash val="solid"/>
-                      <a:round/>
-                      <a:headEnd type="none" w="med" len="med"/>
-                      <a:tailEnd type="none" w="med" len="med"/>
-                    </a:lnR>
-                    <a:lnT w="38100" cap="flat" cmpd="sng" algn="ctr">
-                      <a:solidFill>
-                        <a:srgbClr val="000000"/>
-                      </a:solidFill>
-                      <a:prstDash val="solid"/>
-                      <a:round/>
-                      <a:headEnd type="none" w="med" len="med"/>
-                      <a:tailEnd type="none" w="med" len="med"/>
-                    </a:lnT>
-                    <a:lnB w="38100" cap="flat" cmpd="sng" algn="ctr">
-                      <a:solidFill>
-                        <a:srgbClr val="000000"/>
-                      </a:solidFill>
-                      <a:prstDash val="solid"/>
-                      <a:round/>
-                      <a:headEnd type="none" w="med" len="med"/>
-                      <a:tailEnd type="none" w="med" len="med"/>
-                    </a:lnB>
-                    <a:solidFill>
-                      <a:srgbClr val="FEFBDB"/>
-                    </a:solidFill>
-                  </a:tcPr>
-                </a:tc>
-                <a:extLst>
-                  <a:ext uri="{0D108BD9-81ED-4DB2-BD59-A6C34878D82A}">
-                    <a16:rowId xmlns:a16="http://schemas.microsoft.com/office/drawing/2014/main" val="10001"/>
-                  </a:ext>
-                </a:extLst>
-              </a:tr>
-              <a:tr h="983292">
-                <a:tc>
-                  <a:txBody>
-                    <a:bodyPr/>
-                    <a:lstStyle/>
-                    <a:p>
-                      <a:pPr algn="ctr">
-                        <a:lnSpc>
-                          <a:spcPts val="2939"/>
-                        </a:lnSpc>
-                        <a:defRPr/>
-                      </a:pPr>
-                      <a:r>
-                        <a:rPr lang="en-US" sz="2099" b="1">
-                          <a:solidFill>
-                            <a:srgbClr val="000000"/>
-                          </a:solidFill>
-                          <a:latin typeface="Bitter Bold"/>
-                          <a:ea typeface="Bitter Bold"/>
-                          <a:cs typeface="Bitter Bold"/>
-                          <a:sym typeface="Bitter Bold"/>
-                        </a:rPr>
-                        <a:t>Is this on or off?</a:t>
-                      </a:r>
-                      <a:endParaRPr lang="en-US" sz="1100"/>
-                    </a:p>
-                  </a:txBody>
-                  <a:tcPr marL="47625" marR="47625" marT="47625" marB="47625" anchor="ctr">
-                    <a:lnL w="38100" cap="flat" cmpd="sng" algn="ctr">
-                      <a:solidFill>
-                        <a:srgbClr val="000000"/>
-                      </a:solidFill>
-                      <a:prstDash val="solid"/>
-                      <a:round/>
-                      <a:headEnd type="none" w="med" len="med"/>
-                      <a:tailEnd type="none" w="med" len="med"/>
-                    </a:lnL>
-                    <a:lnR w="38100" cap="flat" cmpd="sng" algn="ctr">
-                      <a:solidFill>
-                        <a:srgbClr val="000000"/>
-                      </a:solidFill>
-                      <a:prstDash val="solid"/>
-                      <a:round/>
-                      <a:headEnd type="none" w="med" len="med"/>
-                      <a:tailEnd type="none" w="med" len="med"/>
-                    </a:lnR>
-                    <a:lnT w="38100" cap="flat" cmpd="sng" algn="ctr">
-                      <a:solidFill>
-                        <a:srgbClr val="000000"/>
-                      </a:solidFill>
-                      <a:prstDash val="solid"/>
-                      <a:round/>
-                      <a:headEnd type="none" w="med" len="med"/>
-                      <a:tailEnd type="none" w="med" len="med"/>
-                    </a:lnT>
-                    <a:lnB w="38100" cap="flat" cmpd="sng" algn="ctr">
-                      <a:solidFill>
-                        <a:srgbClr val="000000"/>
-                      </a:solidFill>
-                      <a:prstDash val="solid"/>
-                      <a:round/>
-                      <a:headEnd type="none" w="med" len="med"/>
-                      <a:tailEnd type="none" w="med" len="med"/>
-                    </a:lnB>
-                    <a:solidFill>
-                      <a:srgbClr val="FEFBDB"/>
-                    </a:solidFill>
-                  </a:tcPr>
-                </a:tc>
-                <a:tc>
-                  <a:txBody>
-                    <a:bodyPr/>
-                    <a:lstStyle/>
-                    <a:p>
-                      <a:pPr algn="ctr">
-                        <a:lnSpc>
-                          <a:spcPts val="3639"/>
-                        </a:lnSpc>
-                        <a:defRPr/>
-                      </a:pPr>
-                      <a:r>
-                        <a:rPr lang="en-US" sz="2599">
-                          <a:solidFill>
-                            <a:srgbClr val="000000"/>
-                          </a:solidFill>
-                          <a:latin typeface="Bitter"/>
-                          <a:ea typeface="Bitter"/>
-                          <a:cs typeface="Bitter"/>
-                          <a:sym typeface="Bitter"/>
-                        </a:rPr>
-                        <a:t>1=on</a:t>
-                      </a:r>
-                      <a:endParaRPr lang="en-US" sz="1100"/>
-                    </a:p>
-                  </a:txBody>
-                  <a:tcPr marL="47625" marR="47625" marT="47625" marB="47625" anchor="ctr">
-                    <a:lnL w="38100" cap="flat" cmpd="sng" algn="ctr">
-                      <a:solidFill>
-                        <a:srgbClr val="000000"/>
-                      </a:solidFill>
-                      <a:prstDash val="solid"/>
-                      <a:round/>
-                      <a:headEnd type="none" w="med" len="med"/>
-                      <a:tailEnd type="none" w="med" len="med"/>
-                    </a:lnL>
-                    <a:lnR w="38100" cap="flat" cmpd="sng" algn="ctr">
-                      <a:solidFill>
-                        <a:srgbClr val="000000"/>
-                      </a:solidFill>
-                      <a:prstDash val="solid"/>
-                      <a:round/>
-                      <a:headEnd type="none" w="med" len="med"/>
-                      <a:tailEnd type="none" w="med" len="med"/>
-                    </a:lnR>
-                    <a:lnT w="38100" cap="flat" cmpd="sng" algn="ctr">
-                      <a:solidFill>
-                        <a:srgbClr val="000000"/>
-                      </a:solidFill>
-                      <a:prstDash val="solid"/>
-                      <a:round/>
-                      <a:headEnd type="none" w="med" len="med"/>
-                      <a:tailEnd type="none" w="med" len="med"/>
-                    </a:lnT>
-                    <a:lnB w="38100" cap="flat" cmpd="sng" algn="ctr">
-                      <a:solidFill>
-                        <a:srgbClr val="000000"/>
-                      </a:solidFill>
-                      <a:prstDash val="solid"/>
-                      <a:round/>
-                      <a:headEnd type="none" w="med" len="med"/>
-                      <a:tailEnd type="none" w="med" len="med"/>
-                    </a:lnB>
-                    <a:solidFill>
-                      <a:srgbClr val="FEFBDB"/>
-                    </a:solidFill>
-                  </a:tcPr>
-                </a:tc>
-                <a:tc>
-                  <a:txBody>
-                    <a:bodyPr/>
-                    <a:lstStyle/>
-                    <a:p>
-                      <a:pPr algn="ctr">
-                        <a:lnSpc>
-                          <a:spcPts val="3639"/>
-                        </a:lnSpc>
-                        <a:defRPr/>
-                      </a:pPr>
-                      <a:r>
-                        <a:rPr lang="en-US" sz="2599">
-                          <a:solidFill>
-                            <a:srgbClr val="000000"/>
-                          </a:solidFill>
-                          <a:latin typeface="Bitter"/>
-                          <a:ea typeface="Bitter"/>
-                          <a:cs typeface="Bitter"/>
-                          <a:sym typeface="Bitter"/>
-                        </a:rPr>
-                        <a:t>0=off</a:t>
-                      </a:r>
-                      <a:endParaRPr lang="en-US" sz="1100"/>
-                    </a:p>
-                  </a:txBody>
-                  <a:tcPr marL="47625" marR="47625" marT="47625" marB="47625" anchor="ctr">
-                    <a:lnL w="38100" cap="flat" cmpd="sng" algn="ctr">
-                      <a:solidFill>
-                        <a:srgbClr val="000000"/>
-                      </a:solidFill>
-                      <a:prstDash val="solid"/>
-                      <a:round/>
-                      <a:headEnd type="none" w="med" len="med"/>
-                      <a:tailEnd type="none" w="med" len="med"/>
-                    </a:lnL>
-                    <a:lnR w="38100" cap="flat" cmpd="sng" algn="ctr">
-                      <a:solidFill>
-                        <a:srgbClr val="000000"/>
-                      </a:solidFill>
-                      <a:prstDash val="solid"/>
-                      <a:round/>
-                      <a:headEnd type="none" w="med" len="med"/>
-                      <a:tailEnd type="none" w="med" len="med"/>
-                    </a:lnR>
-                    <a:lnT w="38100" cap="flat" cmpd="sng" algn="ctr">
-                      <a:solidFill>
-                        <a:srgbClr val="000000"/>
-                      </a:solidFill>
-                      <a:prstDash val="solid"/>
-                      <a:round/>
-                      <a:headEnd type="none" w="med" len="med"/>
-                      <a:tailEnd type="none" w="med" len="med"/>
-                    </a:lnT>
-                    <a:lnB w="38100" cap="flat" cmpd="sng" algn="ctr">
-                      <a:solidFill>
-                        <a:srgbClr val="000000"/>
-                      </a:solidFill>
-                      <a:prstDash val="solid"/>
-                      <a:round/>
-                      <a:headEnd type="none" w="med" len="med"/>
-                      <a:tailEnd type="none" w="med" len="med"/>
-                    </a:lnB>
-                    <a:solidFill>
-                      <a:srgbClr val="FEFBDB"/>
-                    </a:solidFill>
-                  </a:tcPr>
-                </a:tc>
-                <a:tc>
-                  <a:txBody>
-                    <a:bodyPr/>
-                    <a:lstStyle/>
-                    <a:p>
-                      <a:pPr algn="ctr">
-                        <a:lnSpc>
-                          <a:spcPts val="3639"/>
-                        </a:lnSpc>
-                        <a:defRPr/>
-                      </a:pPr>
-                      <a:r>
-                        <a:rPr lang="en-US" sz="2599">
-                          <a:solidFill>
-                            <a:srgbClr val="000000"/>
-                          </a:solidFill>
-                          <a:latin typeface="Bitter"/>
-                          <a:ea typeface="Bitter"/>
-                          <a:cs typeface="Bitter"/>
-                          <a:sym typeface="Bitter"/>
-                        </a:rPr>
-                        <a:t>1=on</a:t>
-                      </a:r>
-                      <a:endParaRPr lang="en-US" sz="1100"/>
-                    </a:p>
-                  </a:txBody>
-                  <a:tcPr marL="47625" marR="47625" marT="47625" marB="47625" anchor="ctr">
-                    <a:lnL w="38100" cap="flat" cmpd="sng" algn="ctr">
-                      <a:solidFill>
-                        <a:srgbClr val="000000"/>
-                      </a:solidFill>
-                      <a:prstDash val="solid"/>
-                      <a:round/>
-                      <a:headEnd type="none" w="med" len="med"/>
-                      <a:tailEnd type="none" w="med" len="med"/>
-                    </a:lnL>
-                    <a:lnR w="38100" cap="flat" cmpd="sng" algn="ctr">
-                      <a:solidFill>
-                        <a:srgbClr val="000000"/>
-                      </a:solidFill>
-                      <a:prstDash val="solid"/>
-                      <a:round/>
-                      <a:headEnd type="none" w="med" len="med"/>
-                      <a:tailEnd type="none" w="med" len="med"/>
-                    </a:lnR>
-                    <a:lnT w="38100" cap="flat" cmpd="sng" algn="ctr">
-                      <a:solidFill>
-                        <a:srgbClr val="000000"/>
-                      </a:solidFill>
-                      <a:prstDash val="solid"/>
-                      <a:round/>
-                      <a:headEnd type="none" w="med" len="med"/>
-                      <a:tailEnd type="none" w="med" len="med"/>
-                    </a:lnT>
-                    <a:lnB w="38100" cap="flat" cmpd="sng" algn="ctr">
-                      <a:solidFill>
-                        <a:srgbClr val="000000"/>
-                      </a:solidFill>
-                      <a:prstDash val="solid"/>
-                      <a:round/>
-                      <a:headEnd type="none" w="med" len="med"/>
-                      <a:tailEnd type="none" w="med" len="med"/>
-                    </a:lnB>
-                    <a:solidFill>
-                      <a:srgbClr val="FEFBDB"/>
-                    </a:solidFill>
-                  </a:tcPr>
-                </a:tc>
-                <a:tc>
-                  <a:txBody>
-                    <a:bodyPr/>
-                    <a:lstStyle/>
-                    <a:p>
-                      <a:pPr algn="ctr">
-                        <a:lnSpc>
-                          <a:spcPts val="3639"/>
-                        </a:lnSpc>
-                        <a:defRPr/>
-                      </a:pPr>
-                      <a:r>
-                        <a:rPr lang="en-US" sz="2599">
-                          <a:solidFill>
-                            <a:srgbClr val="000000"/>
-                          </a:solidFill>
-                          <a:latin typeface="Bitter"/>
-                          <a:ea typeface="Bitter"/>
-                          <a:cs typeface="Bitter"/>
-                          <a:sym typeface="Bitter"/>
-                        </a:rPr>
-                        <a:t>0=off</a:t>
-                      </a:r>
-                      <a:endParaRPr lang="en-US" sz="1100"/>
-                    </a:p>
-                  </a:txBody>
-                  <a:tcPr marL="47625" marR="47625" marT="47625" marB="47625" anchor="ctr">
-                    <a:lnL w="38100" cap="flat" cmpd="sng" algn="ctr">
-                      <a:solidFill>
-                        <a:srgbClr val="000000"/>
-                      </a:solidFill>
-                      <a:prstDash val="solid"/>
-                      <a:round/>
-                      <a:headEnd type="none" w="med" len="med"/>
-                      <a:tailEnd type="none" w="med" len="med"/>
-                    </a:lnL>
-                    <a:lnR w="38100" cap="flat" cmpd="sng" algn="ctr">
-                      <a:solidFill>
-                        <a:srgbClr val="000000"/>
-                      </a:solidFill>
-                      <a:prstDash val="solid"/>
-                      <a:round/>
-                      <a:headEnd type="none" w="med" len="med"/>
-                      <a:tailEnd type="none" w="med" len="med"/>
-                    </a:lnR>
-                    <a:lnT w="38100" cap="flat" cmpd="sng" algn="ctr">
-                      <a:solidFill>
-                        <a:srgbClr val="000000"/>
-                      </a:solidFill>
-                      <a:prstDash val="solid"/>
-                      <a:round/>
-                      <a:headEnd type="none" w="med" len="med"/>
-                      <a:tailEnd type="none" w="med" len="med"/>
-                    </a:lnT>
-                    <a:lnB w="38100" cap="flat" cmpd="sng" algn="ctr">
-                      <a:solidFill>
-                        <a:srgbClr val="000000"/>
-                      </a:solidFill>
-                      <a:prstDash val="solid"/>
-                      <a:round/>
-                      <a:headEnd type="none" w="med" len="med"/>
-                      <a:tailEnd type="none" w="med" len="med"/>
-                    </a:lnB>
-                    <a:solidFill>
-                      <a:srgbClr val="FEFBDB"/>
-                    </a:solidFill>
-                  </a:tcPr>
-                </a:tc>
-                <a:tc>
-                  <a:txBody>
-                    <a:bodyPr/>
-                    <a:lstStyle/>
-                    <a:p>
-                      <a:pPr algn="ctr">
-                        <a:lnSpc>
-                          <a:spcPts val="3639"/>
-                        </a:lnSpc>
-                        <a:defRPr/>
-                      </a:pPr>
-                      <a:r>
-                        <a:rPr lang="en-US" sz="2599">
-                          <a:solidFill>
-                            <a:srgbClr val="000000"/>
-                          </a:solidFill>
-                          <a:latin typeface="Bitter"/>
-                          <a:ea typeface="Bitter"/>
-                          <a:cs typeface="Bitter"/>
-                          <a:sym typeface="Bitter"/>
-                        </a:rPr>
-                        <a:t>0=off</a:t>
-                      </a:r>
-                      <a:endParaRPr lang="en-US" sz="1100"/>
-                    </a:p>
-                  </a:txBody>
-                  <a:tcPr marL="47625" marR="47625" marT="47625" marB="47625" anchor="ctr">
-                    <a:lnL w="38100" cap="flat" cmpd="sng" algn="ctr">
-                      <a:solidFill>
-                        <a:srgbClr val="000000"/>
-                      </a:solidFill>
-                      <a:prstDash val="solid"/>
-                      <a:round/>
-                      <a:headEnd type="none" w="med" len="med"/>
-                      <a:tailEnd type="none" w="med" len="med"/>
-                    </a:lnL>
-                    <a:lnR w="38100" cap="flat" cmpd="sng" algn="ctr">
-                      <a:solidFill>
-                        <a:srgbClr val="000000"/>
-                      </a:solidFill>
-                      <a:prstDash val="solid"/>
-                      <a:round/>
-                      <a:headEnd type="none" w="med" len="med"/>
-                      <a:tailEnd type="none" w="med" len="med"/>
-                    </a:lnR>
-                    <a:lnT w="38100" cap="flat" cmpd="sng" algn="ctr">
-                      <a:solidFill>
-                        <a:srgbClr val="000000"/>
-                      </a:solidFill>
-                      <a:prstDash val="solid"/>
-                      <a:round/>
-                      <a:headEnd type="none" w="med" len="med"/>
-                      <a:tailEnd type="none" w="med" len="med"/>
-                    </a:lnT>
-                    <a:lnB w="38100" cap="flat" cmpd="sng" algn="ctr">
-                      <a:solidFill>
-                        <a:srgbClr val="000000"/>
-                      </a:solidFill>
-                      <a:prstDash val="solid"/>
-                      <a:round/>
-                      <a:headEnd type="none" w="med" len="med"/>
-                      <a:tailEnd type="none" w="med" len="med"/>
-                    </a:lnB>
-                    <a:solidFill>
-                      <a:srgbClr val="FEFBDB"/>
-                    </a:solidFill>
-                  </a:tcPr>
-                </a:tc>
-                <a:tc>
-                  <a:txBody>
-                    <a:bodyPr/>
-                    <a:lstStyle/>
-                    <a:p>
-                      <a:pPr algn="ctr">
-                        <a:lnSpc>
-                          <a:spcPts val="3639"/>
-                        </a:lnSpc>
-                        <a:defRPr/>
-                      </a:pPr>
-                      <a:r>
-                        <a:rPr lang="en-US" sz="2599">
-                          <a:solidFill>
-                            <a:srgbClr val="000000"/>
-                          </a:solidFill>
-                          <a:latin typeface="Bitter"/>
-                          <a:ea typeface="Bitter"/>
-                          <a:cs typeface="Bitter"/>
-                          <a:sym typeface="Bitter"/>
-                        </a:rPr>
-                        <a:t>1=on</a:t>
-                      </a:r>
-                      <a:endParaRPr lang="en-US" sz="1100"/>
-                    </a:p>
-                  </a:txBody>
-                  <a:tcPr marL="47625" marR="47625" marT="47625" marB="47625" anchor="ctr">
-                    <a:lnL w="38100" cap="flat" cmpd="sng" algn="ctr">
-                      <a:solidFill>
-                        <a:srgbClr val="000000"/>
-                      </a:solidFill>
-                      <a:prstDash val="solid"/>
-                      <a:round/>
-                      <a:headEnd type="none" w="med" len="med"/>
-                      <a:tailEnd type="none" w="med" len="med"/>
-                    </a:lnL>
-                    <a:lnR w="38100" cap="flat" cmpd="sng" algn="ctr">
-                      <a:solidFill>
-                        <a:srgbClr val="000000"/>
-                      </a:solidFill>
-                      <a:prstDash val="solid"/>
-                      <a:round/>
-                      <a:headEnd type="none" w="med" len="med"/>
-                      <a:tailEnd type="none" w="med" len="med"/>
-                    </a:lnR>
-                    <a:lnT w="38100" cap="flat" cmpd="sng" algn="ctr">
-                      <a:solidFill>
-                        <a:srgbClr val="000000"/>
-                      </a:solidFill>
-                      <a:prstDash val="solid"/>
-                      <a:round/>
-                      <a:headEnd type="none" w="med" len="med"/>
-                      <a:tailEnd type="none" w="med" len="med"/>
-                    </a:lnT>
-                    <a:lnB w="38100" cap="flat" cmpd="sng" algn="ctr">
-                      <a:solidFill>
-                        <a:srgbClr val="000000"/>
-                      </a:solidFill>
-                      <a:prstDash val="solid"/>
-                      <a:round/>
-                      <a:headEnd type="none" w="med" len="med"/>
-                      <a:tailEnd type="none" w="med" len="med"/>
-                    </a:lnB>
-                    <a:solidFill>
-                      <a:srgbClr val="FEFBDB"/>
-                    </a:solidFill>
-                  </a:tcPr>
-                </a:tc>
-                <a:tc>
-                  <a:txBody>
-                    <a:bodyPr/>
-                    <a:lstStyle/>
-                    <a:p>
-                      <a:pPr algn="ctr">
-                        <a:lnSpc>
-                          <a:spcPts val="3639"/>
-                        </a:lnSpc>
-                        <a:defRPr/>
-                      </a:pPr>
-                      <a:r>
-                        <a:rPr lang="en-US" sz="2599">
-                          <a:solidFill>
-                            <a:srgbClr val="000000"/>
-                          </a:solidFill>
-                          <a:latin typeface="Bitter"/>
-                          <a:ea typeface="Bitter"/>
-                          <a:cs typeface="Bitter"/>
-                          <a:sym typeface="Bitter"/>
-                        </a:rPr>
-                        <a:t>1=on</a:t>
-                      </a:r>
-                      <a:endParaRPr lang="en-US" sz="1100"/>
-                    </a:p>
-                  </a:txBody>
-                  <a:tcPr marL="47625" marR="47625" marT="47625" marB="47625" anchor="ctr">
-                    <a:lnL w="38100" cap="flat" cmpd="sng" algn="ctr">
-                      <a:solidFill>
-                        <a:srgbClr val="000000"/>
-                      </a:solidFill>
-                      <a:prstDash val="solid"/>
-                      <a:round/>
-                      <a:headEnd type="none" w="med" len="med"/>
-                      <a:tailEnd type="none" w="med" len="med"/>
-                    </a:lnL>
-                    <a:lnR w="38100" cap="flat" cmpd="sng" algn="ctr">
-                      <a:solidFill>
-                        <a:srgbClr val="000000"/>
-                      </a:solidFill>
-                      <a:prstDash val="solid"/>
-                      <a:round/>
-                      <a:headEnd type="none" w="med" len="med"/>
-                      <a:tailEnd type="none" w="med" len="med"/>
-                    </a:lnR>
-                    <a:lnT w="38100" cap="flat" cmpd="sng" algn="ctr">
-                      <a:solidFill>
-                        <a:srgbClr val="000000"/>
-                      </a:solidFill>
-                      <a:prstDash val="solid"/>
-                      <a:round/>
-                      <a:headEnd type="none" w="med" len="med"/>
-                      <a:tailEnd type="none" w="med" len="med"/>
-                    </a:lnT>
-                    <a:lnB w="38100" cap="flat" cmpd="sng" algn="ctr">
-                      <a:solidFill>
-                        <a:srgbClr val="000000"/>
-                      </a:solidFill>
-                      <a:prstDash val="solid"/>
-                      <a:round/>
-                      <a:headEnd type="none" w="med" len="med"/>
-                      <a:tailEnd type="none" w="med" len="med"/>
-                    </a:lnB>
-                    <a:solidFill>
-                      <a:srgbClr val="FEFBDB"/>
-                    </a:solidFill>
-                  </a:tcPr>
-                </a:tc>
-                <a:tc>
-                  <a:txBody>
-                    <a:bodyPr/>
-                    <a:lstStyle/>
-                    <a:p>
-                      <a:pPr algn="ctr">
-                        <a:lnSpc>
-                          <a:spcPts val="3639"/>
-                        </a:lnSpc>
-                        <a:defRPr/>
-                      </a:pPr>
-                      <a:r>
-                        <a:rPr lang="en-US" sz="2599">
-                          <a:solidFill>
-                            <a:srgbClr val="000000"/>
-                          </a:solidFill>
-                          <a:latin typeface="Bitter"/>
-                          <a:ea typeface="Bitter"/>
-                          <a:cs typeface="Bitter"/>
-                          <a:sym typeface="Bitter"/>
-                        </a:rPr>
-                        <a:t>0=off</a:t>
-                      </a:r>
-                      <a:endParaRPr lang="en-US" sz="1100"/>
-                    </a:p>
-                  </a:txBody>
-                  <a:tcPr marL="47625" marR="47625" marT="47625" marB="47625" anchor="ctr">
-                    <a:lnL w="38100" cap="flat" cmpd="sng" algn="ctr">
-                      <a:solidFill>
-                        <a:srgbClr val="000000"/>
-                      </a:solidFill>
-                      <a:prstDash val="solid"/>
-                      <a:round/>
-                      <a:headEnd type="none" w="med" len="med"/>
-                      <a:tailEnd type="none" w="med" len="med"/>
-                    </a:lnL>
-                    <a:lnR w="38100" cap="flat" cmpd="sng" algn="ctr">
-                      <a:solidFill>
-                        <a:srgbClr val="000000"/>
-                      </a:solidFill>
-                      <a:prstDash val="solid"/>
-                      <a:round/>
-                      <a:headEnd type="none" w="med" len="med"/>
-                      <a:tailEnd type="none" w="med" len="med"/>
-                    </a:lnR>
-                    <a:lnT w="38100" cap="flat" cmpd="sng" algn="ctr">
-                      <a:solidFill>
-                        <a:srgbClr val="000000"/>
-                      </a:solidFill>
-                      <a:prstDash val="solid"/>
-                      <a:round/>
-                      <a:headEnd type="none" w="med" len="med"/>
-                      <a:tailEnd type="none" w="med" len="med"/>
-                    </a:lnT>
-                    <a:lnB w="38100" cap="flat" cmpd="sng" algn="ctr">
-                      <a:solidFill>
-                        <a:srgbClr val="000000"/>
-                      </a:solidFill>
-                      <a:prstDash val="solid"/>
-                      <a:round/>
-                      <a:headEnd type="none" w="med" len="med"/>
-                      <a:tailEnd type="none" w="med" len="med"/>
-                    </a:lnB>
-                    <a:solidFill>
-                      <a:srgbClr val="FEFBDB"/>
-                    </a:solidFill>
-                  </a:tcPr>
-                </a:tc>
-                <a:tc>
-                  <a:txBody>
-                    <a:bodyPr/>
-                    <a:lstStyle/>
-                    <a:p>
-                      <a:pPr algn="ctr">
-                        <a:lnSpc>
-                          <a:spcPts val="3639"/>
-                        </a:lnSpc>
-                        <a:defRPr/>
-                      </a:pPr>
-                      <a:r>
-                        <a:rPr lang="en-US" sz="2599">
-                          <a:solidFill>
-                            <a:srgbClr val="000000"/>
-                          </a:solidFill>
-                          <a:latin typeface="Bitter"/>
-                          <a:ea typeface="Bitter"/>
-                          <a:cs typeface="Bitter"/>
-                          <a:sym typeface="Bitter"/>
-                        </a:rPr>
-                        <a:t>0=off</a:t>
-                      </a:r>
-                      <a:endParaRPr lang="en-US" sz="1100"/>
-                    </a:p>
-                  </a:txBody>
-                  <a:tcPr marL="47625" marR="47625" marT="47625" marB="47625" anchor="ctr">
-                    <a:lnL w="38100" cap="flat" cmpd="sng" algn="ctr">
-                      <a:solidFill>
-                        <a:srgbClr val="000000"/>
-                      </a:solidFill>
-                      <a:prstDash val="solid"/>
-                      <a:round/>
-                      <a:headEnd type="none" w="med" len="med"/>
-                      <a:tailEnd type="none" w="med" len="med"/>
-                    </a:lnL>
-                    <a:lnR w="38100" cap="flat" cmpd="sng" algn="ctr">
-                      <a:solidFill>
-                        <a:srgbClr val="000000"/>
-                      </a:solidFill>
-                      <a:prstDash val="solid"/>
-                      <a:round/>
-                      <a:headEnd type="none" w="med" len="med"/>
-                      <a:tailEnd type="none" w="med" len="med"/>
-                    </a:lnR>
-                    <a:lnT w="38100" cap="flat" cmpd="sng" algn="ctr">
-                      <a:solidFill>
-                        <a:srgbClr val="000000"/>
-                      </a:solidFill>
-                      <a:prstDash val="solid"/>
-                      <a:round/>
-                      <a:headEnd type="none" w="med" len="med"/>
-                      <a:tailEnd type="none" w="med" len="med"/>
-                    </a:lnT>
-                    <a:lnB w="38100" cap="flat" cmpd="sng" algn="ctr">
-                      <a:solidFill>
-                        <a:srgbClr val="000000"/>
-                      </a:solidFill>
-                      <a:prstDash val="solid"/>
-                      <a:round/>
-                      <a:headEnd type="none" w="med" len="med"/>
-                      <a:tailEnd type="none" w="med" len="med"/>
-                    </a:lnB>
-                    <a:solidFill>
-                      <a:srgbClr val="FEFBDB"/>
-                    </a:solidFill>
-                  </a:tcPr>
-                </a:tc>
-                <a:extLst>
-                  <a:ext uri="{0D108BD9-81ED-4DB2-BD59-A6C34878D82A}">
-                    <a16:rowId xmlns:a16="http://schemas.microsoft.com/office/drawing/2014/main" val="10002"/>
-                  </a:ext>
-                </a:extLst>
-              </a:tr>
-              <a:tr h="908771">
-                <a:tc>
-                  <a:txBody>
-                    <a:bodyPr/>
-                    <a:lstStyle/>
-                    <a:p>
-                      <a:pPr algn="ctr">
-                        <a:lnSpc>
-                          <a:spcPts val="2939"/>
-                        </a:lnSpc>
-                        <a:defRPr/>
-                      </a:pPr>
-                      <a:r>
-                        <a:rPr lang="en-US" sz="2099" b="1">
-                          <a:solidFill>
-                            <a:srgbClr val="000000"/>
-                          </a:solidFill>
-                          <a:latin typeface="Bitter Bold"/>
-                          <a:ea typeface="Bitter Bold"/>
-                          <a:cs typeface="Bitter Bold"/>
-                          <a:sym typeface="Bitter Bold"/>
-                        </a:rPr>
-                        <a:t>Total:</a:t>
-                      </a:r>
-                      <a:endParaRPr lang="en-US" sz="1100"/>
-                    </a:p>
-                  </a:txBody>
-                  <a:tcPr marL="47625" marR="47625" marT="47625" marB="47625" anchor="ctr">
-                    <a:lnL w="38100" cap="flat" cmpd="sng" algn="ctr">
-                      <a:solidFill>
-                        <a:srgbClr val="000000"/>
-                      </a:solidFill>
-                      <a:prstDash val="solid"/>
-                      <a:round/>
-                      <a:headEnd type="none" w="med" len="med"/>
-                      <a:tailEnd type="none" w="med" len="med"/>
-                    </a:lnL>
-                    <a:lnR w="38100" cap="flat" cmpd="sng" algn="ctr">
-                      <a:solidFill>
-                        <a:srgbClr val="000000"/>
-                      </a:solidFill>
-                      <a:prstDash val="solid"/>
-                      <a:round/>
-                      <a:headEnd type="none" w="med" len="med"/>
-                      <a:tailEnd type="none" w="med" len="med"/>
-                    </a:lnR>
-                    <a:lnT w="38100" cap="flat" cmpd="sng" algn="ctr">
-                      <a:solidFill>
-                        <a:srgbClr val="000000"/>
-                      </a:solidFill>
-                      <a:prstDash val="solid"/>
-                      <a:round/>
-                      <a:headEnd type="none" w="med" len="med"/>
-                      <a:tailEnd type="none" w="med" len="med"/>
-                    </a:lnT>
-                    <a:lnB w="38100" cap="flat" cmpd="sng" algn="ctr">
-                      <a:solidFill>
-                        <a:srgbClr val="000000"/>
-                      </a:solidFill>
-                      <a:prstDash val="solid"/>
-                      <a:round/>
-                      <a:headEnd type="none" w="med" len="med"/>
-                      <a:tailEnd type="none" w="med" len="med"/>
-                    </a:lnB>
-                    <a:solidFill>
-                      <a:srgbClr val="FEFBDB"/>
-                    </a:solidFill>
-                  </a:tcPr>
-                </a:tc>
-                <a:tc>
-                  <a:txBody>
-                    <a:bodyPr/>
-                    <a:lstStyle/>
-                    <a:p>
-                      <a:pPr algn="ctr">
-                        <a:lnSpc>
-                          <a:spcPts val="3639"/>
-                        </a:lnSpc>
-                        <a:defRPr/>
-                      </a:pPr>
-                      <a:r>
-                        <a:rPr lang="en-US" sz="2599">
-                          <a:solidFill>
-                            <a:srgbClr val="000000"/>
-                          </a:solidFill>
-                          <a:latin typeface="Bitter"/>
-                          <a:ea typeface="Bitter"/>
-                          <a:cs typeface="Bitter"/>
-                          <a:sym typeface="Bitter"/>
-                        </a:rPr>
-                        <a:t>256</a:t>
-                      </a:r>
-                      <a:endParaRPr lang="en-US" sz="1100"/>
-                    </a:p>
-                  </a:txBody>
-                  <a:tcPr marL="47625" marR="47625" marT="47625" marB="47625" anchor="ctr">
-                    <a:lnL w="38100" cap="flat" cmpd="sng" algn="ctr">
-                      <a:solidFill>
-                        <a:srgbClr val="000000"/>
-                      </a:solidFill>
-                      <a:prstDash val="solid"/>
-                      <a:round/>
-                      <a:headEnd type="none" w="med" len="med"/>
-                      <a:tailEnd type="none" w="med" len="med"/>
-                    </a:lnL>
-                    <a:lnR w="38100" cap="flat" cmpd="sng" algn="ctr">
-                      <a:solidFill>
-                        <a:srgbClr val="000000"/>
-                      </a:solidFill>
-                      <a:prstDash val="solid"/>
-                      <a:round/>
-                      <a:headEnd type="none" w="med" len="med"/>
-                      <a:tailEnd type="none" w="med" len="med"/>
-                    </a:lnR>
-                    <a:lnT w="38100" cap="flat" cmpd="sng" algn="ctr">
-                      <a:solidFill>
-                        <a:srgbClr val="000000"/>
-                      </a:solidFill>
-                      <a:prstDash val="solid"/>
-                      <a:round/>
-                      <a:headEnd type="none" w="med" len="med"/>
-                      <a:tailEnd type="none" w="med" len="med"/>
-                    </a:lnT>
-                    <a:lnB w="38100" cap="flat" cmpd="sng" algn="ctr">
-                      <a:solidFill>
-                        <a:srgbClr val="000000"/>
-                      </a:solidFill>
-                      <a:prstDash val="solid"/>
-                      <a:round/>
-                      <a:headEnd type="none" w="med" len="med"/>
-                      <a:tailEnd type="none" w="med" len="med"/>
-                    </a:lnB>
-                    <a:solidFill>
-                      <a:srgbClr val="FEFBDB"/>
-                    </a:solidFill>
-                  </a:tcPr>
-                </a:tc>
-                <a:tc>
-                  <a:txBody>
-                    <a:bodyPr/>
-                    <a:lstStyle/>
-                    <a:p>
-                      <a:pPr algn="ctr">
-                        <a:lnSpc>
-                          <a:spcPts val="3639"/>
-                        </a:lnSpc>
-                        <a:defRPr/>
-                      </a:pPr>
-                      <a:r>
-                        <a:rPr lang="en-US" sz="2599">
-                          <a:solidFill>
-                            <a:srgbClr val="000000"/>
-                          </a:solidFill>
-                          <a:latin typeface="Bitter"/>
-                          <a:ea typeface="Bitter"/>
-                          <a:cs typeface="Bitter"/>
-                          <a:sym typeface="Bitter"/>
-                        </a:rPr>
-                        <a:t>0</a:t>
-                      </a:r>
-                      <a:endParaRPr lang="en-US" sz="1100"/>
-                    </a:p>
-                  </a:txBody>
-                  <a:tcPr marL="47625" marR="47625" marT="47625" marB="47625" anchor="ctr">
-                    <a:lnL w="38100" cap="flat" cmpd="sng" algn="ctr">
-                      <a:solidFill>
-                        <a:srgbClr val="000000"/>
-                      </a:solidFill>
-                      <a:prstDash val="solid"/>
-                      <a:round/>
-                      <a:headEnd type="none" w="med" len="med"/>
-                      <a:tailEnd type="none" w="med" len="med"/>
-                    </a:lnL>
-                    <a:lnR w="38100" cap="flat" cmpd="sng" algn="ctr">
-                      <a:solidFill>
-                        <a:srgbClr val="000000"/>
-                      </a:solidFill>
-                      <a:prstDash val="solid"/>
-                      <a:round/>
-                      <a:headEnd type="none" w="med" len="med"/>
-                      <a:tailEnd type="none" w="med" len="med"/>
-                    </a:lnR>
-                    <a:lnT w="38100" cap="flat" cmpd="sng" algn="ctr">
-                      <a:solidFill>
-                        <a:srgbClr val="000000"/>
-                      </a:solidFill>
-                      <a:prstDash val="solid"/>
-                      <a:round/>
-                      <a:headEnd type="none" w="med" len="med"/>
-                      <a:tailEnd type="none" w="med" len="med"/>
-                    </a:lnT>
-                    <a:lnB w="38100" cap="flat" cmpd="sng" algn="ctr">
-                      <a:solidFill>
-                        <a:srgbClr val="000000"/>
-                      </a:solidFill>
-                      <a:prstDash val="solid"/>
-                      <a:round/>
-                      <a:headEnd type="none" w="med" len="med"/>
-                      <a:tailEnd type="none" w="med" len="med"/>
-                    </a:lnB>
-                    <a:solidFill>
-                      <a:srgbClr val="FEFBDB"/>
-                    </a:solidFill>
-                  </a:tcPr>
-                </a:tc>
-                <a:tc>
-                  <a:txBody>
-                    <a:bodyPr/>
-                    <a:lstStyle/>
-                    <a:p>
-                      <a:pPr algn="ctr">
-                        <a:lnSpc>
-                          <a:spcPts val="3639"/>
-                        </a:lnSpc>
-                        <a:defRPr/>
-                      </a:pPr>
-                      <a:r>
-                        <a:rPr lang="en-US" sz="2599">
-                          <a:solidFill>
-                            <a:srgbClr val="000000"/>
-                          </a:solidFill>
-                          <a:latin typeface="Bitter"/>
-                          <a:ea typeface="Bitter"/>
-                          <a:cs typeface="Bitter"/>
-                          <a:sym typeface="Bitter"/>
-                        </a:rPr>
-                        <a:t>64</a:t>
-                      </a:r>
-                      <a:endParaRPr lang="en-US" sz="1100"/>
-                    </a:p>
-                  </a:txBody>
-                  <a:tcPr marL="47625" marR="47625" marT="47625" marB="47625" anchor="ctr">
-                    <a:lnL w="38100" cap="flat" cmpd="sng" algn="ctr">
-                      <a:solidFill>
-                        <a:srgbClr val="000000"/>
-                      </a:solidFill>
-                      <a:prstDash val="solid"/>
-                      <a:round/>
-                      <a:headEnd type="none" w="med" len="med"/>
-                      <a:tailEnd type="none" w="med" len="med"/>
-                    </a:lnL>
-                    <a:lnR w="38100" cap="flat" cmpd="sng" algn="ctr">
-                      <a:solidFill>
-                        <a:srgbClr val="000000"/>
-                      </a:solidFill>
-                      <a:prstDash val="solid"/>
-                      <a:round/>
-                      <a:headEnd type="none" w="med" len="med"/>
-                      <a:tailEnd type="none" w="med" len="med"/>
-                    </a:lnR>
-                    <a:lnT w="38100" cap="flat" cmpd="sng" algn="ctr">
-                      <a:solidFill>
-                        <a:srgbClr val="000000"/>
-                      </a:solidFill>
-                      <a:prstDash val="solid"/>
-                      <a:round/>
-                      <a:headEnd type="none" w="med" len="med"/>
-                      <a:tailEnd type="none" w="med" len="med"/>
-                    </a:lnT>
-                    <a:lnB w="38100" cap="flat" cmpd="sng" algn="ctr">
-                      <a:solidFill>
-                        <a:srgbClr val="000000"/>
-                      </a:solidFill>
-                      <a:prstDash val="solid"/>
-                      <a:round/>
-                      <a:headEnd type="none" w="med" len="med"/>
-                      <a:tailEnd type="none" w="med" len="med"/>
-                    </a:lnB>
-                    <a:solidFill>
-                      <a:srgbClr val="FEFBDB"/>
-                    </a:solidFill>
-                  </a:tcPr>
-                </a:tc>
-                <a:tc>
-                  <a:txBody>
-                    <a:bodyPr/>
-                    <a:lstStyle/>
-                    <a:p>
-                      <a:pPr algn="ctr">
-                        <a:lnSpc>
-                          <a:spcPts val="3639"/>
-                        </a:lnSpc>
-                        <a:defRPr/>
-                      </a:pPr>
-                      <a:r>
-                        <a:rPr lang="en-US" sz="2599">
-                          <a:solidFill>
-                            <a:srgbClr val="000000"/>
-                          </a:solidFill>
-                          <a:latin typeface="Bitter"/>
-                          <a:ea typeface="Bitter"/>
-                          <a:cs typeface="Bitter"/>
-                          <a:sym typeface="Bitter"/>
-                        </a:rPr>
-                        <a:t>0</a:t>
-                      </a:r>
-                      <a:endParaRPr lang="en-US" sz="1100"/>
-                    </a:p>
-                  </a:txBody>
-                  <a:tcPr marL="47625" marR="47625" marT="47625" marB="47625" anchor="ctr">
-                    <a:lnL w="38100" cap="flat" cmpd="sng" algn="ctr">
-                      <a:solidFill>
-                        <a:srgbClr val="000000"/>
-                      </a:solidFill>
-                      <a:prstDash val="solid"/>
-                      <a:round/>
-                      <a:headEnd type="none" w="med" len="med"/>
-                      <a:tailEnd type="none" w="med" len="med"/>
-                    </a:lnL>
-                    <a:lnR w="38100" cap="flat" cmpd="sng" algn="ctr">
-                      <a:solidFill>
-                        <a:srgbClr val="000000"/>
-                      </a:solidFill>
-                      <a:prstDash val="solid"/>
-                      <a:round/>
-                      <a:headEnd type="none" w="med" len="med"/>
-                      <a:tailEnd type="none" w="med" len="med"/>
-                    </a:lnR>
-                    <a:lnT w="38100" cap="flat" cmpd="sng" algn="ctr">
-                      <a:solidFill>
-                        <a:srgbClr val="000000"/>
-                      </a:solidFill>
-                      <a:prstDash val="solid"/>
-                      <a:round/>
-                      <a:headEnd type="none" w="med" len="med"/>
-                      <a:tailEnd type="none" w="med" len="med"/>
-                    </a:lnT>
-                    <a:lnB w="38100" cap="flat" cmpd="sng" algn="ctr">
-                      <a:solidFill>
-                        <a:srgbClr val="000000"/>
-                      </a:solidFill>
-                      <a:prstDash val="solid"/>
-                      <a:round/>
-                      <a:headEnd type="none" w="med" len="med"/>
-                      <a:tailEnd type="none" w="med" len="med"/>
-                    </a:lnB>
-                    <a:solidFill>
-                      <a:srgbClr val="FEFBDB"/>
-                    </a:solidFill>
-                  </a:tcPr>
-                </a:tc>
-                <a:tc>
-                  <a:txBody>
-                    <a:bodyPr/>
-                    <a:lstStyle/>
-                    <a:p>
-                      <a:pPr algn="ctr">
-                        <a:lnSpc>
-                          <a:spcPts val="3639"/>
-                        </a:lnSpc>
-                        <a:defRPr/>
-                      </a:pPr>
-                      <a:r>
-                        <a:rPr lang="en-US" sz="2599">
-                          <a:solidFill>
-                            <a:srgbClr val="000000"/>
-                          </a:solidFill>
-                          <a:latin typeface="Bitter"/>
-                          <a:ea typeface="Bitter"/>
-                          <a:cs typeface="Bitter"/>
-                          <a:sym typeface="Bitter"/>
-                        </a:rPr>
-                        <a:t>0</a:t>
-                      </a:r>
-                      <a:endParaRPr lang="en-US" sz="1100"/>
-                    </a:p>
-                  </a:txBody>
-                  <a:tcPr marL="47625" marR="47625" marT="47625" marB="47625" anchor="ctr">
-                    <a:lnL w="38100" cap="flat" cmpd="sng" algn="ctr">
-                      <a:solidFill>
-                        <a:srgbClr val="000000"/>
-                      </a:solidFill>
-                      <a:prstDash val="solid"/>
-                      <a:round/>
-                      <a:headEnd type="none" w="med" len="med"/>
-                      <a:tailEnd type="none" w="med" len="med"/>
-                    </a:lnL>
-                    <a:lnR w="38100" cap="flat" cmpd="sng" algn="ctr">
-                      <a:solidFill>
-                        <a:srgbClr val="000000"/>
-                      </a:solidFill>
-                      <a:prstDash val="solid"/>
-                      <a:round/>
-                      <a:headEnd type="none" w="med" len="med"/>
-                      <a:tailEnd type="none" w="med" len="med"/>
-                    </a:lnR>
-                    <a:lnT w="38100" cap="flat" cmpd="sng" algn="ctr">
-                      <a:solidFill>
-                        <a:srgbClr val="000000"/>
-                      </a:solidFill>
-                      <a:prstDash val="solid"/>
-                      <a:round/>
-                      <a:headEnd type="none" w="med" len="med"/>
-                      <a:tailEnd type="none" w="med" len="med"/>
-                    </a:lnT>
-                    <a:lnB w="38100" cap="flat" cmpd="sng" algn="ctr">
-                      <a:solidFill>
-                        <a:srgbClr val="000000"/>
-                      </a:solidFill>
-                      <a:prstDash val="solid"/>
-                      <a:round/>
-                      <a:headEnd type="none" w="med" len="med"/>
-                      <a:tailEnd type="none" w="med" len="med"/>
-                    </a:lnB>
-                    <a:solidFill>
-                      <a:srgbClr val="FEFBDB"/>
-                    </a:solidFill>
-                  </a:tcPr>
-                </a:tc>
-                <a:tc>
-                  <a:txBody>
-                    <a:bodyPr/>
-                    <a:lstStyle/>
-                    <a:p>
-                      <a:pPr algn="ctr">
-                        <a:lnSpc>
-                          <a:spcPts val="3639"/>
-                        </a:lnSpc>
-                        <a:defRPr/>
-                      </a:pPr>
-                      <a:r>
-                        <a:rPr lang="en-US" sz="2599">
-                          <a:solidFill>
-                            <a:srgbClr val="000000"/>
-                          </a:solidFill>
-                          <a:latin typeface="Bitter"/>
-                          <a:ea typeface="Bitter"/>
-                          <a:cs typeface="Bitter"/>
-                          <a:sym typeface="Bitter"/>
-                        </a:rPr>
-                        <a:t>8</a:t>
-                      </a:r>
-                      <a:endParaRPr lang="en-US" sz="1100"/>
-                    </a:p>
-                  </a:txBody>
-                  <a:tcPr marL="47625" marR="47625" marT="47625" marB="47625" anchor="ctr">
-                    <a:lnL w="38100" cap="flat" cmpd="sng" algn="ctr">
-                      <a:solidFill>
-                        <a:srgbClr val="000000"/>
-                      </a:solidFill>
-                      <a:prstDash val="solid"/>
-                      <a:round/>
-                      <a:headEnd type="none" w="med" len="med"/>
-                      <a:tailEnd type="none" w="med" len="med"/>
-                    </a:lnL>
-                    <a:lnR w="38100" cap="flat" cmpd="sng" algn="ctr">
-                      <a:solidFill>
-                        <a:srgbClr val="000000"/>
-                      </a:solidFill>
-                      <a:prstDash val="solid"/>
-                      <a:round/>
-                      <a:headEnd type="none" w="med" len="med"/>
-                      <a:tailEnd type="none" w="med" len="med"/>
-                    </a:lnR>
-                    <a:lnT w="38100" cap="flat" cmpd="sng" algn="ctr">
-                      <a:solidFill>
-                        <a:srgbClr val="000000"/>
-                      </a:solidFill>
-                      <a:prstDash val="solid"/>
-                      <a:round/>
-                      <a:headEnd type="none" w="med" len="med"/>
-                      <a:tailEnd type="none" w="med" len="med"/>
-                    </a:lnT>
-                    <a:lnB w="38100" cap="flat" cmpd="sng" algn="ctr">
-                      <a:solidFill>
-                        <a:srgbClr val="000000"/>
-                      </a:solidFill>
-                      <a:prstDash val="solid"/>
-                      <a:round/>
-                      <a:headEnd type="none" w="med" len="med"/>
-                      <a:tailEnd type="none" w="med" len="med"/>
-                    </a:lnB>
-                    <a:solidFill>
-                      <a:srgbClr val="FEFBDB"/>
-                    </a:solidFill>
-                  </a:tcPr>
-                </a:tc>
-                <a:tc>
-                  <a:txBody>
-                    <a:bodyPr/>
-                    <a:lstStyle/>
-                    <a:p>
-                      <a:pPr algn="ctr">
-                        <a:lnSpc>
-                          <a:spcPts val="3639"/>
-                        </a:lnSpc>
-                        <a:defRPr/>
-                      </a:pPr>
-                      <a:r>
-                        <a:rPr lang="en-US" sz="2599">
-                          <a:solidFill>
-                            <a:srgbClr val="000000"/>
-                          </a:solidFill>
-                          <a:latin typeface="Bitter"/>
-                          <a:ea typeface="Bitter"/>
-                          <a:cs typeface="Bitter"/>
-                          <a:sym typeface="Bitter"/>
-                        </a:rPr>
-                        <a:t>4</a:t>
-                      </a:r>
-                      <a:endParaRPr lang="en-US" sz="1100"/>
-                    </a:p>
-                  </a:txBody>
-                  <a:tcPr marL="47625" marR="47625" marT="47625" marB="47625" anchor="ctr">
-                    <a:lnL w="38100" cap="flat" cmpd="sng" algn="ctr">
-                      <a:solidFill>
-                        <a:srgbClr val="000000"/>
-                      </a:solidFill>
-                      <a:prstDash val="solid"/>
-                      <a:round/>
-                      <a:headEnd type="none" w="med" len="med"/>
-                      <a:tailEnd type="none" w="med" len="med"/>
-                    </a:lnL>
-                    <a:lnR w="38100" cap="flat" cmpd="sng" algn="ctr">
-                      <a:solidFill>
-                        <a:srgbClr val="000000"/>
-                      </a:solidFill>
-                      <a:prstDash val="solid"/>
-                      <a:round/>
-                      <a:headEnd type="none" w="med" len="med"/>
-                      <a:tailEnd type="none" w="med" len="med"/>
-                    </a:lnR>
-                    <a:lnT w="38100" cap="flat" cmpd="sng" algn="ctr">
-                      <a:solidFill>
-                        <a:srgbClr val="000000"/>
-                      </a:solidFill>
-                      <a:prstDash val="solid"/>
-                      <a:round/>
-                      <a:headEnd type="none" w="med" len="med"/>
-                      <a:tailEnd type="none" w="med" len="med"/>
-                    </a:lnT>
-                    <a:lnB w="38100" cap="flat" cmpd="sng" algn="ctr">
-                      <a:solidFill>
-                        <a:srgbClr val="000000"/>
-                      </a:solidFill>
-                      <a:prstDash val="solid"/>
-                      <a:round/>
-                      <a:headEnd type="none" w="med" len="med"/>
-                      <a:tailEnd type="none" w="med" len="med"/>
-                    </a:lnB>
-                    <a:solidFill>
-                      <a:srgbClr val="FEFBDB"/>
-                    </a:solidFill>
-                  </a:tcPr>
-                </a:tc>
-                <a:tc>
-                  <a:txBody>
-                    <a:bodyPr/>
-                    <a:lstStyle/>
-                    <a:p>
-                      <a:pPr algn="ctr">
-                        <a:lnSpc>
-                          <a:spcPts val="3639"/>
-                        </a:lnSpc>
-                        <a:defRPr/>
-                      </a:pPr>
-                      <a:r>
-                        <a:rPr lang="en-US" sz="2599">
-                          <a:solidFill>
-                            <a:srgbClr val="000000"/>
-                          </a:solidFill>
-                          <a:latin typeface="Bitter"/>
-                          <a:ea typeface="Bitter"/>
-                          <a:cs typeface="Bitter"/>
-                          <a:sym typeface="Bitter"/>
-                        </a:rPr>
-                        <a:t>0</a:t>
-                      </a:r>
-                      <a:endParaRPr lang="en-US" sz="1100"/>
-                    </a:p>
-                  </a:txBody>
-                  <a:tcPr marL="47625" marR="47625" marT="47625" marB="47625" anchor="ctr">
-                    <a:lnL w="38100" cap="flat" cmpd="sng" algn="ctr">
-                      <a:solidFill>
-                        <a:srgbClr val="000000"/>
-                      </a:solidFill>
-                      <a:prstDash val="solid"/>
-                      <a:round/>
-                      <a:headEnd type="none" w="med" len="med"/>
-                      <a:tailEnd type="none" w="med" len="med"/>
-                    </a:lnL>
-                    <a:lnR w="38100" cap="flat" cmpd="sng" algn="ctr">
-                      <a:solidFill>
-                        <a:srgbClr val="000000"/>
-                      </a:solidFill>
-                      <a:prstDash val="solid"/>
-                      <a:round/>
-                      <a:headEnd type="none" w="med" len="med"/>
-                      <a:tailEnd type="none" w="med" len="med"/>
-                    </a:lnR>
-                    <a:lnT w="38100" cap="flat" cmpd="sng" algn="ctr">
-                      <a:solidFill>
-                        <a:srgbClr val="000000"/>
-                      </a:solidFill>
-                      <a:prstDash val="solid"/>
-                      <a:round/>
-                      <a:headEnd type="none" w="med" len="med"/>
-                      <a:tailEnd type="none" w="med" len="med"/>
-                    </a:lnT>
-                    <a:lnB w="38100" cap="flat" cmpd="sng" algn="ctr">
-                      <a:solidFill>
-                        <a:srgbClr val="000000"/>
-                      </a:solidFill>
-                      <a:prstDash val="solid"/>
-                      <a:round/>
-                      <a:headEnd type="none" w="med" len="med"/>
-                      <a:tailEnd type="none" w="med" len="med"/>
-                    </a:lnB>
-                    <a:solidFill>
-                      <a:srgbClr val="FEFBDB"/>
-                    </a:solidFill>
-                  </a:tcPr>
-                </a:tc>
-                <a:tc>
-                  <a:txBody>
-                    <a:bodyPr/>
-                    <a:lstStyle/>
-                    <a:p>
-                      <a:pPr algn="ctr">
-                        <a:lnSpc>
-                          <a:spcPts val="3639"/>
-                        </a:lnSpc>
-                        <a:defRPr/>
-                      </a:pPr>
-                      <a:r>
-                        <a:rPr lang="en-US" sz="2599">
-                          <a:solidFill>
-                            <a:srgbClr val="000000"/>
-                          </a:solidFill>
-                          <a:latin typeface="Bitter"/>
-                          <a:ea typeface="Bitter"/>
-                          <a:cs typeface="Bitter"/>
-                          <a:sym typeface="Bitter"/>
-                        </a:rPr>
-                        <a:t>0</a:t>
-                      </a:r>
-                      <a:endParaRPr lang="en-US" sz="1100"/>
-                    </a:p>
-                  </a:txBody>
-                  <a:tcPr marL="47625" marR="47625" marT="47625" marB="47625" anchor="ctr">
-                    <a:lnL w="38100" cap="flat" cmpd="sng" algn="ctr">
-                      <a:solidFill>
-                        <a:srgbClr val="000000"/>
-                      </a:solidFill>
-                      <a:prstDash val="solid"/>
-                      <a:round/>
-                      <a:headEnd type="none" w="med" len="med"/>
-                      <a:tailEnd type="none" w="med" len="med"/>
-                    </a:lnL>
-                    <a:lnR w="38100" cap="flat" cmpd="sng" algn="ctr">
-                      <a:solidFill>
-                        <a:srgbClr val="000000"/>
-                      </a:solidFill>
-                      <a:prstDash val="solid"/>
-                      <a:round/>
-                      <a:headEnd type="none" w="med" len="med"/>
-                      <a:tailEnd type="none" w="med" len="med"/>
-                    </a:lnR>
-                    <a:lnT w="38100" cap="flat" cmpd="sng" algn="ctr">
-                      <a:solidFill>
-                        <a:srgbClr val="000000"/>
-                      </a:solidFill>
-                      <a:prstDash val="solid"/>
-                      <a:round/>
-                      <a:headEnd type="none" w="med" len="med"/>
-                      <a:tailEnd type="none" w="med" len="med"/>
-                    </a:lnT>
-                    <a:lnB w="38100" cap="flat" cmpd="sng" algn="ctr">
-                      <a:solidFill>
-                        <a:srgbClr val="000000"/>
-                      </a:solidFill>
-                      <a:prstDash val="solid"/>
-                      <a:round/>
-                      <a:headEnd type="none" w="med" len="med"/>
-                      <a:tailEnd type="none" w="med" len="med"/>
-                    </a:lnB>
-                    <a:solidFill>
-                      <a:srgbClr val="FEFBDB"/>
-                    </a:solidFill>
-                  </a:tcPr>
-                </a:tc>
-                <a:extLst>
-                  <a:ext uri="{0D108BD9-81ED-4DB2-BD59-A6C34878D82A}">
-                    <a16:rowId xmlns:a16="http://schemas.microsoft.com/office/drawing/2014/main" val="10003"/>
-                  </a:ext>
-                </a:extLst>
-              </a:tr>
-              <a:tr h="750772">
-                <a:tc>
-                  <a:txBody>
-                    <a:bodyPr/>
-                    <a:lstStyle/>
-                    <a:p>
-                      <a:pPr algn="ctr">
-                        <a:lnSpc>
-                          <a:spcPts val="2939"/>
-                        </a:lnSpc>
-                        <a:defRPr/>
-                      </a:pPr>
-                      <a:r>
-                        <a:rPr lang="en-US" sz="2099" b="1">
-                          <a:solidFill>
-                            <a:srgbClr val="000000"/>
-                          </a:solidFill>
-                          <a:latin typeface="Bitter Bold"/>
-                          <a:ea typeface="Bitter Bold"/>
-                          <a:cs typeface="Bitter Bold"/>
-                          <a:sym typeface="Bitter Bold"/>
-                        </a:rPr>
-                        <a:t>Add it up</a:t>
-                      </a:r>
-                      <a:endParaRPr lang="en-US" sz="1100"/>
-                    </a:p>
-                  </a:txBody>
-                  <a:tcPr marL="47625" marR="47625" marT="47625" marB="47625" anchor="ctr">
-                    <a:lnL w="38100" cap="flat" cmpd="sng" algn="ctr">
-                      <a:solidFill>
-                        <a:srgbClr val="000000"/>
-                      </a:solidFill>
-                      <a:prstDash val="solid"/>
-                      <a:round/>
-                      <a:headEnd type="none" w="med" len="med"/>
-                      <a:tailEnd type="none" w="med" len="med"/>
-                    </a:lnL>
-                    <a:lnR w="38100" cap="flat" cmpd="sng" algn="ctr">
-                      <a:solidFill>
-                        <a:srgbClr val="000000"/>
-                      </a:solidFill>
-                      <a:prstDash val="solid"/>
-                      <a:round/>
-                      <a:headEnd type="none" w="med" len="med"/>
-                      <a:tailEnd type="none" w="med" len="med"/>
-                    </a:lnR>
-                    <a:lnT w="38100" cap="flat" cmpd="sng" algn="ctr">
-                      <a:solidFill>
-                        <a:srgbClr val="000000"/>
-                      </a:solidFill>
-                      <a:prstDash val="solid"/>
-                      <a:round/>
-                      <a:headEnd type="none" w="med" len="med"/>
-                      <a:tailEnd type="none" w="med" len="med"/>
-                    </a:lnT>
-                    <a:lnB w="38100" cap="flat" cmpd="sng" algn="ctr">
-                      <a:solidFill>
-                        <a:srgbClr val="000000"/>
-                      </a:solidFill>
-                      <a:prstDash val="solid"/>
-                      <a:round/>
-                      <a:headEnd type="none" w="med" len="med"/>
-                      <a:tailEnd type="none" w="med" len="med"/>
-                    </a:lnB>
-                    <a:solidFill>
-                      <a:srgbClr val="FEFBDB"/>
-                    </a:solidFill>
-                  </a:tcPr>
-                </a:tc>
-                <a:tc gridSpan="9">
-                  <a:txBody>
-                    <a:bodyPr/>
-                    <a:lstStyle/>
-                    <a:p>
-                      <a:pPr algn="ctr">
-                        <a:lnSpc>
-                          <a:spcPts val="3639"/>
-                        </a:lnSpc>
-                        <a:defRPr/>
-                      </a:pPr>
-                      <a:r>
-                        <a:rPr lang="en-US" sz="2599">
-                          <a:solidFill>
-                            <a:srgbClr val="000000"/>
-                          </a:solidFill>
-                          <a:latin typeface="Bitter"/>
-                          <a:ea typeface="Bitter"/>
-                          <a:cs typeface="Bitter"/>
-                          <a:sym typeface="Bitter"/>
-                        </a:rPr>
-                        <a:t>256 + 0 + 64 + 0 + 0 + 8 + 4  + 0 + 0</a:t>
-                      </a:r>
-                      <a:endParaRPr lang="en-US" sz="1100"/>
-                    </a:p>
-                  </a:txBody>
-                  <a:tcPr marL="47625" marR="47625" marT="47625" marB="47625" anchor="ctr">
-                    <a:lnL w="38100" cap="flat" cmpd="sng" algn="ctr">
-                      <a:solidFill>
-                        <a:srgbClr val="000000"/>
-                      </a:solidFill>
-                      <a:prstDash val="solid"/>
-                      <a:round/>
-                      <a:headEnd type="none" w="med" len="med"/>
-                      <a:tailEnd type="none" w="med" len="med"/>
-                    </a:lnL>
-                    <a:lnR w="38100" cap="flat" cmpd="sng" algn="ctr">
-                      <a:solidFill>
-                        <a:srgbClr val="000000"/>
-                      </a:solidFill>
-                      <a:prstDash val="solid"/>
-                      <a:round/>
-                      <a:headEnd type="none" w="med" len="med"/>
-                      <a:tailEnd type="none" w="med" len="med"/>
-                    </a:lnR>
-                    <a:lnT w="38100" cap="flat" cmpd="sng" algn="ctr">
-                      <a:solidFill>
-                        <a:srgbClr val="000000"/>
-                      </a:solidFill>
-                      <a:prstDash val="solid"/>
-                      <a:round/>
-                      <a:headEnd type="none" w="med" len="med"/>
-                      <a:tailEnd type="none" w="med" len="med"/>
-                    </a:lnT>
-                    <a:lnB w="38100" cap="flat" cmpd="sng" algn="ctr">
-                      <a:solidFill>
-                        <a:srgbClr val="000000"/>
-                      </a:solidFill>
-                      <a:prstDash val="solid"/>
-                      <a:round/>
-                      <a:headEnd type="none" w="med" len="med"/>
-                      <a:tailEnd type="none" w="med" len="med"/>
-                    </a:lnB>
-                    <a:solidFill>
-                      <a:srgbClr val="FEFBDB"/>
-                    </a:solidFill>
-                  </a:tcPr>
-                </a:tc>
-                <a:tc hMerge="1">
-                  <a:txBody>
-                    <a:bodyPr/>
-                    <a:lstStyle/>
-                    <a:p>
-                      <a:pPr algn="ctr">
-                        <a:lnSpc>
-                          <a:spcPts val="3639"/>
-                        </a:lnSpc>
-                        <a:defRPr/>
-                      </a:pPr>
-                      <a:r>
-                        <a:rPr lang="en-US" sz="2599">
-                          <a:solidFill>
-                            <a:srgbClr val="000000"/>
-                          </a:solidFill>
-                          <a:latin typeface="Bitter"/>
-                          <a:ea typeface="Bitter"/>
-                          <a:cs typeface="Bitter"/>
-                          <a:sym typeface="Bitter"/>
-                        </a:rPr>
-                        <a:t>256 + 0 + 64 + 0 + 0 + 8 + 4  + 0 + 0</a:t>
-                      </a:r>
-                      <a:endParaRPr lang="en-US" sz="1100"/>
-                    </a:p>
-                  </a:txBody>
-                  <a:tcPr marL="47625" marR="47625" marT="47625" marB="47625" anchor="ctr">
-                    <a:lnL w="38100" cap="flat" cmpd="sng" algn="ctr">
-                      <a:solidFill>
-                        <a:srgbClr val="000000"/>
-                      </a:solidFill>
-                      <a:prstDash val="solid"/>
-                      <a:round/>
-                      <a:headEnd type="none" w="med" len="med"/>
-                      <a:tailEnd type="none" w="med" len="med"/>
-                    </a:lnL>
-                    <a:lnR w="38100" cap="flat" cmpd="sng" algn="ctr">
-                      <a:solidFill>
-                        <a:srgbClr val="000000"/>
-                      </a:solidFill>
-                      <a:prstDash val="solid"/>
-                      <a:round/>
-                      <a:headEnd type="none" w="med" len="med"/>
-                      <a:tailEnd type="none" w="med" len="med"/>
-                    </a:lnR>
-                    <a:lnT w="38100" cap="flat" cmpd="sng" algn="ctr">
-                      <a:solidFill>
-                        <a:srgbClr val="000000"/>
-                      </a:solidFill>
-                      <a:prstDash val="solid"/>
-                      <a:round/>
-                      <a:headEnd type="none" w="med" len="med"/>
-                      <a:tailEnd type="none" w="med" len="med"/>
-                    </a:lnT>
-                    <a:lnB w="38100" cap="flat" cmpd="sng" algn="ctr">
-                      <a:solidFill>
-                        <a:srgbClr val="000000"/>
-                      </a:solidFill>
-                      <a:prstDash val="solid"/>
-                      <a:round/>
-                      <a:headEnd type="none" w="med" len="med"/>
-                      <a:tailEnd type="none" w="med" len="med"/>
-                    </a:lnB>
-                    <a:solidFill>
-                      <a:srgbClr val="FEFBDB"/>
-                    </a:solidFill>
-                  </a:tcPr>
-                </a:tc>
-                <a:tc hMerge="1">
-                  <a:txBody>
-                    <a:bodyPr/>
-                    <a:lstStyle/>
-                    <a:p>
-                      <a:pPr algn="ctr">
-                        <a:lnSpc>
-                          <a:spcPts val="3639"/>
-                        </a:lnSpc>
-                        <a:defRPr/>
-                      </a:pPr>
-                      <a:r>
-                        <a:rPr lang="en-US" sz="2599">
-                          <a:solidFill>
-                            <a:srgbClr val="000000"/>
-                          </a:solidFill>
-                          <a:latin typeface="Bitter"/>
-                          <a:ea typeface="Bitter"/>
-                          <a:cs typeface="Bitter"/>
-                          <a:sym typeface="Bitter"/>
-                        </a:rPr>
-                        <a:t>256 + 0 + 64 + 0 + 0 + 8 + 4  + 0 + 0</a:t>
-                      </a:r>
-                      <a:endParaRPr lang="en-US" sz="1100"/>
-                    </a:p>
-                  </a:txBody>
-                  <a:tcPr marL="47625" marR="47625" marT="47625" marB="47625" anchor="ctr">
-                    <a:lnL w="38100" cap="flat" cmpd="sng" algn="ctr">
-                      <a:solidFill>
-                        <a:srgbClr val="000000"/>
-                      </a:solidFill>
-                      <a:prstDash val="solid"/>
-                      <a:round/>
-                      <a:headEnd type="none" w="med" len="med"/>
-                      <a:tailEnd type="none" w="med" len="med"/>
-                    </a:lnL>
-                    <a:lnR w="38100" cap="flat" cmpd="sng" algn="ctr">
-                      <a:solidFill>
-                        <a:srgbClr val="000000"/>
-                      </a:solidFill>
-                      <a:prstDash val="solid"/>
-                      <a:round/>
-                      <a:headEnd type="none" w="med" len="med"/>
-                      <a:tailEnd type="none" w="med" len="med"/>
-                    </a:lnR>
-                    <a:lnT w="38100" cap="flat" cmpd="sng" algn="ctr">
-                      <a:solidFill>
-                        <a:srgbClr val="000000"/>
-                      </a:solidFill>
-                      <a:prstDash val="solid"/>
-                      <a:round/>
-                      <a:headEnd type="none" w="med" len="med"/>
-                      <a:tailEnd type="none" w="med" len="med"/>
-                    </a:lnT>
-                    <a:lnB w="38100" cap="flat" cmpd="sng" algn="ctr">
-                      <a:solidFill>
-                        <a:srgbClr val="000000"/>
-                      </a:solidFill>
-                      <a:prstDash val="solid"/>
-                      <a:round/>
-                      <a:headEnd type="none" w="med" len="med"/>
-                      <a:tailEnd type="none" w="med" len="med"/>
-                    </a:lnB>
-                    <a:solidFill>
-                      <a:srgbClr val="FEFBDB"/>
-                    </a:solidFill>
-                  </a:tcPr>
-                </a:tc>
-                <a:tc hMerge="1">
-                  <a:txBody>
-                    <a:bodyPr/>
-                    <a:lstStyle/>
-                    <a:p>
-                      <a:pPr algn="ctr">
-                        <a:lnSpc>
-                          <a:spcPts val="3639"/>
-                        </a:lnSpc>
-                        <a:defRPr/>
-                      </a:pPr>
-                      <a:r>
-                        <a:rPr lang="en-US" sz="2599">
-                          <a:solidFill>
-                            <a:srgbClr val="000000"/>
-                          </a:solidFill>
-                          <a:latin typeface="Bitter"/>
-                          <a:ea typeface="Bitter"/>
-                          <a:cs typeface="Bitter"/>
-                          <a:sym typeface="Bitter"/>
-                        </a:rPr>
-                        <a:t>256 + 0 + 64 + 0 + 0 + 8 + 4  + 0 + 0</a:t>
-                      </a:r>
-                      <a:endParaRPr lang="en-US" sz="1100"/>
-                    </a:p>
-                  </a:txBody>
-                  <a:tcPr marL="47625" marR="47625" marT="47625" marB="47625" anchor="ctr">
-                    <a:lnL w="38100" cap="flat" cmpd="sng" algn="ctr">
-                      <a:solidFill>
-                        <a:srgbClr val="000000"/>
-                      </a:solidFill>
-                      <a:prstDash val="solid"/>
-                      <a:round/>
-                      <a:headEnd type="none" w="med" len="med"/>
-                      <a:tailEnd type="none" w="med" len="med"/>
-                    </a:lnL>
-                    <a:lnR w="38100" cap="flat" cmpd="sng" algn="ctr">
-                      <a:solidFill>
-                        <a:srgbClr val="000000"/>
-                      </a:solidFill>
-                      <a:prstDash val="solid"/>
-                      <a:round/>
-                      <a:headEnd type="none" w="med" len="med"/>
-                      <a:tailEnd type="none" w="med" len="med"/>
-                    </a:lnR>
-                    <a:lnT w="38100" cap="flat" cmpd="sng" algn="ctr">
-                      <a:solidFill>
-                        <a:srgbClr val="000000"/>
-                      </a:solidFill>
-                      <a:prstDash val="solid"/>
-                      <a:round/>
-                      <a:headEnd type="none" w="med" len="med"/>
-                      <a:tailEnd type="none" w="med" len="med"/>
-                    </a:lnT>
-                    <a:lnB w="38100" cap="flat" cmpd="sng" algn="ctr">
-                      <a:solidFill>
-                        <a:srgbClr val="000000"/>
-                      </a:solidFill>
-                      <a:prstDash val="solid"/>
-                      <a:round/>
-                      <a:headEnd type="none" w="med" len="med"/>
-                      <a:tailEnd type="none" w="med" len="med"/>
-                    </a:lnB>
-                    <a:solidFill>
-                      <a:srgbClr val="FEFBDB"/>
-                    </a:solidFill>
-                  </a:tcPr>
-                </a:tc>
-                <a:tc hMerge="1">
-                  <a:txBody>
-                    <a:bodyPr/>
-                    <a:lstStyle/>
-                    <a:p>
-                      <a:pPr algn="ctr">
-                        <a:lnSpc>
-                          <a:spcPts val="3639"/>
-                        </a:lnSpc>
-                        <a:defRPr/>
-                      </a:pPr>
-                      <a:r>
-                        <a:rPr lang="en-US" sz="2599">
-                          <a:solidFill>
-                            <a:srgbClr val="000000"/>
-                          </a:solidFill>
-                          <a:latin typeface="Bitter"/>
-                          <a:ea typeface="Bitter"/>
-                          <a:cs typeface="Bitter"/>
-                          <a:sym typeface="Bitter"/>
-                        </a:rPr>
-                        <a:t>256 + 0 + 64 + 0 + 0 + 8 + 4  + 0 + 0</a:t>
-                      </a:r>
-                      <a:endParaRPr lang="en-US" sz="1100"/>
-                    </a:p>
-                  </a:txBody>
-                  <a:tcPr marL="47625" marR="47625" marT="47625" marB="47625" anchor="ctr">
-                    <a:lnL w="38100" cap="flat" cmpd="sng" algn="ctr">
-                      <a:solidFill>
-                        <a:srgbClr val="000000"/>
-                      </a:solidFill>
-                      <a:prstDash val="solid"/>
-                      <a:round/>
-                      <a:headEnd type="none" w="med" len="med"/>
-                      <a:tailEnd type="none" w="med" len="med"/>
-                    </a:lnL>
-                    <a:lnR w="38100" cap="flat" cmpd="sng" algn="ctr">
-                      <a:solidFill>
-                        <a:srgbClr val="000000"/>
-                      </a:solidFill>
-                      <a:prstDash val="solid"/>
-                      <a:round/>
-                      <a:headEnd type="none" w="med" len="med"/>
-                      <a:tailEnd type="none" w="med" len="med"/>
-                    </a:lnR>
-                    <a:lnT w="38100" cap="flat" cmpd="sng" algn="ctr">
-                      <a:solidFill>
-                        <a:srgbClr val="000000"/>
-                      </a:solidFill>
-                      <a:prstDash val="solid"/>
-                      <a:round/>
-                      <a:headEnd type="none" w="med" len="med"/>
-                      <a:tailEnd type="none" w="med" len="med"/>
-                    </a:lnT>
-                    <a:lnB w="38100" cap="flat" cmpd="sng" algn="ctr">
-                      <a:solidFill>
-                        <a:srgbClr val="000000"/>
-                      </a:solidFill>
-                      <a:prstDash val="solid"/>
-                      <a:round/>
-                      <a:headEnd type="none" w="med" len="med"/>
-                      <a:tailEnd type="none" w="med" len="med"/>
-                    </a:lnB>
-                    <a:solidFill>
-                      <a:srgbClr val="FEFBDB"/>
-                    </a:solidFill>
-                  </a:tcPr>
-                </a:tc>
-                <a:tc hMerge="1">
-                  <a:txBody>
-                    <a:bodyPr/>
-                    <a:lstStyle/>
-                    <a:p>
-                      <a:pPr algn="ctr">
-                        <a:lnSpc>
-                          <a:spcPts val="3639"/>
-                        </a:lnSpc>
-                        <a:defRPr/>
-                      </a:pPr>
-                      <a:r>
-                        <a:rPr lang="en-US" sz="2599">
-                          <a:solidFill>
-                            <a:srgbClr val="000000"/>
-                          </a:solidFill>
-                          <a:latin typeface="Bitter"/>
-                          <a:ea typeface="Bitter"/>
-                          <a:cs typeface="Bitter"/>
-                          <a:sym typeface="Bitter"/>
-                        </a:rPr>
-                        <a:t>256 + 0 + 64 + 0 + 0 + 8 + 4  + 0 + 0</a:t>
-                      </a:r>
-                      <a:endParaRPr lang="en-US" sz="1100"/>
-                    </a:p>
-                  </a:txBody>
-                  <a:tcPr marL="47625" marR="47625" marT="47625" marB="47625" anchor="ctr">
-                    <a:lnL w="38100" cap="flat" cmpd="sng" algn="ctr">
-                      <a:solidFill>
-                        <a:srgbClr val="000000"/>
-                      </a:solidFill>
-                      <a:prstDash val="solid"/>
-                      <a:round/>
-                      <a:headEnd type="none" w="med" len="med"/>
-                      <a:tailEnd type="none" w="med" len="med"/>
-                    </a:lnL>
-                    <a:lnR w="38100" cap="flat" cmpd="sng" algn="ctr">
-                      <a:solidFill>
-                        <a:srgbClr val="000000"/>
-                      </a:solidFill>
-                      <a:prstDash val="solid"/>
-                      <a:round/>
-                      <a:headEnd type="none" w="med" len="med"/>
-                      <a:tailEnd type="none" w="med" len="med"/>
-                    </a:lnR>
-                    <a:lnT w="38100" cap="flat" cmpd="sng" algn="ctr">
-                      <a:solidFill>
-                        <a:srgbClr val="000000"/>
-                      </a:solidFill>
-                      <a:prstDash val="solid"/>
-                      <a:round/>
-                      <a:headEnd type="none" w="med" len="med"/>
-                      <a:tailEnd type="none" w="med" len="med"/>
-                    </a:lnT>
-                    <a:lnB w="38100" cap="flat" cmpd="sng" algn="ctr">
-                      <a:solidFill>
-                        <a:srgbClr val="000000"/>
-                      </a:solidFill>
-                      <a:prstDash val="solid"/>
-                      <a:round/>
-                      <a:headEnd type="none" w="med" len="med"/>
-                      <a:tailEnd type="none" w="med" len="med"/>
-                    </a:lnB>
-                    <a:solidFill>
-                      <a:srgbClr val="FEFBDB"/>
-                    </a:solidFill>
-                  </a:tcPr>
-                </a:tc>
-                <a:tc hMerge="1">
-                  <a:txBody>
-                    <a:bodyPr/>
-                    <a:lstStyle/>
-                    <a:p>
-                      <a:pPr algn="ctr">
-                        <a:lnSpc>
-                          <a:spcPts val="3639"/>
-                        </a:lnSpc>
-                        <a:defRPr/>
-                      </a:pPr>
-                      <a:r>
-                        <a:rPr lang="en-US" sz="2599">
-                          <a:solidFill>
-                            <a:srgbClr val="000000"/>
-                          </a:solidFill>
-                          <a:latin typeface="Bitter"/>
-                          <a:ea typeface="Bitter"/>
-                          <a:cs typeface="Bitter"/>
-                          <a:sym typeface="Bitter"/>
-                        </a:rPr>
-                        <a:t>256 + 0 + 64 + 0 + 0 + 8 + 4  + 0 + 0</a:t>
-                      </a:r>
-                      <a:endParaRPr lang="en-US" sz="1100"/>
-                    </a:p>
-                  </a:txBody>
-                  <a:tcPr marL="47625" marR="47625" marT="47625" marB="47625" anchor="ctr">
-                    <a:lnL w="38100" cap="flat" cmpd="sng" algn="ctr">
-                      <a:solidFill>
-                        <a:srgbClr val="000000"/>
-                      </a:solidFill>
-                      <a:prstDash val="solid"/>
-                      <a:round/>
-                      <a:headEnd type="none" w="med" len="med"/>
-                      <a:tailEnd type="none" w="med" len="med"/>
-                    </a:lnL>
-                    <a:lnR w="38100" cap="flat" cmpd="sng" algn="ctr">
-                      <a:solidFill>
-                        <a:srgbClr val="000000"/>
-                      </a:solidFill>
-                      <a:prstDash val="solid"/>
-                      <a:round/>
-                      <a:headEnd type="none" w="med" len="med"/>
-                      <a:tailEnd type="none" w="med" len="med"/>
-                    </a:lnR>
-                    <a:lnT w="38100" cap="flat" cmpd="sng" algn="ctr">
-                      <a:solidFill>
-                        <a:srgbClr val="000000"/>
-                      </a:solidFill>
-                      <a:prstDash val="solid"/>
-                      <a:round/>
-                      <a:headEnd type="none" w="med" len="med"/>
-                      <a:tailEnd type="none" w="med" len="med"/>
-                    </a:lnT>
-                    <a:lnB w="38100" cap="flat" cmpd="sng" algn="ctr">
-                      <a:solidFill>
-                        <a:srgbClr val="000000"/>
-                      </a:solidFill>
-                      <a:prstDash val="solid"/>
-                      <a:round/>
-                      <a:headEnd type="none" w="med" len="med"/>
-                      <a:tailEnd type="none" w="med" len="med"/>
-                    </a:lnB>
-                    <a:solidFill>
-                      <a:srgbClr val="FEFBDB"/>
-                    </a:solidFill>
-                  </a:tcPr>
-                </a:tc>
-                <a:tc hMerge="1">
-                  <a:txBody>
-                    <a:bodyPr/>
-                    <a:lstStyle/>
-                    <a:p>
-                      <a:pPr algn="ctr">
-                        <a:lnSpc>
-                          <a:spcPts val="3639"/>
-                        </a:lnSpc>
-                        <a:defRPr/>
-                      </a:pPr>
-                      <a:r>
-                        <a:rPr lang="en-US" sz="2599">
-                          <a:solidFill>
-                            <a:srgbClr val="000000"/>
-                          </a:solidFill>
-                          <a:latin typeface="Bitter"/>
-                          <a:ea typeface="Bitter"/>
-                          <a:cs typeface="Bitter"/>
-                          <a:sym typeface="Bitter"/>
-                        </a:rPr>
-                        <a:t>256 + 0 + 64 + 0 + 0 + 8 + 4  + 0 + 0</a:t>
-                      </a:r>
-                      <a:endParaRPr lang="en-US" sz="1100"/>
-                    </a:p>
-                  </a:txBody>
-                  <a:tcPr marL="47625" marR="47625" marT="47625" marB="47625" anchor="ctr">
-                    <a:lnL w="38100" cap="flat" cmpd="sng" algn="ctr">
-                      <a:solidFill>
-                        <a:srgbClr val="000000"/>
-                      </a:solidFill>
-                      <a:prstDash val="solid"/>
-                      <a:round/>
-                      <a:headEnd type="none" w="med" len="med"/>
-                      <a:tailEnd type="none" w="med" len="med"/>
-                    </a:lnL>
-                    <a:lnR w="38100" cap="flat" cmpd="sng" algn="ctr">
-                      <a:solidFill>
-                        <a:srgbClr val="000000"/>
-                      </a:solidFill>
-                      <a:prstDash val="solid"/>
-                      <a:round/>
-                      <a:headEnd type="none" w="med" len="med"/>
-                      <a:tailEnd type="none" w="med" len="med"/>
-                    </a:lnR>
-                    <a:lnT w="38100" cap="flat" cmpd="sng" algn="ctr">
-                      <a:solidFill>
-                        <a:srgbClr val="000000"/>
-                      </a:solidFill>
-                      <a:prstDash val="solid"/>
-                      <a:round/>
-                      <a:headEnd type="none" w="med" len="med"/>
-                      <a:tailEnd type="none" w="med" len="med"/>
-                    </a:lnT>
-                    <a:lnB w="38100" cap="flat" cmpd="sng" algn="ctr">
-                      <a:solidFill>
-                        <a:srgbClr val="000000"/>
-                      </a:solidFill>
-                      <a:prstDash val="solid"/>
-                      <a:round/>
-                      <a:headEnd type="none" w="med" len="med"/>
-                      <a:tailEnd type="none" w="med" len="med"/>
-                    </a:lnB>
-                    <a:solidFill>
-                      <a:srgbClr val="FEFBDB"/>
-                    </a:solidFill>
-                  </a:tcPr>
-                </a:tc>
-                <a:tc hMerge="1">
-                  <a:txBody>
-                    <a:bodyPr/>
-                    <a:lstStyle/>
-                    <a:p>
-                      <a:pPr algn="ctr">
-                        <a:lnSpc>
-                          <a:spcPts val="3639"/>
-                        </a:lnSpc>
-                        <a:defRPr/>
-                      </a:pPr>
-                      <a:r>
-                        <a:rPr lang="en-US" sz="2599">
-                          <a:solidFill>
-                            <a:srgbClr val="000000"/>
-                          </a:solidFill>
-                          <a:latin typeface="Bitter"/>
-                          <a:ea typeface="Bitter"/>
-                          <a:cs typeface="Bitter"/>
-                          <a:sym typeface="Bitter"/>
-                        </a:rPr>
-                        <a:t>256 + 0 + 64 + 0 + 0 + 8 + 4  + 0 + 0</a:t>
-                      </a:r>
-                      <a:endParaRPr lang="en-US" sz="1100"/>
-                    </a:p>
-                  </a:txBody>
-                  <a:tcPr marL="47625" marR="47625" marT="47625" marB="47625" anchor="ctr">
-                    <a:lnL w="38100" cap="flat" cmpd="sng" algn="ctr">
-                      <a:solidFill>
-                        <a:srgbClr val="000000"/>
-                      </a:solidFill>
-                      <a:prstDash val="solid"/>
-                      <a:round/>
-                      <a:headEnd type="none" w="med" len="med"/>
-                      <a:tailEnd type="none" w="med" len="med"/>
-                    </a:lnL>
-                    <a:lnR w="38100" cap="flat" cmpd="sng" algn="ctr">
-                      <a:solidFill>
-                        <a:srgbClr val="000000"/>
-                      </a:solidFill>
-                      <a:prstDash val="solid"/>
-                      <a:round/>
-                      <a:headEnd type="none" w="med" len="med"/>
-                      <a:tailEnd type="none" w="med" len="med"/>
-                    </a:lnR>
-                    <a:lnT w="38100" cap="flat" cmpd="sng" algn="ctr">
-                      <a:solidFill>
-                        <a:srgbClr val="000000"/>
-                      </a:solidFill>
-                      <a:prstDash val="solid"/>
-                      <a:round/>
-                      <a:headEnd type="none" w="med" len="med"/>
-                      <a:tailEnd type="none" w="med" len="med"/>
-                    </a:lnT>
-                    <a:lnB w="38100" cap="flat" cmpd="sng" algn="ctr">
-                      <a:solidFill>
-                        <a:srgbClr val="000000"/>
-                      </a:solidFill>
-                      <a:prstDash val="solid"/>
-                      <a:round/>
-                      <a:headEnd type="none" w="med" len="med"/>
-                      <a:tailEnd type="none" w="med" len="med"/>
-                    </a:lnB>
-                    <a:solidFill>
-                      <a:srgbClr val="FEFBDB"/>
-                    </a:solidFill>
-                  </a:tcPr>
-                </a:tc>
-                <a:extLst>
-                  <a:ext uri="{0D108BD9-81ED-4DB2-BD59-A6C34878D82A}">
-                    <a16:rowId xmlns:a16="http://schemas.microsoft.com/office/drawing/2014/main" val="10004"/>
-                  </a:ext>
-                </a:extLst>
-              </a:tr>
-              <a:tr h="997333">
-                <a:tc>
-                  <a:txBody>
-                    <a:bodyPr/>
-                    <a:lstStyle/>
-                    <a:p>
-                      <a:pPr algn="ctr">
-                        <a:lnSpc>
-                          <a:spcPts val="2939"/>
-                        </a:lnSpc>
-                        <a:defRPr/>
-                      </a:pPr>
-                      <a:r>
-                        <a:rPr lang="en-US" sz="2099" b="1">
-                          <a:solidFill>
-                            <a:srgbClr val="000000"/>
-                          </a:solidFill>
-                          <a:latin typeface="Bitter Bold"/>
-                          <a:ea typeface="Bitter Bold"/>
-                          <a:cs typeface="Bitter Bold"/>
-                          <a:sym typeface="Bitter Bold"/>
-                        </a:rPr>
-                        <a:t>Computer reads it as:</a:t>
-                      </a:r>
-                      <a:endParaRPr lang="en-US" sz="1100"/>
-                    </a:p>
-                  </a:txBody>
-                  <a:tcPr marL="47625" marR="47625" marT="47625" marB="47625" anchor="ctr">
-                    <a:lnL w="38100" cap="flat" cmpd="sng" algn="ctr">
-                      <a:solidFill>
-                        <a:srgbClr val="000000"/>
-                      </a:solidFill>
-                      <a:prstDash val="solid"/>
-                      <a:round/>
-                      <a:headEnd type="none" w="med" len="med"/>
-                      <a:tailEnd type="none" w="med" len="med"/>
-                    </a:lnL>
-                    <a:lnR w="38100" cap="flat" cmpd="sng" algn="ctr">
-                      <a:solidFill>
-                        <a:srgbClr val="000000"/>
-                      </a:solidFill>
-                      <a:prstDash val="solid"/>
-                      <a:round/>
-                      <a:headEnd type="none" w="med" len="med"/>
-                      <a:tailEnd type="none" w="med" len="med"/>
-                    </a:lnR>
-                    <a:lnT w="38100" cap="flat" cmpd="sng" algn="ctr">
-                      <a:solidFill>
-                        <a:srgbClr val="000000"/>
-                      </a:solidFill>
-                      <a:prstDash val="solid"/>
-                      <a:round/>
-                      <a:headEnd type="none" w="med" len="med"/>
-                      <a:tailEnd type="none" w="med" len="med"/>
-                    </a:lnT>
-                    <a:lnB w="38100" cap="flat" cmpd="sng" algn="ctr">
-                      <a:solidFill>
-                        <a:srgbClr val="000000"/>
-                      </a:solidFill>
-                      <a:prstDash val="solid"/>
-                      <a:round/>
-                      <a:headEnd type="none" w="med" len="med"/>
-                      <a:tailEnd type="none" w="med" len="med"/>
-                    </a:lnB>
-                    <a:solidFill>
-                      <a:srgbClr val="FEFBDB"/>
-                    </a:solidFill>
-                  </a:tcPr>
-                </a:tc>
-                <a:tc gridSpan="9">
-                  <a:txBody>
-                    <a:bodyPr/>
-                    <a:lstStyle/>
-                    <a:p>
-                      <a:pPr algn="ctr">
-                        <a:lnSpc>
-                          <a:spcPts val="6019"/>
-                        </a:lnSpc>
-                        <a:defRPr/>
-                      </a:pPr>
-                      <a:r>
-                        <a:rPr lang="en-US" sz="4299">
-                          <a:solidFill>
-                            <a:srgbClr val="000000"/>
-                          </a:solidFill>
-                          <a:latin typeface="Bitter"/>
-                          <a:ea typeface="Bitter"/>
-                          <a:cs typeface="Bitter"/>
-                          <a:sym typeface="Bitter"/>
-                        </a:rPr>
-                        <a:t>332</a:t>
-                      </a:r>
-                      <a:endParaRPr lang="en-US" sz="1100"/>
-                    </a:p>
-                  </a:txBody>
-                  <a:tcPr marL="47625" marR="47625" marT="47625" marB="47625" anchor="ctr">
-                    <a:lnL w="38100" cap="flat" cmpd="sng" algn="ctr">
-                      <a:solidFill>
-                        <a:srgbClr val="000000"/>
-                      </a:solidFill>
-                      <a:prstDash val="solid"/>
-                      <a:round/>
-                      <a:headEnd type="none" w="med" len="med"/>
-                      <a:tailEnd type="none" w="med" len="med"/>
-                    </a:lnL>
-                    <a:lnR w="38100" cap="flat" cmpd="sng" algn="ctr">
-                      <a:solidFill>
-                        <a:srgbClr val="000000"/>
-                      </a:solidFill>
-                      <a:prstDash val="solid"/>
-                      <a:round/>
-                      <a:headEnd type="none" w="med" len="med"/>
-                      <a:tailEnd type="none" w="med" len="med"/>
-                    </a:lnR>
-                    <a:lnT w="38100" cap="flat" cmpd="sng" algn="ctr">
-                      <a:solidFill>
-                        <a:srgbClr val="000000"/>
-                      </a:solidFill>
-                      <a:prstDash val="solid"/>
-                      <a:round/>
-                      <a:headEnd type="none" w="med" len="med"/>
-                      <a:tailEnd type="none" w="med" len="med"/>
-                    </a:lnT>
-                    <a:lnB w="38100" cap="flat" cmpd="sng" algn="ctr">
-                      <a:solidFill>
-                        <a:srgbClr val="000000"/>
-                      </a:solidFill>
-                      <a:prstDash val="solid"/>
-                      <a:round/>
-                      <a:headEnd type="none" w="med" len="med"/>
-                      <a:tailEnd type="none" w="med" len="med"/>
-                    </a:lnB>
-                    <a:solidFill>
-                      <a:srgbClr val="FEFBDB"/>
-                    </a:solidFill>
-                  </a:tcPr>
-                </a:tc>
-                <a:tc hMerge="1">
-                  <a:txBody>
-                    <a:bodyPr/>
-                    <a:lstStyle/>
-                    <a:p>
-                      <a:pPr algn="ctr">
-                        <a:lnSpc>
-                          <a:spcPts val="6019"/>
-                        </a:lnSpc>
-                        <a:defRPr/>
-                      </a:pPr>
-                      <a:r>
-                        <a:rPr lang="en-US" sz="4299">
-                          <a:solidFill>
-                            <a:srgbClr val="000000"/>
-                          </a:solidFill>
-                          <a:latin typeface="Bitter"/>
-                          <a:ea typeface="Bitter"/>
-                          <a:cs typeface="Bitter"/>
-                          <a:sym typeface="Bitter"/>
-                        </a:rPr>
-                        <a:t>332</a:t>
-                      </a:r>
-                      <a:endParaRPr lang="en-US" sz="1100"/>
-                    </a:p>
-                  </a:txBody>
-                  <a:tcPr marL="47625" marR="47625" marT="47625" marB="47625" anchor="ctr">
-                    <a:lnL w="38100" cap="flat" cmpd="sng" algn="ctr">
-                      <a:solidFill>
-                        <a:srgbClr val="000000"/>
-                      </a:solidFill>
-                      <a:prstDash val="solid"/>
-                      <a:round/>
-                      <a:headEnd type="none" w="med" len="med"/>
-                      <a:tailEnd type="none" w="med" len="med"/>
-                    </a:lnL>
-                    <a:lnR w="38100" cap="flat" cmpd="sng" algn="ctr">
-                      <a:solidFill>
-                        <a:srgbClr val="000000"/>
-                      </a:solidFill>
-                      <a:prstDash val="solid"/>
-                      <a:round/>
-                      <a:headEnd type="none" w="med" len="med"/>
-                      <a:tailEnd type="none" w="med" len="med"/>
-                    </a:lnR>
-                    <a:lnT w="38100" cap="flat" cmpd="sng" algn="ctr">
-                      <a:solidFill>
-                        <a:srgbClr val="000000"/>
-                      </a:solidFill>
-                      <a:prstDash val="solid"/>
-                      <a:round/>
-                      <a:headEnd type="none" w="med" len="med"/>
-                      <a:tailEnd type="none" w="med" len="med"/>
-                    </a:lnT>
-                    <a:lnB w="38100" cap="flat" cmpd="sng" algn="ctr">
-                      <a:solidFill>
-                        <a:srgbClr val="000000"/>
-                      </a:solidFill>
-                      <a:prstDash val="solid"/>
-                      <a:round/>
-                      <a:headEnd type="none" w="med" len="med"/>
-                      <a:tailEnd type="none" w="med" len="med"/>
-                    </a:lnB>
-                    <a:solidFill>
-                      <a:srgbClr val="FEFBDB"/>
-                    </a:solidFill>
-                  </a:tcPr>
-                </a:tc>
-                <a:tc hMerge="1">
-                  <a:txBody>
-                    <a:bodyPr/>
-                    <a:lstStyle/>
-                    <a:p>
-                      <a:pPr algn="ctr">
-                        <a:lnSpc>
-                          <a:spcPts val="6019"/>
-                        </a:lnSpc>
-                        <a:defRPr/>
-                      </a:pPr>
-                      <a:r>
-                        <a:rPr lang="en-US" sz="4299">
-                          <a:solidFill>
-                            <a:srgbClr val="000000"/>
-                          </a:solidFill>
-                          <a:latin typeface="Bitter"/>
-                          <a:ea typeface="Bitter"/>
-                          <a:cs typeface="Bitter"/>
-                          <a:sym typeface="Bitter"/>
-                        </a:rPr>
-                        <a:t>332</a:t>
-                      </a:r>
-                      <a:endParaRPr lang="en-US" sz="1100"/>
-                    </a:p>
-                  </a:txBody>
-                  <a:tcPr marL="47625" marR="47625" marT="47625" marB="47625" anchor="ctr">
-                    <a:lnL w="38100" cap="flat" cmpd="sng" algn="ctr">
-                      <a:solidFill>
-                        <a:srgbClr val="000000"/>
-                      </a:solidFill>
-                      <a:prstDash val="solid"/>
-                      <a:round/>
-                      <a:headEnd type="none" w="med" len="med"/>
-                      <a:tailEnd type="none" w="med" len="med"/>
-                    </a:lnL>
-                    <a:lnR w="38100" cap="flat" cmpd="sng" algn="ctr">
-                      <a:solidFill>
-                        <a:srgbClr val="000000"/>
-                      </a:solidFill>
-                      <a:prstDash val="solid"/>
-                      <a:round/>
-                      <a:headEnd type="none" w="med" len="med"/>
-                      <a:tailEnd type="none" w="med" len="med"/>
-                    </a:lnR>
-                    <a:lnT w="38100" cap="flat" cmpd="sng" algn="ctr">
-                      <a:solidFill>
-                        <a:srgbClr val="000000"/>
-                      </a:solidFill>
-                      <a:prstDash val="solid"/>
-                      <a:round/>
-                      <a:headEnd type="none" w="med" len="med"/>
-                      <a:tailEnd type="none" w="med" len="med"/>
-                    </a:lnT>
-                    <a:lnB w="38100" cap="flat" cmpd="sng" algn="ctr">
-                      <a:solidFill>
-                        <a:srgbClr val="000000"/>
-                      </a:solidFill>
-                      <a:prstDash val="solid"/>
-                      <a:round/>
-                      <a:headEnd type="none" w="med" len="med"/>
-                      <a:tailEnd type="none" w="med" len="med"/>
-                    </a:lnB>
-                    <a:solidFill>
-                      <a:srgbClr val="FEFBDB"/>
-                    </a:solidFill>
-                  </a:tcPr>
-                </a:tc>
-                <a:tc hMerge="1">
-                  <a:txBody>
-                    <a:bodyPr/>
-                    <a:lstStyle/>
-                    <a:p>
-                      <a:pPr algn="ctr">
-                        <a:lnSpc>
-                          <a:spcPts val="6019"/>
-                        </a:lnSpc>
-                        <a:defRPr/>
-                      </a:pPr>
-                      <a:r>
-                        <a:rPr lang="en-US" sz="4299">
-                          <a:solidFill>
-                            <a:srgbClr val="000000"/>
-                          </a:solidFill>
-                          <a:latin typeface="Bitter"/>
-                          <a:ea typeface="Bitter"/>
-                          <a:cs typeface="Bitter"/>
-                          <a:sym typeface="Bitter"/>
-                        </a:rPr>
-                        <a:t>332</a:t>
-                      </a:r>
-                      <a:endParaRPr lang="en-US" sz="1100"/>
-                    </a:p>
-                  </a:txBody>
-                  <a:tcPr marL="47625" marR="47625" marT="47625" marB="47625" anchor="ctr">
-                    <a:lnL w="38100" cap="flat" cmpd="sng" algn="ctr">
-                      <a:solidFill>
-                        <a:srgbClr val="000000"/>
-                      </a:solidFill>
-                      <a:prstDash val="solid"/>
-                      <a:round/>
-                      <a:headEnd type="none" w="med" len="med"/>
-                      <a:tailEnd type="none" w="med" len="med"/>
-                    </a:lnL>
-                    <a:lnR w="38100" cap="flat" cmpd="sng" algn="ctr">
-                      <a:solidFill>
-                        <a:srgbClr val="000000"/>
-                      </a:solidFill>
-                      <a:prstDash val="solid"/>
-                      <a:round/>
-                      <a:headEnd type="none" w="med" len="med"/>
-                      <a:tailEnd type="none" w="med" len="med"/>
-                    </a:lnR>
-                    <a:lnT w="38100" cap="flat" cmpd="sng" algn="ctr">
-                      <a:solidFill>
-                        <a:srgbClr val="000000"/>
-                      </a:solidFill>
-                      <a:prstDash val="solid"/>
-                      <a:round/>
-                      <a:headEnd type="none" w="med" len="med"/>
-                      <a:tailEnd type="none" w="med" len="med"/>
-                    </a:lnT>
-                    <a:lnB w="38100" cap="flat" cmpd="sng" algn="ctr">
-                      <a:solidFill>
-                        <a:srgbClr val="000000"/>
-                      </a:solidFill>
-                      <a:prstDash val="solid"/>
-                      <a:round/>
-                      <a:headEnd type="none" w="med" len="med"/>
-                      <a:tailEnd type="none" w="med" len="med"/>
-                    </a:lnB>
-                    <a:solidFill>
-                      <a:srgbClr val="FEFBDB"/>
-                    </a:solidFill>
-                  </a:tcPr>
-                </a:tc>
-                <a:tc hMerge="1">
-                  <a:txBody>
-                    <a:bodyPr/>
-                    <a:lstStyle/>
-                    <a:p>
-                      <a:pPr algn="ctr">
-                        <a:lnSpc>
-                          <a:spcPts val="6019"/>
-                        </a:lnSpc>
-                        <a:defRPr/>
-                      </a:pPr>
-                      <a:r>
-                        <a:rPr lang="en-US" sz="4299">
-                          <a:solidFill>
-                            <a:srgbClr val="000000"/>
-                          </a:solidFill>
-                          <a:latin typeface="Bitter"/>
-                          <a:ea typeface="Bitter"/>
-                          <a:cs typeface="Bitter"/>
-                          <a:sym typeface="Bitter"/>
-                        </a:rPr>
-                        <a:t>332</a:t>
-                      </a:r>
-                      <a:endParaRPr lang="en-US" sz="1100"/>
-                    </a:p>
-                  </a:txBody>
-                  <a:tcPr marL="47625" marR="47625" marT="47625" marB="47625" anchor="ctr">
-                    <a:lnL w="38100" cap="flat" cmpd="sng" algn="ctr">
-                      <a:solidFill>
-                        <a:srgbClr val="000000"/>
-                      </a:solidFill>
-                      <a:prstDash val="solid"/>
-                      <a:round/>
-                      <a:headEnd type="none" w="med" len="med"/>
-                      <a:tailEnd type="none" w="med" len="med"/>
-                    </a:lnL>
-                    <a:lnR w="38100" cap="flat" cmpd="sng" algn="ctr">
-                      <a:solidFill>
-                        <a:srgbClr val="000000"/>
-                      </a:solidFill>
-                      <a:prstDash val="solid"/>
-                      <a:round/>
-                      <a:headEnd type="none" w="med" len="med"/>
-                      <a:tailEnd type="none" w="med" len="med"/>
-                    </a:lnR>
-                    <a:lnT w="38100" cap="flat" cmpd="sng" algn="ctr">
-                      <a:solidFill>
-                        <a:srgbClr val="000000"/>
-                      </a:solidFill>
-                      <a:prstDash val="solid"/>
-                      <a:round/>
-                      <a:headEnd type="none" w="med" len="med"/>
-                      <a:tailEnd type="none" w="med" len="med"/>
-                    </a:lnT>
-                    <a:lnB w="38100" cap="flat" cmpd="sng" algn="ctr">
-                      <a:solidFill>
-                        <a:srgbClr val="000000"/>
-                      </a:solidFill>
-                      <a:prstDash val="solid"/>
-                      <a:round/>
-                      <a:headEnd type="none" w="med" len="med"/>
-                      <a:tailEnd type="none" w="med" len="med"/>
-                    </a:lnB>
-                    <a:solidFill>
-                      <a:srgbClr val="FEFBDB"/>
-                    </a:solidFill>
-                  </a:tcPr>
-                </a:tc>
-                <a:tc hMerge="1">
-                  <a:txBody>
-                    <a:bodyPr/>
-                    <a:lstStyle/>
-                    <a:p>
-                      <a:pPr algn="ctr">
-                        <a:lnSpc>
-                          <a:spcPts val="6019"/>
-                        </a:lnSpc>
-                        <a:defRPr/>
-                      </a:pPr>
-                      <a:r>
-                        <a:rPr lang="en-US" sz="4299">
-                          <a:solidFill>
-                            <a:srgbClr val="000000"/>
-                          </a:solidFill>
-                          <a:latin typeface="Bitter"/>
-                          <a:ea typeface="Bitter"/>
-                          <a:cs typeface="Bitter"/>
-                          <a:sym typeface="Bitter"/>
-                        </a:rPr>
-                        <a:t>332</a:t>
-                      </a:r>
-                      <a:endParaRPr lang="en-US" sz="1100"/>
-                    </a:p>
-                  </a:txBody>
-                  <a:tcPr marL="47625" marR="47625" marT="47625" marB="47625" anchor="ctr">
-                    <a:lnL w="38100" cap="flat" cmpd="sng" algn="ctr">
-                      <a:solidFill>
-                        <a:srgbClr val="000000"/>
-                      </a:solidFill>
-                      <a:prstDash val="solid"/>
-                      <a:round/>
-                      <a:headEnd type="none" w="med" len="med"/>
-                      <a:tailEnd type="none" w="med" len="med"/>
-                    </a:lnL>
-                    <a:lnR w="38100" cap="flat" cmpd="sng" algn="ctr">
-                      <a:solidFill>
-                        <a:srgbClr val="000000"/>
-                      </a:solidFill>
-                      <a:prstDash val="solid"/>
-                      <a:round/>
-                      <a:headEnd type="none" w="med" len="med"/>
-                      <a:tailEnd type="none" w="med" len="med"/>
-                    </a:lnR>
-                    <a:lnT w="38100" cap="flat" cmpd="sng" algn="ctr">
-                      <a:solidFill>
-                        <a:srgbClr val="000000"/>
-                      </a:solidFill>
-                      <a:prstDash val="solid"/>
-                      <a:round/>
-                      <a:headEnd type="none" w="med" len="med"/>
-                      <a:tailEnd type="none" w="med" len="med"/>
-                    </a:lnT>
-                    <a:lnB w="38100" cap="flat" cmpd="sng" algn="ctr">
-                      <a:solidFill>
-                        <a:srgbClr val="000000"/>
-                      </a:solidFill>
-                      <a:prstDash val="solid"/>
-                      <a:round/>
-                      <a:headEnd type="none" w="med" len="med"/>
-                      <a:tailEnd type="none" w="med" len="med"/>
-                    </a:lnB>
-                    <a:solidFill>
-                      <a:srgbClr val="FEFBDB"/>
-                    </a:solidFill>
-                  </a:tcPr>
-                </a:tc>
-                <a:tc hMerge="1">
-                  <a:txBody>
-                    <a:bodyPr/>
-                    <a:lstStyle/>
-                    <a:p>
-                      <a:pPr algn="ctr">
-                        <a:lnSpc>
-                          <a:spcPts val="6019"/>
-                        </a:lnSpc>
-                        <a:defRPr/>
-                      </a:pPr>
-                      <a:r>
-                        <a:rPr lang="en-US" sz="4299">
-                          <a:solidFill>
-                            <a:srgbClr val="000000"/>
-                          </a:solidFill>
-                          <a:latin typeface="Bitter"/>
-                          <a:ea typeface="Bitter"/>
-                          <a:cs typeface="Bitter"/>
-                          <a:sym typeface="Bitter"/>
-                        </a:rPr>
-                        <a:t>332</a:t>
-                      </a:r>
-                      <a:endParaRPr lang="en-US" sz="1100"/>
-                    </a:p>
-                  </a:txBody>
-                  <a:tcPr marL="47625" marR="47625" marT="47625" marB="47625" anchor="ctr">
-                    <a:lnL w="38100" cap="flat" cmpd="sng" algn="ctr">
-                      <a:solidFill>
-                        <a:srgbClr val="000000"/>
-                      </a:solidFill>
-                      <a:prstDash val="solid"/>
-                      <a:round/>
-                      <a:headEnd type="none" w="med" len="med"/>
-                      <a:tailEnd type="none" w="med" len="med"/>
-                    </a:lnL>
-                    <a:lnR w="38100" cap="flat" cmpd="sng" algn="ctr">
-                      <a:solidFill>
-                        <a:srgbClr val="000000"/>
-                      </a:solidFill>
-                      <a:prstDash val="solid"/>
-                      <a:round/>
-                      <a:headEnd type="none" w="med" len="med"/>
-                      <a:tailEnd type="none" w="med" len="med"/>
-                    </a:lnR>
-                    <a:lnT w="38100" cap="flat" cmpd="sng" algn="ctr">
-                      <a:solidFill>
-                        <a:srgbClr val="000000"/>
-                      </a:solidFill>
-                      <a:prstDash val="solid"/>
-                      <a:round/>
-                      <a:headEnd type="none" w="med" len="med"/>
-                      <a:tailEnd type="none" w="med" len="med"/>
-                    </a:lnT>
-                    <a:lnB w="38100" cap="flat" cmpd="sng" algn="ctr">
-                      <a:solidFill>
-                        <a:srgbClr val="000000"/>
-                      </a:solidFill>
-                      <a:prstDash val="solid"/>
-                      <a:round/>
-                      <a:headEnd type="none" w="med" len="med"/>
-                      <a:tailEnd type="none" w="med" len="med"/>
-                    </a:lnB>
-                    <a:solidFill>
-                      <a:srgbClr val="FEFBDB"/>
-                    </a:solidFill>
-                  </a:tcPr>
-                </a:tc>
-                <a:tc hMerge="1">
-                  <a:txBody>
-                    <a:bodyPr/>
-                    <a:lstStyle/>
-                    <a:p>
-                      <a:pPr algn="ctr">
-                        <a:lnSpc>
-                          <a:spcPts val="6019"/>
-                        </a:lnSpc>
-                        <a:defRPr/>
-                      </a:pPr>
-                      <a:r>
-                        <a:rPr lang="en-US" sz="4299">
-                          <a:solidFill>
-                            <a:srgbClr val="000000"/>
-                          </a:solidFill>
-                          <a:latin typeface="Bitter"/>
-                          <a:ea typeface="Bitter"/>
-                          <a:cs typeface="Bitter"/>
-                          <a:sym typeface="Bitter"/>
-                        </a:rPr>
-                        <a:t>332</a:t>
-                      </a:r>
-                      <a:endParaRPr lang="en-US" sz="1100"/>
-                    </a:p>
-                  </a:txBody>
-                  <a:tcPr marL="47625" marR="47625" marT="47625" marB="47625" anchor="ctr">
-                    <a:lnL w="38100" cap="flat" cmpd="sng" algn="ctr">
-                      <a:solidFill>
-                        <a:srgbClr val="000000"/>
-                      </a:solidFill>
-                      <a:prstDash val="solid"/>
-                      <a:round/>
-                      <a:headEnd type="none" w="med" len="med"/>
-                      <a:tailEnd type="none" w="med" len="med"/>
-                    </a:lnL>
-                    <a:lnR w="38100" cap="flat" cmpd="sng" algn="ctr">
-                      <a:solidFill>
-                        <a:srgbClr val="000000"/>
-                      </a:solidFill>
-                      <a:prstDash val="solid"/>
-                      <a:round/>
-                      <a:headEnd type="none" w="med" len="med"/>
-                      <a:tailEnd type="none" w="med" len="med"/>
-                    </a:lnR>
-                    <a:lnT w="38100" cap="flat" cmpd="sng" algn="ctr">
-                      <a:solidFill>
-                        <a:srgbClr val="000000"/>
-                      </a:solidFill>
-                      <a:prstDash val="solid"/>
-                      <a:round/>
-                      <a:headEnd type="none" w="med" len="med"/>
-                      <a:tailEnd type="none" w="med" len="med"/>
-                    </a:lnT>
-                    <a:lnB w="38100" cap="flat" cmpd="sng" algn="ctr">
-                      <a:solidFill>
-                        <a:srgbClr val="000000"/>
-                      </a:solidFill>
-                      <a:prstDash val="solid"/>
-                      <a:round/>
-                      <a:headEnd type="none" w="med" len="med"/>
-                      <a:tailEnd type="none" w="med" len="med"/>
-                    </a:lnB>
-                    <a:solidFill>
-                      <a:srgbClr val="FEFBDB"/>
-                    </a:solidFill>
-                  </a:tcPr>
-                </a:tc>
-                <a:tc hMerge="1">
-                  <a:txBody>
-                    <a:bodyPr/>
-                    <a:lstStyle/>
-                    <a:p>
-                      <a:pPr algn="ctr">
-                        <a:lnSpc>
-                          <a:spcPts val="6019"/>
-                        </a:lnSpc>
-                        <a:defRPr/>
-                      </a:pPr>
-                      <a:r>
-                        <a:rPr lang="en-US" sz="4299">
-                          <a:solidFill>
-                            <a:srgbClr val="000000"/>
-                          </a:solidFill>
-                          <a:latin typeface="Bitter"/>
-                          <a:ea typeface="Bitter"/>
-                          <a:cs typeface="Bitter"/>
-                          <a:sym typeface="Bitter"/>
-                        </a:rPr>
-                        <a:t>332</a:t>
-                      </a:r>
-                      <a:endParaRPr lang="en-US" sz="1100"/>
-                    </a:p>
-                  </a:txBody>
-                  <a:tcPr marL="47625" marR="47625" marT="47625" marB="47625" anchor="ctr">
-                    <a:lnL w="38100" cap="flat" cmpd="sng" algn="ctr">
-                      <a:solidFill>
-                        <a:srgbClr val="000000"/>
-                      </a:solidFill>
-                      <a:prstDash val="solid"/>
-                      <a:round/>
-                      <a:headEnd type="none" w="med" len="med"/>
-                      <a:tailEnd type="none" w="med" len="med"/>
-                    </a:lnL>
-                    <a:lnR w="38100" cap="flat" cmpd="sng" algn="ctr">
-                      <a:solidFill>
-                        <a:srgbClr val="000000"/>
-                      </a:solidFill>
-                      <a:prstDash val="solid"/>
-                      <a:round/>
-                      <a:headEnd type="none" w="med" len="med"/>
-                      <a:tailEnd type="none" w="med" len="med"/>
-                    </a:lnR>
-                    <a:lnT w="38100" cap="flat" cmpd="sng" algn="ctr">
-                      <a:solidFill>
-                        <a:srgbClr val="000000"/>
-                      </a:solidFill>
-                      <a:prstDash val="solid"/>
-                      <a:round/>
-                      <a:headEnd type="none" w="med" len="med"/>
-                      <a:tailEnd type="none" w="med" len="med"/>
-                    </a:lnT>
-                    <a:lnB w="38100" cap="flat" cmpd="sng" algn="ctr">
-                      <a:solidFill>
-                        <a:srgbClr val="000000"/>
-                      </a:solidFill>
-                      <a:prstDash val="solid"/>
-                      <a:round/>
-                      <a:headEnd type="none" w="med" len="med"/>
-                      <a:tailEnd type="none" w="med" len="med"/>
-                    </a:lnB>
-                    <a:solidFill>
-                      <a:srgbClr val="FEFBDB"/>
-                    </a:solidFill>
-                  </a:tcPr>
-                </a:tc>
-                <a:extLst>
-                  <a:ext uri="{0D108BD9-81ED-4DB2-BD59-A6C34878D82A}">
-                    <a16:rowId xmlns:a16="http://schemas.microsoft.com/office/drawing/2014/main" val="10005"/>
-                  </a:ext>
-                </a:extLst>
-              </a:tr>
-            </a:tbl>
-          </a:graphicData>
-        </a:graphic>
-      </p:graphicFrame>
       <p:sp>
         <p:nvSpPr>
           <p:cNvPr id="3" name="TextBox 3"/>
@@ -15548,7 +11337,7 @@
         <p:spPr>
           <a:xfrm>
             <a:off x="1028700" y="776721"/>
-            <a:ext cx="16230600" cy="1111756"/>
+            <a:ext cx="16230600" cy="923330"/>
           </a:xfrm>
           <a:prstGeom prst="rect">
             <a:avLst/>
@@ -15566,7 +11355,7 @@
               </a:lnSpc>
             </a:pPr>
             <a:r>
-              <a:rPr lang="en-US" sz="7699">
+              <a:rPr lang="en-US" sz="7699" dirty="0">
                 <a:solidFill>
                   <a:srgbClr val="FAD00A"/>
                 </a:solidFill>
@@ -15575,7 +11364,7 @@
                 <a:cs typeface="Pixellet TH"/>
                 <a:sym typeface="Pixellet TH"/>
               </a:rPr>
-              <a:t>How to read Binary</a:t>
+              <a:t>Table</a:t>
             </a:r>
           </a:p>
         </p:txBody>
@@ -15788,7 +11577,7 @@
               </a:spcBef>
             </a:pPr>
             <a:r>
-              <a:rPr lang="en-US" sz="3799">
+              <a:rPr lang="en-US" sz="3799" dirty="0">
                 <a:solidFill>
                   <a:srgbClr val="000000"/>
                 </a:solidFill>
@@ -15797,11 +11586,751 @@
                 <a:cs typeface="Bitter"/>
                 <a:sym typeface="Bitter"/>
               </a:rPr>
-              <a:t>Binary Code Example:   101001100</a:t>
-            </a:r>
+              <a:t>Vim vs </a:t>
+            </a:r>
+            <a:r>
+              <a:rPr lang="en-US" sz="3799" dirty="0" err="1">
+                <a:solidFill>
+                  <a:srgbClr val="000000"/>
+                </a:solidFill>
+                <a:latin typeface="Bitter"/>
+                <a:ea typeface="Bitter"/>
+                <a:cs typeface="Bitter"/>
+                <a:sym typeface="Bitter"/>
+              </a:rPr>
+              <a:t>NeoVim</a:t>
+            </a:r>
+            <a:endParaRPr lang="en-US" sz="3799" dirty="0">
+              <a:solidFill>
+                <a:srgbClr val="000000"/>
+              </a:solidFill>
+              <a:latin typeface="Bitter"/>
+              <a:ea typeface="Bitter"/>
+              <a:cs typeface="Bitter"/>
+              <a:sym typeface="Bitter"/>
+            </a:endParaRPr>
           </a:p>
         </p:txBody>
       </p:sp>
+      <p:graphicFrame>
+        <p:nvGraphicFramePr>
+          <p:cNvPr id="11" name="Таблица 10">
+            <a:extLst>
+              <a:ext uri="{FF2B5EF4-FFF2-40B4-BE49-F238E27FC236}">
+                <a16:creationId xmlns:a16="http://schemas.microsoft.com/office/drawing/2014/main" id="{10C9F8A7-6DE6-4978-43DC-D5A81B2907E4}"/>
+              </a:ext>
+            </a:extLst>
+          </p:cNvPr>
+          <p:cNvGraphicFramePr>
+            <a:graphicFrameLocks noGrp="1"/>
+          </p:cNvGraphicFramePr>
+          <p:nvPr>
+            <p:extLst>
+              <p:ext uri="{D42A27DB-BD31-4B8C-83A1-F6EECF244321}">
+                <p14:modId xmlns:p14="http://schemas.microsoft.com/office/powerpoint/2010/main" val="1297887664"/>
+              </p:ext>
+            </p:extLst>
+          </p:nvPr>
+        </p:nvGraphicFramePr>
+        <p:xfrm>
+          <a:off x="2860317" y="5023686"/>
+          <a:ext cx="12192000" cy="1854200"/>
+        </p:xfrm>
+        <a:graphic>
+          <a:graphicData uri="http://schemas.openxmlformats.org/drawingml/2006/table">
+            <a:tbl>
+              <a:tblPr firstRow="1" bandRow="1">
+                <a:tableStyleId>{5C22544A-7EE6-4342-B048-85BDC9FD1C3A}</a:tableStyleId>
+              </a:tblPr>
+              <a:tblGrid>
+                <a:gridCol w="3048000">
+                  <a:extLst>
+                    <a:ext uri="{9D8B030D-6E8A-4147-A177-3AD203B41FA5}">
+                      <a16:colId xmlns:a16="http://schemas.microsoft.com/office/drawing/2014/main" val="25848477"/>
+                    </a:ext>
+                  </a:extLst>
+                </a:gridCol>
+                <a:gridCol w="3048000">
+                  <a:extLst>
+                    <a:ext uri="{9D8B030D-6E8A-4147-A177-3AD203B41FA5}">
+                      <a16:colId xmlns:a16="http://schemas.microsoft.com/office/drawing/2014/main" val="2280616418"/>
+                    </a:ext>
+                  </a:extLst>
+                </a:gridCol>
+                <a:gridCol w="3048000">
+                  <a:extLst>
+                    <a:ext uri="{9D8B030D-6E8A-4147-A177-3AD203B41FA5}">
+                      <a16:colId xmlns:a16="http://schemas.microsoft.com/office/drawing/2014/main" val="2846918024"/>
+                    </a:ext>
+                  </a:extLst>
+                </a:gridCol>
+                <a:gridCol w="3048000">
+                  <a:extLst>
+                    <a:ext uri="{9D8B030D-6E8A-4147-A177-3AD203B41FA5}">
+                      <a16:colId xmlns:a16="http://schemas.microsoft.com/office/drawing/2014/main" val="2098613723"/>
+                    </a:ext>
+                  </a:extLst>
+                </a:gridCol>
+              </a:tblGrid>
+              <a:tr h="370840">
+                <a:tc>
+                  <a:txBody>
+                    <a:bodyPr/>
+                    <a:lstStyle/>
+                    <a:p>
+                      <a:endParaRPr lang="ru-KZ" dirty="0"/>
+                    </a:p>
+                  </a:txBody>
+                  <a:tcPr>
+                    <a:lnL w="12700" cmpd="sng">
+                      <a:noFill/>
+                    </a:lnL>
+                    <a:lnR w="12700" cmpd="sng">
+                      <a:noFill/>
+                    </a:lnR>
+                    <a:lnT w="12700" cmpd="sng">
+                      <a:noFill/>
+                    </a:lnT>
+                    <a:lnB w="38100" cmpd="sng">
+                      <a:noFill/>
+                    </a:lnB>
+                    <a:lnTlToBr w="12700" cmpd="sng">
+                      <a:noFill/>
+                      <a:prstDash val="solid"/>
+                    </a:lnTlToBr>
+                    <a:lnBlToTr w="12700" cmpd="sng">
+                      <a:noFill/>
+                      <a:prstDash val="solid"/>
+                    </a:lnBlToTr>
+                  </a:tcPr>
+                </a:tc>
+                <a:tc>
+                  <a:txBody>
+                    <a:bodyPr/>
+                    <a:lstStyle/>
+                    <a:p>
+                      <a:endParaRPr lang="ru-KZ"/>
+                    </a:p>
+                  </a:txBody>
+                  <a:tcPr>
+                    <a:lnL w="12700" cmpd="sng">
+                      <a:noFill/>
+                    </a:lnL>
+                    <a:lnR w="12700" cmpd="sng">
+                      <a:noFill/>
+                    </a:lnR>
+                    <a:lnT w="12700" cmpd="sng">
+                      <a:noFill/>
+                    </a:lnT>
+                    <a:lnB w="38100" cmpd="sng">
+                      <a:noFill/>
+                    </a:lnB>
+                    <a:lnTlToBr w="12700" cmpd="sng">
+                      <a:noFill/>
+                      <a:prstDash val="solid"/>
+                    </a:lnTlToBr>
+                    <a:lnBlToTr w="12700" cmpd="sng">
+                      <a:noFill/>
+                      <a:prstDash val="solid"/>
+                    </a:lnBlToTr>
+                  </a:tcPr>
+                </a:tc>
+                <a:tc>
+                  <a:txBody>
+                    <a:bodyPr/>
+                    <a:lstStyle/>
+                    <a:p>
+                      <a:endParaRPr lang="ru-KZ"/>
+                    </a:p>
+                  </a:txBody>
+                  <a:tcPr>
+                    <a:lnL w="12700" cmpd="sng">
+                      <a:noFill/>
+                    </a:lnL>
+                    <a:lnR w="12700" cmpd="sng">
+                      <a:noFill/>
+                    </a:lnR>
+                    <a:lnT w="12700" cmpd="sng">
+                      <a:noFill/>
+                    </a:lnT>
+                    <a:lnB w="38100" cmpd="sng">
+                      <a:noFill/>
+                    </a:lnB>
+                    <a:lnTlToBr w="12700" cmpd="sng">
+                      <a:noFill/>
+                      <a:prstDash val="solid"/>
+                    </a:lnTlToBr>
+                    <a:lnBlToTr w="12700" cmpd="sng">
+                      <a:noFill/>
+                      <a:prstDash val="solid"/>
+                    </a:lnBlToTr>
+                  </a:tcPr>
+                </a:tc>
+                <a:tc>
+                  <a:txBody>
+                    <a:bodyPr/>
+                    <a:lstStyle/>
+                    <a:p>
+                      <a:endParaRPr lang="ru-KZ"/>
+                    </a:p>
+                  </a:txBody>
+                  <a:tcPr>
+                    <a:lnL w="12700" cmpd="sng">
+                      <a:noFill/>
+                    </a:lnL>
+                    <a:lnR w="12700" cmpd="sng">
+                      <a:noFill/>
+                    </a:lnR>
+                    <a:lnT w="12700" cmpd="sng">
+                      <a:noFill/>
+                    </a:lnT>
+                    <a:lnB w="38100" cmpd="sng">
+                      <a:noFill/>
+                    </a:lnB>
+                    <a:lnTlToBr w="12700" cmpd="sng">
+                      <a:noFill/>
+                      <a:prstDash val="solid"/>
+                    </a:lnTlToBr>
+                    <a:lnBlToTr w="12700" cmpd="sng">
+                      <a:noFill/>
+                      <a:prstDash val="solid"/>
+                    </a:lnBlToTr>
+                  </a:tcPr>
+                </a:tc>
+                <a:extLst>
+                  <a:ext uri="{0D108BD9-81ED-4DB2-BD59-A6C34878D82A}">
+                    <a16:rowId xmlns:a16="http://schemas.microsoft.com/office/drawing/2014/main" val="1573007800"/>
+                  </a:ext>
+                </a:extLst>
+              </a:tr>
+              <a:tr h="370840">
+                <a:tc>
+                  <a:txBody>
+                    <a:bodyPr/>
+                    <a:lstStyle/>
+                    <a:p>
+                      <a:endParaRPr lang="ru-KZ" dirty="0"/>
+                    </a:p>
+                  </a:txBody>
+                  <a:tcPr>
+                    <a:lnL w="12700" cmpd="sng">
+                      <a:noFill/>
+                    </a:lnL>
+                    <a:lnR w="12700" cmpd="sng">
+                      <a:noFill/>
+                    </a:lnR>
+                    <a:lnT w="38100" cmpd="sng">
+                      <a:noFill/>
+                    </a:lnT>
+                    <a:lnB w="12700" cmpd="sng">
+                      <a:noFill/>
+                    </a:lnB>
+                    <a:lnTlToBr w="12700" cmpd="sng">
+                      <a:noFill/>
+                      <a:prstDash val="solid"/>
+                    </a:lnTlToBr>
+                    <a:lnBlToTr w="12700" cmpd="sng">
+                      <a:noFill/>
+                      <a:prstDash val="solid"/>
+                    </a:lnBlToTr>
+                  </a:tcPr>
+                </a:tc>
+                <a:tc>
+                  <a:txBody>
+                    <a:bodyPr/>
+                    <a:lstStyle/>
+                    <a:p>
+                      <a:endParaRPr lang="ru-KZ"/>
+                    </a:p>
+                  </a:txBody>
+                  <a:tcPr>
+                    <a:lnL w="12700" cmpd="sng">
+                      <a:noFill/>
+                    </a:lnL>
+                    <a:lnR w="12700" cmpd="sng">
+                      <a:noFill/>
+                    </a:lnR>
+                    <a:lnT w="38100" cmpd="sng">
+                      <a:noFill/>
+                    </a:lnT>
+                    <a:lnB w="12700" cmpd="sng">
+                      <a:noFill/>
+                    </a:lnB>
+                    <a:lnTlToBr w="12700" cmpd="sng">
+                      <a:noFill/>
+                      <a:prstDash val="solid"/>
+                    </a:lnTlToBr>
+                    <a:lnBlToTr w="12700" cmpd="sng">
+                      <a:noFill/>
+                      <a:prstDash val="solid"/>
+                    </a:lnBlToTr>
+                  </a:tcPr>
+                </a:tc>
+                <a:tc>
+                  <a:txBody>
+                    <a:bodyPr/>
+                    <a:lstStyle/>
+                    <a:p>
+                      <a:endParaRPr lang="ru-KZ"/>
+                    </a:p>
+                  </a:txBody>
+                  <a:tcPr>
+                    <a:lnL w="12700" cmpd="sng">
+                      <a:noFill/>
+                    </a:lnL>
+                    <a:lnR w="12700" cmpd="sng">
+                      <a:noFill/>
+                    </a:lnR>
+                    <a:lnT w="38100" cmpd="sng">
+                      <a:noFill/>
+                    </a:lnT>
+                    <a:lnB w="12700" cmpd="sng">
+                      <a:noFill/>
+                    </a:lnB>
+                    <a:lnTlToBr w="12700" cmpd="sng">
+                      <a:noFill/>
+                      <a:prstDash val="solid"/>
+                    </a:lnTlToBr>
+                    <a:lnBlToTr w="12700" cmpd="sng">
+                      <a:noFill/>
+                      <a:prstDash val="solid"/>
+                    </a:lnBlToTr>
+                  </a:tcPr>
+                </a:tc>
+                <a:tc>
+                  <a:txBody>
+                    <a:bodyPr/>
+                    <a:lstStyle/>
+                    <a:p>
+                      <a:endParaRPr lang="ru-KZ"/>
+                    </a:p>
+                  </a:txBody>
+                  <a:tcPr>
+                    <a:lnL w="12700" cmpd="sng">
+                      <a:noFill/>
+                    </a:lnL>
+                    <a:lnR w="12700" cmpd="sng">
+                      <a:noFill/>
+                    </a:lnR>
+                    <a:lnT w="38100" cmpd="sng">
+                      <a:noFill/>
+                    </a:lnT>
+                    <a:lnB w="12700" cmpd="sng">
+                      <a:noFill/>
+                    </a:lnB>
+                    <a:lnTlToBr w="12700" cmpd="sng">
+                      <a:noFill/>
+                      <a:prstDash val="solid"/>
+                    </a:lnTlToBr>
+                    <a:lnBlToTr w="12700" cmpd="sng">
+                      <a:noFill/>
+                      <a:prstDash val="solid"/>
+                    </a:lnBlToTr>
+                  </a:tcPr>
+                </a:tc>
+                <a:extLst>
+                  <a:ext uri="{0D108BD9-81ED-4DB2-BD59-A6C34878D82A}">
+                    <a16:rowId xmlns:a16="http://schemas.microsoft.com/office/drawing/2014/main" val="1685483103"/>
+                  </a:ext>
+                </a:extLst>
+              </a:tr>
+              <a:tr h="370840">
+                <a:tc>
+                  <a:txBody>
+                    <a:bodyPr/>
+                    <a:lstStyle/>
+                    <a:p>
+                      <a:endParaRPr lang="ru-KZ" dirty="0"/>
+                    </a:p>
+                  </a:txBody>
+                  <a:tcPr>
+                    <a:lnL w="12700" cmpd="sng">
+                      <a:noFill/>
+                    </a:lnL>
+                    <a:lnR w="12700" cmpd="sng">
+                      <a:noFill/>
+                    </a:lnR>
+                    <a:lnT w="12700" cmpd="sng">
+                      <a:noFill/>
+                    </a:lnT>
+                    <a:lnB w="12700" cmpd="sng">
+                      <a:noFill/>
+                    </a:lnB>
+                    <a:lnTlToBr w="12700" cmpd="sng">
+                      <a:noFill/>
+                      <a:prstDash val="solid"/>
+                    </a:lnTlToBr>
+                    <a:lnBlToTr w="12700" cmpd="sng">
+                      <a:noFill/>
+                      <a:prstDash val="solid"/>
+                    </a:lnBlToTr>
+                  </a:tcPr>
+                </a:tc>
+                <a:tc>
+                  <a:txBody>
+                    <a:bodyPr/>
+                    <a:lstStyle/>
+                    <a:p>
+                      <a:endParaRPr lang="ru-KZ"/>
+                    </a:p>
+                  </a:txBody>
+                  <a:tcPr>
+                    <a:lnL w="12700" cmpd="sng">
+                      <a:noFill/>
+                    </a:lnL>
+                    <a:lnR w="12700" cmpd="sng">
+                      <a:noFill/>
+                    </a:lnR>
+                    <a:lnT w="12700" cmpd="sng">
+                      <a:noFill/>
+                    </a:lnT>
+                    <a:lnB w="12700" cmpd="sng">
+                      <a:noFill/>
+                    </a:lnB>
+                    <a:lnTlToBr w="12700" cmpd="sng">
+                      <a:noFill/>
+                      <a:prstDash val="solid"/>
+                    </a:lnTlToBr>
+                    <a:lnBlToTr w="12700" cmpd="sng">
+                      <a:noFill/>
+                      <a:prstDash val="solid"/>
+                    </a:lnBlToTr>
+                  </a:tcPr>
+                </a:tc>
+                <a:tc>
+                  <a:txBody>
+                    <a:bodyPr/>
+                    <a:lstStyle/>
+                    <a:p>
+                      <a:endParaRPr lang="ru-KZ"/>
+                    </a:p>
+                  </a:txBody>
+                  <a:tcPr>
+                    <a:lnL w="12700" cmpd="sng">
+                      <a:noFill/>
+                    </a:lnL>
+                    <a:lnR w="12700" cmpd="sng">
+                      <a:noFill/>
+                    </a:lnR>
+                    <a:lnT w="12700" cmpd="sng">
+                      <a:noFill/>
+                    </a:lnT>
+                    <a:lnB w="12700" cmpd="sng">
+                      <a:noFill/>
+                    </a:lnB>
+                    <a:lnTlToBr w="12700" cmpd="sng">
+                      <a:noFill/>
+                      <a:prstDash val="solid"/>
+                    </a:lnTlToBr>
+                    <a:lnBlToTr w="12700" cmpd="sng">
+                      <a:noFill/>
+                      <a:prstDash val="solid"/>
+                    </a:lnBlToTr>
+                  </a:tcPr>
+                </a:tc>
+                <a:tc>
+                  <a:txBody>
+                    <a:bodyPr/>
+                    <a:lstStyle/>
+                    <a:p>
+                      <a:endParaRPr lang="ru-KZ"/>
+                    </a:p>
+                  </a:txBody>
+                  <a:tcPr>
+                    <a:lnL w="12700" cmpd="sng">
+                      <a:noFill/>
+                    </a:lnL>
+                    <a:lnR w="12700" cmpd="sng">
+                      <a:noFill/>
+                    </a:lnR>
+                    <a:lnT w="12700" cmpd="sng">
+                      <a:noFill/>
+                    </a:lnT>
+                    <a:lnB w="12700" cmpd="sng">
+                      <a:noFill/>
+                    </a:lnB>
+                    <a:lnTlToBr w="12700" cmpd="sng">
+                      <a:noFill/>
+                      <a:prstDash val="solid"/>
+                    </a:lnTlToBr>
+                    <a:lnBlToTr w="12700" cmpd="sng">
+                      <a:noFill/>
+                      <a:prstDash val="solid"/>
+                    </a:lnBlToTr>
+                  </a:tcPr>
+                </a:tc>
+                <a:extLst>
+                  <a:ext uri="{0D108BD9-81ED-4DB2-BD59-A6C34878D82A}">
+                    <a16:rowId xmlns:a16="http://schemas.microsoft.com/office/drawing/2014/main" val="449751294"/>
+                  </a:ext>
+                </a:extLst>
+              </a:tr>
+              <a:tr h="370840">
+                <a:tc>
+                  <a:txBody>
+                    <a:bodyPr/>
+                    <a:lstStyle/>
+                    <a:p>
+                      <a:endParaRPr lang="ru-KZ"/>
+                    </a:p>
+                  </a:txBody>
+                  <a:tcPr>
+                    <a:lnL w="12700" cmpd="sng">
+                      <a:noFill/>
+                    </a:lnL>
+                    <a:lnR w="12700" cmpd="sng">
+                      <a:noFill/>
+                    </a:lnR>
+                    <a:lnT w="12700" cmpd="sng">
+                      <a:noFill/>
+                    </a:lnT>
+                    <a:lnB w="12700" cmpd="sng">
+                      <a:noFill/>
+                    </a:lnB>
+                    <a:lnTlToBr w="12700" cmpd="sng">
+                      <a:noFill/>
+                      <a:prstDash val="solid"/>
+                    </a:lnTlToBr>
+                    <a:lnBlToTr w="12700" cmpd="sng">
+                      <a:noFill/>
+                      <a:prstDash val="solid"/>
+                    </a:lnBlToTr>
+                  </a:tcPr>
+                </a:tc>
+                <a:tc>
+                  <a:txBody>
+                    <a:bodyPr/>
+                    <a:lstStyle/>
+                    <a:p>
+                      <a:endParaRPr lang="ru-KZ" dirty="0"/>
+                    </a:p>
+                  </a:txBody>
+                  <a:tcPr>
+                    <a:lnL w="12700" cmpd="sng">
+                      <a:noFill/>
+                    </a:lnL>
+                    <a:lnR w="12700" cmpd="sng">
+                      <a:noFill/>
+                    </a:lnR>
+                    <a:lnT w="12700" cmpd="sng">
+                      <a:noFill/>
+                    </a:lnT>
+                    <a:lnB w="12700" cmpd="sng">
+                      <a:noFill/>
+                    </a:lnB>
+                    <a:lnTlToBr w="12700" cmpd="sng">
+                      <a:noFill/>
+                      <a:prstDash val="solid"/>
+                    </a:lnTlToBr>
+                    <a:lnBlToTr w="12700" cmpd="sng">
+                      <a:noFill/>
+                      <a:prstDash val="solid"/>
+                    </a:lnBlToTr>
+                  </a:tcPr>
+                </a:tc>
+                <a:tc>
+                  <a:txBody>
+                    <a:bodyPr/>
+                    <a:lstStyle/>
+                    <a:p>
+                      <a:endParaRPr lang="ru-KZ"/>
+                    </a:p>
+                  </a:txBody>
+                  <a:tcPr>
+                    <a:lnL w="12700" cmpd="sng">
+                      <a:noFill/>
+                    </a:lnL>
+                    <a:lnR w="12700" cmpd="sng">
+                      <a:noFill/>
+                    </a:lnR>
+                    <a:lnT w="12700" cmpd="sng">
+                      <a:noFill/>
+                    </a:lnT>
+                    <a:lnB w="12700" cmpd="sng">
+                      <a:noFill/>
+                    </a:lnB>
+                    <a:lnTlToBr w="12700" cmpd="sng">
+                      <a:noFill/>
+                      <a:prstDash val="solid"/>
+                    </a:lnTlToBr>
+                    <a:lnBlToTr w="12700" cmpd="sng">
+                      <a:noFill/>
+                      <a:prstDash val="solid"/>
+                    </a:lnBlToTr>
+                  </a:tcPr>
+                </a:tc>
+                <a:tc>
+                  <a:txBody>
+                    <a:bodyPr/>
+                    <a:lstStyle/>
+                    <a:p>
+                      <a:endParaRPr lang="ru-KZ"/>
+                    </a:p>
+                  </a:txBody>
+                  <a:tcPr>
+                    <a:lnL w="12700" cmpd="sng">
+                      <a:noFill/>
+                    </a:lnL>
+                    <a:lnR w="12700" cmpd="sng">
+                      <a:noFill/>
+                    </a:lnR>
+                    <a:lnT w="12700" cmpd="sng">
+                      <a:noFill/>
+                    </a:lnT>
+                    <a:lnB w="12700" cmpd="sng">
+                      <a:noFill/>
+                    </a:lnB>
+                    <a:lnTlToBr w="12700" cmpd="sng">
+                      <a:noFill/>
+                      <a:prstDash val="solid"/>
+                    </a:lnTlToBr>
+                    <a:lnBlToTr w="12700" cmpd="sng">
+                      <a:noFill/>
+                      <a:prstDash val="solid"/>
+                    </a:lnBlToTr>
+                  </a:tcPr>
+                </a:tc>
+                <a:extLst>
+                  <a:ext uri="{0D108BD9-81ED-4DB2-BD59-A6C34878D82A}">
+                    <a16:rowId xmlns:a16="http://schemas.microsoft.com/office/drawing/2014/main" val="2259619170"/>
+                  </a:ext>
+                </a:extLst>
+              </a:tr>
+              <a:tr h="370840">
+                <a:tc>
+                  <a:txBody>
+                    <a:bodyPr/>
+                    <a:lstStyle/>
+                    <a:p>
+                      <a:endParaRPr lang="ru-KZ"/>
+                    </a:p>
+                  </a:txBody>
+                  <a:tcPr>
+                    <a:lnL w="12700" cmpd="sng">
+                      <a:noFill/>
+                    </a:lnL>
+                    <a:lnR w="12700" cmpd="sng">
+                      <a:noFill/>
+                    </a:lnR>
+                    <a:lnT w="12700" cmpd="sng">
+                      <a:noFill/>
+                    </a:lnT>
+                    <a:lnB w="12700" cmpd="sng">
+                      <a:noFill/>
+                    </a:lnB>
+                    <a:lnTlToBr w="12700" cmpd="sng">
+                      <a:noFill/>
+                      <a:prstDash val="solid"/>
+                    </a:lnTlToBr>
+                    <a:lnBlToTr w="12700" cmpd="sng">
+                      <a:noFill/>
+                      <a:prstDash val="solid"/>
+                    </a:lnBlToTr>
+                  </a:tcPr>
+                </a:tc>
+                <a:tc>
+                  <a:txBody>
+                    <a:bodyPr/>
+                    <a:lstStyle/>
+                    <a:p>
+                      <a:endParaRPr lang="ru-KZ" dirty="0"/>
+                    </a:p>
+                  </a:txBody>
+                  <a:tcPr>
+                    <a:lnL w="12700" cmpd="sng">
+                      <a:noFill/>
+                    </a:lnL>
+                    <a:lnR w="12700" cmpd="sng">
+                      <a:noFill/>
+                    </a:lnR>
+                    <a:lnT w="12700" cmpd="sng">
+                      <a:noFill/>
+                    </a:lnT>
+                    <a:lnB w="12700" cmpd="sng">
+                      <a:noFill/>
+                    </a:lnB>
+                    <a:lnTlToBr w="12700" cmpd="sng">
+                      <a:noFill/>
+                      <a:prstDash val="solid"/>
+                    </a:lnTlToBr>
+                    <a:lnBlToTr w="12700" cmpd="sng">
+                      <a:noFill/>
+                      <a:prstDash val="solid"/>
+                    </a:lnBlToTr>
+                  </a:tcPr>
+                </a:tc>
+                <a:tc>
+                  <a:txBody>
+                    <a:bodyPr/>
+                    <a:lstStyle/>
+                    <a:p>
+                      <a:endParaRPr lang="ru-KZ"/>
+                    </a:p>
+                  </a:txBody>
+                  <a:tcPr>
+                    <a:lnL w="12700" cmpd="sng">
+                      <a:noFill/>
+                    </a:lnL>
+                    <a:lnR w="12700" cmpd="sng">
+                      <a:noFill/>
+                    </a:lnR>
+                    <a:lnT w="12700" cmpd="sng">
+                      <a:noFill/>
+                    </a:lnT>
+                    <a:lnB w="12700" cmpd="sng">
+                      <a:noFill/>
+                    </a:lnB>
+                    <a:lnTlToBr w="12700" cmpd="sng">
+                      <a:noFill/>
+                      <a:prstDash val="solid"/>
+                    </a:lnTlToBr>
+                    <a:lnBlToTr w="12700" cmpd="sng">
+                      <a:noFill/>
+                      <a:prstDash val="solid"/>
+                    </a:lnBlToTr>
+                  </a:tcPr>
+                </a:tc>
+                <a:tc>
+                  <a:txBody>
+                    <a:bodyPr/>
+                    <a:lstStyle/>
+                    <a:p>
+                      <a:endParaRPr lang="ru-KZ" dirty="0"/>
+                    </a:p>
+                  </a:txBody>
+                  <a:tcPr>
+                    <a:lnL w="12700" cmpd="sng">
+                      <a:noFill/>
+                    </a:lnL>
+                    <a:lnR w="12700" cmpd="sng">
+                      <a:noFill/>
+                    </a:lnR>
+                    <a:lnT w="12700" cmpd="sng">
+                      <a:noFill/>
+                    </a:lnT>
+                    <a:lnB w="12700" cmpd="sng">
+                      <a:noFill/>
+                    </a:lnB>
+                    <a:lnTlToBr w="12700" cmpd="sng">
+                      <a:noFill/>
+                      <a:prstDash val="solid"/>
+                    </a:lnTlToBr>
+                    <a:lnBlToTr w="12700" cmpd="sng">
+                      <a:noFill/>
+                      <a:prstDash val="solid"/>
+                    </a:lnBlToTr>
+                  </a:tcPr>
+                </a:tc>
+                <a:extLst>
+                  <a:ext uri="{0D108BD9-81ED-4DB2-BD59-A6C34878D82A}">
+                    <a16:rowId xmlns:a16="http://schemas.microsoft.com/office/drawing/2014/main" val="4200242649"/>
+                  </a:ext>
+                </a:extLst>
+              </a:tr>
+            </a:tbl>
+          </a:graphicData>
+        </a:graphic>
+      </p:graphicFrame>
     </p:spTree>
   </p:cSld>
   <p:clrMapOvr>

--- a/Praktika IKT/Day 8.pptx
+++ b/Praktika IKT/Day 8.pptx
@@ -6,35 +6,30 @@
   </p:sldMasterIdLst>
   <p:sldIdLst>
     <p:sldId id="256" r:id="rId2"/>
-    <p:sldId id="257" r:id="rId3"/>
-    <p:sldId id="263" r:id="rId4"/>
+    <p:sldId id="267" r:id="rId3"/>
+    <p:sldId id="257" r:id="rId4"/>
     <p:sldId id="258" r:id="rId5"/>
-    <p:sldId id="260" r:id="rId6"/>
-    <p:sldId id="261" r:id="rId7"/>
-    <p:sldId id="262" r:id="rId8"/>
-    <p:sldId id="267" r:id="rId9"/>
-    <p:sldId id="259" r:id="rId10"/>
-    <p:sldId id="264" r:id="rId11"/>
-    <p:sldId id="265" r:id="rId12"/>
+    <p:sldId id="263" r:id="rId6"/>
+    <p:sldId id="260" r:id="rId7"/>
+    <p:sldId id="261" r:id="rId8"/>
+    <p:sldId id="262" r:id="rId9"/>
+    <p:sldId id="264" r:id="rId10"/>
+    <p:sldId id="268" r:id="rId11"/>
   </p:sldIdLst>
   <p:sldSz cx="18288000" cy="10287000"/>
   <p:notesSz cx="6858000" cy="9144000"/>
   <p:embeddedFontLst>
     <p:embeddedFont>
       <p:font typeface="Bitter" panose="020B0604020202020204" charset="0"/>
+      <p:regular r:id="rId12"/>
+    </p:embeddedFont>
+    <p:embeddedFont>
+      <p:font typeface="Pixellet TH" panose="020B0604020202020204" charset="-34"/>
       <p:regular r:id="rId13"/>
     </p:embeddedFont>
     <p:embeddedFont>
-      <p:font typeface="Bitter Bold" panose="020B0604020202020204" charset="0"/>
+      <p:font typeface="Pixellet TH Bold" panose="020B0604020202020204" charset="-34"/>
       <p:regular r:id="rId14"/>
-    </p:embeddedFont>
-    <p:embeddedFont>
-      <p:font typeface="Pixellet TH" panose="020B0604020202020204" charset="-34"/>
-      <p:regular r:id="rId15"/>
-    </p:embeddedFont>
-    <p:embeddedFont>
-      <p:font typeface="Pixellet TH Bold" panose="020B0604020202020204" charset="-34"/>
-      <p:regular r:id="rId16"/>
     </p:embeddedFont>
   </p:embeddedFontLst>
   <p:defaultTextStyle>
@@ -4466,7 +4461,729 @@
     <p:bg>
       <p:bgPr>
         <a:solidFill>
-          <a:srgbClr val="000000"/>
+          <a:srgbClr val="FAD00A"/>
+        </a:solidFill>
+        <a:effectLst/>
+      </p:bgPr>
+    </p:bg>
+    <p:spTree>
+      <p:nvGrpSpPr>
+        <p:cNvPr id="1" name=""/>
+        <p:cNvGrpSpPr/>
+        <p:nvPr/>
+      </p:nvGrpSpPr>
+      <p:grpSpPr>
+        <a:xfrm>
+          <a:off x="0" y="0"/>
+          <a:ext cx="0" cy="0"/>
+          <a:chOff x="0" y="0"/>
+          <a:chExt cx="0" cy="0"/>
+        </a:xfrm>
+      </p:grpSpPr>
+      <p:sp>
+        <p:nvSpPr>
+          <p:cNvPr id="2" name="Freeform 2"/>
+          <p:cNvSpPr/>
+          <p:nvPr/>
+        </p:nvSpPr>
+        <p:spPr>
+          <a:xfrm>
+            <a:off x="14516677" y="7200900"/>
+            <a:ext cx="4114800" cy="4114800"/>
+          </a:xfrm>
+          <a:custGeom>
+            <a:avLst/>
+            <a:gdLst/>
+            <a:ahLst/>
+            <a:cxnLst/>
+            <a:rect l="l" t="t" r="r" b="b"/>
+            <a:pathLst>
+              <a:path w="4114800" h="4114800">
+                <a:moveTo>
+                  <a:pt x="0" y="0"/>
+                </a:moveTo>
+                <a:lnTo>
+                  <a:pt x="4114800" y="0"/>
+                </a:lnTo>
+                <a:lnTo>
+                  <a:pt x="4114800" y="4114800"/>
+                </a:lnTo>
+                <a:lnTo>
+                  <a:pt x="0" y="4114800"/>
+                </a:lnTo>
+                <a:lnTo>
+                  <a:pt x="0" y="0"/>
+                </a:lnTo>
+                <a:close/>
+              </a:path>
+            </a:pathLst>
+          </a:custGeom>
+          <a:blipFill>
+            <a:blip r:embed="rId2">
+              <a:extLst>
+                <a:ext uri="{96DAC541-7B7A-43D3-8B79-37D633B846F1}">
+                  <asvg:svgBlip xmlns:asvg="http://schemas.microsoft.com/office/drawing/2016/SVG/main" r:embed="rId3"/>
+                </a:ext>
+              </a:extLst>
+            </a:blip>
+            <a:stretch>
+              <a:fillRect/>
+            </a:stretch>
+          </a:blipFill>
+        </p:spPr>
+      </p:sp>
+      <p:sp>
+        <p:nvSpPr>
+          <p:cNvPr id="3" name="Freeform 3"/>
+          <p:cNvSpPr/>
+          <p:nvPr/>
+        </p:nvSpPr>
+        <p:spPr>
+          <a:xfrm>
+            <a:off x="-2677787" y="2729200"/>
+            <a:ext cx="5548438" cy="7884103"/>
+          </a:xfrm>
+          <a:custGeom>
+            <a:avLst/>
+            <a:gdLst/>
+            <a:ahLst/>
+            <a:cxnLst/>
+            <a:rect l="l" t="t" r="r" b="b"/>
+            <a:pathLst>
+              <a:path w="5548438" h="7884103">
+                <a:moveTo>
+                  <a:pt x="0" y="0"/>
+                </a:moveTo>
+                <a:lnTo>
+                  <a:pt x="5548437" y="0"/>
+                </a:lnTo>
+                <a:lnTo>
+                  <a:pt x="5548437" y="7884103"/>
+                </a:lnTo>
+                <a:lnTo>
+                  <a:pt x="0" y="7884103"/>
+                </a:lnTo>
+                <a:lnTo>
+                  <a:pt x="0" y="0"/>
+                </a:lnTo>
+                <a:close/>
+              </a:path>
+            </a:pathLst>
+          </a:custGeom>
+          <a:blipFill>
+            <a:blip r:embed="rId4">
+              <a:extLst>
+                <a:ext uri="{96DAC541-7B7A-43D3-8B79-37D633B846F1}">
+                  <asvg:svgBlip xmlns:asvg="http://schemas.microsoft.com/office/drawing/2016/SVG/main" r:embed="rId5"/>
+                </a:ext>
+              </a:extLst>
+            </a:blip>
+            <a:stretch>
+              <a:fillRect/>
+            </a:stretch>
+          </a:blipFill>
+        </p:spPr>
+      </p:sp>
+      <p:grpSp>
+        <p:nvGrpSpPr>
+          <p:cNvPr id="4" name="Group 4"/>
+          <p:cNvGrpSpPr/>
+          <p:nvPr/>
+        </p:nvGrpSpPr>
+        <p:grpSpPr>
+          <a:xfrm>
+            <a:off x="1075928" y="1741492"/>
+            <a:ext cx="16136144" cy="8278808"/>
+            <a:chOff x="0" y="0"/>
+            <a:chExt cx="21514858" cy="11038411"/>
+          </a:xfrm>
+        </p:grpSpPr>
+        <p:grpSp>
+          <p:nvGrpSpPr>
+            <p:cNvPr id="5" name="Group 5"/>
+            <p:cNvGrpSpPr/>
+            <p:nvPr/>
+          </p:nvGrpSpPr>
+          <p:grpSpPr>
+            <a:xfrm rot="-10800000">
+              <a:off x="234493" y="0"/>
+              <a:ext cx="21280365" cy="10731388"/>
+              <a:chOff x="0" y="0"/>
+              <a:chExt cx="4203529" cy="2119780"/>
+            </a:xfrm>
+          </p:grpSpPr>
+          <p:sp>
+            <p:nvSpPr>
+              <p:cNvPr id="6" name="Freeform 6"/>
+              <p:cNvSpPr/>
+              <p:nvPr/>
+            </p:nvSpPr>
+            <p:spPr>
+              <a:xfrm>
+                <a:off x="0" y="0"/>
+                <a:ext cx="4203529" cy="2119780"/>
+              </a:xfrm>
+              <a:custGeom>
+                <a:avLst/>
+                <a:gdLst/>
+                <a:ahLst/>
+                <a:cxnLst/>
+                <a:rect l="l" t="t" r="r" b="b"/>
+                <a:pathLst>
+                  <a:path w="4203529" h="2119780">
+                    <a:moveTo>
+                      <a:pt x="0" y="0"/>
+                    </a:moveTo>
+                    <a:lnTo>
+                      <a:pt x="4203529" y="0"/>
+                    </a:lnTo>
+                    <a:lnTo>
+                      <a:pt x="4203529" y="2119780"/>
+                    </a:lnTo>
+                    <a:lnTo>
+                      <a:pt x="0" y="2119780"/>
+                    </a:lnTo>
+                    <a:close/>
+                  </a:path>
+                </a:pathLst>
+              </a:custGeom>
+              <a:solidFill>
+                <a:srgbClr val="000000"/>
+              </a:solidFill>
+            </p:spPr>
+          </p:sp>
+          <p:sp>
+            <p:nvSpPr>
+              <p:cNvPr id="7" name="TextBox 7"/>
+              <p:cNvSpPr txBox="1"/>
+              <p:nvPr/>
+            </p:nvSpPr>
+            <p:spPr>
+              <a:xfrm>
+                <a:off x="0" y="-38100"/>
+                <a:ext cx="4203529" cy="2157880"/>
+              </a:xfrm>
+              <a:prstGeom prst="rect">
+                <a:avLst/>
+              </a:prstGeom>
+            </p:spPr>
+            <p:txBody>
+              <a:bodyPr lIns="50800" tIns="50800" rIns="50800" bIns="50800" rtlCol="0" anchor="ctr"/>
+              <a:lstStyle/>
+              <a:p>
+                <a:pPr algn="ctr">
+                  <a:lnSpc>
+                    <a:spcPts val="2659"/>
+                  </a:lnSpc>
+                  <a:spcBef>
+                    <a:spcPct val="0"/>
+                  </a:spcBef>
+                </a:pPr>
+                <a:endParaRPr/>
+              </a:p>
+            </p:txBody>
+          </p:sp>
+        </p:grpSp>
+        <p:grpSp>
+          <p:nvGrpSpPr>
+            <p:cNvPr id="8" name="Group 8"/>
+            <p:cNvGrpSpPr/>
+            <p:nvPr/>
+          </p:nvGrpSpPr>
+          <p:grpSpPr>
+            <a:xfrm rot="-10800000">
+              <a:off x="0" y="309255"/>
+              <a:ext cx="21181165" cy="10729156"/>
+              <a:chOff x="0" y="0"/>
+              <a:chExt cx="4183934" cy="2119339"/>
+            </a:xfrm>
+          </p:grpSpPr>
+          <p:sp>
+            <p:nvSpPr>
+              <p:cNvPr id="9" name="Freeform 9"/>
+              <p:cNvSpPr/>
+              <p:nvPr/>
+            </p:nvSpPr>
+            <p:spPr>
+              <a:xfrm>
+                <a:off x="0" y="0"/>
+                <a:ext cx="4183934" cy="2119339"/>
+              </a:xfrm>
+              <a:custGeom>
+                <a:avLst/>
+                <a:gdLst/>
+                <a:ahLst/>
+                <a:cxnLst/>
+                <a:rect l="l" t="t" r="r" b="b"/>
+                <a:pathLst>
+                  <a:path w="4183934" h="2119339">
+                    <a:moveTo>
+                      <a:pt x="0" y="0"/>
+                    </a:moveTo>
+                    <a:lnTo>
+                      <a:pt x="4183934" y="0"/>
+                    </a:lnTo>
+                    <a:lnTo>
+                      <a:pt x="4183934" y="2119339"/>
+                    </a:lnTo>
+                    <a:lnTo>
+                      <a:pt x="0" y="2119339"/>
+                    </a:lnTo>
+                    <a:close/>
+                  </a:path>
+                </a:pathLst>
+              </a:custGeom>
+              <a:solidFill>
+                <a:srgbClr val="000000">
+                  <a:alpha val="0"/>
+                </a:srgbClr>
+              </a:solidFill>
+              <a:ln w="57150" cap="sq">
+                <a:solidFill>
+                  <a:srgbClr val="FAD00A"/>
+                </a:solidFill>
+                <a:prstDash val="solid"/>
+                <a:miter/>
+              </a:ln>
+            </p:spPr>
+          </p:sp>
+          <p:sp>
+            <p:nvSpPr>
+              <p:cNvPr id="10" name="TextBox 10"/>
+              <p:cNvSpPr txBox="1"/>
+              <p:nvPr/>
+            </p:nvSpPr>
+            <p:spPr>
+              <a:xfrm>
+                <a:off x="0" y="-38100"/>
+                <a:ext cx="4183934" cy="2157439"/>
+              </a:xfrm>
+              <a:prstGeom prst="rect">
+                <a:avLst/>
+              </a:prstGeom>
+            </p:spPr>
+            <p:txBody>
+              <a:bodyPr lIns="50800" tIns="50800" rIns="50800" bIns="50800" rtlCol="0" anchor="ctr"/>
+              <a:lstStyle/>
+              <a:p>
+                <a:pPr algn="ctr">
+                  <a:lnSpc>
+                    <a:spcPts val="2659"/>
+                  </a:lnSpc>
+                </a:pPr>
+                <a:endParaRPr/>
+              </a:p>
+            </p:txBody>
+          </p:sp>
+        </p:grpSp>
+      </p:grpSp>
+      <p:sp>
+        <p:nvSpPr>
+          <p:cNvPr id="11" name="TextBox 11"/>
+          <p:cNvSpPr txBox="1"/>
+          <p:nvPr/>
+        </p:nvSpPr>
+        <p:spPr>
+          <a:xfrm>
+            <a:off x="1028700" y="776633"/>
+            <a:ext cx="16183372" cy="756617"/>
+          </a:xfrm>
+          <a:prstGeom prst="rect">
+            <a:avLst/>
+          </a:prstGeom>
+        </p:spPr>
+        <p:txBody>
+          <a:bodyPr lIns="0" tIns="0" rIns="0" bIns="0" rtlCol="0" anchor="t">
+            <a:spAutoFit/>
+          </a:bodyPr>
+          <a:lstStyle/>
+          <a:p>
+            <a:pPr algn="ctr">
+              <a:lnSpc>
+                <a:spcPts val="5931"/>
+              </a:lnSpc>
+            </a:pPr>
+            <a:r>
+              <a:rPr lang="en-US" sz="6243" dirty="0">
+                <a:solidFill>
+                  <a:srgbClr val="000000"/>
+                </a:solidFill>
+                <a:latin typeface="Pixellet TH" panose="020B0604020202020204" charset="-34"/>
+                <a:ea typeface="Pixellet TH Bold"/>
+                <a:cs typeface="Pixellet TH" panose="020B0604020202020204" charset="-34"/>
+                <a:sym typeface="Pixellet TH Bold"/>
+              </a:rPr>
+              <a:t>Conclusion </a:t>
+            </a:r>
+          </a:p>
+        </p:txBody>
+      </p:sp>
+      <p:sp>
+        <p:nvSpPr>
+          <p:cNvPr id="20" name="TextBox 16">
+            <a:extLst>
+              <a:ext uri="{FF2B5EF4-FFF2-40B4-BE49-F238E27FC236}">
+                <a16:creationId xmlns:a16="http://schemas.microsoft.com/office/drawing/2014/main" id="{89435217-2A71-6907-E58F-489E95415012}"/>
+              </a:ext>
+            </a:extLst>
+          </p:cNvPr>
+          <p:cNvSpPr txBox="1"/>
+          <p:nvPr/>
+        </p:nvSpPr>
+        <p:spPr>
+          <a:xfrm>
+            <a:off x="1931289" y="2495056"/>
+            <a:ext cx="14378193" cy="830997"/>
+          </a:xfrm>
+          <a:prstGeom prst="rect">
+            <a:avLst/>
+          </a:prstGeom>
+        </p:spPr>
+        <p:txBody>
+          <a:bodyPr lIns="0" tIns="0" rIns="0" bIns="0" rtlCol="0" anchor="t">
+            <a:spAutoFit/>
+          </a:bodyPr>
+          <a:lstStyle/>
+          <a:p>
+            <a:pPr algn="ctr">
+              <a:spcBef>
+                <a:spcPct val="0"/>
+              </a:spcBef>
+            </a:pPr>
+            <a:r>
+              <a:rPr lang="ru-RU" sz="5400" b="1" dirty="0">
+                <a:solidFill>
+                  <a:srgbClr val="FEFBDB"/>
+                </a:solidFill>
+                <a:latin typeface="Bitter"/>
+                <a:ea typeface="Bitter"/>
+                <a:cs typeface="Bitter"/>
+                <a:sym typeface="Bitter"/>
+              </a:rPr>
+              <a:t>Заключение:</a:t>
+            </a:r>
+          </a:p>
+        </p:txBody>
+      </p:sp>
+      <p:sp>
+        <p:nvSpPr>
+          <p:cNvPr id="12" name="TextBox 16">
+            <a:extLst>
+              <a:ext uri="{FF2B5EF4-FFF2-40B4-BE49-F238E27FC236}">
+                <a16:creationId xmlns:a16="http://schemas.microsoft.com/office/drawing/2014/main" id="{7F3C4D61-45B5-5D46-02ED-733D2484565C}"/>
+              </a:ext>
+            </a:extLst>
+          </p:cNvPr>
+          <p:cNvSpPr txBox="1"/>
+          <p:nvPr/>
+        </p:nvSpPr>
+        <p:spPr>
+          <a:xfrm>
+            <a:off x="2299448" y="3876061"/>
+            <a:ext cx="13438831" cy="4985980"/>
+          </a:xfrm>
+          <a:prstGeom prst="rect">
+            <a:avLst/>
+          </a:prstGeom>
+        </p:spPr>
+        <p:txBody>
+          <a:bodyPr wrap="square" lIns="0" tIns="0" rIns="0" bIns="0" rtlCol="0" anchor="t">
+            <a:spAutoFit/>
+          </a:bodyPr>
+          <a:lstStyle/>
+          <a:p>
+            <a:pPr algn="ctr">
+              <a:spcBef>
+                <a:spcPct val="0"/>
+              </a:spcBef>
+            </a:pPr>
+            <a:r>
+              <a:rPr lang="ru-RU" sz="3600" b="1" dirty="0">
+                <a:solidFill>
+                  <a:srgbClr val="FEFBDB"/>
+                </a:solidFill>
+                <a:latin typeface="Bitter"/>
+                <a:ea typeface="Bitter"/>
+                <a:cs typeface="Bitter"/>
+                <a:sym typeface="Bitter"/>
+              </a:rPr>
+              <a:t>В заключение, </a:t>
+            </a:r>
+            <a:r>
+              <a:rPr lang="ru-RU" sz="3600" b="1" dirty="0" err="1">
+                <a:solidFill>
+                  <a:srgbClr val="FEFBDB"/>
+                </a:solidFill>
+                <a:latin typeface="Bitter"/>
+                <a:ea typeface="Bitter"/>
+                <a:cs typeface="Bitter"/>
+                <a:sym typeface="Bitter"/>
+              </a:rPr>
+              <a:t>Neovim</a:t>
+            </a:r>
+            <a:r>
+              <a:rPr lang="ru-RU" sz="3600" b="1" dirty="0">
+                <a:solidFill>
+                  <a:srgbClr val="FEFBDB"/>
+                </a:solidFill>
+                <a:latin typeface="Bitter"/>
+                <a:ea typeface="Bitter"/>
+                <a:cs typeface="Bitter"/>
+                <a:sym typeface="Bitter"/>
+              </a:rPr>
+              <a:t> — это современный и гибкий текстовый редактор, который сочетает мощь и </a:t>
+            </a:r>
+            <a:r>
+              <a:rPr lang="ru-RU" sz="3600" b="1" dirty="0" err="1">
+                <a:solidFill>
+                  <a:srgbClr val="FEFBDB"/>
+                </a:solidFill>
+                <a:latin typeface="Bitter"/>
+                <a:ea typeface="Bitter"/>
+                <a:cs typeface="Bitter"/>
+                <a:sym typeface="Bitter"/>
+              </a:rPr>
+              <a:t>настраиваемость</a:t>
+            </a:r>
+            <a:r>
+              <a:rPr lang="ru-RU" sz="3600" b="1" dirty="0">
+                <a:solidFill>
+                  <a:srgbClr val="FEFBDB"/>
+                </a:solidFill>
+                <a:latin typeface="Bitter"/>
+                <a:ea typeface="Bitter"/>
+                <a:cs typeface="Bitter"/>
+                <a:sym typeface="Bitter"/>
+              </a:rPr>
+              <a:t> </a:t>
+            </a:r>
+            <a:r>
+              <a:rPr lang="ru-RU" sz="3600" b="1" dirty="0" err="1">
+                <a:solidFill>
+                  <a:srgbClr val="FEFBDB"/>
+                </a:solidFill>
+                <a:latin typeface="Bitter"/>
+                <a:ea typeface="Bitter"/>
+                <a:cs typeface="Bitter"/>
+                <a:sym typeface="Bitter"/>
+              </a:rPr>
+              <a:t>Vim</a:t>
+            </a:r>
+            <a:r>
+              <a:rPr lang="ru-RU" sz="3600" b="1" dirty="0">
+                <a:solidFill>
+                  <a:srgbClr val="FEFBDB"/>
+                </a:solidFill>
+                <a:latin typeface="Bitter"/>
+                <a:ea typeface="Bitter"/>
+                <a:cs typeface="Bitter"/>
+                <a:sym typeface="Bitter"/>
+              </a:rPr>
+              <a:t> с новыми возможностями, такими как поддержка </a:t>
+            </a:r>
+            <a:r>
+              <a:rPr lang="ru-RU" sz="3600" b="1" dirty="0" err="1">
+                <a:solidFill>
+                  <a:srgbClr val="FEFBDB"/>
+                </a:solidFill>
+                <a:latin typeface="Bitter"/>
+                <a:ea typeface="Bitter"/>
+                <a:cs typeface="Bitter"/>
+                <a:sym typeface="Bitter"/>
+              </a:rPr>
+              <a:t>Lua</a:t>
+            </a:r>
+            <a:r>
+              <a:rPr lang="ru-RU" sz="3600" b="1" dirty="0">
+                <a:solidFill>
+                  <a:srgbClr val="FEFBDB"/>
+                </a:solidFill>
+                <a:latin typeface="Bitter"/>
+                <a:ea typeface="Bitter"/>
+                <a:cs typeface="Bitter"/>
+                <a:sym typeface="Bitter"/>
+              </a:rPr>
+              <a:t> и асинхронная работа. Он идеально подходит для разработчиков, которым важны эффективность и глубокая настройка. Благодаря активной поддержке сообщества, </a:t>
+            </a:r>
+            <a:r>
+              <a:rPr lang="ru-RU" sz="3600" b="1" dirty="0" err="1">
+                <a:solidFill>
+                  <a:srgbClr val="FEFBDB"/>
+                </a:solidFill>
+                <a:latin typeface="Bitter"/>
+                <a:ea typeface="Bitter"/>
+                <a:cs typeface="Bitter"/>
+                <a:sym typeface="Bitter"/>
+              </a:rPr>
+              <a:t>Neovim</a:t>
+            </a:r>
+            <a:r>
+              <a:rPr lang="ru-RU" sz="3600" b="1" dirty="0">
+                <a:solidFill>
+                  <a:srgbClr val="FEFBDB"/>
+                </a:solidFill>
+                <a:latin typeface="Bitter"/>
+                <a:ea typeface="Bitter"/>
+                <a:cs typeface="Bitter"/>
+                <a:sym typeface="Bitter"/>
+              </a:rPr>
+              <a:t> продолжает развиваться и расширяться, оставаясь мощным инструментом для продуктивной работы с кодом.</a:t>
+            </a:r>
+          </a:p>
+        </p:txBody>
+      </p:sp>
+    </p:spTree>
+    <p:extLst>
+      <p:ext uri="{BB962C8B-B14F-4D97-AF65-F5344CB8AC3E}">
+        <p14:creationId xmlns:p14="http://schemas.microsoft.com/office/powerpoint/2010/main" val="1140128877"/>
+      </p:ext>
+    </p:extLst>
+  </p:cSld>
+  <p:clrMapOvr>
+    <a:masterClrMapping/>
+  </p:clrMapOvr>
+  <p:timing>
+    <p:tnLst>
+      <p:par>
+        <p:cTn id="1" dur="indefinite" restart="never" nodeType="tmRoot">
+          <p:childTnLst>
+            <p:seq concurrent="1" nextAc="seek">
+              <p:cTn id="2" dur="indefinite" nodeType="mainSeq">
+                <p:childTnLst>
+                  <p:par>
+                    <p:cTn id="3" fill="hold">
+                      <p:stCondLst>
+                        <p:cond delay="indefinite"/>
+                      </p:stCondLst>
+                      <p:childTnLst>
+                        <p:par>
+                          <p:cTn id="4" fill="hold">
+                            <p:stCondLst>
+                              <p:cond delay="0"/>
+                            </p:stCondLst>
+                            <p:childTnLst>
+                              <p:par>
+                                <p:cTn id="5" presetID="42" presetClass="entr" presetSubtype="0" fill="hold" grpId="0" nodeType="clickEffect">
+                                  <p:stCondLst>
+                                    <p:cond delay="0"/>
+                                  </p:stCondLst>
+                                  <p:childTnLst>
+                                    <p:set>
+                                      <p:cBhvr>
+                                        <p:cTn id="6" dur="1" fill="hold">
+                                          <p:stCondLst>
+                                            <p:cond delay="0"/>
+                                          </p:stCondLst>
+                                        </p:cTn>
+                                        <p:tgtEl>
+                                          <p:spTgt spid="12"/>
+                                        </p:tgtEl>
+                                        <p:attrNameLst>
+                                          <p:attrName>style.visibility</p:attrName>
+                                        </p:attrNameLst>
+                                      </p:cBhvr>
+                                      <p:to>
+                                        <p:strVal val="visible"/>
+                                      </p:to>
+                                    </p:set>
+                                    <p:animEffect transition="in" filter="fade">
+                                      <p:cBhvr>
+                                        <p:cTn id="7" dur="1000"/>
+                                        <p:tgtEl>
+                                          <p:spTgt spid="12"/>
+                                        </p:tgtEl>
+                                      </p:cBhvr>
+                                    </p:animEffect>
+                                    <p:anim calcmode="lin" valueType="num">
+                                      <p:cBhvr>
+                                        <p:cTn id="8" dur="1000" fill="hold"/>
+                                        <p:tgtEl>
+                                          <p:spTgt spid="12"/>
+                                        </p:tgtEl>
+                                        <p:attrNameLst>
+                                          <p:attrName>ppt_x</p:attrName>
+                                        </p:attrNameLst>
+                                      </p:cBhvr>
+                                      <p:tavLst>
+                                        <p:tav tm="0">
+                                          <p:val>
+                                            <p:strVal val="#ppt_x"/>
+                                          </p:val>
+                                        </p:tav>
+                                        <p:tav tm="100000">
+                                          <p:val>
+                                            <p:strVal val="#ppt_x"/>
+                                          </p:val>
+                                        </p:tav>
+                                      </p:tavLst>
+                                    </p:anim>
+                                    <p:anim calcmode="lin" valueType="num">
+                                      <p:cBhvr>
+                                        <p:cTn id="9" dur="1000" fill="hold"/>
+                                        <p:tgtEl>
+                                          <p:spTgt spid="12"/>
+                                        </p:tgtEl>
+                                        <p:attrNameLst>
+                                          <p:attrName>ppt_y</p:attrName>
+                                        </p:attrNameLst>
+                                      </p:cBhvr>
+                                      <p:tavLst>
+                                        <p:tav tm="0">
+                                          <p:val>
+                                            <p:strVal val="#ppt_y+.1"/>
+                                          </p:val>
+                                        </p:tav>
+                                        <p:tav tm="100000">
+                                          <p:val>
+                                            <p:strVal val="#ppt_y"/>
+                                          </p:val>
+                                        </p:tav>
+                                      </p:tavLst>
+                                    </p:anim>
+                                  </p:childTnLst>
+                                </p:cTn>
+                              </p:par>
+                            </p:childTnLst>
+                          </p:cTn>
+                        </p:par>
+                      </p:childTnLst>
+                    </p:cTn>
+                  </p:par>
+                </p:childTnLst>
+              </p:cTn>
+              <p:prevCondLst>
+                <p:cond evt="onPrev" delay="0">
+                  <p:tgtEl>
+                    <p:sldTgt/>
+                  </p:tgtEl>
+                </p:cond>
+              </p:prevCondLst>
+              <p:nextCondLst>
+                <p:cond evt="onNext" delay="0">
+                  <p:tgtEl>
+                    <p:sldTgt/>
+                  </p:tgtEl>
+                </p:cond>
+              </p:nextCondLst>
+            </p:seq>
+          </p:childTnLst>
+        </p:cTn>
+      </p:par>
+    </p:tnLst>
+    <p:bldLst>
+      <p:bldP spid="12" grpId="0"/>
+    </p:bldLst>
+  </p:timing>
+</p:sld>
+</file>
+
+<file path=ppt/slides/slide2.xml><?xml version="1.0" encoding="utf-8"?>
+<p:sld xmlns:a="http://schemas.openxmlformats.org/drawingml/2006/main" xmlns:r="http://schemas.openxmlformats.org/officeDocument/2006/relationships" xmlns:p="http://schemas.openxmlformats.org/presentationml/2006/main">
+  <p:cSld>
+    <p:bg>
+      <p:bgPr>
+        <a:solidFill>
+          <a:srgbClr val="5BC4BD"/>
         </a:solidFill>
         <a:effectLst/>
       </p:bgPr>
@@ -4487,21 +5204,33 @@
       </p:grpSpPr>
       <p:grpSp>
         <p:nvGrpSpPr>
-          <p:cNvPr id="2" name="Group 2"/>
+          <p:cNvPr id="29" name="Group 2">
+            <a:extLst>
+              <a:ext uri="{FF2B5EF4-FFF2-40B4-BE49-F238E27FC236}">
+                <a16:creationId xmlns:a16="http://schemas.microsoft.com/office/drawing/2014/main" id="{953FC939-B219-C1CD-D50A-6197A6E83339}"/>
+              </a:ext>
+            </a:extLst>
+          </p:cNvPr>
           <p:cNvGrpSpPr/>
           <p:nvPr/>
         </p:nvGrpSpPr>
         <p:grpSpPr>
           <a:xfrm>
-            <a:off x="-514350" y="0"/>
-            <a:ext cx="18802350" cy="2856866"/>
+            <a:off x="-514350" y="4762"/>
+            <a:ext cx="18802350" cy="2324100"/>
             <a:chOff x="0" y="0"/>
             <a:chExt cx="4952059" cy="752426"/>
           </a:xfrm>
         </p:grpSpPr>
         <p:sp>
           <p:nvSpPr>
-            <p:cNvPr id="3" name="Freeform 3"/>
+            <p:cNvPr id="30" name="Freeform 3">
+              <a:extLst>
+                <a:ext uri="{FF2B5EF4-FFF2-40B4-BE49-F238E27FC236}">
+                  <a16:creationId xmlns:a16="http://schemas.microsoft.com/office/drawing/2014/main" id="{24B0EFE0-4EB5-21B9-19D1-6BCE7621AE64}"/>
+                </a:ext>
+              </a:extLst>
+            </p:cNvPr>
             <p:cNvSpPr/>
             <p:nvPr/>
           </p:nvSpPr>
@@ -4541,7 +5270,13 @@
         </p:sp>
         <p:sp>
           <p:nvSpPr>
-            <p:cNvPr id="4" name="TextBox 4"/>
+            <p:cNvPr id="31" name="TextBox 4">
+              <a:extLst>
+                <a:ext uri="{FF2B5EF4-FFF2-40B4-BE49-F238E27FC236}">
+                  <a16:creationId xmlns:a16="http://schemas.microsoft.com/office/drawing/2014/main" id="{2DEF8223-8AE5-A02A-B808-1F9FC8836501}"/>
+                </a:ext>
+              </a:extLst>
+            </p:cNvPr>
             <p:cNvSpPr txBox="1"/>
             <p:nvPr/>
           </p:nvSpPr>
@@ -4568,216 +5303,23 @@
           </p:txBody>
         </p:sp>
       </p:grpSp>
-      <p:grpSp>
-        <p:nvGrpSpPr>
-          <p:cNvPr id="5" name="Group 5"/>
-          <p:cNvGrpSpPr/>
-          <p:nvPr/>
-        </p:nvGrpSpPr>
-        <p:grpSpPr>
-          <a:xfrm>
-            <a:off x="1038369" y="2463228"/>
-            <a:ext cx="7901284" cy="7215761"/>
-            <a:chOff x="0" y="0"/>
-            <a:chExt cx="10535046" cy="9621014"/>
-          </a:xfrm>
-        </p:grpSpPr>
-        <p:grpSp>
-          <p:nvGrpSpPr>
-            <p:cNvPr id="6" name="Group 6"/>
-            <p:cNvGrpSpPr/>
-            <p:nvPr/>
-          </p:nvGrpSpPr>
-          <p:grpSpPr>
-            <a:xfrm>
-              <a:off x="0" y="267599"/>
-              <a:ext cx="10420223" cy="9353415"/>
-              <a:chOff x="0" y="0"/>
-              <a:chExt cx="2058316" cy="1847588"/>
-            </a:xfrm>
-          </p:grpSpPr>
-          <p:sp>
-            <p:nvSpPr>
-              <p:cNvPr id="7" name="Freeform 7"/>
-              <p:cNvSpPr/>
-              <p:nvPr/>
-            </p:nvSpPr>
-            <p:spPr>
-              <a:xfrm>
-                <a:off x="0" y="0"/>
-                <a:ext cx="2058316" cy="1847588"/>
-              </a:xfrm>
-              <a:custGeom>
-                <a:avLst/>
-                <a:gdLst/>
-                <a:ahLst/>
-                <a:cxnLst/>
-                <a:rect l="l" t="t" r="r" b="b"/>
-                <a:pathLst>
-                  <a:path w="2058316" h="1847588">
-                    <a:moveTo>
-                      <a:pt x="0" y="0"/>
-                    </a:moveTo>
-                    <a:lnTo>
-                      <a:pt x="2058316" y="0"/>
-                    </a:lnTo>
-                    <a:lnTo>
-                      <a:pt x="2058316" y="1847588"/>
-                    </a:lnTo>
-                    <a:lnTo>
-                      <a:pt x="0" y="1847588"/>
-                    </a:lnTo>
-                    <a:close/>
-                  </a:path>
-                </a:pathLst>
-              </a:custGeom>
-              <a:solidFill>
-                <a:srgbClr val="5BC4BD"/>
-              </a:solidFill>
-            </p:spPr>
-          </p:sp>
-          <p:sp>
-            <p:nvSpPr>
-              <p:cNvPr id="8" name="TextBox 8"/>
-              <p:cNvSpPr txBox="1"/>
-              <p:nvPr/>
-            </p:nvSpPr>
-            <p:spPr>
-              <a:xfrm>
-                <a:off x="0" y="-38100"/>
-                <a:ext cx="2058316" cy="1885688"/>
-              </a:xfrm>
-              <a:prstGeom prst="rect">
-                <a:avLst/>
-              </a:prstGeom>
-            </p:spPr>
-            <p:txBody>
-              <a:bodyPr lIns="50800" tIns="50800" rIns="50800" bIns="50800" rtlCol="0" anchor="ctr"/>
-              <a:lstStyle/>
-              <a:p>
-                <a:pPr algn="ctr">
-                  <a:lnSpc>
-                    <a:spcPts val="2659"/>
-                  </a:lnSpc>
-                  <a:spcBef>
-                    <a:spcPct val="0"/>
-                  </a:spcBef>
-                </a:pPr>
-                <a:endParaRPr/>
-              </a:p>
-            </p:txBody>
-          </p:sp>
-        </p:grpSp>
-        <p:grpSp>
-          <p:nvGrpSpPr>
-            <p:cNvPr id="9" name="Group 9"/>
-            <p:cNvGrpSpPr/>
-            <p:nvPr/>
-          </p:nvGrpSpPr>
-          <p:grpSpPr>
-            <a:xfrm>
-              <a:off x="163397" y="0"/>
-              <a:ext cx="10371648" cy="9351469"/>
-              <a:chOff x="0" y="0"/>
-              <a:chExt cx="2048721" cy="1847204"/>
-            </a:xfrm>
-          </p:grpSpPr>
-          <p:sp>
-            <p:nvSpPr>
-              <p:cNvPr id="10" name="Freeform 10"/>
-              <p:cNvSpPr/>
-              <p:nvPr/>
-            </p:nvSpPr>
-            <p:spPr>
-              <a:xfrm>
-                <a:off x="0" y="0"/>
-                <a:ext cx="2048721" cy="1847204"/>
-              </a:xfrm>
-              <a:custGeom>
-                <a:avLst/>
-                <a:gdLst/>
-                <a:ahLst/>
-                <a:cxnLst/>
-                <a:rect l="l" t="t" r="r" b="b"/>
-                <a:pathLst>
-                  <a:path w="2048721" h="1847204">
-                    <a:moveTo>
-                      <a:pt x="0" y="0"/>
-                    </a:moveTo>
-                    <a:lnTo>
-                      <a:pt x="2048721" y="0"/>
-                    </a:lnTo>
-                    <a:lnTo>
-                      <a:pt x="2048721" y="1847204"/>
-                    </a:lnTo>
-                    <a:lnTo>
-                      <a:pt x="0" y="1847204"/>
-                    </a:lnTo>
-                    <a:close/>
-                  </a:path>
-                </a:pathLst>
-              </a:custGeom>
-              <a:solidFill>
-                <a:srgbClr val="000000">
-                  <a:alpha val="0"/>
-                </a:srgbClr>
-              </a:solidFill>
-              <a:ln w="57150" cap="sq">
-                <a:solidFill>
-                  <a:srgbClr val="000000"/>
-                </a:solidFill>
-                <a:prstDash val="solid"/>
-                <a:miter/>
-              </a:ln>
-            </p:spPr>
-          </p:sp>
-          <p:sp>
-            <p:nvSpPr>
-              <p:cNvPr id="11" name="TextBox 11"/>
-              <p:cNvSpPr txBox="1"/>
-              <p:nvPr/>
-            </p:nvSpPr>
-            <p:spPr>
-              <a:xfrm>
-                <a:off x="0" y="-38100"/>
-                <a:ext cx="2048721" cy="1885304"/>
-              </a:xfrm>
-              <a:prstGeom prst="rect">
-                <a:avLst/>
-              </a:prstGeom>
-            </p:spPr>
-            <p:txBody>
-              <a:bodyPr lIns="50800" tIns="50800" rIns="50800" bIns="50800" rtlCol="0" anchor="ctr"/>
-              <a:lstStyle/>
-              <a:p>
-                <a:pPr algn="ctr">
-                  <a:lnSpc>
-                    <a:spcPts val="2659"/>
-                  </a:lnSpc>
-                </a:pPr>
-                <a:endParaRPr/>
-              </a:p>
-            </p:txBody>
-          </p:sp>
-        </p:grpSp>
-      </p:grpSp>
       <p:sp>
         <p:nvSpPr>
-          <p:cNvPr id="12" name="TextBox 12"/>
+          <p:cNvPr id="2" name="TextBox 2"/>
           <p:cNvSpPr txBox="1"/>
           <p:nvPr/>
         </p:nvSpPr>
         <p:spPr>
           <a:xfrm>
-            <a:off x="1028700" y="733425"/>
-            <a:ext cx="16230600" cy="1438275"/>
+            <a:off x="4849006" y="434709"/>
+            <a:ext cx="8075637" cy="1346522"/>
           </a:xfrm>
           <a:prstGeom prst="rect">
             <a:avLst/>
           </a:prstGeom>
         </p:spPr>
         <p:txBody>
-          <a:bodyPr lIns="0" tIns="0" rIns="0" bIns="0" rtlCol="0" anchor="t">
+          <a:bodyPr wrap="square" lIns="0" tIns="0" rIns="0" bIns="0" rtlCol="0" anchor="t">
             <a:spAutoFit/>
           </a:bodyPr>
           <a:lstStyle/>
@@ -4791,7 +5333,7 @@
               </a:spcBef>
             </a:pPr>
             <a:r>
-              <a:rPr lang="en-US" sz="7500">
+              <a:rPr lang="en-US" sz="8800" dirty="0">
                 <a:solidFill>
                   <a:srgbClr val="000000"/>
                 </a:solidFill>
@@ -4800,1567 +5342,40 @@
                 <a:cs typeface="Pixellet TH"/>
                 <a:sym typeface="Pixellet TH"/>
               </a:rPr>
-              <a:t>Another Way to convert</a:t>
+              <a:t>Paragraphs</a:t>
             </a:r>
           </a:p>
         </p:txBody>
       </p:sp>
       <p:sp>
         <p:nvSpPr>
-          <p:cNvPr id="13" name="TextBox 13"/>
+          <p:cNvPr id="32" name="TextBox 11">
+            <a:hlinkClick r:id="rId2" action="ppaction://hlinksldjump"/>
+            <a:extLst>
+              <a:ext uri="{FF2B5EF4-FFF2-40B4-BE49-F238E27FC236}">
+                <a16:creationId xmlns:a16="http://schemas.microsoft.com/office/drawing/2014/main" id="{67BDC2C7-5BE5-5624-6AF2-2B17C24574A7}"/>
+              </a:ext>
+            </a:extLst>
+          </p:cNvPr>
           <p:cNvSpPr txBox="1"/>
           <p:nvPr/>
         </p:nvSpPr>
         <p:spPr>
           <a:xfrm>
-            <a:off x="1977891" y="3394583"/>
-            <a:ext cx="6022242" cy="1810384"/>
+            <a:off x="606399" y="2369884"/>
+            <a:ext cx="8882062" cy="1159548"/>
           </a:xfrm>
           <a:prstGeom prst="rect">
             <a:avLst/>
           </a:prstGeom>
         </p:spPr>
         <p:txBody>
-          <a:bodyPr lIns="0" tIns="0" rIns="0" bIns="0" rtlCol="0" anchor="t">
+          <a:bodyPr wrap="square" lIns="0" tIns="0" rIns="0" bIns="0" rtlCol="0" anchor="t">
             <a:spAutoFit/>
           </a:bodyPr>
           <a:lstStyle/>
           <a:p>
-            <a:pPr algn="ctr">
-              <a:lnSpc>
-                <a:spcPts val="3640"/>
-              </a:lnSpc>
-              <a:spcBef>
-                <a:spcPct val="0"/>
-              </a:spcBef>
-            </a:pPr>
-            <a:r>
-              <a:rPr lang="en-US" sz="2600">
-                <a:solidFill>
-                  <a:srgbClr val="000000"/>
-                </a:solidFill>
-                <a:latin typeface="Bitter"/>
-                <a:ea typeface="Bitter"/>
-                <a:cs typeface="Bitter"/>
-                <a:sym typeface="Bitter"/>
-              </a:rPr>
-              <a:t>Divide your number by 2 and write the remainder until you get zero as the answer.  Write the remainders starting from the last one first.</a:t>
-            </a:r>
-          </a:p>
-        </p:txBody>
-      </p:sp>
-      <p:sp>
-        <p:nvSpPr>
-          <p:cNvPr id="14" name="TextBox 14"/>
-          <p:cNvSpPr txBox="1"/>
-          <p:nvPr/>
-        </p:nvSpPr>
-        <p:spPr>
-          <a:xfrm>
-            <a:off x="1841572" y="6504409"/>
-            <a:ext cx="6294879" cy="1156648"/>
-          </a:xfrm>
-          <a:prstGeom prst="rect">
-            <a:avLst/>
-          </a:prstGeom>
-        </p:spPr>
-        <p:txBody>
-          <a:bodyPr lIns="0" tIns="0" rIns="0" bIns="0" rtlCol="0" anchor="t">
-            <a:spAutoFit/>
-          </a:bodyPr>
-          <a:lstStyle/>
-          <a:p>
-            <a:pPr algn="ctr">
-              <a:lnSpc>
-                <a:spcPts val="4497"/>
-              </a:lnSpc>
-              <a:spcBef>
-                <a:spcPct val="0"/>
-              </a:spcBef>
-            </a:pPr>
-            <a:r>
-              <a:rPr lang="en-US" sz="3212" b="1">
-                <a:solidFill>
-                  <a:srgbClr val="000000"/>
-                </a:solidFill>
-                <a:latin typeface="Bitter Bold"/>
-                <a:ea typeface="Bitter Bold"/>
-                <a:cs typeface="Bitter Bold"/>
-                <a:sym typeface="Bitter Bold"/>
-              </a:rPr>
-              <a:t>Remainders written backwards:</a:t>
-            </a:r>
-          </a:p>
-        </p:txBody>
-      </p:sp>
-      <p:grpSp>
-        <p:nvGrpSpPr>
-          <p:cNvPr id="15" name="Group 15"/>
-          <p:cNvGrpSpPr/>
-          <p:nvPr/>
-        </p:nvGrpSpPr>
-        <p:grpSpPr>
-          <a:xfrm>
-            <a:off x="9348346" y="2463228"/>
-            <a:ext cx="7901284" cy="7215761"/>
-            <a:chOff x="0" y="0"/>
-            <a:chExt cx="10535046" cy="9621014"/>
-          </a:xfrm>
-        </p:grpSpPr>
-        <p:grpSp>
-          <p:nvGrpSpPr>
-            <p:cNvPr id="16" name="Group 16"/>
-            <p:cNvGrpSpPr/>
-            <p:nvPr/>
-          </p:nvGrpSpPr>
-          <p:grpSpPr>
-            <a:xfrm>
-              <a:off x="0" y="267599"/>
-              <a:ext cx="10420223" cy="9353415"/>
-              <a:chOff x="0" y="0"/>
-              <a:chExt cx="2058316" cy="1847588"/>
-            </a:xfrm>
-          </p:grpSpPr>
-          <p:sp>
-            <p:nvSpPr>
-              <p:cNvPr id="17" name="Freeform 17"/>
-              <p:cNvSpPr/>
-              <p:nvPr/>
-            </p:nvSpPr>
-            <p:spPr>
-              <a:xfrm>
-                <a:off x="0" y="0"/>
-                <a:ext cx="2058316" cy="1847588"/>
-              </a:xfrm>
-              <a:custGeom>
-                <a:avLst/>
-                <a:gdLst/>
-                <a:ahLst/>
-                <a:cxnLst/>
-                <a:rect l="l" t="t" r="r" b="b"/>
-                <a:pathLst>
-                  <a:path w="2058316" h="1847588">
-                    <a:moveTo>
-                      <a:pt x="0" y="0"/>
-                    </a:moveTo>
-                    <a:lnTo>
-                      <a:pt x="2058316" y="0"/>
-                    </a:lnTo>
-                    <a:lnTo>
-                      <a:pt x="2058316" y="1847588"/>
-                    </a:lnTo>
-                    <a:lnTo>
-                      <a:pt x="0" y="1847588"/>
-                    </a:lnTo>
-                    <a:close/>
-                  </a:path>
-                </a:pathLst>
-              </a:custGeom>
-              <a:solidFill>
-                <a:srgbClr val="5BC4BD"/>
-              </a:solidFill>
-            </p:spPr>
-          </p:sp>
-          <p:sp>
-            <p:nvSpPr>
-              <p:cNvPr id="18" name="TextBox 18"/>
-              <p:cNvSpPr txBox="1"/>
-              <p:nvPr/>
-            </p:nvSpPr>
-            <p:spPr>
-              <a:xfrm>
-                <a:off x="0" y="-38100"/>
-                <a:ext cx="2058316" cy="1885688"/>
-              </a:xfrm>
-              <a:prstGeom prst="rect">
-                <a:avLst/>
-              </a:prstGeom>
-            </p:spPr>
-            <p:txBody>
-              <a:bodyPr lIns="50800" tIns="50800" rIns="50800" bIns="50800" rtlCol="0" anchor="ctr"/>
-              <a:lstStyle/>
-              <a:p>
-                <a:pPr algn="ctr">
-                  <a:lnSpc>
-                    <a:spcPts val="2659"/>
-                  </a:lnSpc>
-                  <a:spcBef>
-                    <a:spcPct val="0"/>
-                  </a:spcBef>
-                </a:pPr>
-                <a:endParaRPr/>
-              </a:p>
-            </p:txBody>
-          </p:sp>
-        </p:grpSp>
-        <p:grpSp>
-          <p:nvGrpSpPr>
-            <p:cNvPr id="19" name="Group 19"/>
-            <p:cNvGrpSpPr/>
-            <p:nvPr/>
-          </p:nvGrpSpPr>
-          <p:grpSpPr>
-            <a:xfrm>
-              <a:off x="163397" y="0"/>
-              <a:ext cx="10371648" cy="9351469"/>
-              <a:chOff x="0" y="0"/>
-              <a:chExt cx="2048721" cy="1847204"/>
-            </a:xfrm>
-          </p:grpSpPr>
-          <p:sp>
-            <p:nvSpPr>
-              <p:cNvPr id="20" name="Freeform 20"/>
-              <p:cNvSpPr/>
-              <p:nvPr/>
-            </p:nvSpPr>
-            <p:spPr>
-              <a:xfrm>
-                <a:off x="0" y="0"/>
-                <a:ext cx="2048721" cy="1847204"/>
-              </a:xfrm>
-              <a:custGeom>
-                <a:avLst/>
-                <a:gdLst/>
-                <a:ahLst/>
-                <a:cxnLst/>
-                <a:rect l="l" t="t" r="r" b="b"/>
-                <a:pathLst>
-                  <a:path w="2048721" h="1847204">
-                    <a:moveTo>
-                      <a:pt x="0" y="0"/>
-                    </a:moveTo>
-                    <a:lnTo>
-                      <a:pt x="2048721" y="0"/>
-                    </a:lnTo>
-                    <a:lnTo>
-                      <a:pt x="2048721" y="1847204"/>
-                    </a:lnTo>
-                    <a:lnTo>
-                      <a:pt x="0" y="1847204"/>
-                    </a:lnTo>
-                    <a:close/>
-                  </a:path>
-                </a:pathLst>
-              </a:custGeom>
-              <a:solidFill>
-                <a:srgbClr val="000000">
-                  <a:alpha val="0"/>
-                </a:srgbClr>
-              </a:solidFill>
-              <a:ln w="57150" cap="sq">
-                <a:solidFill>
-                  <a:srgbClr val="000000"/>
-                </a:solidFill>
-                <a:prstDash val="solid"/>
-                <a:miter/>
-              </a:ln>
-            </p:spPr>
-          </p:sp>
-          <p:sp>
-            <p:nvSpPr>
-              <p:cNvPr id="21" name="TextBox 21"/>
-              <p:cNvSpPr txBox="1"/>
-              <p:nvPr/>
-            </p:nvSpPr>
-            <p:spPr>
-              <a:xfrm>
-                <a:off x="0" y="-38100"/>
-                <a:ext cx="2048721" cy="1885304"/>
-              </a:xfrm>
-              <a:prstGeom prst="rect">
-                <a:avLst/>
-              </a:prstGeom>
-            </p:spPr>
-            <p:txBody>
-              <a:bodyPr lIns="50800" tIns="50800" rIns="50800" bIns="50800" rtlCol="0" anchor="ctr"/>
-              <a:lstStyle/>
-              <a:p>
-                <a:pPr algn="ctr">
-                  <a:lnSpc>
-                    <a:spcPts val="2659"/>
-                  </a:lnSpc>
-                </a:pPr>
-                <a:endParaRPr/>
-              </a:p>
-            </p:txBody>
-          </p:sp>
-        </p:grpSp>
-      </p:grpSp>
-      <p:sp>
-        <p:nvSpPr>
-          <p:cNvPr id="22" name="TextBox 22"/>
-          <p:cNvSpPr txBox="1"/>
-          <p:nvPr/>
-        </p:nvSpPr>
-        <p:spPr>
-          <a:xfrm>
-            <a:off x="9810732" y="3385058"/>
-            <a:ext cx="6890395" cy="5314950"/>
-          </a:xfrm>
-          <a:prstGeom prst="rect">
-            <a:avLst/>
-          </a:prstGeom>
-        </p:spPr>
-        <p:txBody>
-          <a:bodyPr lIns="0" tIns="0" rIns="0" bIns="0" rtlCol="0" anchor="t">
-            <a:spAutoFit/>
-          </a:bodyPr>
-          <a:lstStyle/>
-          <a:p>
-            <a:pPr algn="ctr">
-              <a:lnSpc>
-                <a:spcPts val="4200"/>
-              </a:lnSpc>
-            </a:pPr>
-            <a:r>
-              <a:rPr lang="en-US" sz="3000">
-                <a:solidFill>
-                  <a:srgbClr val="000000"/>
-                </a:solidFill>
-                <a:latin typeface="Bitter"/>
-                <a:ea typeface="Bitter"/>
-                <a:cs typeface="Bitter"/>
-                <a:sym typeface="Bitter"/>
-              </a:rPr>
-              <a:t>296 divided by 2 = 148 remainder 0</a:t>
-            </a:r>
-          </a:p>
-          <a:p>
-            <a:pPr algn="ctr">
-              <a:lnSpc>
-                <a:spcPts val="4200"/>
-              </a:lnSpc>
-            </a:pPr>
-            <a:r>
-              <a:rPr lang="en-US" sz="3000">
-                <a:solidFill>
-                  <a:srgbClr val="000000"/>
-                </a:solidFill>
-                <a:latin typeface="Bitter"/>
-                <a:ea typeface="Bitter"/>
-                <a:cs typeface="Bitter"/>
-                <a:sym typeface="Bitter"/>
-              </a:rPr>
-              <a:t>148 divided by 2 = 74 remainder 0</a:t>
-            </a:r>
-          </a:p>
-          <a:p>
-            <a:pPr algn="ctr">
-              <a:lnSpc>
-                <a:spcPts val="4200"/>
-              </a:lnSpc>
-            </a:pPr>
-            <a:r>
-              <a:rPr lang="en-US" sz="3000">
-                <a:solidFill>
-                  <a:srgbClr val="000000"/>
-                </a:solidFill>
-                <a:latin typeface="Bitter"/>
-                <a:ea typeface="Bitter"/>
-                <a:cs typeface="Bitter"/>
-                <a:sym typeface="Bitter"/>
-              </a:rPr>
-              <a:t>74 divided by 2 = 37 remainder 0</a:t>
-            </a:r>
-          </a:p>
-          <a:p>
-            <a:pPr algn="ctr">
-              <a:lnSpc>
-                <a:spcPts val="4200"/>
-              </a:lnSpc>
-            </a:pPr>
-            <a:r>
-              <a:rPr lang="en-US" sz="3000">
-                <a:solidFill>
-                  <a:srgbClr val="000000"/>
-                </a:solidFill>
-                <a:latin typeface="Bitter"/>
-                <a:ea typeface="Bitter"/>
-                <a:cs typeface="Bitter"/>
-                <a:sym typeface="Bitter"/>
-              </a:rPr>
-              <a:t>37 divided by 2 = 18 remainder 1</a:t>
-            </a:r>
-          </a:p>
-          <a:p>
-            <a:pPr algn="ctr">
-              <a:lnSpc>
-                <a:spcPts val="4200"/>
-              </a:lnSpc>
-            </a:pPr>
-            <a:r>
-              <a:rPr lang="en-US" sz="3000">
-                <a:solidFill>
-                  <a:srgbClr val="000000"/>
-                </a:solidFill>
-                <a:latin typeface="Bitter"/>
-                <a:ea typeface="Bitter"/>
-                <a:cs typeface="Bitter"/>
-                <a:sym typeface="Bitter"/>
-              </a:rPr>
-              <a:t>18 divided by 2 = 9 remainder 0</a:t>
-            </a:r>
-          </a:p>
-          <a:p>
-            <a:pPr algn="ctr">
-              <a:lnSpc>
-                <a:spcPts val="4200"/>
-              </a:lnSpc>
-            </a:pPr>
-            <a:r>
-              <a:rPr lang="en-US" sz="3000">
-                <a:solidFill>
-                  <a:srgbClr val="000000"/>
-                </a:solidFill>
-                <a:latin typeface="Bitter"/>
-                <a:ea typeface="Bitter"/>
-                <a:cs typeface="Bitter"/>
-                <a:sym typeface="Bitter"/>
-              </a:rPr>
-              <a:t>9 divided by 2 = 4 remainder 1</a:t>
-            </a:r>
-          </a:p>
-          <a:p>
-            <a:pPr algn="ctr">
-              <a:lnSpc>
-                <a:spcPts val="4200"/>
-              </a:lnSpc>
-            </a:pPr>
-            <a:r>
-              <a:rPr lang="en-US" sz="3000">
-                <a:solidFill>
-                  <a:srgbClr val="000000"/>
-                </a:solidFill>
-                <a:latin typeface="Bitter"/>
-                <a:ea typeface="Bitter"/>
-                <a:cs typeface="Bitter"/>
-                <a:sym typeface="Bitter"/>
-              </a:rPr>
-              <a:t>4 divided by 2 = 2 remainder 0</a:t>
-            </a:r>
-          </a:p>
-          <a:p>
-            <a:pPr algn="ctr">
-              <a:lnSpc>
-                <a:spcPts val="4200"/>
-              </a:lnSpc>
-            </a:pPr>
-            <a:r>
-              <a:rPr lang="en-US" sz="3000">
-                <a:solidFill>
-                  <a:srgbClr val="000000"/>
-                </a:solidFill>
-                <a:latin typeface="Bitter"/>
-                <a:ea typeface="Bitter"/>
-                <a:cs typeface="Bitter"/>
-                <a:sym typeface="Bitter"/>
-              </a:rPr>
-              <a:t>2 divided by 2 = 1 remainder 0</a:t>
-            </a:r>
-          </a:p>
-          <a:p>
-            <a:pPr algn="ctr">
-              <a:lnSpc>
-                <a:spcPts val="4200"/>
-              </a:lnSpc>
-            </a:pPr>
-            <a:r>
-              <a:rPr lang="en-US" sz="3000">
-                <a:solidFill>
-                  <a:srgbClr val="000000"/>
-                </a:solidFill>
-                <a:latin typeface="Bitter"/>
-                <a:ea typeface="Bitter"/>
-                <a:cs typeface="Bitter"/>
-                <a:sym typeface="Bitter"/>
-              </a:rPr>
-              <a:t>1 divided by 2 = 0 remainder 1</a:t>
-            </a:r>
-          </a:p>
-          <a:p>
-            <a:pPr algn="ctr">
-              <a:lnSpc>
-                <a:spcPts val="4200"/>
-              </a:lnSpc>
-              <a:spcBef>
-                <a:spcPct val="0"/>
-              </a:spcBef>
-            </a:pPr>
-            <a:endParaRPr lang="en-US" sz="3000">
-              <a:solidFill>
-                <a:srgbClr val="000000"/>
-              </a:solidFill>
-              <a:latin typeface="Bitter"/>
-              <a:ea typeface="Bitter"/>
-              <a:cs typeface="Bitter"/>
-              <a:sym typeface="Bitter"/>
-            </a:endParaRPr>
-          </a:p>
-        </p:txBody>
-      </p:sp>
-      <p:sp>
-        <p:nvSpPr>
-          <p:cNvPr id="23" name="Freeform 23"/>
-          <p:cNvSpPr/>
-          <p:nvPr/>
-        </p:nvSpPr>
-        <p:spPr>
-          <a:xfrm rot="10245777">
-            <a:off x="-919558" y="6831521"/>
-            <a:ext cx="3204400" cy="4114800"/>
-          </a:xfrm>
-          <a:custGeom>
-            <a:avLst/>
-            <a:gdLst/>
-            <a:ahLst/>
-            <a:cxnLst/>
-            <a:rect l="l" t="t" r="r" b="b"/>
-            <a:pathLst>
-              <a:path w="3204400" h="4114800">
-                <a:moveTo>
-                  <a:pt x="0" y="0"/>
-                </a:moveTo>
-                <a:lnTo>
-                  <a:pt x="3204401" y="0"/>
-                </a:lnTo>
-                <a:lnTo>
-                  <a:pt x="3204401" y="4114800"/>
-                </a:lnTo>
-                <a:lnTo>
-                  <a:pt x="0" y="4114800"/>
-                </a:lnTo>
-                <a:lnTo>
-                  <a:pt x="0" y="0"/>
-                </a:lnTo>
-                <a:close/>
-              </a:path>
-            </a:pathLst>
-          </a:custGeom>
-          <a:blipFill>
-            <a:blip r:embed="rId2">
-              <a:extLst>
-                <a:ext uri="{96DAC541-7B7A-43D3-8B79-37D633B846F1}">
-                  <asvg:svgBlip xmlns:asvg="http://schemas.microsoft.com/office/drawing/2016/SVG/main" r:embed="rId3"/>
-                </a:ext>
-              </a:extLst>
-            </a:blip>
-            <a:stretch>
-              <a:fillRect/>
-            </a:stretch>
-          </a:blipFill>
-        </p:spPr>
-      </p:sp>
-      <p:sp>
-        <p:nvSpPr>
-          <p:cNvPr id="24" name="TextBox 24"/>
-          <p:cNvSpPr txBox="1"/>
-          <p:nvPr/>
-        </p:nvSpPr>
-        <p:spPr>
-          <a:xfrm>
-            <a:off x="1841572" y="5439242"/>
-            <a:ext cx="6294879" cy="802318"/>
-          </a:xfrm>
-          <a:prstGeom prst="rect">
-            <a:avLst/>
-          </a:prstGeom>
-        </p:spPr>
-        <p:txBody>
-          <a:bodyPr lIns="0" tIns="0" rIns="0" bIns="0" rtlCol="0" anchor="t">
-            <a:spAutoFit/>
-          </a:bodyPr>
-          <a:lstStyle/>
-          <a:p>
-            <a:pPr algn="ctr">
-              <a:lnSpc>
-                <a:spcPts val="6177"/>
-              </a:lnSpc>
-              <a:spcBef>
-                <a:spcPct val="0"/>
-              </a:spcBef>
-            </a:pPr>
-            <a:r>
-              <a:rPr lang="en-US" sz="4412" b="1">
-                <a:solidFill>
-                  <a:srgbClr val="000000"/>
-                </a:solidFill>
-                <a:latin typeface="Bitter Bold"/>
-                <a:ea typeface="Bitter Bold"/>
-                <a:cs typeface="Bitter Bold"/>
-                <a:sym typeface="Bitter Bold"/>
-              </a:rPr>
-              <a:t>Example number: 296</a:t>
-            </a:r>
-          </a:p>
-        </p:txBody>
-      </p:sp>
-      <p:sp>
-        <p:nvSpPr>
-          <p:cNvPr id="25" name="TextBox 25"/>
-          <p:cNvSpPr txBox="1"/>
-          <p:nvPr/>
-        </p:nvSpPr>
-        <p:spPr>
-          <a:xfrm>
-            <a:off x="1841572" y="7895331"/>
-            <a:ext cx="6294879" cy="802318"/>
-          </a:xfrm>
-          <a:prstGeom prst="rect">
-            <a:avLst/>
-          </a:prstGeom>
-        </p:spPr>
-        <p:txBody>
-          <a:bodyPr lIns="0" tIns="0" rIns="0" bIns="0" rtlCol="0" anchor="t">
-            <a:spAutoFit/>
-          </a:bodyPr>
-          <a:lstStyle/>
-          <a:p>
-            <a:pPr algn="ctr">
-              <a:lnSpc>
-                <a:spcPts val="6177"/>
-              </a:lnSpc>
-              <a:spcBef>
-                <a:spcPct val="0"/>
-              </a:spcBef>
-            </a:pPr>
-            <a:r>
-              <a:rPr lang="en-US" sz="4412" b="1">
-                <a:solidFill>
-                  <a:srgbClr val="000000"/>
-                </a:solidFill>
-                <a:latin typeface="Bitter Bold"/>
-                <a:ea typeface="Bitter Bold"/>
-                <a:cs typeface="Bitter Bold"/>
-                <a:sym typeface="Bitter Bold"/>
-              </a:rPr>
-              <a:t>100101000</a:t>
-            </a:r>
-          </a:p>
-        </p:txBody>
-      </p:sp>
-    </p:spTree>
-  </p:cSld>
-  <p:clrMapOvr>
-    <a:masterClrMapping/>
-  </p:clrMapOvr>
-</p:sld>
-</file>
-
-<file path=ppt/slides/slide11.xml><?xml version="1.0" encoding="utf-8"?>
-<p:sld xmlns:a="http://schemas.openxmlformats.org/drawingml/2006/main" xmlns:r="http://schemas.openxmlformats.org/officeDocument/2006/relationships" xmlns:p="http://schemas.openxmlformats.org/presentationml/2006/main">
-  <p:cSld>
-    <p:bg>
-      <p:bgPr>
-        <a:solidFill>
-          <a:srgbClr val="EE3975"/>
-        </a:solidFill>
-        <a:effectLst/>
-      </p:bgPr>
-    </p:bg>
-    <p:spTree>
-      <p:nvGrpSpPr>
-        <p:cNvPr id="1" name=""/>
-        <p:cNvGrpSpPr/>
-        <p:nvPr/>
-      </p:nvGrpSpPr>
-      <p:grpSpPr>
-        <a:xfrm>
-          <a:off x="0" y="0"/>
-          <a:ext cx="0" cy="0"/>
-          <a:chOff x="0" y="0"/>
-          <a:chExt cx="0" cy="0"/>
-        </a:xfrm>
-      </p:grpSpPr>
-      <p:grpSp>
-        <p:nvGrpSpPr>
-          <p:cNvPr id="2" name="Group 2"/>
-          <p:cNvGrpSpPr/>
-          <p:nvPr/>
-        </p:nvGrpSpPr>
-        <p:grpSpPr>
-          <a:xfrm>
-            <a:off x="1211329" y="2865801"/>
-            <a:ext cx="7322554" cy="2991284"/>
-            <a:chOff x="0" y="0"/>
-            <a:chExt cx="1928574" cy="787828"/>
-          </a:xfrm>
-        </p:grpSpPr>
-        <p:sp>
-          <p:nvSpPr>
-            <p:cNvPr id="3" name="Freeform 3"/>
-            <p:cNvSpPr/>
-            <p:nvPr/>
-          </p:nvSpPr>
-          <p:spPr>
-            <a:xfrm>
-              <a:off x="0" y="0"/>
-              <a:ext cx="1928574" cy="787828"/>
-            </a:xfrm>
-            <a:custGeom>
-              <a:avLst/>
-              <a:gdLst/>
-              <a:ahLst/>
-              <a:cxnLst/>
-              <a:rect l="l" t="t" r="r" b="b"/>
-              <a:pathLst>
-                <a:path w="1928574" h="787828">
-                  <a:moveTo>
-                    <a:pt x="0" y="0"/>
-                  </a:moveTo>
-                  <a:lnTo>
-                    <a:pt x="1928574" y="0"/>
-                  </a:lnTo>
-                  <a:lnTo>
-                    <a:pt x="1928574" y="787828"/>
-                  </a:lnTo>
-                  <a:lnTo>
-                    <a:pt x="0" y="787828"/>
-                  </a:lnTo>
-                  <a:close/>
-                </a:path>
-              </a:pathLst>
-            </a:custGeom>
-            <a:solidFill>
-              <a:srgbClr val="FEFBDB"/>
-            </a:solidFill>
-          </p:spPr>
-        </p:sp>
-        <p:sp>
-          <p:nvSpPr>
-            <p:cNvPr id="4" name="TextBox 4"/>
-            <p:cNvSpPr txBox="1"/>
-            <p:nvPr/>
-          </p:nvSpPr>
-          <p:spPr>
-            <a:xfrm>
-              <a:off x="0" y="-38100"/>
-              <a:ext cx="1928574" cy="825928"/>
-            </a:xfrm>
-            <a:prstGeom prst="rect">
-              <a:avLst/>
-            </a:prstGeom>
-          </p:spPr>
-          <p:txBody>
-            <a:bodyPr lIns="50800" tIns="50800" rIns="50800" bIns="50800" rtlCol="0" anchor="ctr"/>
-            <a:lstStyle/>
-            <a:p>
-              <a:pPr algn="ctr">
-                <a:lnSpc>
-                  <a:spcPts val="2659"/>
-                </a:lnSpc>
-                <a:spcBef>
-                  <a:spcPct val="0"/>
-                </a:spcBef>
-              </a:pPr>
-              <a:endParaRPr/>
-            </a:p>
-          </p:txBody>
-        </p:sp>
-      </p:grpSp>
-      <p:grpSp>
-        <p:nvGrpSpPr>
-          <p:cNvPr id="5" name="Group 5"/>
-          <p:cNvGrpSpPr/>
-          <p:nvPr/>
-        </p:nvGrpSpPr>
-        <p:grpSpPr>
-          <a:xfrm>
-            <a:off x="1326152" y="2780221"/>
-            <a:ext cx="7288419" cy="2990661"/>
-            <a:chOff x="0" y="0"/>
-            <a:chExt cx="1919584" cy="787664"/>
-          </a:xfrm>
-        </p:grpSpPr>
-        <p:sp>
-          <p:nvSpPr>
-            <p:cNvPr id="6" name="Freeform 6"/>
-            <p:cNvSpPr/>
-            <p:nvPr/>
-          </p:nvSpPr>
-          <p:spPr>
-            <a:xfrm>
-              <a:off x="0" y="0"/>
-              <a:ext cx="1919584" cy="787664"/>
-            </a:xfrm>
-            <a:custGeom>
-              <a:avLst/>
-              <a:gdLst/>
-              <a:ahLst/>
-              <a:cxnLst/>
-              <a:rect l="l" t="t" r="r" b="b"/>
-              <a:pathLst>
-                <a:path w="1919584" h="787664">
-                  <a:moveTo>
-                    <a:pt x="0" y="0"/>
-                  </a:moveTo>
-                  <a:lnTo>
-                    <a:pt x="1919584" y="0"/>
-                  </a:lnTo>
-                  <a:lnTo>
-                    <a:pt x="1919584" y="787664"/>
-                  </a:lnTo>
-                  <a:lnTo>
-                    <a:pt x="0" y="787664"/>
-                  </a:lnTo>
-                  <a:close/>
-                </a:path>
-              </a:pathLst>
-            </a:custGeom>
-            <a:solidFill>
-              <a:srgbClr val="000000">
-                <a:alpha val="0"/>
-              </a:srgbClr>
-            </a:solidFill>
-            <a:ln w="57150" cap="sq">
-              <a:solidFill>
-                <a:srgbClr val="000000"/>
-              </a:solidFill>
-              <a:prstDash val="solid"/>
-              <a:miter/>
-            </a:ln>
-          </p:spPr>
-        </p:sp>
-        <p:sp>
-          <p:nvSpPr>
-            <p:cNvPr id="7" name="TextBox 7"/>
-            <p:cNvSpPr txBox="1"/>
-            <p:nvPr/>
-          </p:nvSpPr>
-          <p:spPr>
-            <a:xfrm>
-              <a:off x="0" y="-38100"/>
-              <a:ext cx="1919584" cy="825764"/>
-            </a:xfrm>
-            <a:prstGeom prst="rect">
-              <a:avLst/>
-            </a:prstGeom>
-          </p:spPr>
-          <p:txBody>
-            <a:bodyPr lIns="50800" tIns="50800" rIns="50800" bIns="50800" rtlCol="0" anchor="ctr"/>
-            <a:lstStyle/>
-            <a:p>
-              <a:pPr algn="ctr">
-                <a:lnSpc>
-                  <a:spcPts val="2659"/>
-                </a:lnSpc>
-              </a:pPr>
-              <a:endParaRPr/>
-            </a:p>
-          </p:txBody>
-        </p:sp>
-      </p:grpSp>
-      <p:sp>
-        <p:nvSpPr>
-          <p:cNvPr id="8" name="Freeform 8"/>
-          <p:cNvSpPr/>
-          <p:nvPr/>
-        </p:nvSpPr>
-        <p:spPr>
-          <a:xfrm>
-            <a:off x="1506987" y="3590071"/>
-            <a:ext cx="2016834" cy="1457162"/>
-          </a:xfrm>
-          <a:custGeom>
-            <a:avLst/>
-            <a:gdLst/>
-            <a:ahLst/>
-            <a:cxnLst/>
-            <a:rect l="l" t="t" r="r" b="b"/>
-            <a:pathLst>
-              <a:path w="2016834" h="1457162">
-                <a:moveTo>
-                  <a:pt x="0" y="0"/>
-                </a:moveTo>
-                <a:lnTo>
-                  <a:pt x="2016834" y="0"/>
-                </a:lnTo>
-                <a:lnTo>
-                  <a:pt x="2016834" y="1457163"/>
-                </a:lnTo>
-                <a:lnTo>
-                  <a:pt x="0" y="1457163"/>
-                </a:lnTo>
-                <a:lnTo>
-                  <a:pt x="0" y="0"/>
-                </a:lnTo>
-                <a:close/>
-              </a:path>
-            </a:pathLst>
-          </a:custGeom>
-          <a:blipFill>
-            <a:blip r:embed="rId2">
-              <a:extLst>
-                <a:ext uri="{96DAC541-7B7A-43D3-8B79-37D633B846F1}">
-                  <asvg:svgBlip xmlns:asvg="http://schemas.microsoft.com/office/drawing/2016/SVG/main" r:embed="rId3"/>
-                </a:ext>
-              </a:extLst>
-            </a:blip>
-            <a:stretch>
-              <a:fillRect/>
-            </a:stretch>
-          </a:blipFill>
-        </p:spPr>
-      </p:sp>
-      <p:grpSp>
-        <p:nvGrpSpPr>
-          <p:cNvPr id="9" name="Group 9"/>
-          <p:cNvGrpSpPr/>
-          <p:nvPr/>
-        </p:nvGrpSpPr>
-        <p:grpSpPr>
-          <a:xfrm>
-            <a:off x="9673428" y="2865801"/>
-            <a:ext cx="7322554" cy="2991284"/>
-            <a:chOff x="0" y="0"/>
-            <a:chExt cx="1928574" cy="787828"/>
-          </a:xfrm>
-        </p:grpSpPr>
-        <p:sp>
-          <p:nvSpPr>
-            <p:cNvPr id="10" name="Freeform 10"/>
-            <p:cNvSpPr/>
-            <p:nvPr/>
-          </p:nvSpPr>
-          <p:spPr>
-            <a:xfrm>
-              <a:off x="0" y="0"/>
-              <a:ext cx="1928574" cy="787828"/>
-            </a:xfrm>
-            <a:custGeom>
-              <a:avLst/>
-              <a:gdLst/>
-              <a:ahLst/>
-              <a:cxnLst/>
-              <a:rect l="l" t="t" r="r" b="b"/>
-              <a:pathLst>
-                <a:path w="1928574" h="787828">
-                  <a:moveTo>
-                    <a:pt x="0" y="0"/>
-                  </a:moveTo>
-                  <a:lnTo>
-                    <a:pt x="1928574" y="0"/>
-                  </a:lnTo>
-                  <a:lnTo>
-                    <a:pt x="1928574" y="787828"/>
-                  </a:lnTo>
-                  <a:lnTo>
-                    <a:pt x="0" y="787828"/>
-                  </a:lnTo>
-                  <a:close/>
-                </a:path>
-              </a:pathLst>
-            </a:custGeom>
-            <a:solidFill>
-              <a:srgbClr val="FEFBDB"/>
-            </a:solidFill>
-          </p:spPr>
-        </p:sp>
-        <p:sp>
-          <p:nvSpPr>
-            <p:cNvPr id="11" name="TextBox 11"/>
-            <p:cNvSpPr txBox="1"/>
-            <p:nvPr/>
-          </p:nvSpPr>
-          <p:spPr>
-            <a:xfrm>
-              <a:off x="0" y="-38100"/>
-              <a:ext cx="1928574" cy="825928"/>
-            </a:xfrm>
-            <a:prstGeom prst="rect">
-              <a:avLst/>
-            </a:prstGeom>
-          </p:spPr>
-          <p:txBody>
-            <a:bodyPr lIns="50800" tIns="50800" rIns="50800" bIns="50800" rtlCol="0" anchor="ctr"/>
-            <a:lstStyle/>
-            <a:p>
-              <a:pPr algn="ctr">
-                <a:lnSpc>
-                  <a:spcPts val="2659"/>
-                </a:lnSpc>
-                <a:spcBef>
-                  <a:spcPct val="0"/>
-                </a:spcBef>
-              </a:pPr>
-              <a:endParaRPr/>
-            </a:p>
-          </p:txBody>
-        </p:sp>
-      </p:grpSp>
-      <p:grpSp>
-        <p:nvGrpSpPr>
-          <p:cNvPr id="12" name="Group 12"/>
-          <p:cNvGrpSpPr/>
-          <p:nvPr/>
-        </p:nvGrpSpPr>
-        <p:grpSpPr>
-          <a:xfrm>
-            <a:off x="9788252" y="2780221"/>
-            <a:ext cx="7288419" cy="2990661"/>
-            <a:chOff x="0" y="0"/>
-            <a:chExt cx="1919584" cy="787664"/>
-          </a:xfrm>
-        </p:grpSpPr>
-        <p:sp>
-          <p:nvSpPr>
-            <p:cNvPr id="13" name="Freeform 13"/>
-            <p:cNvSpPr/>
-            <p:nvPr/>
-          </p:nvSpPr>
-          <p:spPr>
-            <a:xfrm>
-              <a:off x="0" y="0"/>
-              <a:ext cx="1919584" cy="787664"/>
-            </a:xfrm>
-            <a:custGeom>
-              <a:avLst/>
-              <a:gdLst/>
-              <a:ahLst/>
-              <a:cxnLst/>
-              <a:rect l="l" t="t" r="r" b="b"/>
-              <a:pathLst>
-                <a:path w="1919584" h="787664">
-                  <a:moveTo>
-                    <a:pt x="0" y="0"/>
-                  </a:moveTo>
-                  <a:lnTo>
-                    <a:pt x="1919584" y="0"/>
-                  </a:lnTo>
-                  <a:lnTo>
-                    <a:pt x="1919584" y="787664"/>
-                  </a:lnTo>
-                  <a:lnTo>
-                    <a:pt x="0" y="787664"/>
-                  </a:lnTo>
-                  <a:close/>
-                </a:path>
-              </a:pathLst>
-            </a:custGeom>
-            <a:solidFill>
-              <a:srgbClr val="000000">
-                <a:alpha val="0"/>
-              </a:srgbClr>
-            </a:solidFill>
-            <a:ln w="57150" cap="sq">
-              <a:solidFill>
-                <a:srgbClr val="000000"/>
-              </a:solidFill>
-              <a:prstDash val="solid"/>
-              <a:miter/>
-            </a:ln>
-          </p:spPr>
-        </p:sp>
-        <p:sp>
-          <p:nvSpPr>
-            <p:cNvPr id="14" name="TextBox 14"/>
-            <p:cNvSpPr txBox="1"/>
-            <p:nvPr/>
-          </p:nvSpPr>
-          <p:spPr>
-            <a:xfrm>
-              <a:off x="0" y="-38100"/>
-              <a:ext cx="1919584" cy="825764"/>
-            </a:xfrm>
-            <a:prstGeom prst="rect">
-              <a:avLst/>
-            </a:prstGeom>
-          </p:spPr>
-          <p:txBody>
-            <a:bodyPr lIns="50800" tIns="50800" rIns="50800" bIns="50800" rtlCol="0" anchor="ctr"/>
-            <a:lstStyle/>
-            <a:p>
-              <a:pPr algn="ctr">
-                <a:lnSpc>
-                  <a:spcPts val="2659"/>
-                </a:lnSpc>
-              </a:pPr>
-              <a:endParaRPr/>
-            </a:p>
-          </p:txBody>
-        </p:sp>
-      </p:grpSp>
-      <p:sp>
-        <p:nvSpPr>
-          <p:cNvPr id="15" name="Freeform 15"/>
-          <p:cNvSpPr/>
-          <p:nvPr/>
-        </p:nvSpPr>
-        <p:spPr>
-          <a:xfrm>
-            <a:off x="15061836" y="3478403"/>
-            <a:ext cx="1705407" cy="1665097"/>
-          </a:xfrm>
-          <a:custGeom>
-            <a:avLst/>
-            <a:gdLst/>
-            <a:ahLst/>
-            <a:cxnLst/>
-            <a:rect l="l" t="t" r="r" b="b"/>
-            <a:pathLst>
-              <a:path w="1705407" h="1665097">
-                <a:moveTo>
-                  <a:pt x="0" y="0"/>
-                </a:moveTo>
-                <a:lnTo>
-                  <a:pt x="1705407" y="0"/>
-                </a:lnTo>
-                <a:lnTo>
-                  <a:pt x="1705407" y="1665097"/>
-                </a:lnTo>
-                <a:lnTo>
-                  <a:pt x="0" y="1665097"/>
-                </a:lnTo>
-                <a:lnTo>
-                  <a:pt x="0" y="0"/>
-                </a:lnTo>
-                <a:close/>
-              </a:path>
-            </a:pathLst>
-          </a:custGeom>
-          <a:blipFill>
-            <a:blip r:embed="rId4">
-              <a:extLst>
-                <a:ext uri="{96DAC541-7B7A-43D3-8B79-37D633B846F1}">
-                  <asvg:svgBlip xmlns:asvg="http://schemas.microsoft.com/office/drawing/2016/SVG/main" r:embed="rId5"/>
-                </a:ext>
-              </a:extLst>
-            </a:blip>
-            <a:stretch>
-              <a:fillRect/>
-            </a:stretch>
-          </a:blipFill>
-        </p:spPr>
-      </p:sp>
-      <p:grpSp>
-        <p:nvGrpSpPr>
-          <p:cNvPr id="16" name="Group 16"/>
-          <p:cNvGrpSpPr/>
-          <p:nvPr/>
-        </p:nvGrpSpPr>
-        <p:grpSpPr>
-          <a:xfrm>
-            <a:off x="1211329" y="6264140"/>
-            <a:ext cx="7322554" cy="2994160"/>
-            <a:chOff x="0" y="0"/>
-            <a:chExt cx="1928574" cy="788585"/>
-          </a:xfrm>
-        </p:grpSpPr>
-        <p:sp>
-          <p:nvSpPr>
-            <p:cNvPr id="17" name="Freeform 17"/>
-            <p:cNvSpPr/>
-            <p:nvPr/>
-          </p:nvSpPr>
-          <p:spPr>
-            <a:xfrm>
-              <a:off x="0" y="0"/>
-              <a:ext cx="1928574" cy="788585"/>
-            </a:xfrm>
-            <a:custGeom>
-              <a:avLst/>
-              <a:gdLst/>
-              <a:ahLst/>
-              <a:cxnLst/>
-              <a:rect l="l" t="t" r="r" b="b"/>
-              <a:pathLst>
-                <a:path w="1928574" h="788585">
-                  <a:moveTo>
-                    <a:pt x="0" y="0"/>
-                  </a:moveTo>
-                  <a:lnTo>
-                    <a:pt x="1928574" y="0"/>
-                  </a:lnTo>
-                  <a:lnTo>
-                    <a:pt x="1928574" y="788585"/>
-                  </a:lnTo>
-                  <a:lnTo>
-                    <a:pt x="0" y="788585"/>
-                  </a:lnTo>
-                  <a:close/>
-                </a:path>
-              </a:pathLst>
-            </a:custGeom>
-            <a:solidFill>
-              <a:srgbClr val="FEFBDB"/>
-            </a:solidFill>
-          </p:spPr>
-        </p:sp>
-        <p:sp>
-          <p:nvSpPr>
-            <p:cNvPr id="18" name="TextBox 18"/>
-            <p:cNvSpPr txBox="1"/>
-            <p:nvPr/>
-          </p:nvSpPr>
-          <p:spPr>
-            <a:xfrm>
-              <a:off x="0" y="-38100"/>
-              <a:ext cx="1928574" cy="826685"/>
-            </a:xfrm>
-            <a:prstGeom prst="rect">
-              <a:avLst/>
-            </a:prstGeom>
-          </p:spPr>
-          <p:txBody>
-            <a:bodyPr lIns="50800" tIns="50800" rIns="50800" bIns="50800" rtlCol="0" anchor="ctr"/>
-            <a:lstStyle/>
-            <a:p>
-              <a:pPr algn="ctr">
-                <a:lnSpc>
-                  <a:spcPts val="2659"/>
-                </a:lnSpc>
-                <a:spcBef>
-                  <a:spcPct val="0"/>
-                </a:spcBef>
-              </a:pPr>
-              <a:endParaRPr/>
-            </a:p>
-          </p:txBody>
-        </p:sp>
-      </p:grpSp>
-      <p:grpSp>
-        <p:nvGrpSpPr>
-          <p:cNvPr id="19" name="Group 19"/>
-          <p:cNvGrpSpPr/>
-          <p:nvPr/>
-        </p:nvGrpSpPr>
-        <p:grpSpPr>
-          <a:xfrm>
-            <a:off x="1326152" y="6178478"/>
-            <a:ext cx="7288419" cy="2993537"/>
-            <a:chOff x="0" y="0"/>
-            <a:chExt cx="1919584" cy="788421"/>
-          </a:xfrm>
-        </p:grpSpPr>
-        <p:sp>
-          <p:nvSpPr>
-            <p:cNvPr id="20" name="Freeform 20"/>
-            <p:cNvSpPr/>
-            <p:nvPr/>
-          </p:nvSpPr>
-          <p:spPr>
-            <a:xfrm>
-              <a:off x="0" y="0"/>
-              <a:ext cx="1919584" cy="788421"/>
-            </a:xfrm>
-            <a:custGeom>
-              <a:avLst/>
-              <a:gdLst/>
-              <a:ahLst/>
-              <a:cxnLst/>
-              <a:rect l="l" t="t" r="r" b="b"/>
-              <a:pathLst>
-                <a:path w="1919584" h="788421">
-                  <a:moveTo>
-                    <a:pt x="0" y="0"/>
-                  </a:moveTo>
-                  <a:lnTo>
-                    <a:pt x="1919584" y="0"/>
-                  </a:lnTo>
-                  <a:lnTo>
-                    <a:pt x="1919584" y="788421"/>
-                  </a:lnTo>
-                  <a:lnTo>
-                    <a:pt x="0" y="788421"/>
-                  </a:lnTo>
-                  <a:close/>
-                </a:path>
-              </a:pathLst>
-            </a:custGeom>
-            <a:solidFill>
-              <a:srgbClr val="000000">
-                <a:alpha val="0"/>
-              </a:srgbClr>
-            </a:solidFill>
-            <a:ln w="57150" cap="sq">
-              <a:solidFill>
-                <a:srgbClr val="000000"/>
-              </a:solidFill>
-              <a:prstDash val="solid"/>
-              <a:miter/>
-            </a:ln>
-          </p:spPr>
-        </p:sp>
-        <p:sp>
-          <p:nvSpPr>
-            <p:cNvPr id="21" name="TextBox 21"/>
-            <p:cNvSpPr txBox="1"/>
-            <p:nvPr/>
-          </p:nvSpPr>
-          <p:spPr>
-            <a:xfrm>
-              <a:off x="0" y="-38100"/>
-              <a:ext cx="1919584" cy="826521"/>
-            </a:xfrm>
-            <a:prstGeom prst="rect">
-              <a:avLst/>
-            </a:prstGeom>
-          </p:spPr>
-          <p:txBody>
-            <a:bodyPr lIns="50800" tIns="50800" rIns="50800" bIns="50800" rtlCol="0" anchor="ctr"/>
-            <a:lstStyle/>
-            <a:p>
-              <a:pPr algn="ctr">
-                <a:lnSpc>
-                  <a:spcPts val="2659"/>
-                </a:lnSpc>
-              </a:pPr>
-              <a:endParaRPr/>
-            </a:p>
-          </p:txBody>
-        </p:sp>
-      </p:grpSp>
-      <p:grpSp>
-        <p:nvGrpSpPr>
-          <p:cNvPr id="22" name="Group 22"/>
-          <p:cNvGrpSpPr/>
-          <p:nvPr/>
-        </p:nvGrpSpPr>
-        <p:grpSpPr>
-          <a:xfrm>
-            <a:off x="9673428" y="6264140"/>
-            <a:ext cx="7322554" cy="2994160"/>
-            <a:chOff x="0" y="0"/>
-            <a:chExt cx="1928574" cy="788585"/>
-          </a:xfrm>
-        </p:grpSpPr>
-        <p:sp>
-          <p:nvSpPr>
-            <p:cNvPr id="23" name="Freeform 23"/>
-            <p:cNvSpPr/>
-            <p:nvPr/>
-          </p:nvSpPr>
-          <p:spPr>
-            <a:xfrm>
-              <a:off x="0" y="0"/>
-              <a:ext cx="1928574" cy="788585"/>
-            </a:xfrm>
-            <a:custGeom>
-              <a:avLst/>
-              <a:gdLst/>
-              <a:ahLst/>
-              <a:cxnLst/>
-              <a:rect l="l" t="t" r="r" b="b"/>
-              <a:pathLst>
-                <a:path w="1928574" h="788585">
-                  <a:moveTo>
-                    <a:pt x="0" y="0"/>
-                  </a:moveTo>
-                  <a:lnTo>
-                    <a:pt x="1928574" y="0"/>
-                  </a:lnTo>
-                  <a:lnTo>
-                    <a:pt x="1928574" y="788585"/>
-                  </a:lnTo>
-                  <a:lnTo>
-                    <a:pt x="0" y="788585"/>
-                  </a:lnTo>
-                  <a:close/>
-                </a:path>
-              </a:pathLst>
-            </a:custGeom>
-            <a:solidFill>
-              <a:srgbClr val="FEFBDB"/>
-            </a:solidFill>
-          </p:spPr>
-        </p:sp>
-        <p:sp>
-          <p:nvSpPr>
-            <p:cNvPr id="24" name="TextBox 24"/>
-            <p:cNvSpPr txBox="1"/>
-            <p:nvPr/>
-          </p:nvSpPr>
-          <p:spPr>
-            <a:xfrm>
-              <a:off x="0" y="-38100"/>
-              <a:ext cx="1928574" cy="826685"/>
-            </a:xfrm>
-            <a:prstGeom prst="rect">
-              <a:avLst/>
-            </a:prstGeom>
-          </p:spPr>
-          <p:txBody>
-            <a:bodyPr lIns="50800" tIns="50800" rIns="50800" bIns="50800" rtlCol="0" anchor="ctr"/>
-            <a:lstStyle/>
-            <a:p>
-              <a:pPr algn="ctr">
-                <a:lnSpc>
-                  <a:spcPts val="2659"/>
-                </a:lnSpc>
-                <a:spcBef>
-                  <a:spcPct val="0"/>
-                </a:spcBef>
-              </a:pPr>
-              <a:endParaRPr/>
-            </a:p>
-          </p:txBody>
-        </p:sp>
-      </p:grpSp>
-      <p:grpSp>
-        <p:nvGrpSpPr>
-          <p:cNvPr id="25" name="Group 25"/>
-          <p:cNvGrpSpPr/>
-          <p:nvPr/>
-        </p:nvGrpSpPr>
-        <p:grpSpPr>
-          <a:xfrm>
-            <a:off x="9788252" y="6178478"/>
-            <a:ext cx="7288419" cy="2993537"/>
-            <a:chOff x="0" y="0"/>
-            <a:chExt cx="1919584" cy="788421"/>
-          </a:xfrm>
-        </p:grpSpPr>
-        <p:sp>
-          <p:nvSpPr>
-            <p:cNvPr id="26" name="Freeform 26"/>
-            <p:cNvSpPr/>
-            <p:nvPr/>
-          </p:nvSpPr>
-          <p:spPr>
-            <a:xfrm>
-              <a:off x="0" y="0"/>
-              <a:ext cx="1919584" cy="788421"/>
-            </a:xfrm>
-            <a:custGeom>
-              <a:avLst/>
-              <a:gdLst/>
-              <a:ahLst/>
-              <a:cxnLst/>
-              <a:rect l="l" t="t" r="r" b="b"/>
-              <a:pathLst>
-                <a:path w="1919584" h="788421">
-                  <a:moveTo>
-                    <a:pt x="0" y="0"/>
-                  </a:moveTo>
-                  <a:lnTo>
-                    <a:pt x="1919584" y="0"/>
-                  </a:lnTo>
-                  <a:lnTo>
-                    <a:pt x="1919584" y="788421"/>
-                  </a:lnTo>
-                  <a:lnTo>
-                    <a:pt x="0" y="788421"/>
-                  </a:lnTo>
-                  <a:close/>
-                </a:path>
-              </a:pathLst>
-            </a:custGeom>
-            <a:solidFill>
-              <a:srgbClr val="000000">
-                <a:alpha val="0"/>
-              </a:srgbClr>
-            </a:solidFill>
-            <a:ln w="57150" cap="sq">
-              <a:solidFill>
-                <a:srgbClr val="000000"/>
-              </a:solidFill>
-              <a:prstDash val="solid"/>
-              <a:miter/>
-            </a:ln>
-          </p:spPr>
-        </p:sp>
-        <p:sp>
-          <p:nvSpPr>
-            <p:cNvPr id="27" name="TextBox 27"/>
-            <p:cNvSpPr txBox="1"/>
-            <p:nvPr/>
-          </p:nvSpPr>
-          <p:spPr>
-            <a:xfrm>
-              <a:off x="0" y="-38100"/>
-              <a:ext cx="1919584" cy="826521"/>
-            </a:xfrm>
-            <a:prstGeom prst="rect">
-              <a:avLst/>
-            </a:prstGeom>
-          </p:spPr>
-          <p:txBody>
-            <a:bodyPr lIns="50800" tIns="50800" rIns="50800" bIns="50800" rtlCol="0" anchor="ctr"/>
-            <a:lstStyle/>
-            <a:p>
-              <a:pPr algn="ctr">
-                <a:lnSpc>
-                  <a:spcPts val="2659"/>
-                </a:lnSpc>
-              </a:pPr>
-              <a:endParaRPr/>
-            </a:p>
-          </p:txBody>
-        </p:sp>
-      </p:grpSp>
-      <p:sp>
-        <p:nvSpPr>
-          <p:cNvPr id="28" name="Freeform 28"/>
-          <p:cNvSpPr/>
-          <p:nvPr/>
-        </p:nvSpPr>
-        <p:spPr>
-          <a:xfrm>
-            <a:off x="1617559" y="6868803"/>
-            <a:ext cx="1795690" cy="1699172"/>
-          </a:xfrm>
-          <a:custGeom>
-            <a:avLst/>
-            <a:gdLst/>
-            <a:ahLst/>
-            <a:cxnLst/>
-            <a:rect l="l" t="t" r="r" b="b"/>
-            <a:pathLst>
-              <a:path w="1795690" h="1699172">
-                <a:moveTo>
-                  <a:pt x="0" y="0"/>
-                </a:moveTo>
-                <a:lnTo>
-                  <a:pt x="1795690" y="0"/>
-                </a:lnTo>
-                <a:lnTo>
-                  <a:pt x="1795690" y="1699172"/>
-                </a:lnTo>
-                <a:lnTo>
-                  <a:pt x="0" y="1699172"/>
-                </a:lnTo>
-                <a:lnTo>
-                  <a:pt x="0" y="0"/>
-                </a:lnTo>
-                <a:close/>
-              </a:path>
-            </a:pathLst>
-          </a:custGeom>
-          <a:blipFill>
-            <a:blip r:embed="rId6">
-              <a:extLst>
-                <a:ext uri="{96DAC541-7B7A-43D3-8B79-37D633B846F1}">
-                  <asvg:svgBlip xmlns:asvg="http://schemas.microsoft.com/office/drawing/2016/SVG/main" r:embed="rId7"/>
-                </a:ext>
-              </a:extLst>
-            </a:blip>
-            <a:stretch>
-              <a:fillRect/>
-            </a:stretch>
-          </a:blipFill>
-        </p:spPr>
-      </p:sp>
-      <p:sp>
-        <p:nvSpPr>
-          <p:cNvPr id="29" name="TextBox 29"/>
-          <p:cNvSpPr txBox="1"/>
-          <p:nvPr/>
-        </p:nvSpPr>
-        <p:spPr>
-          <a:xfrm>
-            <a:off x="940250" y="733425"/>
-            <a:ext cx="16230600" cy="1438275"/>
-          </a:xfrm>
-          <a:prstGeom prst="rect">
-            <a:avLst/>
-          </a:prstGeom>
-        </p:spPr>
-        <p:txBody>
-          <a:bodyPr lIns="0" tIns="0" rIns="0" bIns="0" rtlCol="0" anchor="t">
-            <a:spAutoFit/>
-          </a:bodyPr>
-          <a:lstStyle/>
-          <a:p>
-            <a:pPr algn="ctr">
+            <a:pPr>
               <a:lnSpc>
                 <a:spcPts val="10500"/>
               </a:lnSpc>
@@ -6369,687 +5384,671 @@
               </a:spcBef>
             </a:pPr>
             <a:r>
-              <a:rPr lang="en-US" sz="7500">
-                <a:solidFill>
-                  <a:srgbClr val="000000"/>
-                </a:solidFill>
+              <a:rPr lang="ru-RU" sz="5400" dirty="0">
                 <a:latin typeface="Pixellet TH"/>
                 <a:ea typeface="Pixellet TH"/>
                 <a:cs typeface="Pixellet TH"/>
                 <a:sym typeface="Pixellet TH"/>
               </a:rPr>
-              <a:t>Binary Facts</a:t>
+              <a:t>1. </a:t>
+            </a:r>
+            <a:r>
+              <a:rPr lang="en-US" sz="5400" dirty="0">
+                <a:latin typeface="Pixellet TH"/>
+                <a:ea typeface="Pixellet TH"/>
+                <a:cs typeface="Pixellet TH"/>
+                <a:sym typeface="Pixellet TH"/>
+              </a:rPr>
+              <a:t>What is </a:t>
+            </a:r>
+            <a:r>
+              <a:rPr lang="en-US" sz="5400" dirty="0" err="1">
+                <a:latin typeface="Pixellet TH"/>
+                <a:ea typeface="Pixellet TH"/>
+                <a:cs typeface="Pixellet TH"/>
+                <a:sym typeface="Pixellet TH"/>
+              </a:rPr>
+              <a:t>neovim</a:t>
+            </a:r>
+            <a:r>
+              <a:rPr lang="en-US" sz="5400" dirty="0">
+                <a:latin typeface="Pixellet TH"/>
+                <a:ea typeface="Pixellet TH"/>
+                <a:cs typeface="Pixellet TH"/>
+                <a:sym typeface="Pixellet TH"/>
+              </a:rPr>
+              <a:t>?</a:t>
             </a:r>
           </a:p>
         </p:txBody>
       </p:sp>
       <p:sp>
         <p:nvSpPr>
-          <p:cNvPr id="30" name="TextBox 30"/>
+          <p:cNvPr id="33" name="TextBox 11">
+            <a:hlinkClick r:id="rId3" action="ppaction://hlinksldjump"/>
+            <a:extLst>
+              <a:ext uri="{FF2B5EF4-FFF2-40B4-BE49-F238E27FC236}">
+                <a16:creationId xmlns:a16="http://schemas.microsoft.com/office/drawing/2014/main" id="{63A46A45-476B-4782-7353-25AD81DCAEBE}"/>
+              </a:ext>
+            </a:extLst>
+          </p:cNvPr>
           <p:cNvSpPr txBox="1"/>
           <p:nvPr/>
         </p:nvSpPr>
         <p:spPr>
           <a:xfrm>
-            <a:off x="3701537" y="3367740"/>
-            <a:ext cx="4724123" cy="1835150"/>
+            <a:off x="606399" y="3361241"/>
+            <a:ext cx="8710612" cy="1159548"/>
           </a:xfrm>
           <a:prstGeom prst="rect">
             <a:avLst/>
           </a:prstGeom>
         </p:spPr>
         <p:txBody>
-          <a:bodyPr lIns="0" tIns="0" rIns="0" bIns="0" rtlCol="0" anchor="t">
+          <a:bodyPr wrap="square" lIns="0" tIns="0" rIns="0" bIns="0" rtlCol="0" anchor="t">
             <a:spAutoFit/>
           </a:bodyPr>
           <a:lstStyle/>
           <a:p>
-            <a:pPr algn="ctr">
+            <a:pPr>
               <a:lnSpc>
-                <a:spcPts val="4900"/>
+                <a:spcPts val="10500"/>
               </a:lnSpc>
               <a:spcBef>
                 <a:spcPct val="0"/>
               </a:spcBef>
             </a:pPr>
             <a:r>
-              <a:rPr lang="en-US" sz="3500">
-                <a:solidFill>
-                  <a:srgbClr val="000000"/>
-                </a:solidFill>
-                <a:latin typeface="Bitter"/>
-                <a:ea typeface="Bitter"/>
-                <a:cs typeface="Bitter"/>
-                <a:sym typeface="Bitter"/>
+              <a:rPr lang="ru-RU" sz="5400" dirty="0">
+                <a:latin typeface="Pixellet TH"/>
+                <a:ea typeface="Pixellet TH"/>
+                <a:cs typeface="Pixellet TH"/>
+                <a:sym typeface="Pixellet TH"/>
               </a:rPr>
-              <a:t>Binary code is the basis for all computer languages. </a:t>
+              <a:t>2. </a:t>
+            </a:r>
+            <a:r>
+              <a:rPr lang="en-US" sz="5400" dirty="0">
+                <a:latin typeface="Pixellet TH"/>
+                <a:ea typeface="Pixellet TH"/>
+                <a:cs typeface="Pixellet TH"/>
+                <a:sym typeface="Pixellet TH"/>
+              </a:rPr>
+              <a:t>Wy </a:t>
+            </a:r>
+            <a:r>
+              <a:rPr lang="en-US" sz="5400" dirty="0" err="1">
+                <a:latin typeface="Pixellet TH"/>
+                <a:ea typeface="Pixellet TH"/>
+                <a:cs typeface="Pixellet TH"/>
+                <a:sym typeface="Pixellet TH"/>
+              </a:rPr>
+              <a:t>neovim</a:t>
+            </a:r>
+            <a:r>
+              <a:rPr lang="en-US" sz="5400" dirty="0">
+                <a:latin typeface="Pixellet TH"/>
+                <a:ea typeface="Pixellet TH"/>
+                <a:cs typeface="Pixellet TH"/>
+                <a:sym typeface="Pixellet TH"/>
+              </a:rPr>
+              <a:t>?</a:t>
             </a:r>
           </a:p>
         </p:txBody>
       </p:sp>
       <p:sp>
         <p:nvSpPr>
-          <p:cNvPr id="31" name="TextBox 31"/>
+          <p:cNvPr id="34" name="TextBox 11">
+            <a:hlinkClick r:id="rId4" action="ppaction://hlinksldjump"/>
+            <a:extLst>
+              <a:ext uri="{FF2B5EF4-FFF2-40B4-BE49-F238E27FC236}">
+                <a16:creationId xmlns:a16="http://schemas.microsoft.com/office/drawing/2014/main" id="{4DCB375D-3FC4-3710-4F90-1B079CBE414F}"/>
+              </a:ext>
+            </a:extLst>
+          </p:cNvPr>
           <p:cNvSpPr txBox="1"/>
           <p:nvPr/>
         </p:nvSpPr>
         <p:spPr>
           <a:xfrm>
-            <a:off x="10070869" y="3367740"/>
-            <a:ext cx="4809992" cy="1835150"/>
+            <a:off x="606399" y="4377441"/>
+            <a:ext cx="8882062" cy="1182888"/>
           </a:xfrm>
           <a:prstGeom prst="rect">
             <a:avLst/>
           </a:prstGeom>
         </p:spPr>
         <p:txBody>
-          <a:bodyPr lIns="0" tIns="0" rIns="0" bIns="0" rtlCol="0" anchor="t">
+          <a:bodyPr wrap="square" lIns="0" tIns="0" rIns="0" bIns="0" rtlCol="0" anchor="t">
             <a:spAutoFit/>
           </a:bodyPr>
           <a:lstStyle/>
           <a:p>
-            <a:pPr algn="ctr">
+            <a:pPr>
               <a:lnSpc>
-                <a:spcPts val="4900"/>
+                <a:spcPts val="10500"/>
               </a:lnSpc>
               <a:spcBef>
                 <a:spcPct val="0"/>
               </a:spcBef>
             </a:pPr>
             <a:r>
-              <a:rPr lang="en-US" sz="3500">
+              <a:rPr lang="ru-RU" sz="5400" dirty="0">
+                <a:latin typeface="Pixellet TH"/>
+                <a:ea typeface="Pixellet TH"/>
+                <a:cs typeface="Pixellet TH"/>
+                <a:sym typeface="Pixellet TH"/>
+              </a:rPr>
+              <a:t>3.</a:t>
+            </a:r>
+            <a:r>
+              <a:rPr lang="en-US" sz="5400" dirty="0">
+                <a:latin typeface="Pixellet TH"/>
+                <a:ea typeface="Pixellet TH"/>
+                <a:cs typeface="Pixellet TH"/>
+                <a:sym typeface="Pixellet TH"/>
+              </a:rPr>
+              <a:t> </a:t>
+            </a:r>
+            <a:r>
+              <a:rPr lang="en-US" sz="5400" dirty="0">
                 <a:solidFill>
                   <a:srgbClr val="000000"/>
                 </a:solidFill>
-                <a:latin typeface="Bitter"/>
-                <a:ea typeface="Bitter"/>
-                <a:cs typeface="Bitter"/>
-                <a:sym typeface="Bitter"/>
+                <a:latin typeface="Pixellet TH" panose="020B0604020202020204" charset="-34"/>
+                <a:ea typeface="Pixellet TH Bold"/>
+                <a:cs typeface="Pixellet TH" panose="020B0604020202020204" charset="-34"/>
+                <a:sym typeface="Pixellet TH Bold"/>
               </a:rPr>
-              <a:t>Ancient Egyptians discovered binary code.</a:t>
-            </a:r>
+              <a:t>Advantage</a:t>
+            </a:r>
+            <a:endParaRPr lang="en-US" sz="5400" dirty="0">
+              <a:latin typeface="Pixellet TH" panose="020B0604020202020204" charset="-34"/>
+              <a:ea typeface="Pixellet TH"/>
+              <a:cs typeface="Pixellet TH" panose="020B0604020202020204" charset="-34"/>
+              <a:sym typeface="Pixellet TH"/>
+            </a:endParaRPr>
           </a:p>
         </p:txBody>
       </p:sp>
+      <p:pic>
+        <p:nvPicPr>
+          <p:cNvPr id="40" name="Рисунок 39" descr="Изображение выглядит как текст, снимок экрана&#10;&#10;Автоматически созданное описание">
+            <a:extLst>
+              <a:ext uri="{FF2B5EF4-FFF2-40B4-BE49-F238E27FC236}">
+                <a16:creationId xmlns:a16="http://schemas.microsoft.com/office/drawing/2014/main" id="{CF0A0D05-8FB1-D03D-FD61-8762DDE647FE}"/>
+              </a:ext>
+            </a:extLst>
+          </p:cNvPr>
+          <p:cNvPicPr>
+            <a:picLocks noChangeAspect="1"/>
+          </p:cNvPicPr>
+          <p:nvPr/>
+        </p:nvPicPr>
+        <p:blipFill>
+          <a:blip r:embed="rId5">
+            <a:extLst>
+              <a:ext uri="{28A0092B-C50C-407E-A947-70E740481C1C}">
+                <a14:useLocalDpi xmlns:a14="http://schemas.microsoft.com/office/drawing/2010/main" val="0"/>
+              </a:ext>
+            </a:extLst>
+          </a:blip>
+          <a:stretch>
+            <a:fillRect/>
+          </a:stretch>
+        </p:blipFill>
+        <p:spPr>
+          <a:xfrm>
+            <a:off x="9601200" y="3467100"/>
+            <a:ext cx="8075638" cy="5055172"/>
+          </a:xfrm>
+          <a:prstGeom prst="roundRect">
+            <a:avLst>
+              <a:gd name="adj" fmla="val 8230"/>
+            </a:avLst>
+          </a:prstGeom>
+          <a:ln>
+            <a:noFill/>
+          </a:ln>
+          <a:effectLst>
+            <a:outerShdw blurRad="76200" dist="38100" dir="7800000" algn="tl" rotWithShape="0">
+              <a:srgbClr val="000000">
+                <a:alpha val="40000"/>
+              </a:srgbClr>
+            </a:outerShdw>
+          </a:effectLst>
+          <a:scene3d>
+            <a:camera prst="orthographicFront"/>
+            <a:lightRig rig="contrasting" dir="t">
+              <a:rot lat="0" lon="0" rev="4200000"/>
+            </a:lightRig>
+          </a:scene3d>
+          <a:sp3d prstMaterial="plastic">
+            <a:bevelT w="381000" h="114300" prst="relaxedInset"/>
+            <a:contourClr>
+              <a:srgbClr val="969696"/>
+            </a:contourClr>
+          </a:sp3d>
+        </p:spPr>
+      </p:pic>
       <p:sp>
         <p:nvSpPr>
-          <p:cNvPr id="32" name="TextBox 32"/>
+          <p:cNvPr id="3" name="TextBox 11">
+            <a:hlinkClick r:id="rId6" action="ppaction://hlinksldjump"/>
+            <a:hlinkHover r:id="" action="ppaction://hlinkshowjump?jump=nextslide"/>
+            <a:extLst>
+              <a:ext uri="{FF2B5EF4-FFF2-40B4-BE49-F238E27FC236}">
+                <a16:creationId xmlns:a16="http://schemas.microsoft.com/office/drawing/2014/main" id="{837B4028-87F7-8DBF-4655-B60DAD60639A}"/>
+              </a:ext>
+            </a:extLst>
+          </p:cNvPr>
           <p:cNvSpPr txBox="1"/>
           <p:nvPr/>
         </p:nvSpPr>
         <p:spPr>
           <a:xfrm>
-            <a:off x="3701537" y="7077039"/>
-            <a:ext cx="4724123" cy="1216025"/>
+            <a:off x="606399" y="5368798"/>
+            <a:ext cx="8882062" cy="1159548"/>
           </a:xfrm>
           <a:prstGeom prst="rect">
             <a:avLst/>
           </a:prstGeom>
         </p:spPr>
         <p:txBody>
-          <a:bodyPr lIns="0" tIns="0" rIns="0" bIns="0" rtlCol="0" anchor="t">
+          <a:bodyPr wrap="square" lIns="0" tIns="0" rIns="0" bIns="0" rtlCol="0" anchor="t">
             <a:spAutoFit/>
           </a:bodyPr>
           <a:lstStyle/>
           <a:p>
-            <a:pPr algn="ctr">
+            <a:pPr>
               <a:lnSpc>
-                <a:spcPts val="4900"/>
+                <a:spcPts val="10500"/>
               </a:lnSpc>
               <a:spcBef>
                 <a:spcPct val="0"/>
               </a:spcBef>
             </a:pPr>
             <a:r>
-              <a:rPr lang="en-US" sz="3500">
-                <a:solidFill>
-                  <a:srgbClr val="000000"/>
-                </a:solidFill>
-                <a:latin typeface="Bitter"/>
-                <a:ea typeface="Bitter"/>
-                <a:cs typeface="Bitter"/>
-                <a:sym typeface="Bitter"/>
+              <a:rPr lang="ru-RU" sz="5400" dirty="0">
+                <a:latin typeface="Pixellet TH"/>
+                <a:ea typeface="Pixellet TH"/>
+                <a:cs typeface="Pixellet TH"/>
+                <a:sym typeface="Pixellet TH"/>
               </a:rPr>
-              <a:t>A byte is a collection of 8 binary digits.</a:t>
-            </a:r>
+              <a:t>4.</a:t>
+            </a:r>
+            <a:r>
+              <a:rPr lang="en-US" sz="5400" dirty="0">
+                <a:latin typeface="Pixellet TH"/>
+                <a:ea typeface="Pixellet TH"/>
+                <a:cs typeface="Pixellet TH"/>
+                <a:sym typeface="Pixellet TH"/>
+              </a:rPr>
+              <a:t> Adaptation</a:t>
+            </a:r>
+            <a:endParaRPr lang="en-US" sz="5400" dirty="0">
+              <a:latin typeface="Pixellet TH" panose="020B0604020202020204" charset="-34"/>
+              <a:ea typeface="Pixellet TH"/>
+              <a:cs typeface="Pixellet TH" panose="020B0604020202020204" charset="-34"/>
+              <a:sym typeface="Pixellet TH"/>
+            </a:endParaRPr>
           </a:p>
         </p:txBody>
       </p:sp>
       <p:sp>
         <p:nvSpPr>
-          <p:cNvPr id="33" name="TextBox 33"/>
+          <p:cNvPr id="4" name="TextBox 11">
+            <a:hlinkClick r:id="rId7" action="ppaction://hlinksldjump"/>
+            <a:hlinkHover r:id="" action="ppaction://hlinkshowjump?jump=nextslide"/>
+            <a:extLst>
+              <a:ext uri="{FF2B5EF4-FFF2-40B4-BE49-F238E27FC236}">
+                <a16:creationId xmlns:a16="http://schemas.microsoft.com/office/drawing/2014/main" id="{C48A3B31-E149-4040-5B8B-6848A2AF8455}"/>
+              </a:ext>
+            </a:extLst>
+          </p:cNvPr>
           <p:cNvSpPr txBox="1"/>
           <p:nvPr/>
         </p:nvSpPr>
         <p:spPr>
           <a:xfrm>
-            <a:off x="10070869" y="6494758"/>
-            <a:ext cx="4809992" cy="2316480"/>
+            <a:off x="606399" y="6408338"/>
+            <a:ext cx="8882062" cy="1159548"/>
           </a:xfrm>
           <a:prstGeom prst="rect">
             <a:avLst/>
           </a:prstGeom>
         </p:spPr>
         <p:txBody>
-          <a:bodyPr lIns="0" tIns="0" rIns="0" bIns="0" rtlCol="0" anchor="t">
+          <a:bodyPr wrap="square" lIns="0" tIns="0" rIns="0" bIns="0" rtlCol="0" anchor="t">
             <a:spAutoFit/>
           </a:bodyPr>
           <a:lstStyle/>
           <a:p>
-            <a:pPr algn="ctr">
+            <a:pPr>
               <a:lnSpc>
-                <a:spcPts val="4620"/>
+                <a:spcPts val="10500"/>
               </a:lnSpc>
               <a:spcBef>
                 <a:spcPct val="0"/>
               </a:spcBef>
             </a:pPr>
             <a:r>
-              <a:rPr lang="en-US" sz="3300">
-                <a:solidFill>
-                  <a:srgbClr val="000000"/>
-                </a:solidFill>
-                <a:latin typeface="Bitter"/>
-                <a:ea typeface="Bitter"/>
-                <a:cs typeface="Bitter"/>
-                <a:sym typeface="Bitter"/>
+              <a:rPr lang="ru-RU" sz="5400" dirty="0">
+                <a:latin typeface="Pixellet TH"/>
+                <a:ea typeface="Pixellet TH"/>
+                <a:cs typeface="Pixellet TH"/>
+                <a:sym typeface="Pixellet TH"/>
               </a:rPr>
-              <a:t>If the last digit of a binary number is 1, it will be odd.  If it is 0, it will be even.</a:t>
-            </a:r>
+              <a:t>5.</a:t>
+            </a:r>
+            <a:r>
+              <a:rPr lang="en-US" sz="5400" dirty="0">
+                <a:latin typeface="Pixellet TH"/>
+                <a:ea typeface="Pixellet TH"/>
+                <a:cs typeface="Pixellet TH"/>
+                <a:sym typeface="Pixellet TH"/>
+              </a:rPr>
+              <a:t> User growth</a:t>
+            </a:r>
+            <a:endParaRPr lang="en-US" sz="5400" dirty="0">
+              <a:latin typeface="Pixellet TH" panose="020B0604020202020204" charset="-34"/>
+              <a:ea typeface="Pixellet TH"/>
+              <a:cs typeface="Pixellet TH" panose="020B0604020202020204" charset="-34"/>
+              <a:sym typeface="Pixellet TH"/>
+            </a:endParaRPr>
           </a:p>
         </p:txBody>
       </p:sp>
-      <p:grpSp>
-        <p:nvGrpSpPr>
-          <p:cNvPr id="34" name="Group 34"/>
-          <p:cNvGrpSpPr/>
-          <p:nvPr/>
-        </p:nvGrpSpPr>
-        <p:grpSpPr>
-          <a:xfrm>
-            <a:off x="15008089" y="6669753"/>
-            <a:ext cx="1243469" cy="1243469"/>
-            <a:chOff x="0" y="0"/>
-            <a:chExt cx="812800" cy="812800"/>
-          </a:xfrm>
-        </p:grpSpPr>
-        <p:sp>
-          <p:nvSpPr>
-            <p:cNvPr id="35" name="Freeform 35"/>
-            <p:cNvSpPr/>
-            <p:nvPr/>
-          </p:nvSpPr>
-          <p:spPr>
-            <a:xfrm>
-              <a:off x="0" y="0"/>
-              <a:ext cx="812800" cy="812800"/>
-            </a:xfrm>
-            <a:custGeom>
-              <a:avLst/>
-              <a:gdLst/>
-              <a:ahLst/>
-              <a:cxnLst/>
-              <a:rect l="l" t="t" r="r" b="b"/>
-              <a:pathLst>
-                <a:path w="812800" h="812800">
-                  <a:moveTo>
-                    <a:pt x="406400" y="0"/>
-                  </a:moveTo>
-                  <a:cubicBezTo>
-                    <a:pt x="181951" y="0"/>
-                    <a:pt x="0" y="181951"/>
-                    <a:pt x="0" y="406400"/>
-                  </a:cubicBezTo>
-                  <a:cubicBezTo>
-                    <a:pt x="0" y="630849"/>
-                    <a:pt x="181951" y="812800"/>
-                    <a:pt x="406400" y="812800"/>
-                  </a:cubicBezTo>
-                  <a:cubicBezTo>
-                    <a:pt x="630849" y="812800"/>
-                    <a:pt x="812800" y="630849"/>
-                    <a:pt x="812800" y="406400"/>
-                  </a:cubicBezTo>
-                  <a:cubicBezTo>
-                    <a:pt x="812800" y="181951"/>
-                    <a:pt x="630849" y="0"/>
-                    <a:pt x="406400" y="0"/>
-                  </a:cubicBezTo>
-                  <a:close/>
-                </a:path>
-              </a:pathLst>
-            </a:custGeom>
-            <a:solidFill>
-              <a:srgbClr val="5BC4BD"/>
-            </a:solidFill>
-          </p:spPr>
-        </p:sp>
-        <p:sp>
-          <p:nvSpPr>
-            <p:cNvPr id="36" name="TextBox 36"/>
-            <p:cNvSpPr txBox="1"/>
-            <p:nvPr/>
-          </p:nvSpPr>
-          <p:spPr>
-            <a:xfrm>
-              <a:off x="76200" y="38100"/>
-              <a:ext cx="660400" cy="698500"/>
-            </a:xfrm>
-            <a:prstGeom prst="rect">
-              <a:avLst/>
-            </a:prstGeom>
-          </p:spPr>
-          <p:txBody>
-            <a:bodyPr lIns="41941" tIns="41941" rIns="41941" bIns="41941" rtlCol="0" anchor="ctr"/>
-            <a:lstStyle/>
-            <a:p>
-              <a:pPr algn="ctr">
-                <a:lnSpc>
-                  <a:spcPts val="2659"/>
-                </a:lnSpc>
-              </a:pPr>
-              <a:endParaRPr/>
-            </a:p>
-          </p:txBody>
-        </p:sp>
-      </p:grpSp>
-      <p:grpSp>
-        <p:nvGrpSpPr>
-          <p:cNvPr id="37" name="Group 37"/>
-          <p:cNvGrpSpPr/>
-          <p:nvPr/>
-        </p:nvGrpSpPr>
-        <p:grpSpPr>
-          <a:xfrm>
-            <a:off x="15094593" y="6693345"/>
-            <a:ext cx="1243469" cy="1243469"/>
-            <a:chOff x="0" y="0"/>
-            <a:chExt cx="812800" cy="812800"/>
-          </a:xfrm>
-        </p:grpSpPr>
-        <p:sp>
-          <p:nvSpPr>
-            <p:cNvPr id="38" name="Freeform 38"/>
-            <p:cNvSpPr/>
-            <p:nvPr/>
-          </p:nvSpPr>
-          <p:spPr>
-            <a:xfrm>
-              <a:off x="0" y="0"/>
-              <a:ext cx="812800" cy="812800"/>
-            </a:xfrm>
-            <a:custGeom>
-              <a:avLst/>
-              <a:gdLst/>
-              <a:ahLst/>
-              <a:cxnLst/>
-              <a:rect l="l" t="t" r="r" b="b"/>
-              <a:pathLst>
-                <a:path w="812800" h="812800">
-                  <a:moveTo>
-                    <a:pt x="406400" y="0"/>
-                  </a:moveTo>
-                  <a:cubicBezTo>
-                    <a:pt x="181951" y="0"/>
-                    <a:pt x="0" y="181951"/>
-                    <a:pt x="0" y="406400"/>
-                  </a:cubicBezTo>
-                  <a:cubicBezTo>
-                    <a:pt x="0" y="630849"/>
-                    <a:pt x="181951" y="812800"/>
-                    <a:pt x="406400" y="812800"/>
-                  </a:cubicBezTo>
-                  <a:cubicBezTo>
-                    <a:pt x="630849" y="812800"/>
-                    <a:pt x="812800" y="630849"/>
-                    <a:pt x="812800" y="406400"/>
-                  </a:cubicBezTo>
-                  <a:cubicBezTo>
-                    <a:pt x="812800" y="181951"/>
-                    <a:pt x="630849" y="0"/>
-                    <a:pt x="406400" y="0"/>
-                  </a:cubicBezTo>
-                  <a:close/>
-                </a:path>
-              </a:pathLst>
-            </a:custGeom>
-            <a:solidFill>
-              <a:srgbClr val="000000">
-                <a:alpha val="0"/>
-              </a:srgbClr>
-            </a:solidFill>
-            <a:ln w="38100" cap="sq">
-              <a:solidFill>
-                <a:srgbClr val="000000"/>
-              </a:solidFill>
-              <a:prstDash val="solid"/>
-              <a:miter/>
-            </a:ln>
-          </p:spPr>
-        </p:sp>
-        <p:sp>
-          <p:nvSpPr>
-            <p:cNvPr id="39" name="TextBox 39"/>
-            <p:cNvSpPr txBox="1"/>
-            <p:nvPr/>
-          </p:nvSpPr>
-          <p:spPr>
-            <a:xfrm>
-              <a:off x="76200" y="38100"/>
-              <a:ext cx="660400" cy="698500"/>
-            </a:xfrm>
-            <a:prstGeom prst="rect">
-              <a:avLst/>
-            </a:prstGeom>
-          </p:spPr>
-          <p:txBody>
-            <a:bodyPr lIns="41941" tIns="41941" rIns="41941" bIns="41941" rtlCol="0" anchor="ctr"/>
-            <a:lstStyle/>
-            <a:p>
-              <a:pPr algn="ctr">
-                <a:lnSpc>
-                  <a:spcPts val="2659"/>
-                </a:lnSpc>
-              </a:pPr>
-              <a:endParaRPr/>
-            </a:p>
-          </p:txBody>
-        </p:sp>
-      </p:grpSp>
       <p:sp>
         <p:nvSpPr>
-          <p:cNvPr id="40" name="TextBox 40"/>
+          <p:cNvPr id="5" name="TextBox 11">
+            <a:hlinkClick r:id="rId8" action="ppaction://hlinksldjump"/>
+            <a:hlinkHover r:id="" action="ppaction://hlinkshowjump?jump=nextslide"/>
+            <a:extLst>
+              <a:ext uri="{FF2B5EF4-FFF2-40B4-BE49-F238E27FC236}">
+                <a16:creationId xmlns:a16="http://schemas.microsoft.com/office/drawing/2014/main" id="{309AC502-5D78-B2AB-42A0-6D3DE3A02EFE}"/>
+              </a:ext>
+            </a:extLst>
+          </p:cNvPr>
           <p:cNvSpPr txBox="1"/>
           <p:nvPr/>
         </p:nvSpPr>
         <p:spPr>
           <a:xfrm>
-            <a:off x="15232090" y="7051602"/>
-            <a:ext cx="881971" cy="455738"/>
+            <a:off x="606399" y="7376355"/>
+            <a:ext cx="8882062" cy="1159548"/>
           </a:xfrm>
           <a:prstGeom prst="rect">
             <a:avLst/>
           </a:prstGeom>
         </p:spPr>
         <p:txBody>
-          <a:bodyPr lIns="0" tIns="0" rIns="0" bIns="0" rtlCol="0" anchor="t">
+          <a:bodyPr wrap="square" lIns="0" tIns="0" rIns="0" bIns="0" rtlCol="0" anchor="t">
             <a:spAutoFit/>
           </a:bodyPr>
           <a:lstStyle/>
           <a:p>
-            <a:pPr algn="ctr">
+            <a:pPr>
               <a:lnSpc>
-                <a:spcPts val="3755"/>
+                <a:spcPts val="10500"/>
               </a:lnSpc>
               <a:spcBef>
                 <a:spcPct val="0"/>
               </a:spcBef>
             </a:pPr>
             <a:r>
-              <a:rPr lang="en-US" sz="2682">
-                <a:solidFill>
-                  <a:srgbClr val="000000"/>
-                </a:solidFill>
-                <a:latin typeface="Bitter"/>
-                <a:ea typeface="Bitter"/>
-                <a:cs typeface="Bitter"/>
-                <a:sym typeface="Bitter"/>
+              <a:rPr lang="en-US" sz="5400" dirty="0">
+                <a:latin typeface="Pixellet TH"/>
+                <a:ea typeface="Pixellet TH"/>
+                <a:cs typeface="Pixellet TH"/>
+                <a:sym typeface="Pixellet TH"/>
               </a:rPr>
-              <a:t>Odd</a:t>
-            </a:r>
+              <a:t>6</a:t>
+            </a:r>
+            <a:r>
+              <a:rPr lang="ru-RU" sz="5400" dirty="0">
+                <a:latin typeface="Pixellet TH"/>
+                <a:ea typeface="Pixellet TH"/>
+                <a:cs typeface="Pixellet TH"/>
+                <a:sym typeface="Pixellet TH"/>
+              </a:rPr>
+              <a:t>.</a:t>
+            </a:r>
+            <a:r>
+              <a:rPr lang="en-US" sz="5400" dirty="0">
+                <a:latin typeface="Pixellet TH"/>
+                <a:ea typeface="Pixellet TH"/>
+                <a:cs typeface="Pixellet TH"/>
+                <a:sym typeface="Pixellet TH"/>
+              </a:rPr>
+              <a:t> Table</a:t>
+            </a:r>
+            <a:endParaRPr lang="en-US" sz="5400" dirty="0">
+              <a:latin typeface="Pixellet TH" panose="020B0604020202020204" charset="-34"/>
+              <a:ea typeface="Pixellet TH"/>
+              <a:cs typeface="Pixellet TH" panose="020B0604020202020204" charset="-34"/>
+              <a:sym typeface="Pixellet TH"/>
+            </a:endParaRPr>
           </a:p>
         </p:txBody>
       </p:sp>
-      <p:grpSp>
-        <p:nvGrpSpPr>
-          <p:cNvPr id="41" name="Group 41"/>
-          <p:cNvGrpSpPr/>
-          <p:nvPr/>
-        </p:nvGrpSpPr>
-        <p:grpSpPr>
-          <a:xfrm>
-            <a:off x="15491017" y="7445382"/>
-            <a:ext cx="1243469" cy="1243469"/>
-            <a:chOff x="0" y="0"/>
-            <a:chExt cx="812800" cy="812800"/>
-          </a:xfrm>
-        </p:grpSpPr>
-        <p:sp>
-          <p:nvSpPr>
-            <p:cNvPr id="42" name="Freeform 42"/>
-            <p:cNvSpPr/>
-            <p:nvPr/>
-          </p:nvSpPr>
-          <p:spPr>
-            <a:xfrm>
-              <a:off x="0" y="0"/>
-              <a:ext cx="812800" cy="812800"/>
-            </a:xfrm>
-            <a:custGeom>
-              <a:avLst/>
-              <a:gdLst/>
-              <a:ahLst/>
-              <a:cxnLst/>
-              <a:rect l="l" t="t" r="r" b="b"/>
-              <a:pathLst>
-                <a:path w="812800" h="812800">
-                  <a:moveTo>
-                    <a:pt x="406400" y="0"/>
-                  </a:moveTo>
-                  <a:cubicBezTo>
-                    <a:pt x="181951" y="0"/>
-                    <a:pt x="0" y="181951"/>
-                    <a:pt x="0" y="406400"/>
-                  </a:cubicBezTo>
-                  <a:cubicBezTo>
-                    <a:pt x="0" y="630849"/>
-                    <a:pt x="181951" y="812800"/>
-                    <a:pt x="406400" y="812800"/>
-                  </a:cubicBezTo>
-                  <a:cubicBezTo>
-                    <a:pt x="630849" y="812800"/>
-                    <a:pt x="812800" y="630849"/>
-                    <a:pt x="812800" y="406400"/>
-                  </a:cubicBezTo>
-                  <a:cubicBezTo>
-                    <a:pt x="812800" y="181951"/>
-                    <a:pt x="630849" y="0"/>
-                    <a:pt x="406400" y="0"/>
-                  </a:cubicBezTo>
-                  <a:close/>
-                </a:path>
-              </a:pathLst>
-            </a:custGeom>
-            <a:solidFill>
-              <a:srgbClr val="EE3975"/>
-            </a:solidFill>
-          </p:spPr>
-        </p:sp>
-        <p:sp>
-          <p:nvSpPr>
-            <p:cNvPr id="43" name="TextBox 43"/>
-            <p:cNvSpPr txBox="1"/>
-            <p:nvPr/>
-          </p:nvSpPr>
-          <p:spPr>
-            <a:xfrm>
-              <a:off x="76200" y="38100"/>
-              <a:ext cx="660400" cy="698500"/>
-            </a:xfrm>
-            <a:prstGeom prst="rect">
-              <a:avLst/>
-            </a:prstGeom>
-          </p:spPr>
-          <p:txBody>
-            <a:bodyPr lIns="41941" tIns="41941" rIns="41941" bIns="41941" rtlCol="0" anchor="ctr"/>
-            <a:lstStyle/>
-            <a:p>
-              <a:pPr algn="ctr">
-                <a:lnSpc>
-                  <a:spcPts val="2659"/>
-                </a:lnSpc>
-              </a:pPr>
-              <a:endParaRPr/>
-            </a:p>
-          </p:txBody>
-        </p:sp>
-      </p:grpSp>
-      <p:grpSp>
-        <p:nvGrpSpPr>
-          <p:cNvPr id="44" name="Group 44"/>
-          <p:cNvGrpSpPr/>
-          <p:nvPr/>
-        </p:nvGrpSpPr>
-        <p:grpSpPr>
-          <a:xfrm>
-            <a:off x="15577521" y="7468974"/>
-            <a:ext cx="1243469" cy="1243469"/>
-            <a:chOff x="0" y="0"/>
-            <a:chExt cx="812800" cy="812800"/>
-          </a:xfrm>
-        </p:grpSpPr>
-        <p:sp>
-          <p:nvSpPr>
-            <p:cNvPr id="45" name="Freeform 45"/>
-            <p:cNvSpPr/>
-            <p:nvPr/>
-          </p:nvSpPr>
-          <p:spPr>
-            <a:xfrm>
-              <a:off x="0" y="0"/>
-              <a:ext cx="812800" cy="812800"/>
-            </a:xfrm>
-            <a:custGeom>
-              <a:avLst/>
-              <a:gdLst/>
-              <a:ahLst/>
-              <a:cxnLst/>
-              <a:rect l="l" t="t" r="r" b="b"/>
-              <a:pathLst>
-                <a:path w="812800" h="812800">
-                  <a:moveTo>
-                    <a:pt x="406400" y="0"/>
-                  </a:moveTo>
-                  <a:cubicBezTo>
-                    <a:pt x="181951" y="0"/>
-                    <a:pt x="0" y="181951"/>
-                    <a:pt x="0" y="406400"/>
-                  </a:cubicBezTo>
-                  <a:cubicBezTo>
-                    <a:pt x="0" y="630849"/>
-                    <a:pt x="181951" y="812800"/>
-                    <a:pt x="406400" y="812800"/>
-                  </a:cubicBezTo>
-                  <a:cubicBezTo>
-                    <a:pt x="630849" y="812800"/>
-                    <a:pt x="812800" y="630849"/>
-                    <a:pt x="812800" y="406400"/>
-                  </a:cubicBezTo>
-                  <a:cubicBezTo>
-                    <a:pt x="812800" y="181951"/>
-                    <a:pt x="630849" y="0"/>
-                    <a:pt x="406400" y="0"/>
-                  </a:cubicBezTo>
-                  <a:close/>
-                </a:path>
-              </a:pathLst>
-            </a:custGeom>
-            <a:solidFill>
-              <a:srgbClr val="000000">
-                <a:alpha val="0"/>
-              </a:srgbClr>
-            </a:solidFill>
-            <a:ln w="38100" cap="sq">
-              <a:solidFill>
-                <a:srgbClr val="000000"/>
-              </a:solidFill>
-              <a:prstDash val="solid"/>
-              <a:miter/>
-            </a:ln>
-          </p:spPr>
-        </p:sp>
-        <p:sp>
-          <p:nvSpPr>
-            <p:cNvPr id="46" name="TextBox 46"/>
-            <p:cNvSpPr txBox="1"/>
-            <p:nvPr/>
-          </p:nvSpPr>
-          <p:spPr>
-            <a:xfrm>
-              <a:off x="76200" y="38100"/>
-              <a:ext cx="660400" cy="698500"/>
-            </a:xfrm>
-            <a:prstGeom prst="rect">
-              <a:avLst/>
-            </a:prstGeom>
-          </p:spPr>
-          <p:txBody>
-            <a:bodyPr lIns="41941" tIns="41941" rIns="41941" bIns="41941" rtlCol="0" anchor="ctr"/>
-            <a:lstStyle/>
-            <a:p>
-              <a:pPr algn="ctr">
-                <a:lnSpc>
-                  <a:spcPts val="2659"/>
-                </a:lnSpc>
-              </a:pPr>
-              <a:endParaRPr/>
-            </a:p>
-          </p:txBody>
-        </p:sp>
-      </p:grpSp>
       <p:sp>
         <p:nvSpPr>
-          <p:cNvPr id="47" name="TextBox 47"/>
+          <p:cNvPr id="6" name="TextBox 11">
+            <a:hlinkClick r:id="rId9" action="ppaction://hlinksldjump"/>
+            <a:hlinkHover r:id="" action="ppaction://hlinkshowjump?jump=nextslide"/>
+            <a:extLst>
+              <a:ext uri="{FF2B5EF4-FFF2-40B4-BE49-F238E27FC236}">
+                <a16:creationId xmlns:a16="http://schemas.microsoft.com/office/drawing/2014/main" id="{CD9F11DE-9DD7-7DA9-65D9-5537163730AF}"/>
+              </a:ext>
+            </a:extLst>
+          </p:cNvPr>
           <p:cNvSpPr txBox="1"/>
           <p:nvPr/>
         </p:nvSpPr>
         <p:spPr>
           <a:xfrm>
-            <a:off x="15715018" y="7828093"/>
-            <a:ext cx="881971" cy="454012"/>
+            <a:off x="601917" y="8413931"/>
+            <a:ext cx="8882062" cy="1159548"/>
           </a:xfrm>
           <a:prstGeom prst="rect">
             <a:avLst/>
           </a:prstGeom>
         </p:spPr>
         <p:txBody>
-          <a:bodyPr lIns="0" tIns="0" rIns="0" bIns="0" rtlCol="0" anchor="t">
+          <a:bodyPr wrap="square" lIns="0" tIns="0" rIns="0" bIns="0" rtlCol="0" anchor="t">
             <a:spAutoFit/>
           </a:bodyPr>
           <a:lstStyle/>
           <a:p>
-            <a:pPr algn="ctr">
+            <a:pPr>
               <a:lnSpc>
-                <a:spcPts val="3755"/>
+                <a:spcPts val="10500"/>
               </a:lnSpc>
               <a:spcBef>
                 <a:spcPct val="0"/>
               </a:spcBef>
             </a:pPr>
             <a:r>
-              <a:rPr lang="en-US" sz="2682">
-                <a:solidFill>
-                  <a:srgbClr val="000000"/>
-                </a:solidFill>
-                <a:latin typeface="Bitter"/>
-                <a:ea typeface="Bitter"/>
-                <a:cs typeface="Bitter"/>
-                <a:sym typeface="Bitter"/>
+              <a:rPr lang="en-US" sz="5400" dirty="0">
+                <a:latin typeface="Pixellet TH"/>
+                <a:ea typeface="Pixellet TH"/>
+                <a:cs typeface="Pixellet TH"/>
+                <a:sym typeface="Pixellet TH"/>
               </a:rPr>
-              <a:t>Even</a:t>
-            </a:r>
+              <a:t>7</a:t>
+            </a:r>
+            <a:r>
+              <a:rPr lang="ru-RU" sz="5400" dirty="0">
+                <a:latin typeface="Pixellet TH"/>
+                <a:ea typeface="Pixellet TH"/>
+                <a:cs typeface="Pixellet TH"/>
+                <a:sym typeface="Pixellet TH"/>
+              </a:rPr>
+              <a:t>.</a:t>
+            </a:r>
+            <a:r>
+              <a:rPr lang="en-US" sz="5400" dirty="0">
+                <a:latin typeface="Pixellet TH"/>
+                <a:ea typeface="Pixellet TH"/>
+                <a:cs typeface="Pixellet TH"/>
+                <a:sym typeface="Pixellet TH"/>
+              </a:rPr>
+              <a:t> Plugins</a:t>
+            </a:r>
+            <a:endParaRPr lang="en-US" sz="5400" dirty="0">
+              <a:latin typeface="Pixellet TH" panose="020B0604020202020204" charset="-34"/>
+              <a:ea typeface="Pixellet TH"/>
+              <a:cs typeface="Pixellet TH" panose="020B0604020202020204" charset="-34"/>
+              <a:sym typeface="Pixellet TH"/>
+            </a:endParaRPr>
           </a:p>
         </p:txBody>
       </p:sp>
     </p:spTree>
+    <p:extLst>
+      <p:ext uri="{BB962C8B-B14F-4D97-AF65-F5344CB8AC3E}">
+        <p14:creationId xmlns:p14="http://schemas.microsoft.com/office/powerpoint/2010/main" val="2237832216"/>
+      </p:ext>
+    </p:extLst>
   </p:cSld>
   <p:clrMapOvr>
     <a:masterClrMapping/>
   </p:clrMapOvr>
+  <p:timing>
+    <p:tnLst>
+      <p:par>
+        <p:cTn id="1" dur="indefinite" restart="never" nodeType="tmRoot">
+          <p:childTnLst>
+            <p:seq concurrent="1" nextAc="seek">
+              <p:cTn id="2" dur="indefinite" nodeType="mainSeq">
+                <p:childTnLst>
+                  <p:par>
+                    <p:cTn id="3" fill="hold">
+                      <p:stCondLst>
+                        <p:cond delay="indefinite"/>
+                      </p:stCondLst>
+                      <p:childTnLst>
+                        <p:par>
+                          <p:cTn id="4" fill="hold">
+                            <p:stCondLst>
+                              <p:cond delay="0"/>
+                            </p:stCondLst>
+                            <p:childTnLst>
+                              <p:par>
+                                <p:cTn id="5" presetID="53" presetClass="entr" presetSubtype="16" fill="hold" nodeType="clickEffect">
+                                  <p:stCondLst>
+                                    <p:cond delay="0"/>
+                                  </p:stCondLst>
+                                  <p:childTnLst>
+                                    <p:set>
+                                      <p:cBhvr>
+                                        <p:cTn id="6" dur="1" fill="hold">
+                                          <p:stCondLst>
+                                            <p:cond delay="0"/>
+                                          </p:stCondLst>
+                                        </p:cTn>
+                                        <p:tgtEl>
+                                          <p:spTgt spid="40"/>
+                                        </p:tgtEl>
+                                        <p:attrNameLst>
+                                          <p:attrName>style.visibility</p:attrName>
+                                        </p:attrNameLst>
+                                      </p:cBhvr>
+                                      <p:to>
+                                        <p:strVal val="visible"/>
+                                      </p:to>
+                                    </p:set>
+                                    <p:anim calcmode="lin" valueType="num">
+                                      <p:cBhvr>
+                                        <p:cTn id="7" dur="500" fill="hold"/>
+                                        <p:tgtEl>
+                                          <p:spTgt spid="40"/>
+                                        </p:tgtEl>
+                                        <p:attrNameLst>
+                                          <p:attrName>ppt_w</p:attrName>
+                                        </p:attrNameLst>
+                                      </p:cBhvr>
+                                      <p:tavLst>
+                                        <p:tav tm="0">
+                                          <p:val>
+                                            <p:fltVal val="0"/>
+                                          </p:val>
+                                        </p:tav>
+                                        <p:tav tm="100000">
+                                          <p:val>
+                                            <p:strVal val="#ppt_w"/>
+                                          </p:val>
+                                        </p:tav>
+                                      </p:tavLst>
+                                    </p:anim>
+                                    <p:anim calcmode="lin" valueType="num">
+                                      <p:cBhvr>
+                                        <p:cTn id="8" dur="500" fill="hold"/>
+                                        <p:tgtEl>
+                                          <p:spTgt spid="40"/>
+                                        </p:tgtEl>
+                                        <p:attrNameLst>
+                                          <p:attrName>ppt_h</p:attrName>
+                                        </p:attrNameLst>
+                                      </p:cBhvr>
+                                      <p:tavLst>
+                                        <p:tav tm="0">
+                                          <p:val>
+                                            <p:fltVal val="0"/>
+                                          </p:val>
+                                        </p:tav>
+                                        <p:tav tm="100000">
+                                          <p:val>
+                                            <p:strVal val="#ppt_h"/>
+                                          </p:val>
+                                        </p:tav>
+                                      </p:tavLst>
+                                    </p:anim>
+                                    <p:animEffect transition="in" filter="fade">
+                                      <p:cBhvr>
+                                        <p:cTn id="9" dur="500"/>
+                                        <p:tgtEl>
+                                          <p:spTgt spid="40"/>
+                                        </p:tgtEl>
+                                      </p:cBhvr>
+                                    </p:animEffect>
+                                  </p:childTnLst>
+                                </p:cTn>
+                              </p:par>
+                            </p:childTnLst>
+                          </p:cTn>
+                        </p:par>
+                      </p:childTnLst>
+                    </p:cTn>
+                  </p:par>
+                </p:childTnLst>
+              </p:cTn>
+              <p:prevCondLst>
+                <p:cond evt="onPrev" delay="0">
+                  <p:tgtEl>
+                    <p:sldTgt/>
+                  </p:tgtEl>
+                </p:cond>
+              </p:prevCondLst>
+              <p:nextCondLst>
+                <p:cond evt="onNext" delay="0">
+                  <p:tgtEl>
+                    <p:sldTgt/>
+                  </p:tgtEl>
+                </p:cond>
+              </p:nextCondLst>
+            </p:seq>
+          </p:childTnLst>
+        </p:cTn>
+      </p:par>
+    </p:tnLst>
+  </p:timing>
 </p:sld>
 </file>
 
-<file path=ppt/slides/slide2.xml><?xml version="1.0" encoding="utf-8"?>
+<file path=ppt/slides/slide3.xml><?xml version="1.0" encoding="utf-8"?>
 <p:sld xmlns:a="http://schemas.openxmlformats.org/drawingml/2006/main" xmlns:r="http://schemas.openxmlformats.org/officeDocument/2006/relationships" xmlns:p="http://schemas.openxmlformats.org/presentationml/2006/main">
   <p:cSld>
     <p:bg>
@@ -7804,7 +6803,531 @@
 </p:sld>
 </file>
 
-<file path=ppt/slides/slide3.xml><?xml version="1.0" encoding="utf-8"?>
+<file path=ppt/slides/slide4.xml><?xml version="1.0" encoding="utf-8"?>
+<p:sld xmlns:a="http://schemas.openxmlformats.org/drawingml/2006/main" xmlns:r="http://schemas.openxmlformats.org/officeDocument/2006/relationships" xmlns:p="http://schemas.openxmlformats.org/presentationml/2006/main">
+  <p:cSld>
+    <p:bg>
+      <p:bgPr>
+        <a:solidFill>
+          <a:srgbClr val="FEFBDB"/>
+        </a:solidFill>
+        <a:effectLst/>
+      </p:bgPr>
+    </p:bg>
+    <p:spTree>
+      <p:nvGrpSpPr>
+        <p:cNvPr id="1" name=""/>
+        <p:cNvGrpSpPr/>
+        <p:nvPr/>
+      </p:nvGrpSpPr>
+      <p:grpSpPr>
+        <a:xfrm>
+          <a:off x="0" y="0"/>
+          <a:ext cx="0" cy="0"/>
+          <a:chOff x="0" y="0"/>
+          <a:chExt cx="0" cy="0"/>
+        </a:xfrm>
+      </p:grpSpPr>
+      <p:grpSp>
+        <p:nvGrpSpPr>
+          <p:cNvPr id="2" name="Group 2"/>
+          <p:cNvGrpSpPr/>
+          <p:nvPr/>
+        </p:nvGrpSpPr>
+        <p:grpSpPr>
+          <a:xfrm>
+            <a:off x="-514350" y="788266"/>
+            <a:ext cx="18802350" cy="3068926"/>
+            <a:chOff x="0" y="0"/>
+            <a:chExt cx="4952059" cy="808277"/>
+          </a:xfrm>
+        </p:grpSpPr>
+        <p:sp>
+          <p:nvSpPr>
+            <p:cNvPr id="3" name="Freeform 3"/>
+            <p:cNvSpPr/>
+            <p:nvPr/>
+          </p:nvSpPr>
+          <p:spPr>
+            <a:xfrm>
+              <a:off x="0" y="0"/>
+              <a:ext cx="4952059" cy="808277"/>
+            </a:xfrm>
+            <a:custGeom>
+              <a:avLst/>
+              <a:gdLst/>
+              <a:ahLst/>
+              <a:cxnLst/>
+              <a:rect l="l" t="t" r="r" b="b"/>
+              <a:pathLst>
+                <a:path w="4952059" h="808277">
+                  <a:moveTo>
+                    <a:pt x="0" y="0"/>
+                  </a:moveTo>
+                  <a:lnTo>
+                    <a:pt x="4952059" y="0"/>
+                  </a:lnTo>
+                  <a:lnTo>
+                    <a:pt x="4952059" y="808277"/>
+                  </a:lnTo>
+                  <a:lnTo>
+                    <a:pt x="0" y="808277"/>
+                  </a:lnTo>
+                  <a:close/>
+                </a:path>
+              </a:pathLst>
+            </a:custGeom>
+            <a:solidFill>
+              <a:srgbClr val="FAD00A"/>
+            </a:solidFill>
+          </p:spPr>
+        </p:sp>
+        <p:sp>
+          <p:nvSpPr>
+            <p:cNvPr id="4" name="TextBox 4"/>
+            <p:cNvSpPr txBox="1"/>
+            <p:nvPr/>
+          </p:nvSpPr>
+          <p:spPr>
+            <a:xfrm>
+              <a:off x="0" y="-38100"/>
+              <a:ext cx="4952059" cy="846377"/>
+            </a:xfrm>
+            <a:prstGeom prst="rect">
+              <a:avLst/>
+            </a:prstGeom>
+          </p:spPr>
+          <p:txBody>
+            <a:bodyPr lIns="50800" tIns="50800" rIns="50800" bIns="50800" rtlCol="0" anchor="ctr"/>
+            <a:lstStyle/>
+            <a:p>
+              <a:pPr algn="ctr">
+                <a:lnSpc>
+                  <a:spcPts val="2659"/>
+                </a:lnSpc>
+              </a:pPr>
+              <a:endParaRPr/>
+            </a:p>
+          </p:txBody>
+        </p:sp>
+      </p:grpSp>
+      <p:sp>
+        <p:nvSpPr>
+          <p:cNvPr id="10" name="TextBox 10"/>
+          <p:cNvSpPr txBox="1"/>
+          <p:nvPr/>
+        </p:nvSpPr>
+        <p:spPr>
+          <a:xfrm>
+            <a:off x="9238673" y="1085850"/>
+            <a:ext cx="8115300" cy="1846659"/>
+          </a:xfrm>
+          <a:prstGeom prst="rect">
+            <a:avLst/>
+          </a:prstGeom>
+        </p:spPr>
+        <p:txBody>
+          <a:bodyPr lIns="0" tIns="0" rIns="0" bIns="0" rtlCol="0" anchor="t">
+            <a:spAutoFit/>
+          </a:bodyPr>
+          <a:lstStyle/>
+          <a:p>
+            <a:pPr algn="ctr">
+              <a:lnSpc>
+                <a:spcPts val="7160"/>
+              </a:lnSpc>
+            </a:pPr>
+            <a:r>
+              <a:rPr lang="en-US" sz="7699" dirty="0">
+                <a:solidFill>
+                  <a:srgbClr val="000000"/>
+                </a:solidFill>
+                <a:latin typeface="Pixellet TH"/>
+                <a:ea typeface="Pixellet TH"/>
+                <a:cs typeface="Pixellet TH"/>
+                <a:sym typeface="Pixellet TH"/>
+              </a:rPr>
+              <a:t>Why </a:t>
+            </a:r>
+          </a:p>
+          <a:p>
+            <a:pPr algn="ctr">
+              <a:lnSpc>
+                <a:spcPts val="7160"/>
+              </a:lnSpc>
+            </a:pPr>
+            <a:r>
+              <a:rPr lang="en-US" sz="7699" dirty="0" err="1">
+                <a:solidFill>
+                  <a:srgbClr val="000000"/>
+                </a:solidFill>
+                <a:latin typeface="Pixellet TH"/>
+                <a:ea typeface="Pixellet TH"/>
+                <a:cs typeface="Pixellet TH"/>
+                <a:sym typeface="Pixellet TH"/>
+              </a:rPr>
+              <a:t>Neovim</a:t>
+            </a:r>
+            <a:r>
+              <a:rPr lang="en-US" sz="7699" dirty="0">
+                <a:solidFill>
+                  <a:srgbClr val="000000"/>
+                </a:solidFill>
+                <a:latin typeface="Pixellet TH"/>
+                <a:ea typeface="Pixellet TH"/>
+                <a:cs typeface="Pixellet TH"/>
+                <a:sym typeface="Pixellet TH"/>
+              </a:rPr>
+              <a:t>?</a:t>
+            </a:r>
+          </a:p>
+        </p:txBody>
+      </p:sp>
+      <p:sp>
+        <p:nvSpPr>
+          <p:cNvPr id="11" name="TextBox 11"/>
+          <p:cNvSpPr txBox="1"/>
+          <p:nvPr/>
+        </p:nvSpPr>
+        <p:spPr>
+          <a:xfrm>
+            <a:off x="8886825" y="4513026"/>
+            <a:ext cx="8630228" cy="4985275"/>
+          </a:xfrm>
+          <a:prstGeom prst="rect">
+            <a:avLst/>
+          </a:prstGeom>
+        </p:spPr>
+        <p:txBody>
+          <a:bodyPr wrap="square" lIns="0" tIns="0" rIns="0" bIns="0" rtlCol="0" anchor="t">
+            <a:spAutoFit/>
+          </a:bodyPr>
+          <a:lstStyle/>
+          <a:p>
+            <a:pPr algn="ctr">
+              <a:lnSpc>
+                <a:spcPts val="4900"/>
+              </a:lnSpc>
+              <a:spcBef>
+                <a:spcPct val="0"/>
+              </a:spcBef>
+            </a:pPr>
+            <a:r>
+              <a:rPr lang="ru-RU" sz="3500" dirty="0" err="1">
+                <a:solidFill>
+                  <a:srgbClr val="000000"/>
+                </a:solidFill>
+                <a:latin typeface="Bitter"/>
+                <a:ea typeface="Bitter"/>
+                <a:cs typeface="Bitter"/>
+                <a:sym typeface="Bitter"/>
+              </a:rPr>
+              <a:t>NeoVim</a:t>
+            </a:r>
+            <a:r>
+              <a:rPr lang="ru-RU" sz="3500" dirty="0">
+                <a:solidFill>
+                  <a:srgbClr val="000000"/>
+                </a:solidFill>
+                <a:latin typeface="Bitter"/>
+                <a:ea typeface="Bitter"/>
+                <a:cs typeface="Bitter"/>
+                <a:sym typeface="Bitter"/>
+              </a:rPr>
+              <a:t> предоставляет намного  больший функционал чем его собратья: </a:t>
+            </a:r>
+            <a:r>
+              <a:rPr lang="ru-RU" sz="3500" dirty="0" err="1">
+                <a:solidFill>
+                  <a:srgbClr val="000000"/>
+                </a:solidFill>
+                <a:latin typeface="Bitter"/>
+                <a:ea typeface="Bitter"/>
+                <a:cs typeface="Bitter"/>
+                <a:sym typeface="Bitter"/>
+              </a:rPr>
+              <a:t>VScode</a:t>
+            </a:r>
+            <a:r>
+              <a:rPr lang="ru-RU" sz="3500" dirty="0">
+                <a:solidFill>
+                  <a:srgbClr val="000000"/>
+                </a:solidFill>
+                <a:latin typeface="Bitter"/>
+                <a:ea typeface="Bitter"/>
+                <a:cs typeface="Bitter"/>
+                <a:sym typeface="Bitter"/>
+              </a:rPr>
+              <a:t>, </a:t>
+            </a:r>
+            <a:r>
+              <a:rPr lang="ru-RU" sz="3500" dirty="0" err="1">
+                <a:solidFill>
+                  <a:srgbClr val="000000"/>
+                </a:solidFill>
+                <a:latin typeface="Bitter"/>
+                <a:ea typeface="Bitter"/>
+                <a:cs typeface="Bitter"/>
+                <a:sym typeface="Bitter"/>
+              </a:rPr>
+              <a:t>JetBrains</a:t>
+            </a:r>
+            <a:r>
+              <a:rPr lang="ru-RU" sz="3500" dirty="0">
+                <a:solidFill>
+                  <a:srgbClr val="000000"/>
+                </a:solidFill>
+                <a:latin typeface="Bitter"/>
+                <a:ea typeface="Bitter"/>
+                <a:cs typeface="Bitter"/>
+                <a:sym typeface="Bitter"/>
+              </a:rPr>
+              <a:t> и т.д. Он позволяет настроить его полностью с нуля и поставить такие плагины которые ты хочешь. Изначально там даже нету нумерации строк, но все можно настроить встроенными методами.</a:t>
+            </a:r>
+            <a:endParaRPr lang="en-US" sz="3500" dirty="0">
+              <a:solidFill>
+                <a:srgbClr val="000000"/>
+              </a:solidFill>
+              <a:latin typeface="Bitter"/>
+              <a:ea typeface="Bitter"/>
+              <a:cs typeface="Bitter"/>
+              <a:sym typeface="Bitter"/>
+            </a:endParaRPr>
+          </a:p>
+        </p:txBody>
+      </p:sp>
+      <p:grpSp>
+        <p:nvGrpSpPr>
+          <p:cNvPr id="12" name="Group 12"/>
+          <p:cNvGrpSpPr/>
+          <p:nvPr/>
+        </p:nvGrpSpPr>
+        <p:grpSpPr>
+          <a:xfrm>
+            <a:off x="9875016" y="3444537"/>
+            <a:ext cx="6842613" cy="825311"/>
+            <a:chOff x="0" y="0"/>
+            <a:chExt cx="9123485" cy="1100415"/>
+          </a:xfrm>
+        </p:grpSpPr>
+        <p:sp>
+          <p:nvSpPr>
+            <p:cNvPr id="13" name="Freeform 13"/>
+            <p:cNvSpPr/>
+            <p:nvPr/>
+          </p:nvSpPr>
+          <p:spPr>
+            <a:xfrm>
+              <a:off x="0" y="0"/>
+              <a:ext cx="4561742" cy="1100415"/>
+            </a:xfrm>
+            <a:custGeom>
+              <a:avLst/>
+              <a:gdLst/>
+              <a:ahLst/>
+              <a:cxnLst/>
+              <a:rect l="l" t="t" r="r" b="b"/>
+              <a:pathLst>
+                <a:path w="4561742" h="1100415">
+                  <a:moveTo>
+                    <a:pt x="0" y="0"/>
+                  </a:moveTo>
+                  <a:lnTo>
+                    <a:pt x="4561742" y="0"/>
+                  </a:lnTo>
+                  <a:lnTo>
+                    <a:pt x="4561742" y="1100415"/>
+                  </a:lnTo>
+                  <a:lnTo>
+                    <a:pt x="0" y="1100415"/>
+                  </a:lnTo>
+                  <a:lnTo>
+                    <a:pt x="0" y="0"/>
+                  </a:lnTo>
+                  <a:close/>
+                </a:path>
+              </a:pathLst>
+            </a:custGeom>
+            <a:blipFill>
+              <a:blip r:embed="rId2">
+                <a:extLst>
+                  <a:ext uri="{96DAC541-7B7A-43D3-8B79-37D633B846F1}">
+                    <asvg:svgBlip xmlns:asvg="http://schemas.microsoft.com/office/drawing/2016/SVG/main" r:embed="rId3"/>
+                  </a:ext>
+                </a:extLst>
+              </a:blip>
+              <a:stretch>
+                <a:fillRect r="-2649"/>
+              </a:stretch>
+            </a:blipFill>
+          </p:spPr>
+        </p:sp>
+        <p:sp>
+          <p:nvSpPr>
+            <p:cNvPr id="14" name="Freeform 14"/>
+            <p:cNvSpPr/>
+            <p:nvPr/>
+          </p:nvSpPr>
+          <p:spPr>
+            <a:xfrm flipH="1">
+              <a:off x="4561742" y="0"/>
+              <a:ext cx="4561742" cy="1100415"/>
+            </a:xfrm>
+            <a:custGeom>
+              <a:avLst/>
+              <a:gdLst/>
+              <a:ahLst/>
+              <a:cxnLst/>
+              <a:rect l="l" t="t" r="r" b="b"/>
+              <a:pathLst>
+                <a:path w="4561742" h="1100415">
+                  <a:moveTo>
+                    <a:pt x="4561743" y="0"/>
+                  </a:moveTo>
+                  <a:lnTo>
+                    <a:pt x="0" y="0"/>
+                  </a:lnTo>
+                  <a:lnTo>
+                    <a:pt x="0" y="1100415"/>
+                  </a:lnTo>
+                  <a:lnTo>
+                    <a:pt x="4561743" y="1100415"/>
+                  </a:lnTo>
+                  <a:lnTo>
+                    <a:pt x="4561743" y="0"/>
+                  </a:lnTo>
+                  <a:close/>
+                </a:path>
+              </a:pathLst>
+            </a:custGeom>
+            <a:blipFill>
+              <a:blip r:embed="rId2">
+                <a:extLst>
+                  <a:ext uri="{96DAC541-7B7A-43D3-8B79-37D633B846F1}">
+                    <asvg:svgBlip xmlns:asvg="http://schemas.microsoft.com/office/drawing/2016/SVG/main" r:embed="rId3"/>
+                  </a:ext>
+                </a:extLst>
+              </a:blip>
+              <a:stretch>
+                <a:fillRect r="-2649"/>
+              </a:stretch>
+            </a:blipFill>
+          </p:spPr>
+        </p:sp>
+      </p:grpSp>
+      <p:pic>
+        <p:nvPicPr>
+          <p:cNvPr id="16" name="Рисунок 15" descr="Изображение выглядит как Графика, логотип, круг, символ&#10;&#10;Автоматически созданное описание">
+            <a:extLst>
+              <a:ext uri="{FF2B5EF4-FFF2-40B4-BE49-F238E27FC236}">
+                <a16:creationId xmlns:a16="http://schemas.microsoft.com/office/drawing/2014/main" id="{D9FB84A0-D127-9F74-E8CF-5D32B45A37E8}"/>
+              </a:ext>
+            </a:extLst>
+          </p:cNvPr>
+          <p:cNvPicPr>
+            <a:picLocks noChangeAspect="1"/>
+          </p:cNvPicPr>
+          <p:nvPr/>
+        </p:nvPicPr>
+        <p:blipFill>
+          <a:blip r:embed="rId4">
+            <a:extLst>
+              <a:ext uri="{28A0092B-C50C-407E-A947-70E740481C1C}">
+                <a14:useLocalDpi xmlns:a14="http://schemas.microsoft.com/office/drawing/2010/main" val="0"/>
+              </a:ext>
+            </a:extLst>
+          </a:blip>
+          <a:stretch>
+            <a:fillRect/>
+          </a:stretch>
+        </p:blipFill>
+        <p:spPr>
+          <a:xfrm>
+            <a:off x="1020889" y="2179412"/>
+            <a:ext cx="7318889" cy="7318889"/>
+          </a:xfrm>
+          <a:prstGeom prst="rect">
+            <a:avLst/>
+          </a:prstGeom>
+        </p:spPr>
+      </p:pic>
+    </p:spTree>
+  </p:cSld>
+  <p:clrMapOvr>
+    <a:masterClrMapping/>
+  </p:clrMapOvr>
+  <p:timing>
+    <p:tnLst>
+      <p:par>
+        <p:cTn id="1" dur="indefinite" restart="never" nodeType="tmRoot">
+          <p:childTnLst>
+            <p:seq concurrent="1" nextAc="seek">
+              <p:cTn id="2" dur="indefinite" nodeType="mainSeq">
+                <p:childTnLst>
+                  <p:par>
+                    <p:cTn id="3" fill="hold">
+                      <p:stCondLst>
+                        <p:cond delay="indefinite"/>
+                      </p:stCondLst>
+                      <p:childTnLst>
+                        <p:par>
+                          <p:cTn id="4" fill="hold">
+                            <p:stCondLst>
+                              <p:cond delay="0"/>
+                            </p:stCondLst>
+                            <p:childTnLst>
+                              <p:par>
+                                <p:cTn id="5" presetID="8" presetClass="emph" presetSubtype="0" fill="hold" nodeType="clickEffect">
+                                  <p:stCondLst>
+                                    <p:cond delay="0"/>
+                                  </p:stCondLst>
+                                  <p:childTnLst>
+                                    <p:animRot by="21600000">
+                                      <p:cBhvr>
+                                        <p:cTn id="6" dur="2000" fill="hold"/>
+                                        <p:tgtEl>
+                                          <p:spTgt spid="16"/>
+                                        </p:tgtEl>
+                                        <p:attrNameLst>
+                                          <p:attrName>r</p:attrName>
+                                        </p:attrNameLst>
+                                      </p:cBhvr>
+                                    </p:animRot>
+                                  </p:childTnLst>
+                                </p:cTn>
+                              </p:par>
+                            </p:childTnLst>
+                          </p:cTn>
+                        </p:par>
+                      </p:childTnLst>
+                    </p:cTn>
+                  </p:par>
+                </p:childTnLst>
+              </p:cTn>
+              <p:prevCondLst>
+                <p:cond evt="onPrev" delay="0">
+                  <p:tgtEl>
+                    <p:sldTgt/>
+                  </p:tgtEl>
+                </p:cond>
+              </p:prevCondLst>
+              <p:nextCondLst>
+                <p:cond evt="onNext" delay="0">
+                  <p:tgtEl>
+                    <p:sldTgt/>
+                  </p:tgtEl>
+                </p:cond>
+              </p:nextCondLst>
+            </p:seq>
+          </p:childTnLst>
+        </p:cTn>
+      </p:par>
+    </p:tnLst>
+  </p:timing>
+</p:sld>
+</file>
+
+<file path=ppt/slides/slide5.xml><?xml version="1.0" encoding="utf-8"?>
 <p:sld xmlns:a="http://schemas.openxmlformats.org/drawingml/2006/main" xmlns:r="http://schemas.openxmlformats.org/officeDocument/2006/relationships" xmlns:p="http://schemas.openxmlformats.org/presentationml/2006/main">
   <p:cSld>
     <p:bg>
@@ -9202,531 +8725,7 @@
 </p:sld>
 </file>
 
-<file path=ppt/slides/slide4.xml><?xml version="1.0" encoding="utf-8"?>
-<p:sld xmlns:a="http://schemas.openxmlformats.org/drawingml/2006/main" xmlns:r="http://schemas.openxmlformats.org/officeDocument/2006/relationships" xmlns:p="http://schemas.openxmlformats.org/presentationml/2006/main">
-  <p:cSld>
-    <p:bg>
-      <p:bgPr>
-        <a:solidFill>
-          <a:srgbClr val="FEFBDB"/>
-        </a:solidFill>
-        <a:effectLst/>
-      </p:bgPr>
-    </p:bg>
-    <p:spTree>
-      <p:nvGrpSpPr>
-        <p:cNvPr id="1" name=""/>
-        <p:cNvGrpSpPr/>
-        <p:nvPr/>
-      </p:nvGrpSpPr>
-      <p:grpSpPr>
-        <a:xfrm>
-          <a:off x="0" y="0"/>
-          <a:ext cx="0" cy="0"/>
-          <a:chOff x="0" y="0"/>
-          <a:chExt cx="0" cy="0"/>
-        </a:xfrm>
-      </p:grpSpPr>
-      <p:grpSp>
-        <p:nvGrpSpPr>
-          <p:cNvPr id="2" name="Group 2"/>
-          <p:cNvGrpSpPr/>
-          <p:nvPr/>
-        </p:nvGrpSpPr>
-        <p:grpSpPr>
-          <a:xfrm>
-            <a:off x="-514350" y="788266"/>
-            <a:ext cx="18802350" cy="3068926"/>
-            <a:chOff x="0" y="0"/>
-            <a:chExt cx="4952059" cy="808277"/>
-          </a:xfrm>
-        </p:grpSpPr>
-        <p:sp>
-          <p:nvSpPr>
-            <p:cNvPr id="3" name="Freeform 3"/>
-            <p:cNvSpPr/>
-            <p:nvPr/>
-          </p:nvSpPr>
-          <p:spPr>
-            <a:xfrm>
-              <a:off x="0" y="0"/>
-              <a:ext cx="4952059" cy="808277"/>
-            </a:xfrm>
-            <a:custGeom>
-              <a:avLst/>
-              <a:gdLst/>
-              <a:ahLst/>
-              <a:cxnLst/>
-              <a:rect l="l" t="t" r="r" b="b"/>
-              <a:pathLst>
-                <a:path w="4952059" h="808277">
-                  <a:moveTo>
-                    <a:pt x="0" y="0"/>
-                  </a:moveTo>
-                  <a:lnTo>
-                    <a:pt x="4952059" y="0"/>
-                  </a:lnTo>
-                  <a:lnTo>
-                    <a:pt x="4952059" y="808277"/>
-                  </a:lnTo>
-                  <a:lnTo>
-                    <a:pt x="0" y="808277"/>
-                  </a:lnTo>
-                  <a:close/>
-                </a:path>
-              </a:pathLst>
-            </a:custGeom>
-            <a:solidFill>
-              <a:srgbClr val="FAD00A"/>
-            </a:solidFill>
-          </p:spPr>
-        </p:sp>
-        <p:sp>
-          <p:nvSpPr>
-            <p:cNvPr id="4" name="TextBox 4"/>
-            <p:cNvSpPr txBox="1"/>
-            <p:nvPr/>
-          </p:nvSpPr>
-          <p:spPr>
-            <a:xfrm>
-              <a:off x="0" y="-38100"/>
-              <a:ext cx="4952059" cy="846377"/>
-            </a:xfrm>
-            <a:prstGeom prst="rect">
-              <a:avLst/>
-            </a:prstGeom>
-          </p:spPr>
-          <p:txBody>
-            <a:bodyPr lIns="50800" tIns="50800" rIns="50800" bIns="50800" rtlCol="0" anchor="ctr"/>
-            <a:lstStyle/>
-            <a:p>
-              <a:pPr algn="ctr">
-                <a:lnSpc>
-                  <a:spcPts val="2659"/>
-                </a:lnSpc>
-              </a:pPr>
-              <a:endParaRPr/>
-            </a:p>
-          </p:txBody>
-        </p:sp>
-      </p:grpSp>
-      <p:sp>
-        <p:nvSpPr>
-          <p:cNvPr id="10" name="TextBox 10"/>
-          <p:cNvSpPr txBox="1"/>
-          <p:nvPr/>
-        </p:nvSpPr>
-        <p:spPr>
-          <a:xfrm>
-            <a:off x="9238673" y="1085850"/>
-            <a:ext cx="8115300" cy="1846659"/>
-          </a:xfrm>
-          <a:prstGeom prst="rect">
-            <a:avLst/>
-          </a:prstGeom>
-        </p:spPr>
-        <p:txBody>
-          <a:bodyPr lIns="0" tIns="0" rIns="0" bIns="0" rtlCol="0" anchor="t">
-            <a:spAutoFit/>
-          </a:bodyPr>
-          <a:lstStyle/>
-          <a:p>
-            <a:pPr algn="ctr">
-              <a:lnSpc>
-                <a:spcPts val="7160"/>
-              </a:lnSpc>
-            </a:pPr>
-            <a:r>
-              <a:rPr lang="en-US" sz="7699" dirty="0">
-                <a:solidFill>
-                  <a:srgbClr val="000000"/>
-                </a:solidFill>
-                <a:latin typeface="Pixellet TH"/>
-                <a:ea typeface="Pixellet TH"/>
-                <a:cs typeface="Pixellet TH"/>
-                <a:sym typeface="Pixellet TH"/>
-              </a:rPr>
-              <a:t>Why </a:t>
-            </a:r>
-          </a:p>
-          <a:p>
-            <a:pPr algn="ctr">
-              <a:lnSpc>
-                <a:spcPts val="7160"/>
-              </a:lnSpc>
-            </a:pPr>
-            <a:r>
-              <a:rPr lang="en-US" sz="7699" dirty="0" err="1">
-                <a:solidFill>
-                  <a:srgbClr val="000000"/>
-                </a:solidFill>
-                <a:latin typeface="Pixellet TH"/>
-                <a:ea typeface="Pixellet TH"/>
-                <a:cs typeface="Pixellet TH"/>
-                <a:sym typeface="Pixellet TH"/>
-              </a:rPr>
-              <a:t>Neovim</a:t>
-            </a:r>
-            <a:r>
-              <a:rPr lang="en-US" sz="7699" dirty="0">
-                <a:solidFill>
-                  <a:srgbClr val="000000"/>
-                </a:solidFill>
-                <a:latin typeface="Pixellet TH"/>
-                <a:ea typeface="Pixellet TH"/>
-                <a:cs typeface="Pixellet TH"/>
-                <a:sym typeface="Pixellet TH"/>
-              </a:rPr>
-              <a:t>?</a:t>
-            </a:r>
-          </a:p>
-        </p:txBody>
-      </p:sp>
-      <p:sp>
-        <p:nvSpPr>
-          <p:cNvPr id="11" name="TextBox 11"/>
-          <p:cNvSpPr txBox="1"/>
-          <p:nvPr/>
-        </p:nvSpPr>
-        <p:spPr>
-          <a:xfrm>
-            <a:off x="8886825" y="4513026"/>
-            <a:ext cx="8630228" cy="4985275"/>
-          </a:xfrm>
-          <a:prstGeom prst="rect">
-            <a:avLst/>
-          </a:prstGeom>
-        </p:spPr>
-        <p:txBody>
-          <a:bodyPr wrap="square" lIns="0" tIns="0" rIns="0" bIns="0" rtlCol="0" anchor="t">
-            <a:spAutoFit/>
-          </a:bodyPr>
-          <a:lstStyle/>
-          <a:p>
-            <a:pPr algn="ctr">
-              <a:lnSpc>
-                <a:spcPts val="4900"/>
-              </a:lnSpc>
-              <a:spcBef>
-                <a:spcPct val="0"/>
-              </a:spcBef>
-            </a:pPr>
-            <a:r>
-              <a:rPr lang="ru-RU" sz="3500" dirty="0" err="1">
-                <a:solidFill>
-                  <a:srgbClr val="000000"/>
-                </a:solidFill>
-                <a:latin typeface="Bitter"/>
-                <a:ea typeface="Bitter"/>
-                <a:cs typeface="Bitter"/>
-                <a:sym typeface="Bitter"/>
-              </a:rPr>
-              <a:t>NeoVim</a:t>
-            </a:r>
-            <a:r>
-              <a:rPr lang="ru-RU" sz="3500" dirty="0">
-                <a:solidFill>
-                  <a:srgbClr val="000000"/>
-                </a:solidFill>
-                <a:latin typeface="Bitter"/>
-                <a:ea typeface="Bitter"/>
-                <a:cs typeface="Bitter"/>
-                <a:sym typeface="Bitter"/>
-              </a:rPr>
-              <a:t> предоставляет намного  больший функционал чем его собратья: </a:t>
-            </a:r>
-            <a:r>
-              <a:rPr lang="ru-RU" sz="3500" dirty="0" err="1">
-                <a:solidFill>
-                  <a:srgbClr val="000000"/>
-                </a:solidFill>
-                <a:latin typeface="Bitter"/>
-                <a:ea typeface="Bitter"/>
-                <a:cs typeface="Bitter"/>
-                <a:sym typeface="Bitter"/>
-              </a:rPr>
-              <a:t>VScode</a:t>
-            </a:r>
-            <a:r>
-              <a:rPr lang="ru-RU" sz="3500" dirty="0">
-                <a:solidFill>
-                  <a:srgbClr val="000000"/>
-                </a:solidFill>
-                <a:latin typeface="Bitter"/>
-                <a:ea typeface="Bitter"/>
-                <a:cs typeface="Bitter"/>
-                <a:sym typeface="Bitter"/>
-              </a:rPr>
-              <a:t>, </a:t>
-            </a:r>
-            <a:r>
-              <a:rPr lang="ru-RU" sz="3500" dirty="0" err="1">
-                <a:solidFill>
-                  <a:srgbClr val="000000"/>
-                </a:solidFill>
-                <a:latin typeface="Bitter"/>
-                <a:ea typeface="Bitter"/>
-                <a:cs typeface="Bitter"/>
-                <a:sym typeface="Bitter"/>
-              </a:rPr>
-              <a:t>JetBrains</a:t>
-            </a:r>
-            <a:r>
-              <a:rPr lang="ru-RU" sz="3500" dirty="0">
-                <a:solidFill>
-                  <a:srgbClr val="000000"/>
-                </a:solidFill>
-                <a:latin typeface="Bitter"/>
-                <a:ea typeface="Bitter"/>
-                <a:cs typeface="Bitter"/>
-                <a:sym typeface="Bitter"/>
-              </a:rPr>
-              <a:t> и т.д. Он позволяет настроить его полностью с нуля и поставить такие плагины которые ты хочешь. Изначально там даже нету нумерации строк, но все можно настроить встроенными методами.</a:t>
-            </a:r>
-            <a:endParaRPr lang="en-US" sz="3500" dirty="0">
-              <a:solidFill>
-                <a:srgbClr val="000000"/>
-              </a:solidFill>
-              <a:latin typeface="Bitter"/>
-              <a:ea typeface="Bitter"/>
-              <a:cs typeface="Bitter"/>
-              <a:sym typeface="Bitter"/>
-            </a:endParaRPr>
-          </a:p>
-        </p:txBody>
-      </p:sp>
-      <p:grpSp>
-        <p:nvGrpSpPr>
-          <p:cNvPr id="12" name="Group 12"/>
-          <p:cNvGrpSpPr/>
-          <p:nvPr/>
-        </p:nvGrpSpPr>
-        <p:grpSpPr>
-          <a:xfrm>
-            <a:off x="9875016" y="3444537"/>
-            <a:ext cx="6842613" cy="825311"/>
-            <a:chOff x="0" y="0"/>
-            <a:chExt cx="9123485" cy="1100415"/>
-          </a:xfrm>
-        </p:grpSpPr>
-        <p:sp>
-          <p:nvSpPr>
-            <p:cNvPr id="13" name="Freeform 13"/>
-            <p:cNvSpPr/>
-            <p:nvPr/>
-          </p:nvSpPr>
-          <p:spPr>
-            <a:xfrm>
-              <a:off x="0" y="0"/>
-              <a:ext cx="4561742" cy="1100415"/>
-            </a:xfrm>
-            <a:custGeom>
-              <a:avLst/>
-              <a:gdLst/>
-              <a:ahLst/>
-              <a:cxnLst/>
-              <a:rect l="l" t="t" r="r" b="b"/>
-              <a:pathLst>
-                <a:path w="4561742" h="1100415">
-                  <a:moveTo>
-                    <a:pt x="0" y="0"/>
-                  </a:moveTo>
-                  <a:lnTo>
-                    <a:pt x="4561742" y="0"/>
-                  </a:lnTo>
-                  <a:lnTo>
-                    <a:pt x="4561742" y="1100415"/>
-                  </a:lnTo>
-                  <a:lnTo>
-                    <a:pt x="0" y="1100415"/>
-                  </a:lnTo>
-                  <a:lnTo>
-                    <a:pt x="0" y="0"/>
-                  </a:lnTo>
-                  <a:close/>
-                </a:path>
-              </a:pathLst>
-            </a:custGeom>
-            <a:blipFill>
-              <a:blip r:embed="rId2">
-                <a:extLst>
-                  <a:ext uri="{96DAC541-7B7A-43D3-8B79-37D633B846F1}">
-                    <asvg:svgBlip xmlns:asvg="http://schemas.microsoft.com/office/drawing/2016/SVG/main" r:embed="rId3"/>
-                  </a:ext>
-                </a:extLst>
-              </a:blip>
-              <a:stretch>
-                <a:fillRect r="-2649"/>
-              </a:stretch>
-            </a:blipFill>
-          </p:spPr>
-        </p:sp>
-        <p:sp>
-          <p:nvSpPr>
-            <p:cNvPr id="14" name="Freeform 14"/>
-            <p:cNvSpPr/>
-            <p:nvPr/>
-          </p:nvSpPr>
-          <p:spPr>
-            <a:xfrm flipH="1">
-              <a:off x="4561742" y="0"/>
-              <a:ext cx="4561742" cy="1100415"/>
-            </a:xfrm>
-            <a:custGeom>
-              <a:avLst/>
-              <a:gdLst/>
-              <a:ahLst/>
-              <a:cxnLst/>
-              <a:rect l="l" t="t" r="r" b="b"/>
-              <a:pathLst>
-                <a:path w="4561742" h="1100415">
-                  <a:moveTo>
-                    <a:pt x="4561743" y="0"/>
-                  </a:moveTo>
-                  <a:lnTo>
-                    <a:pt x="0" y="0"/>
-                  </a:lnTo>
-                  <a:lnTo>
-                    <a:pt x="0" y="1100415"/>
-                  </a:lnTo>
-                  <a:lnTo>
-                    <a:pt x="4561743" y="1100415"/>
-                  </a:lnTo>
-                  <a:lnTo>
-                    <a:pt x="4561743" y="0"/>
-                  </a:lnTo>
-                  <a:close/>
-                </a:path>
-              </a:pathLst>
-            </a:custGeom>
-            <a:blipFill>
-              <a:blip r:embed="rId2">
-                <a:extLst>
-                  <a:ext uri="{96DAC541-7B7A-43D3-8B79-37D633B846F1}">
-                    <asvg:svgBlip xmlns:asvg="http://schemas.microsoft.com/office/drawing/2016/SVG/main" r:embed="rId3"/>
-                  </a:ext>
-                </a:extLst>
-              </a:blip>
-              <a:stretch>
-                <a:fillRect r="-2649"/>
-              </a:stretch>
-            </a:blipFill>
-          </p:spPr>
-        </p:sp>
-      </p:grpSp>
-      <p:pic>
-        <p:nvPicPr>
-          <p:cNvPr id="16" name="Рисунок 15" descr="Изображение выглядит как Графика, логотип, круг, символ&#10;&#10;Автоматически созданное описание">
-            <a:extLst>
-              <a:ext uri="{FF2B5EF4-FFF2-40B4-BE49-F238E27FC236}">
-                <a16:creationId xmlns:a16="http://schemas.microsoft.com/office/drawing/2014/main" id="{D9FB84A0-D127-9F74-E8CF-5D32B45A37E8}"/>
-              </a:ext>
-            </a:extLst>
-          </p:cNvPr>
-          <p:cNvPicPr>
-            <a:picLocks noChangeAspect="1"/>
-          </p:cNvPicPr>
-          <p:nvPr/>
-        </p:nvPicPr>
-        <p:blipFill>
-          <a:blip r:embed="rId4">
-            <a:extLst>
-              <a:ext uri="{28A0092B-C50C-407E-A947-70E740481C1C}">
-                <a14:useLocalDpi xmlns:a14="http://schemas.microsoft.com/office/drawing/2010/main" val="0"/>
-              </a:ext>
-            </a:extLst>
-          </a:blip>
-          <a:stretch>
-            <a:fillRect/>
-          </a:stretch>
-        </p:blipFill>
-        <p:spPr>
-          <a:xfrm>
-            <a:off x="1020889" y="2179412"/>
-            <a:ext cx="7318889" cy="7318889"/>
-          </a:xfrm>
-          <a:prstGeom prst="rect">
-            <a:avLst/>
-          </a:prstGeom>
-        </p:spPr>
-      </p:pic>
-    </p:spTree>
-  </p:cSld>
-  <p:clrMapOvr>
-    <a:masterClrMapping/>
-  </p:clrMapOvr>
-  <p:timing>
-    <p:tnLst>
-      <p:par>
-        <p:cTn id="1" dur="indefinite" restart="never" nodeType="tmRoot">
-          <p:childTnLst>
-            <p:seq concurrent="1" nextAc="seek">
-              <p:cTn id="2" dur="indefinite" nodeType="mainSeq">
-                <p:childTnLst>
-                  <p:par>
-                    <p:cTn id="3" fill="hold">
-                      <p:stCondLst>
-                        <p:cond delay="indefinite"/>
-                      </p:stCondLst>
-                      <p:childTnLst>
-                        <p:par>
-                          <p:cTn id="4" fill="hold">
-                            <p:stCondLst>
-                              <p:cond delay="0"/>
-                            </p:stCondLst>
-                            <p:childTnLst>
-                              <p:par>
-                                <p:cTn id="5" presetID="8" presetClass="emph" presetSubtype="0" fill="hold" nodeType="clickEffect">
-                                  <p:stCondLst>
-                                    <p:cond delay="0"/>
-                                  </p:stCondLst>
-                                  <p:childTnLst>
-                                    <p:animRot by="21600000">
-                                      <p:cBhvr>
-                                        <p:cTn id="6" dur="2000" fill="hold"/>
-                                        <p:tgtEl>
-                                          <p:spTgt spid="16"/>
-                                        </p:tgtEl>
-                                        <p:attrNameLst>
-                                          <p:attrName>r</p:attrName>
-                                        </p:attrNameLst>
-                                      </p:cBhvr>
-                                    </p:animRot>
-                                  </p:childTnLst>
-                                </p:cTn>
-                              </p:par>
-                            </p:childTnLst>
-                          </p:cTn>
-                        </p:par>
-                      </p:childTnLst>
-                    </p:cTn>
-                  </p:par>
-                </p:childTnLst>
-              </p:cTn>
-              <p:prevCondLst>
-                <p:cond evt="onPrev" delay="0">
-                  <p:tgtEl>
-                    <p:sldTgt/>
-                  </p:tgtEl>
-                </p:cond>
-              </p:prevCondLst>
-              <p:nextCondLst>
-                <p:cond evt="onNext" delay="0">
-                  <p:tgtEl>
-                    <p:sldTgt/>
-                  </p:tgtEl>
-                </p:cond>
-              </p:nextCondLst>
-            </p:seq>
-          </p:childTnLst>
-        </p:cTn>
-      </p:par>
-    </p:tnLst>
-  </p:timing>
-</p:sld>
-</file>
-
-<file path=ppt/slides/slide5.xml><?xml version="1.0" encoding="utf-8"?>
+<file path=ppt/slides/slide6.xml><?xml version="1.0" encoding="utf-8"?>
 <p:sld xmlns:a="http://schemas.openxmlformats.org/drawingml/2006/main" xmlns:r="http://schemas.openxmlformats.org/officeDocument/2006/relationships" xmlns:p="http://schemas.openxmlformats.org/presentationml/2006/main">
   <p:cSld>
     <p:bg>
@@ -10244,7 +9243,7 @@
                             </p:stCondLst>
                             <p:childTnLst>
                               <p:par>
-                                <p:cTn id="5" presetID="22" presetClass="entr" presetSubtype="4" fill="hold" grpId="0" nodeType="clickEffect">
+                                <p:cTn id="5" presetID="21" presetClass="entr" presetSubtype="1" fill="hold" nodeType="clickEffect">
                                   <p:stCondLst>
                                     <p:cond delay="0"/>
                                   </p:stCondLst>
@@ -10252,6 +9251,94 @@
                                     <p:set>
                                       <p:cBhvr>
                                         <p:cTn id="6" dur="1" fill="hold">
+                                          <p:stCondLst>
+                                            <p:cond delay="0"/>
+                                          </p:stCondLst>
+                                        </p:cTn>
+                                        <p:tgtEl>
+                                          <p:spTgt spid="12"/>
+                                        </p:tgtEl>
+                                        <p:attrNameLst>
+                                          <p:attrName>style.visibility</p:attrName>
+                                        </p:attrNameLst>
+                                      </p:cBhvr>
+                                      <p:to>
+                                        <p:strVal val="visible"/>
+                                      </p:to>
+                                    </p:set>
+                                    <p:animEffect transition="in" filter="wheel(1)">
+                                      <p:cBhvr>
+                                        <p:cTn id="7" dur="2000"/>
+                                        <p:tgtEl>
+                                          <p:spTgt spid="12"/>
+                                        </p:tgtEl>
+                                      </p:cBhvr>
+                                    </p:animEffect>
+                                  </p:childTnLst>
+                                </p:cTn>
+                              </p:par>
+                              <p:par>
+                                <p:cTn id="8" presetID="21" presetClass="entr" presetSubtype="1" fill="hold" nodeType="withEffect">
+                                  <p:stCondLst>
+                                    <p:cond delay="0"/>
+                                  </p:stCondLst>
+                                  <p:childTnLst>
+                                    <p:set>
+                                      <p:cBhvr>
+                                        <p:cTn id="9" dur="1" fill="hold">
+                                          <p:stCondLst>
+                                            <p:cond delay="0"/>
+                                          </p:stCondLst>
+                                        </p:cTn>
+                                        <p:tgtEl>
+                                          <p:spTgt spid="13"/>
+                                        </p:tgtEl>
+                                        <p:attrNameLst>
+                                          <p:attrName>style.visibility</p:attrName>
+                                        </p:attrNameLst>
+                                      </p:cBhvr>
+                                      <p:to>
+                                        <p:strVal val="visible"/>
+                                      </p:to>
+                                    </p:set>
+                                    <p:animEffect transition="in" filter="wheel(1)">
+                                      <p:cBhvr>
+                                        <p:cTn id="10" dur="2000"/>
+                                        <p:tgtEl>
+                                          <p:spTgt spid="13"/>
+                                        </p:tgtEl>
+                                      </p:cBhvr>
+                                    </p:animEffect>
+                                  </p:childTnLst>
+                                </p:cTn>
+                              </p:par>
+                            </p:childTnLst>
+                          </p:cTn>
+                        </p:par>
+                      </p:childTnLst>
+                    </p:cTn>
+                  </p:par>
+                  <p:par>
+                    <p:cTn id="11" fill="hold">
+                      <p:stCondLst>
+                        <p:cond delay="indefinite"/>
+                      </p:stCondLst>
+                      <p:childTnLst>
+                        <p:par>
+                          <p:cTn id="12" fill="hold">
+                            <p:stCondLst>
+                              <p:cond delay="0"/>
+                            </p:stCondLst>
+                            <p:childTnLst>
+                              <p:par>
+                                <p:cTn id="13" presetID="22" presetClass="entr" presetSubtype="4" fill="hold" grpId="0" nodeType="clickEffect">
+                                  <p:stCondLst>
+                                    <p:cond delay="0"/>
+                                  </p:stCondLst>
+                                  <p:childTnLst>
+                                    <p:set>
+                                      <p:cBhvr>
+                                        <p:cTn id="14" dur="1" fill="hold">
                                           <p:stCondLst>
                                             <p:cond delay="0"/>
                                           </p:stCondLst>
@@ -10269,97 +9356,9 @@
                                     </p:set>
                                     <p:animEffect transition="in" filter="wipe(down)">
                                       <p:cBhvr>
-                                        <p:cTn id="7" dur="500"/>
+                                        <p:cTn id="15" dur="500"/>
                                         <p:tgtEl>
                                           <p:spTgt spid="10"/>
-                                        </p:tgtEl>
-                                      </p:cBhvr>
-                                    </p:animEffect>
-                                  </p:childTnLst>
-                                </p:cTn>
-                              </p:par>
-                            </p:childTnLst>
-                          </p:cTn>
-                        </p:par>
-                      </p:childTnLst>
-                    </p:cTn>
-                  </p:par>
-                  <p:par>
-                    <p:cTn id="8" fill="hold">
-                      <p:stCondLst>
-                        <p:cond delay="indefinite"/>
-                      </p:stCondLst>
-                      <p:childTnLst>
-                        <p:par>
-                          <p:cTn id="9" fill="hold">
-                            <p:stCondLst>
-                              <p:cond delay="0"/>
-                            </p:stCondLst>
-                            <p:childTnLst>
-                              <p:par>
-                                <p:cTn id="10" presetID="21" presetClass="entr" presetSubtype="1" fill="hold" nodeType="clickEffect">
-                                  <p:stCondLst>
-                                    <p:cond delay="0"/>
-                                  </p:stCondLst>
-                                  <p:childTnLst>
-                                    <p:set>
-                                      <p:cBhvr>
-                                        <p:cTn id="11" dur="1" fill="hold">
-                                          <p:stCondLst>
-                                            <p:cond delay="0"/>
-                                          </p:stCondLst>
-                                        </p:cTn>
-                                        <p:tgtEl>
-                                          <p:spTgt spid="12"/>
-                                        </p:tgtEl>
-                                        <p:attrNameLst>
-                                          <p:attrName>style.visibility</p:attrName>
-                                        </p:attrNameLst>
-                                      </p:cBhvr>
-                                      <p:to>
-                                        <p:strVal val="visible"/>
-                                      </p:to>
-                                    </p:set>
-                                    <p:animEffect transition="in" filter="wheel(1)">
-                                      <p:cBhvr>
-                                        <p:cTn id="12" dur="2000"/>
-                                        <p:tgtEl>
-                                          <p:spTgt spid="12"/>
-                                        </p:tgtEl>
-                                      </p:cBhvr>
-                                    </p:animEffect>
-                                  </p:childTnLst>
-                                </p:cTn>
-                              </p:par>
-                              <p:par>
-                                <p:cTn id="13" presetID="21" presetClass="entr" presetSubtype="1" fill="hold" nodeType="withEffect">
-                                  <p:stCondLst>
-                                    <p:cond delay="0"/>
-                                  </p:stCondLst>
-                                  <p:childTnLst>
-                                    <p:set>
-                                      <p:cBhvr>
-                                        <p:cTn id="14" dur="1" fill="hold">
-                                          <p:stCondLst>
-                                            <p:cond delay="0"/>
-                                          </p:stCondLst>
-                                        </p:cTn>
-                                        <p:tgtEl>
-                                          <p:spTgt spid="13"/>
-                                        </p:tgtEl>
-                                        <p:attrNameLst>
-                                          <p:attrName>style.visibility</p:attrName>
-                                        </p:attrNameLst>
-                                      </p:cBhvr>
-                                      <p:to>
-                                        <p:strVal val="visible"/>
-                                      </p:to>
-                                    </p:set>
-                                    <p:animEffect transition="in" filter="wheel(1)">
-                                      <p:cBhvr>
-                                        <p:cTn id="15" dur="2000"/>
-                                        <p:tgtEl>
-                                          <p:spTgt spid="13"/>
                                         </p:tgtEl>
                                       </p:cBhvr>
                                     </p:animEffect>
@@ -10400,7 +9399,7 @@
 </p:sld>
 </file>
 
-<file path=ppt/slides/slide6.xml><?xml version="1.0" encoding="utf-8"?>
+<file path=ppt/slides/slide7.xml><?xml version="1.0" encoding="utf-8"?>
 <p:sld xmlns:a="http://schemas.openxmlformats.org/drawingml/2006/main" xmlns:r="http://schemas.openxmlformats.org/officeDocument/2006/relationships" xmlns:p="http://schemas.openxmlformats.org/presentationml/2006/main">
   <p:cSld>
     <p:bg>
@@ -11303,7 +10302,7 @@
 </p:sld>
 </file>
 
-<file path=ppt/slides/slide7.xml><?xml version="1.0" encoding="utf-8"?>
+<file path=ppt/slides/slide8.xml><?xml version="1.0" encoding="utf-8"?>
 <p:sld xmlns:a="http://schemas.openxmlformats.org/drawingml/2006/main" xmlns:r="http://schemas.openxmlformats.org/officeDocument/2006/relationships" xmlns:p="http://schemas.openxmlformats.org/presentationml/2006/main">
   <p:cSld>
     <p:bg>
@@ -11614,10 +10613,10 @@
       </p:sp>
       <p:graphicFrame>
         <p:nvGraphicFramePr>
-          <p:cNvPr id="11" name="Таблица 10">
+          <p:cNvPr id="2" name="Таблица 1">
             <a:extLst>
               <a:ext uri="{FF2B5EF4-FFF2-40B4-BE49-F238E27FC236}">
-                <a16:creationId xmlns:a16="http://schemas.microsoft.com/office/drawing/2014/main" id="{10C9F8A7-6DE6-4978-43DC-D5A81B2907E4}"/>
+                <a16:creationId xmlns:a16="http://schemas.microsoft.com/office/drawing/2014/main" id="{7D19FFF3-F3CB-F3A1-6F83-7294E50E22B5}"/>
               </a:ext>
             </a:extLst>
           </p:cNvPr>
@@ -11627,81 +10626,89 @@
           <p:nvPr>
             <p:extLst>
               <p:ext uri="{D42A27DB-BD31-4B8C-83A1-F6EECF244321}">
-                <p14:modId xmlns:p14="http://schemas.microsoft.com/office/powerpoint/2010/main" val="1297887664"/>
+                <p14:modId xmlns:p14="http://schemas.microsoft.com/office/powerpoint/2010/main" val="473084619"/>
               </p:ext>
             </p:extLst>
           </p:nvPr>
         </p:nvGraphicFramePr>
         <p:xfrm>
-          <a:off x="2860317" y="5023686"/>
-          <a:ext cx="12192000" cy="1854200"/>
+          <a:off x="3048000" y="4436837"/>
+          <a:ext cx="12192000" cy="3775844"/>
         </p:xfrm>
         <a:graphic>
           <a:graphicData uri="http://schemas.openxmlformats.org/drawingml/2006/table">
             <a:tbl>
               <a:tblPr firstRow="1" bandRow="1">
-                <a:tableStyleId>{5C22544A-7EE6-4342-B048-85BDC9FD1C3A}</a:tableStyleId>
+                <a:tableStyleId>{073A0DAA-6AF3-43AB-8588-CEC1D06C72B9}</a:tableStyleId>
               </a:tblPr>
               <a:tblGrid>
-                <a:gridCol w="3048000">
+                <a:gridCol w="4064000">
                   <a:extLst>
                     <a:ext uri="{9D8B030D-6E8A-4147-A177-3AD203B41FA5}">
-                      <a16:colId xmlns:a16="http://schemas.microsoft.com/office/drawing/2014/main" val="25848477"/>
+                      <a16:colId xmlns:a16="http://schemas.microsoft.com/office/drawing/2014/main" val="2004546834"/>
                     </a:ext>
                   </a:extLst>
                 </a:gridCol>
-                <a:gridCol w="3048000">
+                <a:gridCol w="4064000">
                   <a:extLst>
                     <a:ext uri="{9D8B030D-6E8A-4147-A177-3AD203B41FA5}">
-                      <a16:colId xmlns:a16="http://schemas.microsoft.com/office/drawing/2014/main" val="2280616418"/>
+                      <a16:colId xmlns:a16="http://schemas.microsoft.com/office/drawing/2014/main" val="2500216241"/>
                     </a:ext>
                   </a:extLst>
                 </a:gridCol>
-                <a:gridCol w="3048000">
+                <a:gridCol w="4064000">
                   <a:extLst>
                     <a:ext uri="{9D8B030D-6E8A-4147-A177-3AD203B41FA5}">
-                      <a16:colId xmlns:a16="http://schemas.microsoft.com/office/drawing/2014/main" val="2846918024"/>
-                    </a:ext>
-                  </a:extLst>
-                </a:gridCol>
-                <a:gridCol w="3048000">
-                  <a:extLst>
-                    <a:ext uri="{9D8B030D-6E8A-4147-A177-3AD203B41FA5}">
-                      <a16:colId xmlns:a16="http://schemas.microsoft.com/office/drawing/2014/main" val="2098613723"/>
+                      <a16:colId xmlns:a16="http://schemas.microsoft.com/office/drawing/2014/main" val="1542896140"/>
                     </a:ext>
                   </a:extLst>
                 </a:gridCol>
               </a:tblGrid>
-              <a:tr h="370840">
+              <a:tr h="448012">
                 <a:tc>
                   <a:txBody>
                     <a:bodyPr/>
                     <a:lstStyle/>
                     <a:p>
-                      <a:endParaRPr lang="ru-KZ" dirty="0"/>
+                      <a:pPr algn="ctr"/>
+                      <a:r>
+                        <a:rPr lang="ru-RU" sz="2800" dirty="0"/>
+                        <a:t>Функции</a:t>
+                      </a:r>
+                      <a:endParaRPr lang="ru-KZ" sz="2800" dirty="0"/>
                     </a:p>
                   </a:txBody>
-                  <a:tcPr>
-                    <a:lnL w="12700" cmpd="sng">
-                      <a:noFill/>
+                  <a:tcPr anchor="ctr">
+                    <a:lnL w="28575" cap="flat" cmpd="sng" algn="ctr">
+                      <a:solidFill>
+                        <a:srgbClr val="FFFF00"/>
+                      </a:solidFill>
+                      <a:prstDash val="sysDash"/>
+                      <a:round/>
+                      <a:headEnd type="none" w="med" len="med"/>
+                      <a:tailEnd type="none" w="med" len="med"/>
                     </a:lnL>
-                    <a:lnR w="12700" cmpd="sng">
-                      <a:noFill/>
-                    </a:lnR>
-                    <a:lnT w="12700" cmpd="sng">
-                      <a:noFill/>
+                    <a:lnT w="28575" cap="flat" cmpd="sng" algn="ctr">
+                      <a:solidFill>
+                        <a:srgbClr val="FFFF00"/>
+                      </a:solidFill>
+                      <a:prstDash val="sysDash"/>
+                      <a:round/>
+                      <a:headEnd type="none" w="med" len="med"/>
+                      <a:tailEnd type="none" w="med" len="med"/>
                     </a:lnT>
-                    <a:lnB w="38100" cmpd="sng">
-                      <a:noFill/>
-                    </a:lnB>
-                    <a:lnTlToBr w="12700" cmpd="sng">
+                    <a:lnBlToTr w="12700" cap="flat" cmpd="sng" algn="ctr">
                       <a:noFill/>
                       <a:prstDash val="solid"/>
-                    </a:lnTlToBr>
-                    <a:lnBlToTr w="12700" cmpd="sng">
-                      <a:noFill/>
-                      <a:prstDash val="solid"/>
+                      <a:round/>
+                      <a:headEnd type="none" w="med" len="med"/>
+                      <a:tailEnd type="none" w="med" len="med"/>
                     </a:lnBlToTr>
+                    <a:solidFill>
+                      <a:schemeClr val="bg1">
+                        <a:lumMod val="65000"/>
+                      </a:schemeClr>
+                    </a:solidFill>
                   </a:tcPr>
                 </a:tc>
                 <a:tc>
@@ -11709,30 +10716,36 @@
                     <a:bodyPr/>
                     <a:lstStyle/>
                     <a:p>
-                      <a:endParaRPr lang="ru-KZ"/>
+                      <a:pPr algn="ctr"/>
+                      <a:r>
+                        <a:rPr lang="en-US" sz="2800" dirty="0"/>
+                        <a:t>Vim</a:t>
+                      </a:r>
+                      <a:endParaRPr lang="ru-KZ" sz="2800" dirty="0"/>
                     </a:p>
                   </a:txBody>
-                  <a:tcPr>
-                    <a:lnL w="12700" cmpd="sng">
-                      <a:noFill/>
-                    </a:lnL>
-                    <a:lnR w="12700" cmpd="sng">
-                      <a:noFill/>
-                    </a:lnR>
-                    <a:lnT w="12700" cmpd="sng">
-                      <a:noFill/>
+                  <a:tcPr anchor="ctr">
+                    <a:lnT w="28575" cap="flat" cmpd="sng" algn="ctr">
+                      <a:solidFill>
+                        <a:srgbClr val="FFFF00"/>
+                      </a:solidFill>
+                      <a:prstDash val="sysDash"/>
+                      <a:round/>
+                      <a:headEnd type="none" w="med" len="med"/>
+                      <a:tailEnd type="none" w="med" len="med"/>
                     </a:lnT>
-                    <a:lnB w="38100" cmpd="sng">
-                      <a:noFill/>
-                    </a:lnB>
-                    <a:lnTlToBr w="12700" cmpd="sng">
+                    <a:lnBlToTr w="12700" cap="flat" cmpd="sng" algn="ctr">
                       <a:noFill/>
                       <a:prstDash val="solid"/>
-                    </a:lnTlToBr>
-                    <a:lnBlToTr w="12700" cmpd="sng">
-                      <a:noFill/>
-                      <a:prstDash val="solid"/>
+                      <a:round/>
+                      <a:headEnd type="none" w="med" len="med"/>
+                      <a:tailEnd type="none" w="med" len="med"/>
                     </a:lnBlToTr>
+                    <a:solidFill>
+                      <a:schemeClr val="bg1">
+                        <a:lumMod val="65000"/>
+                      </a:schemeClr>
+                    </a:solidFill>
                   </a:tcPr>
                 </a:tc>
                 <a:tc>
@@ -11740,30 +10753,89 @@
                     <a:bodyPr/>
                     <a:lstStyle/>
                     <a:p>
-                      <a:endParaRPr lang="ru-KZ"/>
+                      <a:pPr algn="ctr"/>
+                      <a:r>
+                        <a:rPr lang="en-US" sz="2800" dirty="0" err="1"/>
+                        <a:t>Neovim</a:t>
+                      </a:r>
+                      <a:endParaRPr lang="ru-KZ" sz="2800" dirty="0"/>
                     </a:p>
                   </a:txBody>
-                  <a:tcPr>
-                    <a:lnL w="12700" cmpd="sng">
-                      <a:noFill/>
-                    </a:lnL>
-                    <a:lnR w="12700" cmpd="sng">
-                      <a:noFill/>
+                  <a:tcPr anchor="ctr">
+                    <a:lnR w="28575" cap="flat" cmpd="sng" algn="ctr">
+                      <a:solidFill>
+                        <a:srgbClr val="FFFF00"/>
+                      </a:solidFill>
+                      <a:prstDash val="sysDash"/>
+                      <a:round/>
+                      <a:headEnd type="none" w="med" len="med"/>
+                      <a:tailEnd type="none" w="med" len="med"/>
                     </a:lnR>
-                    <a:lnT w="12700" cmpd="sng">
-                      <a:noFill/>
+                    <a:lnT w="28575" cap="flat" cmpd="sng" algn="ctr">
+                      <a:solidFill>
+                        <a:srgbClr val="FFFF00"/>
+                      </a:solidFill>
+                      <a:prstDash val="sysDash"/>
+                      <a:round/>
+                      <a:headEnd type="none" w="med" len="med"/>
+                      <a:tailEnd type="none" w="med" len="med"/>
                     </a:lnT>
-                    <a:lnB w="38100" cmpd="sng">
-                      <a:noFill/>
-                    </a:lnB>
-                    <a:lnTlToBr w="12700" cmpd="sng">
+                    <a:lnBlToTr w="12700" cap="flat" cmpd="sng" algn="ctr">
                       <a:noFill/>
                       <a:prstDash val="solid"/>
-                    </a:lnTlToBr>
-                    <a:lnBlToTr w="12700" cmpd="sng">
+                      <a:round/>
+                      <a:headEnd type="none" w="med" len="med"/>
+                      <a:tailEnd type="none" w="med" len="med"/>
+                    </a:lnBlToTr>
+                    <a:solidFill>
+                      <a:schemeClr val="bg1">
+                        <a:lumMod val="65000"/>
+                      </a:schemeClr>
+                    </a:solidFill>
+                  </a:tcPr>
+                </a:tc>
+                <a:extLst>
+                  <a:ext uri="{0D108BD9-81ED-4DB2-BD59-A6C34878D82A}">
+                    <a16:rowId xmlns:a16="http://schemas.microsoft.com/office/drawing/2014/main" val="4032666375"/>
+                  </a:ext>
+                </a:extLst>
+              </a:tr>
+              <a:tr h="805882">
+                <a:tc>
+                  <a:txBody>
+                    <a:bodyPr/>
+                    <a:lstStyle/>
+                    <a:p>
+                      <a:pPr algn="ctr"/>
+                      <a:r>
+                        <a:rPr lang="ru-RU" sz="2400" dirty="0"/>
+                        <a:t>Поддержка плагинов</a:t>
+                      </a:r>
+                      <a:endParaRPr lang="ru-KZ" sz="2400" dirty="0"/>
+                    </a:p>
+                  </a:txBody>
+                  <a:tcPr anchor="ctr">
+                    <a:lnL w="28575" cap="flat" cmpd="sng" algn="ctr">
+                      <a:solidFill>
+                        <a:srgbClr val="FFFF00"/>
+                      </a:solidFill>
+                      <a:prstDash val="sysDash"/>
+                      <a:round/>
+                      <a:headEnd type="none" w="med" len="med"/>
+                      <a:tailEnd type="none" w="med" len="med"/>
+                    </a:lnL>
+                    <a:lnBlToTr w="12700" cap="flat" cmpd="sng" algn="ctr">
                       <a:noFill/>
                       <a:prstDash val="solid"/>
+                      <a:round/>
+                      <a:headEnd type="none" w="med" len="med"/>
+                      <a:tailEnd type="none" w="med" len="med"/>
                     </a:lnBlToTr>
+                    <a:solidFill>
+                      <a:schemeClr val="bg1">
+                        <a:lumMod val="75000"/>
+                      </a:schemeClr>
+                    </a:solidFill>
                   </a:tcPr>
                 </a:tc>
                 <a:tc>
@@ -11771,68 +10843,27 @@
                     <a:bodyPr/>
                     <a:lstStyle/>
                     <a:p>
-                      <a:endParaRPr lang="ru-KZ"/>
+                      <a:pPr algn="ctr"/>
+                      <a:r>
+                        <a:rPr lang="ru-RU" sz="2400" dirty="0"/>
+                        <a:t>Менее гибкая система управления</a:t>
+                      </a:r>
+                      <a:endParaRPr lang="ru-KZ" sz="2400" dirty="0"/>
                     </a:p>
                   </a:txBody>
-                  <a:tcPr>
-                    <a:lnL w="12700" cmpd="sng">
-                      <a:noFill/>
-                    </a:lnL>
-                    <a:lnR w="12700" cmpd="sng">
-                      <a:noFill/>
-                    </a:lnR>
-                    <a:lnT w="12700" cmpd="sng">
-                      <a:noFill/>
-                    </a:lnT>
-                    <a:lnB w="38100" cmpd="sng">
-                      <a:noFill/>
-                    </a:lnB>
-                    <a:lnTlToBr w="12700" cmpd="sng">
+                  <a:tcPr anchor="ctr">
+                    <a:lnBlToTr w="12700" cap="flat" cmpd="sng" algn="ctr">
                       <a:noFill/>
                       <a:prstDash val="solid"/>
-                    </a:lnTlToBr>
-                    <a:lnBlToTr w="12700" cmpd="sng">
-                      <a:noFill/>
-                      <a:prstDash val="solid"/>
+                      <a:round/>
+                      <a:headEnd type="none" w="med" len="med"/>
+                      <a:tailEnd type="none" w="med" len="med"/>
                     </a:lnBlToTr>
-                  </a:tcPr>
-                </a:tc>
-                <a:extLst>
-                  <a:ext uri="{0D108BD9-81ED-4DB2-BD59-A6C34878D82A}">
-                    <a16:rowId xmlns:a16="http://schemas.microsoft.com/office/drawing/2014/main" val="1573007800"/>
-                  </a:ext>
-                </a:extLst>
-              </a:tr>
-              <a:tr h="370840">
-                <a:tc>
-                  <a:txBody>
-                    <a:bodyPr/>
-                    <a:lstStyle/>
-                    <a:p>
-                      <a:endParaRPr lang="ru-KZ" dirty="0"/>
-                    </a:p>
-                  </a:txBody>
-                  <a:tcPr>
-                    <a:lnL w="12700" cmpd="sng">
-                      <a:noFill/>
-                    </a:lnL>
-                    <a:lnR w="12700" cmpd="sng">
-                      <a:noFill/>
-                    </a:lnR>
-                    <a:lnT w="38100" cmpd="sng">
-                      <a:noFill/>
-                    </a:lnT>
-                    <a:lnB w="12700" cmpd="sng">
-                      <a:noFill/>
-                    </a:lnB>
-                    <a:lnTlToBr w="12700" cmpd="sng">
-                      <a:noFill/>
-                      <a:prstDash val="solid"/>
-                    </a:lnTlToBr>
-                    <a:lnBlToTr w="12700" cmpd="sng">
-                      <a:noFill/>
-                      <a:prstDash val="solid"/>
-                    </a:lnBlToTr>
+                    <a:solidFill>
+                      <a:schemeClr val="bg1">
+                        <a:lumMod val="75000"/>
+                      </a:schemeClr>
+                    </a:solidFill>
                   </a:tcPr>
                 </a:tc>
                 <a:tc>
@@ -11840,30 +10871,88 @@
                     <a:bodyPr/>
                     <a:lstStyle/>
                     <a:p>
-                      <a:endParaRPr lang="ru-KZ"/>
+                      <a:pPr algn="ctr"/>
+                      <a:r>
+                        <a:rPr lang="ru-RU" sz="2400" dirty="0"/>
+                        <a:t>Поддержка расширений, таких как LSP, </a:t>
+                      </a:r>
+                      <a:r>
+                        <a:rPr lang="ru-RU" sz="2400" dirty="0" err="1"/>
+                        <a:t>Lua</a:t>
+                      </a:r>
+                      <a:endParaRPr lang="ru-KZ" sz="2400" dirty="0"/>
                     </a:p>
                   </a:txBody>
-                  <a:tcPr>
-                    <a:lnL w="12700" cmpd="sng">
-                      <a:noFill/>
-                    </a:lnL>
-                    <a:lnR w="12700" cmpd="sng">
-                      <a:noFill/>
+                  <a:tcPr anchor="ctr">
+                    <a:lnR w="28575" cap="flat" cmpd="sng" algn="ctr">
+                      <a:solidFill>
+                        <a:srgbClr val="FFFF00"/>
+                      </a:solidFill>
+                      <a:prstDash val="sysDash"/>
+                      <a:round/>
+                      <a:headEnd type="none" w="med" len="med"/>
+                      <a:tailEnd type="none" w="med" len="med"/>
                     </a:lnR>
-                    <a:lnT w="38100" cmpd="sng">
-                      <a:noFill/>
-                    </a:lnT>
-                    <a:lnB w="12700" cmpd="sng">
-                      <a:noFill/>
-                    </a:lnB>
-                    <a:lnTlToBr w="12700" cmpd="sng">
+                    <a:lnBlToTr w="12700" cap="flat" cmpd="sng" algn="ctr">
                       <a:noFill/>
                       <a:prstDash val="solid"/>
-                    </a:lnTlToBr>
-                    <a:lnBlToTr w="12700" cmpd="sng">
+                      <a:round/>
+                      <a:headEnd type="none" w="med" len="med"/>
+                      <a:tailEnd type="none" w="med" len="med"/>
+                    </a:lnBlToTr>
+                    <a:solidFill>
+                      <a:schemeClr val="bg1">
+                        <a:lumMod val="75000"/>
+                      </a:schemeClr>
+                    </a:solidFill>
+                  </a:tcPr>
+                </a:tc>
+                <a:extLst>
+                  <a:ext uri="{0D108BD9-81ED-4DB2-BD59-A6C34878D82A}">
+                    <a16:rowId xmlns:a16="http://schemas.microsoft.com/office/drawing/2014/main" val="3990748551"/>
+                  </a:ext>
+                </a:extLst>
+              </a:tr>
+              <a:tr h="805882">
+                <a:tc>
+                  <a:txBody>
+                    <a:bodyPr/>
+                    <a:lstStyle/>
+                    <a:p>
+                      <a:pPr algn="ctr"/>
+                      <a:r>
+                        <a:rPr lang="en-US" sz="2400" dirty="0"/>
+                        <a:t>API </a:t>
+                      </a:r>
+                      <a:r>
+                        <a:rPr lang="ru-RU" sz="2400" dirty="0"/>
+                        <a:t>для расширений</a:t>
+                      </a:r>
+                      <a:endParaRPr lang="ru-KZ" sz="2400" dirty="0"/>
+                    </a:p>
+                  </a:txBody>
+                  <a:tcPr anchor="ctr">
+                    <a:lnL w="28575" cap="flat" cmpd="sng" algn="ctr">
+                      <a:solidFill>
+                        <a:srgbClr val="FFFF00"/>
+                      </a:solidFill>
+                      <a:prstDash val="sysDash"/>
+                      <a:round/>
+                      <a:headEnd type="none" w="med" len="med"/>
+                      <a:tailEnd type="none" w="med" len="med"/>
+                    </a:lnL>
+                    <a:lnBlToTr w="12700" cap="flat" cmpd="sng" algn="ctr">
                       <a:noFill/>
                       <a:prstDash val="solid"/>
+                      <a:round/>
+                      <a:headEnd type="none" w="med" len="med"/>
+                      <a:tailEnd type="none" w="med" len="med"/>
                     </a:lnBlToTr>
+                    <a:solidFill>
+                      <a:schemeClr val="bg1">
+                        <a:lumMod val="75000"/>
+                      </a:schemeClr>
+                    </a:solidFill>
                   </a:tcPr>
                 </a:tc>
                 <a:tc>
@@ -11871,30 +10960,27 @@
                     <a:bodyPr/>
                     <a:lstStyle/>
                     <a:p>
-                      <a:endParaRPr lang="ru-KZ"/>
+                      <a:pPr algn="ctr"/>
+                      <a:r>
+                        <a:rPr lang="ru-RU" sz="2400" dirty="0"/>
+                        <a:t>Отсутствует</a:t>
+                      </a:r>
+                      <a:endParaRPr lang="ru-KZ" sz="2400" dirty="0"/>
                     </a:p>
                   </a:txBody>
-                  <a:tcPr>
-                    <a:lnL w="12700" cmpd="sng">
-                      <a:noFill/>
-                    </a:lnL>
-                    <a:lnR w="12700" cmpd="sng">
-                      <a:noFill/>
-                    </a:lnR>
-                    <a:lnT w="38100" cmpd="sng">
-                      <a:noFill/>
-                    </a:lnT>
-                    <a:lnB w="12700" cmpd="sng">
-                      <a:noFill/>
-                    </a:lnB>
-                    <a:lnTlToBr w="12700" cmpd="sng">
+                  <a:tcPr anchor="ctr">
+                    <a:lnBlToTr w="12700" cap="flat" cmpd="sng" algn="ctr">
                       <a:noFill/>
                       <a:prstDash val="solid"/>
-                    </a:lnTlToBr>
-                    <a:lnBlToTr w="12700" cmpd="sng">
-                      <a:noFill/>
-                      <a:prstDash val="solid"/>
+                      <a:round/>
+                      <a:headEnd type="none" w="med" len="med"/>
+                      <a:tailEnd type="none" w="med" len="med"/>
                     </a:lnBlToTr>
+                    <a:solidFill>
+                      <a:schemeClr val="bg1">
+                        <a:lumMod val="75000"/>
+                      </a:schemeClr>
+                    </a:solidFill>
                   </a:tcPr>
                 </a:tc>
                 <a:tc>
@@ -11902,68 +10988,84 @@
                     <a:bodyPr/>
                     <a:lstStyle/>
                     <a:p>
-                      <a:endParaRPr lang="ru-KZ"/>
+                      <a:pPr algn="ctr"/>
+                      <a:r>
+                        <a:rPr lang="ru-RU" sz="2400" dirty="0"/>
+                        <a:t>Имеется, на </a:t>
+                      </a:r>
+                      <a:r>
+                        <a:rPr lang="en-US" sz="2400" dirty="0"/>
+                        <a:t>Lua</a:t>
+                      </a:r>
+                      <a:endParaRPr lang="ru-KZ" sz="2400" dirty="0"/>
                     </a:p>
                   </a:txBody>
-                  <a:tcPr>
-                    <a:lnL w="12700" cmpd="sng">
-                      <a:noFill/>
-                    </a:lnL>
-                    <a:lnR w="12700" cmpd="sng">
-                      <a:noFill/>
+                  <a:tcPr anchor="ctr">
+                    <a:lnR w="28575" cap="flat" cmpd="sng" algn="ctr">
+                      <a:solidFill>
+                        <a:srgbClr val="FFFF00"/>
+                      </a:solidFill>
+                      <a:prstDash val="sysDash"/>
+                      <a:round/>
+                      <a:headEnd type="none" w="med" len="med"/>
+                      <a:tailEnd type="none" w="med" len="med"/>
                     </a:lnR>
-                    <a:lnT w="38100" cmpd="sng">
-                      <a:noFill/>
-                    </a:lnT>
-                    <a:lnB w="12700" cmpd="sng">
-                      <a:noFill/>
-                    </a:lnB>
-                    <a:lnTlToBr w="12700" cmpd="sng">
+                    <a:lnBlToTr w="12700" cap="flat" cmpd="sng" algn="ctr">
                       <a:noFill/>
                       <a:prstDash val="solid"/>
-                    </a:lnTlToBr>
-                    <a:lnBlToTr w="12700" cmpd="sng">
-                      <a:noFill/>
-                      <a:prstDash val="solid"/>
+                      <a:round/>
+                      <a:headEnd type="none" w="med" len="med"/>
+                      <a:tailEnd type="none" w="med" len="med"/>
                     </a:lnBlToTr>
+                    <a:solidFill>
+                      <a:schemeClr val="bg1">
+                        <a:lumMod val="75000"/>
+                      </a:schemeClr>
+                    </a:solidFill>
                   </a:tcPr>
                 </a:tc>
                 <a:extLst>
                   <a:ext uri="{0D108BD9-81ED-4DB2-BD59-A6C34878D82A}">
-                    <a16:rowId xmlns:a16="http://schemas.microsoft.com/office/drawing/2014/main" val="1685483103"/>
+                    <a16:rowId xmlns:a16="http://schemas.microsoft.com/office/drawing/2014/main" val="2714420240"/>
                   </a:ext>
                 </a:extLst>
               </a:tr>
-              <a:tr h="370840">
+              <a:tr h="805882">
                 <a:tc>
                   <a:txBody>
                     <a:bodyPr/>
                     <a:lstStyle/>
                     <a:p>
-                      <a:endParaRPr lang="ru-KZ" dirty="0"/>
+                      <a:pPr algn="ctr"/>
+                      <a:r>
+                        <a:rPr lang="ru-RU" sz="2400" dirty="0"/>
+                        <a:t>Работа с асинхронностью</a:t>
+                      </a:r>
+                      <a:endParaRPr lang="ru-KZ" sz="2400" dirty="0"/>
                     </a:p>
                   </a:txBody>
-                  <a:tcPr>
-                    <a:lnL w="12700" cmpd="sng">
-                      <a:noFill/>
+                  <a:tcPr anchor="ctr">
+                    <a:lnL w="28575" cap="flat" cmpd="sng" algn="ctr">
+                      <a:solidFill>
+                        <a:srgbClr val="FFFF00"/>
+                      </a:solidFill>
+                      <a:prstDash val="sysDash"/>
+                      <a:round/>
+                      <a:headEnd type="none" w="med" len="med"/>
+                      <a:tailEnd type="none" w="med" len="med"/>
                     </a:lnL>
-                    <a:lnR w="12700" cmpd="sng">
-                      <a:noFill/>
-                    </a:lnR>
-                    <a:lnT w="12700" cmpd="sng">
-                      <a:noFill/>
-                    </a:lnT>
-                    <a:lnB w="12700" cmpd="sng">
-                      <a:noFill/>
-                    </a:lnB>
-                    <a:lnTlToBr w="12700" cmpd="sng">
+                    <a:lnBlToTr w="12700" cap="flat" cmpd="sng" algn="ctr">
                       <a:noFill/>
                       <a:prstDash val="solid"/>
-                    </a:lnTlToBr>
-                    <a:lnBlToTr w="12700" cmpd="sng">
-                      <a:noFill/>
-                      <a:prstDash val="solid"/>
+                      <a:round/>
+                      <a:headEnd type="none" w="med" len="med"/>
+                      <a:tailEnd type="none" w="med" len="med"/>
                     </a:lnBlToTr>
+                    <a:solidFill>
+                      <a:schemeClr val="bg1">
+                        <a:lumMod val="75000"/>
+                      </a:schemeClr>
+                    </a:solidFill>
                   </a:tcPr>
                 </a:tc>
                 <a:tc>
@@ -11971,30 +11073,27 @@
                     <a:bodyPr/>
                     <a:lstStyle/>
                     <a:p>
-                      <a:endParaRPr lang="ru-KZ"/>
+                      <a:pPr algn="ctr"/>
+                      <a:r>
+                        <a:rPr lang="ru-RU" sz="2400" dirty="0"/>
+                        <a:t>Ограничена</a:t>
+                      </a:r>
+                      <a:endParaRPr lang="ru-KZ" sz="2400" dirty="0"/>
                     </a:p>
                   </a:txBody>
-                  <a:tcPr>
-                    <a:lnL w="12700" cmpd="sng">
-                      <a:noFill/>
-                    </a:lnL>
-                    <a:lnR w="12700" cmpd="sng">
-                      <a:noFill/>
-                    </a:lnR>
-                    <a:lnT w="12700" cmpd="sng">
-                      <a:noFill/>
-                    </a:lnT>
-                    <a:lnB w="12700" cmpd="sng">
-                      <a:noFill/>
-                    </a:lnB>
-                    <a:lnTlToBr w="12700" cmpd="sng">
+                  <a:tcPr anchor="ctr">
+                    <a:lnBlToTr w="12700" cap="flat" cmpd="sng" algn="ctr">
                       <a:noFill/>
                       <a:prstDash val="solid"/>
-                    </a:lnTlToBr>
-                    <a:lnBlToTr w="12700" cmpd="sng">
-                      <a:noFill/>
-                      <a:prstDash val="solid"/>
+                      <a:round/>
+                      <a:headEnd type="none" w="med" len="med"/>
+                      <a:tailEnd type="none" w="med" len="med"/>
                     </a:lnBlToTr>
+                    <a:solidFill>
+                      <a:schemeClr val="bg1">
+                        <a:lumMod val="75000"/>
+                      </a:schemeClr>
+                    </a:solidFill>
                   </a:tcPr>
                 </a:tc>
                 <a:tc>
@@ -12002,30 +11101,88 @@
                     <a:bodyPr/>
                     <a:lstStyle/>
                     <a:p>
-                      <a:endParaRPr lang="ru-KZ"/>
+                      <a:pPr algn="ctr"/>
+                      <a:r>
+                        <a:rPr lang="ru-RU" sz="2400" dirty="0"/>
+                        <a:t>Полная поддержка</a:t>
+                      </a:r>
                     </a:p>
                   </a:txBody>
-                  <a:tcPr>
-                    <a:lnL w="12700" cmpd="sng">
-                      <a:noFill/>
-                    </a:lnL>
-                    <a:lnR w="12700" cmpd="sng">
-                      <a:noFill/>
+                  <a:tcPr anchor="ctr">
+                    <a:lnR w="28575" cap="flat" cmpd="sng" algn="ctr">
+                      <a:solidFill>
+                        <a:srgbClr val="FFFF00"/>
+                      </a:solidFill>
+                      <a:prstDash val="sysDash"/>
+                      <a:round/>
+                      <a:headEnd type="none" w="med" len="med"/>
+                      <a:tailEnd type="none" w="med" len="med"/>
                     </a:lnR>
-                    <a:lnT w="12700" cmpd="sng">
-                      <a:noFill/>
-                    </a:lnT>
-                    <a:lnB w="12700" cmpd="sng">
-                      <a:noFill/>
-                    </a:lnB>
-                    <a:lnTlToBr w="12700" cmpd="sng">
+                    <a:lnBlToTr w="12700" cap="flat" cmpd="sng" algn="ctr">
                       <a:noFill/>
                       <a:prstDash val="solid"/>
-                    </a:lnTlToBr>
-                    <a:lnBlToTr w="12700" cmpd="sng">
+                      <a:round/>
+                      <a:headEnd type="none" w="med" len="med"/>
+                      <a:tailEnd type="none" w="med" len="med"/>
+                    </a:lnBlToTr>
+                    <a:solidFill>
+                      <a:schemeClr val="bg1">
+                        <a:lumMod val="75000"/>
+                      </a:schemeClr>
+                    </a:solidFill>
+                  </a:tcPr>
+                </a:tc>
+                <a:extLst>
+                  <a:ext uri="{0D108BD9-81ED-4DB2-BD59-A6C34878D82A}">
+                    <a16:rowId xmlns:a16="http://schemas.microsoft.com/office/drawing/2014/main" val="1998780690"/>
+                  </a:ext>
+                </a:extLst>
+              </a:tr>
+              <a:tr h="805882">
+                <a:tc>
+                  <a:txBody>
+                    <a:bodyPr/>
+                    <a:lstStyle/>
+                    <a:p>
+                      <a:pPr algn="ctr"/>
+                      <a:r>
+                        <a:rPr lang="ru-RU" sz="2400" dirty="0"/>
+                        <a:t>Интерфейс командной строки</a:t>
+                      </a:r>
+                      <a:endParaRPr lang="ru-KZ" sz="2400" dirty="0"/>
+                    </a:p>
+                  </a:txBody>
+                  <a:tcPr anchor="ctr">
+                    <a:lnL w="28575" cap="flat" cmpd="sng" algn="ctr">
+                      <a:solidFill>
+                        <a:srgbClr val="FFFF00"/>
+                      </a:solidFill>
+                      <a:prstDash val="sysDash"/>
+                      <a:round/>
+                      <a:headEnd type="none" w="med" len="med"/>
+                      <a:tailEnd type="none" w="med" len="med"/>
+                    </a:lnL>
+                    <a:lnB w="28575" cap="flat" cmpd="sng" algn="ctr">
+                      <a:solidFill>
+                        <a:srgbClr val="FFFF00"/>
+                      </a:solidFill>
+                      <a:prstDash val="sysDash"/>
+                      <a:round/>
+                      <a:headEnd type="none" w="med" len="med"/>
+                      <a:tailEnd type="none" w="med" len="med"/>
+                    </a:lnB>
+                    <a:lnBlToTr w="12700" cap="flat" cmpd="sng" algn="ctr">
                       <a:noFill/>
                       <a:prstDash val="solid"/>
+                      <a:round/>
+                      <a:headEnd type="none" w="med" len="med"/>
+                      <a:tailEnd type="none" w="med" len="med"/>
                     </a:lnBlToTr>
+                    <a:solidFill>
+                      <a:schemeClr val="bg1">
+                        <a:lumMod val="75000"/>
+                      </a:schemeClr>
+                    </a:solidFill>
                   </a:tcPr>
                 </a:tc>
                 <a:tc>
@@ -12033,68 +11190,36 @@
                     <a:bodyPr/>
                     <a:lstStyle/>
                     <a:p>
-                      <a:endParaRPr lang="ru-KZ"/>
+                      <a:pPr algn="ctr"/>
+                      <a:r>
+                        <a:rPr lang="ru-RU" sz="2400" dirty="0"/>
+                        <a:t>Ограниченный</a:t>
+                      </a:r>
+                      <a:endParaRPr lang="ru-KZ" sz="2400" dirty="0"/>
                     </a:p>
                   </a:txBody>
-                  <a:tcPr>
-                    <a:lnL w="12700" cmpd="sng">
-                      <a:noFill/>
-                    </a:lnL>
-                    <a:lnR w="12700" cmpd="sng">
-                      <a:noFill/>
-                    </a:lnR>
-                    <a:lnT w="12700" cmpd="sng">
-                      <a:noFill/>
-                    </a:lnT>
-                    <a:lnB w="12700" cmpd="sng">
-                      <a:noFill/>
+                  <a:tcPr anchor="ctr">
+                    <a:lnB w="28575" cap="flat" cmpd="sng" algn="ctr">
+                      <a:solidFill>
+                        <a:srgbClr val="FFFF00"/>
+                      </a:solidFill>
+                      <a:prstDash val="sysDash"/>
+                      <a:round/>
+                      <a:headEnd type="none" w="med" len="med"/>
+                      <a:tailEnd type="none" w="med" len="med"/>
                     </a:lnB>
-                    <a:lnTlToBr w="12700" cmpd="sng">
+                    <a:lnBlToTr w="12700" cap="flat" cmpd="sng" algn="ctr">
                       <a:noFill/>
                       <a:prstDash val="solid"/>
-                    </a:lnTlToBr>
-                    <a:lnBlToTr w="12700" cmpd="sng">
-                      <a:noFill/>
-                      <a:prstDash val="solid"/>
+                      <a:round/>
+                      <a:headEnd type="none" w="med" len="med"/>
+                      <a:tailEnd type="none" w="med" len="med"/>
                     </a:lnBlToTr>
-                  </a:tcPr>
-                </a:tc>
-                <a:extLst>
-                  <a:ext uri="{0D108BD9-81ED-4DB2-BD59-A6C34878D82A}">
-                    <a16:rowId xmlns:a16="http://schemas.microsoft.com/office/drawing/2014/main" val="449751294"/>
-                  </a:ext>
-                </a:extLst>
-              </a:tr>
-              <a:tr h="370840">
-                <a:tc>
-                  <a:txBody>
-                    <a:bodyPr/>
-                    <a:lstStyle/>
-                    <a:p>
-                      <a:endParaRPr lang="ru-KZ"/>
-                    </a:p>
-                  </a:txBody>
-                  <a:tcPr>
-                    <a:lnL w="12700" cmpd="sng">
-                      <a:noFill/>
-                    </a:lnL>
-                    <a:lnR w="12700" cmpd="sng">
-                      <a:noFill/>
-                    </a:lnR>
-                    <a:lnT w="12700" cmpd="sng">
-                      <a:noFill/>
-                    </a:lnT>
-                    <a:lnB w="12700" cmpd="sng">
-                      <a:noFill/>
-                    </a:lnB>
-                    <a:lnTlToBr w="12700" cmpd="sng">
-                      <a:noFill/>
-                      <a:prstDash val="solid"/>
-                    </a:lnTlToBr>
-                    <a:lnBlToTr w="12700" cmpd="sng">
-                      <a:noFill/>
-                      <a:prstDash val="solid"/>
-                    </a:lnBlToTr>
+                    <a:solidFill>
+                      <a:schemeClr val="bg1">
+                        <a:lumMod val="75000"/>
+                      </a:schemeClr>
+                    </a:solidFill>
                   </a:tcPr>
                 </a:tc>
                 <a:tc>
@@ -12102,228 +11227,49 @@
                     <a:bodyPr/>
                     <a:lstStyle/>
                     <a:p>
-                      <a:endParaRPr lang="ru-KZ" dirty="0"/>
+                      <a:pPr algn="ctr"/>
+                      <a:r>
+                        <a:rPr lang="ru-RU" sz="2400" dirty="0"/>
+                        <a:t>Более интерактивный</a:t>
+                      </a:r>
                     </a:p>
                   </a:txBody>
-                  <a:tcPr>
-                    <a:lnL w="12700" cmpd="sng">
-                      <a:noFill/>
-                    </a:lnL>
-                    <a:lnR w="12700" cmpd="sng">
-                      <a:noFill/>
+                  <a:tcPr anchor="ctr">
+                    <a:lnR w="28575" cap="flat" cmpd="sng" algn="ctr">
+                      <a:solidFill>
+                        <a:srgbClr val="FFFF00"/>
+                      </a:solidFill>
+                      <a:prstDash val="sysDash"/>
+                      <a:round/>
+                      <a:headEnd type="none" w="med" len="med"/>
+                      <a:tailEnd type="none" w="med" len="med"/>
                     </a:lnR>
-                    <a:lnT w="12700" cmpd="sng">
-                      <a:noFill/>
-                    </a:lnT>
-                    <a:lnB w="12700" cmpd="sng">
-                      <a:noFill/>
+                    <a:lnB w="28575" cap="flat" cmpd="sng" algn="ctr">
+                      <a:solidFill>
+                        <a:srgbClr val="FFFF00"/>
+                      </a:solidFill>
+                      <a:prstDash val="sysDash"/>
+                      <a:round/>
+                      <a:headEnd type="none" w="med" len="med"/>
+                      <a:tailEnd type="none" w="med" len="med"/>
                     </a:lnB>
-                    <a:lnTlToBr w="12700" cmpd="sng">
+                    <a:lnBlToTr w="12700" cap="flat" cmpd="sng" algn="ctr">
                       <a:noFill/>
                       <a:prstDash val="solid"/>
-                    </a:lnTlToBr>
-                    <a:lnBlToTr w="12700" cmpd="sng">
-                      <a:noFill/>
-                      <a:prstDash val="solid"/>
+                      <a:round/>
+                      <a:headEnd type="none" w="med" len="med"/>
+                      <a:tailEnd type="none" w="med" len="med"/>
                     </a:lnBlToTr>
-                  </a:tcPr>
-                </a:tc>
-                <a:tc>
-                  <a:txBody>
-                    <a:bodyPr/>
-                    <a:lstStyle/>
-                    <a:p>
-                      <a:endParaRPr lang="ru-KZ"/>
-                    </a:p>
-                  </a:txBody>
-                  <a:tcPr>
-                    <a:lnL w="12700" cmpd="sng">
-                      <a:noFill/>
-                    </a:lnL>
-                    <a:lnR w="12700" cmpd="sng">
-                      <a:noFill/>
-                    </a:lnR>
-                    <a:lnT w="12700" cmpd="sng">
-                      <a:noFill/>
-                    </a:lnT>
-                    <a:lnB w="12700" cmpd="sng">
-                      <a:noFill/>
-                    </a:lnB>
-                    <a:lnTlToBr w="12700" cmpd="sng">
-                      <a:noFill/>
-                      <a:prstDash val="solid"/>
-                    </a:lnTlToBr>
-                    <a:lnBlToTr w="12700" cmpd="sng">
-                      <a:noFill/>
-                      <a:prstDash val="solid"/>
-                    </a:lnBlToTr>
-                  </a:tcPr>
-                </a:tc>
-                <a:tc>
-                  <a:txBody>
-                    <a:bodyPr/>
-                    <a:lstStyle/>
-                    <a:p>
-                      <a:endParaRPr lang="ru-KZ"/>
-                    </a:p>
-                  </a:txBody>
-                  <a:tcPr>
-                    <a:lnL w="12700" cmpd="sng">
-                      <a:noFill/>
-                    </a:lnL>
-                    <a:lnR w="12700" cmpd="sng">
-                      <a:noFill/>
-                    </a:lnR>
-                    <a:lnT w="12700" cmpd="sng">
-                      <a:noFill/>
-                    </a:lnT>
-                    <a:lnB w="12700" cmpd="sng">
-                      <a:noFill/>
-                    </a:lnB>
-                    <a:lnTlToBr w="12700" cmpd="sng">
-                      <a:noFill/>
-                      <a:prstDash val="solid"/>
-                    </a:lnTlToBr>
-                    <a:lnBlToTr w="12700" cmpd="sng">
-                      <a:noFill/>
-                      <a:prstDash val="solid"/>
-                    </a:lnBlToTr>
+                    <a:solidFill>
+                      <a:schemeClr val="bg1">
+                        <a:lumMod val="75000"/>
+                      </a:schemeClr>
+                    </a:solidFill>
                   </a:tcPr>
                 </a:tc>
                 <a:extLst>
                   <a:ext uri="{0D108BD9-81ED-4DB2-BD59-A6C34878D82A}">
-                    <a16:rowId xmlns:a16="http://schemas.microsoft.com/office/drawing/2014/main" val="2259619170"/>
-                  </a:ext>
-                </a:extLst>
-              </a:tr>
-              <a:tr h="370840">
-                <a:tc>
-                  <a:txBody>
-                    <a:bodyPr/>
-                    <a:lstStyle/>
-                    <a:p>
-                      <a:endParaRPr lang="ru-KZ"/>
-                    </a:p>
-                  </a:txBody>
-                  <a:tcPr>
-                    <a:lnL w="12700" cmpd="sng">
-                      <a:noFill/>
-                    </a:lnL>
-                    <a:lnR w="12700" cmpd="sng">
-                      <a:noFill/>
-                    </a:lnR>
-                    <a:lnT w="12700" cmpd="sng">
-                      <a:noFill/>
-                    </a:lnT>
-                    <a:lnB w="12700" cmpd="sng">
-                      <a:noFill/>
-                    </a:lnB>
-                    <a:lnTlToBr w="12700" cmpd="sng">
-                      <a:noFill/>
-                      <a:prstDash val="solid"/>
-                    </a:lnTlToBr>
-                    <a:lnBlToTr w="12700" cmpd="sng">
-                      <a:noFill/>
-                      <a:prstDash val="solid"/>
-                    </a:lnBlToTr>
-                  </a:tcPr>
-                </a:tc>
-                <a:tc>
-                  <a:txBody>
-                    <a:bodyPr/>
-                    <a:lstStyle/>
-                    <a:p>
-                      <a:endParaRPr lang="ru-KZ" dirty="0"/>
-                    </a:p>
-                  </a:txBody>
-                  <a:tcPr>
-                    <a:lnL w="12700" cmpd="sng">
-                      <a:noFill/>
-                    </a:lnL>
-                    <a:lnR w="12700" cmpd="sng">
-                      <a:noFill/>
-                    </a:lnR>
-                    <a:lnT w="12700" cmpd="sng">
-                      <a:noFill/>
-                    </a:lnT>
-                    <a:lnB w="12700" cmpd="sng">
-                      <a:noFill/>
-                    </a:lnB>
-                    <a:lnTlToBr w="12700" cmpd="sng">
-                      <a:noFill/>
-                      <a:prstDash val="solid"/>
-                    </a:lnTlToBr>
-                    <a:lnBlToTr w="12700" cmpd="sng">
-                      <a:noFill/>
-                      <a:prstDash val="solid"/>
-                    </a:lnBlToTr>
-                  </a:tcPr>
-                </a:tc>
-                <a:tc>
-                  <a:txBody>
-                    <a:bodyPr/>
-                    <a:lstStyle/>
-                    <a:p>
-                      <a:endParaRPr lang="ru-KZ"/>
-                    </a:p>
-                  </a:txBody>
-                  <a:tcPr>
-                    <a:lnL w="12700" cmpd="sng">
-                      <a:noFill/>
-                    </a:lnL>
-                    <a:lnR w="12700" cmpd="sng">
-                      <a:noFill/>
-                    </a:lnR>
-                    <a:lnT w="12700" cmpd="sng">
-                      <a:noFill/>
-                    </a:lnT>
-                    <a:lnB w="12700" cmpd="sng">
-                      <a:noFill/>
-                    </a:lnB>
-                    <a:lnTlToBr w="12700" cmpd="sng">
-                      <a:noFill/>
-                      <a:prstDash val="solid"/>
-                    </a:lnTlToBr>
-                    <a:lnBlToTr w="12700" cmpd="sng">
-                      <a:noFill/>
-                      <a:prstDash val="solid"/>
-                    </a:lnBlToTr>
-                  </a:tcPr>
-                </a:tc>
-                <a:tc>
-                  <a:txBody>
-                    <a:bodyPr/>
-                    <a:lstStyle/>
-                    <a:p>
-                      <a:endParaRPr lang="ru-KZ" dirty="0"/>
-                    </a:p>
-                  </a:txBody>
-                  <a:tcPr>
-                    <a:lnL w="12700" cmpd="sng">
-                      <a:noFill/>
-                    </a:lnL>
-                    <a:lnR w="12700" cmpd="sng">
-                      <a:noFill/>
-                    </a:lnR>
-                    <a:lnT w="12700" cmpd="sng">
-                      <a:noFill/>
-                    </a:lnT>
-                    <a:lnB w="12700" cmpd="sng">
-                      <a:noFill/>
-                    </a:lnB>
-                    <a:lnTlToBr w="12700" cmpd="sng">
-                      <a:noFill/>
-                      <a:prstDash val="solid"/>
-                    </a:lnTlToBr>
-                    <a:lnBlToTr w="12700" cmpd="sng">
-                      <a:noFill/>
-                      <a:prstDash val="solid"/>
-                    </a:lnBlToTr>
-                  </a:tcPr>
-                </a:tc>
-                <a:extLst>
-                  <a:ext uri="{0D108BD9-81ED-4DB2-BD59-A6C34878D82A}">
-                    <a16:rowId xmlns:a16="http://schemas.microsoft.com/office/drawing/2014/main" val="4200242649"/>
+                    <a16:rowId xmlns:a16="http://schemas.microsoft.com/office/drawing/2014/main" val="1656631384"/>
                   </a:ext>
                 </a:extLst>
               </a:tr>
@@ -12336,16 +11282,99 @@
   <p:clrMapOvr>
     <a:masterClrMapping/>
   </p:clrMapOvr>
+  <p:timing>
+    <p:tnLst>
+      <p:par>
+        <p:cTn id="1" dur="indefinite" restart="never" nodeType="tmRoot">
+          <p:childTnLst>
+            <p:seq concurrent="1" nextAc="seek">
+              <p:cTn id="2" dur="indefinite" nodeType="mainSeq">
+                <p:childTnLst>
+                  <p:par>
+                    <p:cTn id="3" fill="hold">
+                      <p:stCondLst>
+                        <p:cond delay="indefinite"/>
+                      </p:stCondLst>
+                      <p:childTnLst>
+                        <p:par>
+                          <p:cTn id="4" fill="hold">
+                            <p:stCondLst>
+                              <p:cond delay="0"/>
+                            </p:stCondLst>
+                            <p:childTnLst>
+                              <p:par>
+                                <p:cTn id="5" presetID="21" presetClass="entr" presetSubtype="1" fill="hold" nodeType="clickEffect">
+                                  <p:stCondLst>
+                                    <p:cond delay="0"/>
+                                  </p:stCondLst>
+                                  <p:childTnLst>
+                                    <p:set>
+                                      <p:cBhvr>
+                                        <p:cTn id="6" dur="1" fill="hold">
+                                          <p:stCondLst>
+                                            <p:cond delay="0"/>
+                                          </p:stCondLst>
+                                        </p:cTn>
+                                        <p:tgtEl>
+                                          <p:spTgt spid="2"/>
+                                        </p:tgtEl>
+                                        <p:attrNameLst>
+                                          <p:attrName>style.visibility</p:attrName>
+                                        </p:attrNameLst>
+                                      </p:cBhvr>
+                                      <p:to>
+                                        <p:strVal val="visible"/>
+                                      </p:to>
+                                    </p:set>
+                                    <p:animEffect transition="in" filter="wheel(1)">
+                                      <p:cBhvr>
+                                        <p:cTn id="7" dur="2000"/>
+                                        <p:tgtEl>
+                                          <p:spTgt spid="2"/>
+                                        </p:tgtEl>
+                                      </p:cBhvr>
+                                    </p:animEffect>
+                                  </p:childTnLst>
+                                </p:cTn>
+                              </p:par>
+                            </p:childTnLst>
+                          </p:cTn>
+                        </p:par>
+                      </p:childTnLst>
+                    </p:cTn>
+                  </p:par>
+                </p:childTnLst>
+              </p:cTn>
+              <p:prevCondLst>
+                <p:cond evt="onPrev" delay="0">
+                  <p:tgtEl>
+                    <p:sldTgt/>
+                  </p:tgtEl>
+                </p:cond>
+              </p:prevCondLst>
+              <p:nextCondLst>
+                <p:cond evt="onNext" delay="0">
+                  <p:tgtEl>
+                    <p:sldTgt/>
+                  </p:tgtEl>
+                </p:cond>
+              </p:nextCondLst>
+            </p:seq>
+          </p:childTnLst>
+        </p:cTn>
+      </p:par>
+    </p:tnLst>
+  </p:timing>
 </p:sld>
 </file>
 
-<file path=ppt/slides/slide8.xml><?xml version="1.0" encoding="utf-8"?>
+<file path=ppt/slides/slide9.xml><?xml version="1.0" encoding="utf-8"?>
 <p:sld xmlns:a="http://schemas.openxmlformats.org/drawingml/2006/main" xmlns:r="http://schemas.openxmlformats.org/officeDocument/2006/relationships" xmlns:p="http://schemas.openxmlformats.org/presentationml/2006/main">
   <p:cSld>
     <p:bg>
       <p:bgPr>
         <a:solidFill>
-          <a:srgbClr val="5BC4BD"/>
+          <a:srgbClr val="000000"/>
         </a:solidFill>
         <a:effectLst/>
       </p:bgPr>
@@ -12366,33 +11395,21 @@
       </p:grpSpPr>
       <p:grpSp>
         <p:nvGrpSpPr>
-          <p:cNvPr id="29" name="Group 2">
-            <a:extLst>
-              <a:ext uri="{FF2B5EF4-FFF2-40B4-BE49-F238E27FC236}">
-                <a16:creationId xmlns:a16="http://schemas.microsoft.com/office/drawing/2014/main" id="{953FC939-B219-C1CD-D50A-6197A6E83339}"/>
-              </a:ext>
-            </a:extLst>
-          </p:cNvPr>
+          <p:cNvPr id="2" name="Group 2"/>
           <p:cNvGrpSpPr/>
           <p:nvPr/>
         </p:nvGrpSpPr>
         <p:grpSpPr>
           <a:xfrm>
-            <a:off x="-514350" y="4762"/>
-            <a:ext cx="18802350" cy="2324100"/>
+            <a:off x="-514350" y="0"/>
+            <a:ext cx="18802350" cy="2856866"/>
             <a:chOff x="0" y="0"/>
             <a:chExt cx="4952059" cy="752426"/>
           </a:xfrm>
         </p:grpSpPr>
         <p:sp>
           <p:nvSpPr>
-            <p:cNvPr id="30" name="Freeform 3">
-              <a:extLst>
-                <a:ext uri="{FF2B5EF4-FFF2-40B4-BE49-F238E27FC236}">
-                  <a16:creationId xmlns:a16="http://schemas.microsoft.com/office/drawing/2014/main" id="{24B0EFE0-4EB5-21B9-19D1-6BCE7621AE64}"/>
-                </a:ext>
-              </a:extLst>
-            </p:cNvPr>
+            <p:cNvPr id="3" name="Freeform 3"/>
             <p:cNvSpPr/>
             <p:nvPr/>
           </p:nvSpPr>
@@ -12432,13 +11449,7 @@
         </p:sp>
         <p:sp>
           <p:nvSpPr>
-            <p:cNvPr id="31" name="TextBox 4">
-              <a:extLst>
-                <a:ext uri="{FF2B5EF4-FFF2-40B4-BE49-F238E27FC236}">
-                  <a16:creationId xmlns:a16="http://schemas.microsoft.com/office/drawing/2014/main" id="{2DEF8223-8AE5-A02A-B808-1F9FC8836501}"/>
-                </a:ext>
-              </a:extLst>
-            </p:cNvPr>
+            <p:cNvPr id="4" name="TextBox 4"/>
             <p:cNvSpPr txBox="1"/>
             <p:nvPr/>
           </p:nvSpPr>
@@ -12465,23 +11476,216 @@
           </p:txBody>
         </p:sp>
       </p:grpSp>
+      <p:grpSp>
+        <p:nvGrpSpPr>
+          <p:cNvPr id="5" name="Group 5"/>
+          <p:cNvGrpSpPr/>
+          <p:nvPr/>
+        </p:nvGrpSpPr>
+        <p:grpSpPr>
+          <a:xfrm>
+            <a:off x="1038369" y="2463228"/>
+            <a:ext cx="7901284" cy="7215761"/>
+            <a:chOff x="0" y="0"/>
+            <a:chExt cx="10535046" cy="9621014"/>
+          </a:xfrm>
+        </p:grpSpPr>
+        <p:grpSp>
+          <p:nvGrpSpPr>
+            <p:cNvPr id="6" name="Group 6"/>
+            <p:cNvGrpSpPr/>
+            <p:nvPr/>
+          </p:nvGrpSpPr>
+          <p:grpSpPr>
+            <a:xfrm>
+              <a:off x="0" y="267599"/>
+              <a:ext cx="10420223" cy="9353415"/>
+              <a:chOff x="0" y="0"/>
+              <a:chExt cx="2058316" cy="1847588"/>
+            </a:xfrm>
+          </p:grpSpPr>
+          <p:sp>
+            <p:nvSpPr>
+              <p:cNvPr id="7" name="Freeform 7"/>
+              <p:cNvSpPr/>
+              <p:nvPr/>
+            </p:nvSpPr>
+            <p:spPr>
+              <a:xfrm>
+                <a:off x="0" y="0"/>
+                <a:ext cx="2058316" cy="1847588"/>
+              </a:xfrm>
+              <a:custGeom>
+                <a:avLst/>
+                <a:gdLst/>
+                <a:ahLst/>
+                <a:cxnLst/>
+                <a:rect l="l" t="t" r="r" b="b"/>
+                <a:pathLst>
+                  <a:path w="2058316" h="1847588">
+                    <a:moveTo>
+                      <a:pt x="0" y="0"/>
+                    </a:moveTo>
+                    <a:lnTo>
+                      <a:pt x="2058316" y="0"/>
+                    </a:lnTo>
+                    <a:lnTo>
+                      <a:pt x="2058316" y="1847588"/>
+                    </a:lnTo>
+                    <a:lnTo>
+                      <a:pt x="0" y="1847588"/>
+                    </a:lnTo>
+                    <a:close/>
+                  </a:path>
+                </a:pathLst>
+              </a:custGeom>
+              <a:solidFill>
+                <a:srgbClr val="5BC4BD"/>
+              </a:solidFill>
+            </p:spPr>
+          </p:sp>
+          <p:sp>
+            <p:nvSpPr>
+              <p:cNvPr id="8" name="TextBox 8"/>
+              <p:cNvSpPr txBox="1"/>
+              <p:nvPr/>
+            </p:nvSpPr>
+            <p:spPr>
+              <a:xfrm>
+                <a:off x="0" y="-38100"/>
+                <a:ext cx="2058316" cy="1885688"/>
+              </a:xfrm>
+              <a:prstGeom prst="rect">
+                <a:avLst/>
+              </a:prstGeom>
+            </p:spPr>
+            <p:txBody>
+              <a:bodyPr lIns="50800" tIns="50800" rIns="50800" bIns="50800" rtlCol="0" anchor="ctr"/>
+              <a:lstStyle/>
+              <a:p>
+                <a:pPr algn="ctr">
+                  <a:lnSpc>
+                    <a:spcPts val="2659"/>
+                  </a:lnSpc>
+                  <a:spcBef>
+                    <a:spcPct val="0"/>
+                  </a:spcBef>
+                </a:pPr>
+                <a:endParaRPr/>
+              </a:p>
+            </p:txBody>
+          </p:sp>
+        </p:grpSp>
+        <p:grpSp>
+          <p:nvGrpSpPr>
+            <p:cNvPr id="9" name="Group 9"/>
+            <p:cNvGrpSpPr/>
+            <p:nvPr/>
+          </p:nvGrpSpPr>
+          <p:grpSpPr>
+            <a:xfrm>
+              <a:off x="163397" y="0"/>
+              <a:ext cx="10371648" cy="9351469"/>
+              <a:chOff x="0" y="0"/>
+              <a:chExt cx="2048721" cy="1847204"/>
+            </a:xfrm>
+          </p:grpSpPr>
+          <p:sp>
+            <p:nvSpPr>
+              <p:cNvPr id="10" name="Freeform 10"/>
+              <p:cNvSpPr/>
+              <p:nvPr/>
+            </p:nvSpPr>
+            <p:spPr>
+              <a:xfrm>
+                <a:off x="0" y="0"/>
+                <a:ext cx="2048721" cy="1847204"/>
+              </a:xfrm>
+              <a:custGeom>
+                <a:avLst/>
+                <a:gdLst/>
+                <a:ahLst/>
+                <a:cxnLst/>
+                <a:rect l="l" t="t" r="r" b="b"/>
+                <a:pathLst>
+                  <a:path w="2048721" h="1847204">
+                    <a:moveTo>
+                      <a:pt x="0" y="0"/>
+                    </a:moveTo>
+                    <a:lnTo>
+                      <a:pt x="2048721" y="0"/>
+                    </a:lnTo>
+                    <a:lnTo>
+                      <a:pt x="2048721" y="1847204"/>
+                    </a:lnTo>
+                    <a:lnTo>
+                      <a:pt x="0" y="1847204"/>
+                    </a:lnTo>
+                    <a:close/>
+                  </a:path>
+                </a:pathLst>
+              </a:custGeom>
+              <a:solidFill>
+                <a:srgbClr val="000000">
+                  <a:alpha val="0"/>
+                </a:srgbClr>
+              </a:solidFill>
+              <a:ln w="57150" cap="sq">
+                <a:solidFill>
+                  <a:srgbClr val="000000"/>
+                </a:solidFill>
+                <a:prstDash val="solid"/>
+                <a:miter/>
+              </a:ln>
+            </p:spPr>
+          </p:sp>
+          <p:sp>
+            <p:nvSpPr>
+              <p:cNvPr id="11" name="TextBox 11"/>
+              <p:cNvSpPr txBox="1"/>
+              <p:nvPr/>
+            </p:nvSpPr>
+            <p:spPr>
+              <a:xfrm>
+                <a:off x="0" y="-38100"/>
+                <a:ext cx="2048721" cy="1885304"/>
+              </a:xfrm>
+              <a:prstGeom prst="rect">
+                <a:avLst/>
+              </a:prstGeom>
+            </p:spPr>
+            <p:txBody>
+              <a:bodyPr lIns="50800" tIns="50800" rIns="50800" bIns="50800" rtlCol="0" anchor="ctr"/>
+              <a:lstStyle/>
+              <a:p>
+                <a:pPr algn="ctr">
+                  <a:lnSpc>
+                    <a:spcPts val="2659"/>
+                  </a:lnSpc>
+                </a:pPr>
+                <a:endParaRPr/>
+              </a:p>
+            </p:txBody>
+          </p:sp>
+        </p:grpSp>
+      </p:grpSp>
       <p:sp>
         <p:nvSpPr>
-          <p:cNvPr id="2" name="TextBox 2"/>
+          <p:cNvPr id="12" name="TextBox 12"/>
           <p:cNvSpPr txBox="1"/>
           <p:nvPr/>
         </p:nvSpPr>
         <p:spPr>
           <a:xfrm>
-            <a:off x="4849006" y="434709"/>
-            <a:ext cx="8075637" cy="1346522"/>
+            <a:off x="1028700" y="733425"/>
+            <a:ext cx="16230600" cy="1217706"/>
           </a:xfrm>
           <a:prstGeom prst="rect">
             <a:avLst/>
           </a:prstGeom>
         </p:spPr>
         <p:txBody>
-          <a:bodyPr wrap="square" lIns="0" tIns="0" rIns="0" bIns="0" rtlCol="0" anchor="t">
+          <a:bodyPr lIns="0" tIns="0" rIns="0" bIns="0" rtlCol="0" anchor="t">
             <a:spAutoFit/>
           </a:bodyPr>
           <a:lstStyle/>
@@ -12495,7 +11699,7 @@
               </a:spcBef>
             </a:pPr>
             <a:r>
-              <a:rPr lang="en-US" sz="8800" dirty="0">
+              <a:rPr lang="en-US" sz="7500" dirty="0">
                 <a:solidFill>
                   <a:srgbClr val="000000"/>
                 </a:solidFill>
@@ -12504,529 +11708,267 @@
                 <a:cs typeface="Pixellet TH"/>
                 <a:sym typeface="Pixellet TH"/>
               </a:rPr>
-              <a:t>Paragraphs</a:t>
+              <a:t>Plugins</a:t>
             </a:r>
           </a:p>
         </p:txBody>
       </p:sp>
+      <p:grpSp>
+        <p:nvGrpSpPr>
+          <p:cNvPr id="15" name="Group 15"/>
+          <p:cNvGrpSpPr/>
+          <p:nvPr/>
+        </p:nvGrpSpPr>
+        <p:grpSpPr>
+          <a:xfrm>
+            <a:off x="9348346" y="2463228"/>
+            <a:ext cx="7901284" cy="7215761"/>
+            <a:chOff x="0" y="0"/>
+            <a:chExt cx="10535046" cy="9621014"/>
+          </a:xfrm>
+        </p:grpSpPr>
+        <p:grpSp>
+          <p:nvGrpSpPr>
+            <p:cNvPr id="16" name="Group 16"/>
+            <p:cNvGrpSpPr/>
+            <p:nvPr/>
+          </p:nvGrpSpPr>
+          <p:grpSpPr>
+            <a:xfrm>
+              <a:off x="0" y="267599"/>
+              <a:ext cx="10420223" cy="9353415"/>
+              <a:chOff x="0" y="0"/>
+              <a:chExt cx="2058316" cy="1847588"/>
+            </a:xfrm>
+          </p:grpSpPr>
+          <p:sp>
+            <p:nvSpPr>
+              <p:cNvPr id="17" name="Freeform 17"/>
+              <p:cNvSpPr/>
+              <p:nvPr/>
+            </p:nvSpPr>
+            <p:spPr>
+              <a:xfrm>
+                <a:off x="0" y="0"/>
+                <a:ext cx="2058316" cy="1847588"/>
+              </a:xfrm>
+              <a:custGeom>
+                <a:avLst/>
+                <a:gdLst/>
+                <a:ahLst/>
+                <a:cxnLst/>
+                <a:rect l="l" t="t" r="r" b="b"/>
+                <a:pathLst>
+                  <a:path w="2058316" h="1847588">
+                    <a:moveTo>
+                      <a:pt x="0" y="0"/>
+                    </a:moveTo>
+                    <a:lnTo>
+                      <a:pt x="2058316" y="0"/>
+                    </a:lnTo>
+                    <a:lnTo>
+                      <a:pt x="2058316" y="1847588"/>
+                    </a:lnTo>
+                    <a:lnTo>
+                      <a:pt x="0" y="1847588"/>
+                    </a:lnTo>
+                    <a:close/>
+                  </a:path>
+                </a:pathLst>
+              </a:custGeom>
+              <a:solidFill>
+                <a:srgbClr val="5BC4BD"/>
+              </a:solidFill>
+            </p:spPr>
+          </p:sp>
+          <p:sp>
+            <p:nvSpPr>
+              <p:cNvPr id="18" name="TextBox 18"/>
+              <p:cNvSpPr txBox="1"/>
+              <p:nvPr/>
+            </p:nvSpPr>
+            <p:spPr>
+              <a:xfrm>
+                <a:off x="0" y="-38100"/>
+                <a:ext cx="2058316" cy="1885688"/>
+              </a:xfrm>
+              <a:prstGeom prst="rect">
+                <a:avLst/>
+              </a:prstGeom>
+            </p:spPr>
+            <p:txBody>
+              <a:bodyPr lIns="50800" tIns="50800" rIns="50800" bIns="50800" rtlCol="0" anchor="ctr"/>
+              <a:lstStyle/>
+              <a:p>
+                <a:pPr algn="ctr">
+                  <a:lnSpc>
+                    <a:spcPts val="2659"/>
+                  </a:lnSpc>
+                  <a:spcBef>
+                    <a:spcPct val="0"/>
+                  </a:spcBef>
+                </a:pPr>
+                <a:endParaRPr/>
+              </a:p>
+            </p:txBody>
+          </p:sp>
+        </p:grpSp>
+        <p:grpSp>
+          <p:nvGrpSpPr>
+            <p:cNvPr id="19" name="Group 19"/>
+            <p:cNvGrpSpPr/>
+            <p:nvPr/>
+          </p:nvGrpSpPr>
+          <p:grpSpPr>
+            <a:xfrm>
+              <a:off x="163397" y="0"/>
+              <a:ext cx="10371648" cy="9351469"/>
+              <a:chOff x="0" y="0"/>
+              <a:chExt cx="2048721" cy="1847204"/>
+            </a:xfrm>
+          </p:grpSpPr>
+          <p:sp>
+            <p:nvSpPr>
+              <p:cNvPr id="20" name="Freeform 20"/>
+              <p:cNvSpPr/>
+              <p:nvPr/>
+            </p:nvSpPr>
+            <p:spPr>
+              <a:xfrm>
+                <a:off x="0" y="0"/>
+                <a:ext cx="2048721" cy="1847204"/>
+              </a:xfrm>
+              <a:custGeom>
+                <a:avLst/>
+                <a:gdLst/>
+                <a:ahLst/>
+                <a:cxnLst/>
+                <a:rect l="l" t="t" r="r" b="b"/>
+                <a:pathLst>
+                  <a:path w="2048721" h="1847204">
+                    <a:moveTo>
+                      <a:pt x="0" y="0"/>
+                    </a:moveTo>
+                    <a:lnTo>
+                      <a:pt x="2048721" y="0"/>
+                    </a:lnTo>
+                    <a:lnTo>
+                      <a:pt x="2048721" y="1847204"/>
+                    </a:lnTo>
+                    <a:lnTo>
+                      <a:pt x="0" y="1847204"/>
+                    </a:lnTo>
+                    <a:close/>
+                  </a:path>
+                </a:pathLst>
+              </a:custGeom>
+              <a:solidFill>
+                <a:srgbClr val="000000">
+                  <a:alpha val="0"/>
+                </a:srgbClr>
+              </a:solidFill>
+              <a:ln w="57150" cap="sq">
+                <a:solidFill>
+                  <a:srgbClr val="000000"/>
+                </a:solidFill>
+                <a:prstDash val="solid"/>
+                <a:miter/>
+              </a:ln>
+            </p:spPr>
+          </p:sp>
+          <p:sp>
+            <p:nvSpPr>
+              <p:cNvPr id="21" name="TextBox 21"/>
+              <p:cNvSpPr txBox="1"/>
+              <p:nvPr/>
+            </p:nvSpPr>
+            <p:spPr>
+              <a:xfrm>
+                <a:off x="0" y="-38100"/>
+                <a:ext cx="2048721" cy="1885304"/>
+              </a:xfrm>
+              <a:prstGeom prst="rect">
+                <a:avLst/>
+              </a:prstGeom>
+            </p:spPr>
+            <p:txBody>
+              <a:bodyPr lIns="50800" tIns="50800" rIns="50800" bIns="50800" rtlCol="0" anchor="ctr"/>
+              <a:lstStyle/>
+              <a:p>
+                <a:pPr algn="ctr">
+                  <a:lnSpc>
+                    <a:spcPts val="2659"/>
+                  </a:lnSpc>
+                </a:pPr>
+                <a:endParaRPr/>
+              </a:p>
+            </p:txBody>
+          </p:sp>
+        </p:grpSp>
+      </p:grpSp>
       <p:sp>
         <p:nvSpPr>
-          <p:cNvPr id="32" name="TextBox 11">
-            <a:hlinkClick r:id="rId2" action="ppaction://hlinksldjump"/>
-            <a:extLst>
-              <a:ext uri="{FF2B5EF4-FFF2-40B4-BE49-F238E27FC236}">
-                <a16:creationId xmlns:a16="http://schemas.microsoft.com/office/drawing/2014/main" id="{67BDC2C7-5BE5-5624-6AF2-2B17C24574A7}"/>
-              </a:ext>
-            </a:extLst>
-          </p:cNvPr>
-          <p:cNvSpPr txBox="1"/>
+          <p:cNvPr id="23" name="Freeform 23"/>
+          <p:cNvSpPr/>
           <p:nvPr/>
         </p:nvSpPr>
         <p:spPr>
-          <a:xfrm>
-            <a:off x="606399" y="2369884"/>
-            <a:ext cx="8882062" cy="1159548"/>
+          <a:xfrm rot="10245777">
+            <a:off x="-919558" y="6831521"/>
+            <a:ext cx="3204400" cy="4114800"/>
           </a:xfrm>
-          <a:prstGeom prst="rect">
+          <a:custGeom>
             <a:avLst/>
-          </a:prstGeom>
+            <a:gdLst/>
+            <a:ahLst/>
+            <a:cxnLst/>
+            <a:rect l="l" t="t" r="r" b="b"/>
+            <a:pathLst>
+              <a:path w="3204400" h="4114800">
+                <a:moveTo>
+                  <a:pt x="0" y="0"/>
+                </a:moveTo>
+                <a:lnTo>
+                  <a:pt x="3204401" y="0"/>
+                </a:lnTo>
+                <a:lnTo>
+                  <a:pt x="3204401" y="4114800"/>
+                </a:lnTo>
+                <a:lnTo>
+                  <a:pt x="0" y="4114800"/>
+                </a:lnTo>
+                <a:lnTo>
+                  <a:pt x="0" y="0"/>
+                </a:lnTo>
+                <a:close/>
+              </a:path>
+            </a:pathLst>
+          </a:custGeom>
+          <a:blipFill>
+            <a:blip r:embed="rId2">
+              <a:extLst>
+                <a:ext uri="{96DAC541-7B7A-43D3-8B79-37D633B846F1}">
+                  <asvg:svgBlip xmlns:asvg="http://schemas.microsoft.com/office/drawing/2016/SVG/main" r:embed="rId3"/>
+                </a:ext>
+              </a:extLst>
+            </a:blip>
+            <a:stretch>
+              <a:fillRect/>
+            </a:stretch>
+          </a:blipFill>
         </p:spPr>
-        <p:txBody>
-          <a:bodyPr wrap="square" lIns="0" tIns="0" rIns="0" bIns="0" rtlCol="0" anchor="t">
-            <a:spAutoFit/>
-          </a:bodyPr>
-          <a:lstStyle/>
-          <a:p>
-            <a:pPr>
-              <a:lnSpc>
-                <a:spcPts val="10500"/>
-              </a:lnSpc>
-              <a:spcBef>
-                <a:spcPct val="0"/>
-              </a:spcBef>
-            </a:pPr>
-            <a:r>
-              <a:rPr lang="ru-RU" sz="5400" dirty="0">
-                <a:latin typeface="Pixellet TH"/>
-                <a:ea typeface="Pixellet TH"/>
-                <a:cs typeface="Pixellet TH"/>
-                <a:sym typeface="Pixellet TH"/>
-              </a:rPr>
-              <a:t>1. </a:t>
-            </a:r>
-            <a:r>
-              <a:rPr lang="en-US" sz="5400" dirty="0">
-                <a:latin typeface="Pixellet TH"/>
-                <a:ea typeface="Pixellet TH"/>
-                <a:cs typeface="Pixellet TH"/>
-                <a:sym typeface="Pixellet TH"/>
-              </a:rPr>
-              <a:t>What is </a:t>
-            </a:r>
-            <a:r>
-              <a:rPr lang="en-US" sz="5400" dirty="0" err="1">
-                <a:latin typeface="Pixellet TH"/>
-                <a:ea typeface="Pixellet TH"/>
-                <a:cs typeface="Pixellet TH"/>
-                <a:sym typeface="Pixellet TH"/>
-              </a:rPr>
-              <a:t>neovim</a:t>
-            </a:r>
-            <a:r>
-              <a:rPr lang="en-US" sz="5400" dirty="0">
-                <a:latin typeface="Pixellet TH"/>
-                <a:ea typeface="Pixellet TH"/>
-                <a:cs typeface="Pixellet TH"/>
-                <a:sym typeface="Pixellet TH"/>
-              </a:rPr>
-              <a:t>?</a:t>
-            </a:r>
-          </a:p>
-        </p:txBody>
-      </p:sp>
-      <p:sp>
-        <p:nvSpPr>
-          <p:cNvPr id="33" name="TextBox 11">
-            <a:hlinkClick r:id="rId3" action="ppaction://hlinksldjump"/>
-            <a:extLst>
-              <a:ext uri="{FF2B5EF4-FFF2-40B4-BE49-F238E27FC236}">
-                <a16:creationId xmlns:a16="http://schemas.microsoft.com/office/drawing/2014/main" id="{63A46A45-476B-4782-7353-25AD81DCAEBE}"/>
-              </a:ext>
-            </a:extLst>
-          </p:cNvPr>
-          <p:cNvSpPr txBox="1"/>
-          <p:nvPr/>
-        </p:nvSpPr>
-        <p:spPr>
-          <a:xfrm>
-            <a:off x="606399" y="3361241"/>
-            <a:ext cx="8710612" cy="1159548"/>
-          </a:xfrm>
-          <a:prstGeom prst="rect">
-            <a:avLst/>
-          </a:prstGeom>
-        </p:spPr>
-        <p:txBody>
-          <a:bodyPr wrap="square" lIns="0" tIns="0" rIns="0" bIns="0" rtlCol="0" anchor="t">
-            <a:spAutoFit/>
-          </a:bodyPr>
-          <a:lstStyle/>
-          <a:p>
-            <a:pPr>
-              <a:lnSpc>
-                <a:spcPts val="10500"/>
-              </a:lnSpc>
-              <a:spcBef>
-                <a:spcPct val="0"/>
-              </a:spcBef>
-            </a:pPr>
-            <a:r>
-              <a:rPr lang="ru-RU" sz="5400" dirty="0">
-                <a:latin typeface="Pixellet TH"/>
-                <a:ea typeface="Pixellet TH"/>
-                <a:cs typeface="Pixellet TH"/>
-                <a:sym typeface="Pixellet TH"/>
-              </a:rPr>
-              <a:t>2. </a:t>
-            </a:r>
-            <a:r>
-              <a:rPr lang="en-US" sz="5400" dirty="0">
-                <a:latin typeface="Pixellet TH"/>
-                <a:ea typeface="Pixellet TH"/>
-                <a:cs typeface="Pixellet TH"/>
-                <a:sym typeface="Pixellet TH"/>
-              </a:rPr>
-              <a:t>Wy </a:t>
-            </a:r>
-            <a:r>
-              <a:rPr lang="en-US" sz="5400" dirty="0" err="1">
-                <a:latin typeface="Pixellet TH"/>
-                <a:ea typeface="Pixellet TH"/>
-                <a:cs typeface="Pixellet TH"/>
-                <a:sym typeface="Pixellet TH"/>
-              </a:rPr>
-              <a:t>neovim</a:t>
-            </a:r>
-            <a:r>
-              <a:rPr lang="en-US" sz="5400" dirty="0">
-                <a:latin typeface="Pixellet TH"/>
-                <a:ea typeface="Pixellet TH"/>
-                <a:cs typeface="Pixellet TH"/>
-                <a:sym typeface="Pixellet TH"/>
-              </a:rPr>
-              <a:t>?</a:t>
-            </a:r>
-          </a:p>
-        </p:txBody>
-      </p:sp>
-      <p:sp>
-        <p:nvSpPr>
-          <p:cNvPr id="34" name="TextBox 11">
-            <a:hlinkClick r:id="rId2" action="ppaction://hlinksldjump"/>
-            <a:extLst>
-              <a:ext uri="{FF2B5EF4-FFF2-40B4-BE49-F238E27FC236}">
-                <a16:creationId xmlns:a16="http://schemas.microsoft.com/office/drawing/2014/main" id="{4DCB375D-3FC4-3710-4F90-1B079CBE414F}"/>
-              </a:ext>
-            </a:extLst>
-          </p:cNvPr>
-          <p:cNvSpPr txBox="1"/>
-          <p:nvPr/>
-        </p:nvSpPr>
-        <p:spPr>
-          <a:xfrm>
-            <a:off x="606399" y="4377441"/>
-            <a:ext cx="8882062" cy="1159548"/>
-          </a:xfrm>
-          <a:prstGeom prst="rect">
-            <a:avLst/>
-          </a:prstGeom>
-        </p:spPr>
-        <p:txBody>
-          <a:bodyPr wrap="square" lIns="0" tIns="0" rIns="0" bIns="0" rtlCol="0" anchor="t">
-            <a:spAutoFit/>
-          </a:bodyPr>
-          <a:lstStyle/>
-          <a:p>
-            <a:pPr>
-              <a:lnSpc>
-                <a:spcPts val="10500"/>
-              </a:lnSpc>
-              <a:spcBef>
-                <a:spcPct val="0"/>
-              </a:spcBef>
-            </a:pPr>
-            <a:r>
-              <a:rPr lang="ru-RU" sz="5400" dirty="0">
-                <a:latin typeface="Pixellet TH"/>
-                <a:ea typeface="Pixellet TH"/>
-                <a:cs typeface="Pixellet TH"/>
-                <a:sym typeface="Pixellet TH"/>
-              </a:rPr>
-              <a:t>3.</a:t>
-            </a:r>
-            <a:r>
-              <a:rPr lang="en-US" sz="5400" dirty="0">
-                <a:latin typeface="Pixellet TH"/>
-                <a:ea typeface="Pixellet TH"/>
-                <a:cs typeface="Pixellet TH"/>
-                <a:sym typeface="Pixellet TH"/>
-              </a:rPr>
-              <a:t> Adaptation</a:t>
-            </a:r>
-          </a:p>
-        </p:txBody>
-      </p:sp>
-      <p:sp>
-        <p:nvSpPr>
-          <p:cNvPr id="35" name="TextBox 11">
-            <a:hlinkClick r:id="rId2" action="ppaction://hlinksldjump"/>
-            <a:extLst>
-              <a:ext uri="{FF2B5EF4-FFF2-40B4-BE49-F238E27FC236}">
-                <a16:creationId xmlns:a16="http://schemas.microsoft.com/office/drawing/2014/main" id="{6B063E2D-A4C8-FEF3-B746-00F750339E85}"/>
-              </a:ext>
-            </a:extLst>
-          </p:cNvPr>
-          <p:cNvSpPr txBox="1"/>
-          <p:nvPr/>
-        </p:nvSpPr>
-        <p:spPr>
-          <a:xfrm>
-            <a:off x="285750" y="6449697"/>
-            <a:ext cx="8882062" cy="1159548"/>
-          </a:xfrm>
-          <a:prstGeom prst="rect">
-            <a:avLst/>
-          </a:prstGeom>
-        </p:spPr>
-        <p:txBody>
-          <a:bodyPr wrap="square" lIns="0" tIns="0" rIns="0" bIns="0" rtlCol="0" anchor="t">
-            <a:spAutoFit/>
-          </a:bodyPr>
-          <a:lstStyle/>
-          <a:p>
-            <a:pPr algn="ctr">
-              <a:lnSpc>
-                <a:spcPts val="10500"/>
-              </a:lnSpc>
-              <a:spcBef>
-                <a:spcPct val="0"/>
-              </a:spcBef>
-            </a:pPr>
-            <a:r>
-              <a:rPr lang="ru-RU" sz="5400" dirty="0">
-                <a:latin typeface="Pixellet TH"/>
-                <a:ea typeface="Pixellet TH"/>
-                <a:cs typeface="Pixellet TH"/>
-                <a:sym typeface="Pixellet TH"/>
-              </a:rPr>
-              <a:t>1. </a:t>
-            </a:r>
-            <a:r>
-              <a:rPr lang="en-US" sz="5400" dirty="0">
-                <a:latin typeface="Pixellet TH"/>
-                <a:ea typeface="Pixellet TH"/>
-                <a:cs typeface="Pixellet TH"/>
-                <a:sym typeface="Pixellet TH"/>
-              </a:rPr>
-              <a:t>What is </a:t>
-            </a:r>
-            <a:r>
-              <a:rPr lang="en-US" sz="5400" dirty="0" err="1">
-                <a:latin typeface="Pixellet TH"/>
-                <a:ea typeface="Pixellet TH"/>
-                <a:cs typeface="Pixellet TH"/>
-                <a:sym typeface="Pixellet TH"/>
-              </a:rPr>
-              <a:t>neovim</a:t>
-            </a:r>
-            <a:r>
-              <a:rPr lang="en-US" sz="5400" dirty="0">
-                <a:latin typeface="Pixellet TH"/>
-                <a:ea typeface="Pixellet TH"/>
-                <a:cs typeface="Pixellet TH"/>
-                <a:sym typeface="Pixellet TH"/>
-              </a:rPr>
-              <a:t>?</a:t>
-            </a:r>
-          </a:p>
-        </p:txBody>
-      </p:sp>
-      <p:sp>
-        <p:nvSpPr>
-          <p:cNvPr id="36" name="TextBox 11">
-            <a:hlinkClick r:id="rId2" action="ppaction://hlinksldjump"/>
-            <a:extLst>
-              <a:ext uri="{FF2B5EF4-FFF2-40B4-BE49-F238E27FC236}">
-                <a16:creationId xmlns:a16="http://schemas.microsoft.com/office/drawing/2014/main" id="{048F08ED-D5EB-3CB6-C4E9-C7674817338A}"/>
-              </a:ext>
-            </a:extLst>
-          </p:cNvPr>
-          <p:cNvSpPr txBox="1"/>
-          <p:nvPr/>
-        </p:nvSpPr>
-        <p:spPr>
-          <a:xfrm>
-            <a:off x="285750" y="5455700"/>
-            <a:ext cx="8882062" cy="1159548"/>
-          </a:xfrm>
-          <a:prstGeom prst="rect">
-            <a:avLst/>
-          </a:prstGeom>
-        </p:spPr>
-        <p:txBody>
-          <a:bodyPr wrap="square" lIns="0" tIns="0" rIns="0" bIns="0" rtlCol="0" anchor="t">
-            <a:spAutoFit/>
-          </a:bodyPr>
-          <a:lstStyle/>
-          <a:p>
-            <a:pPr algn="ctr">
-              <a:lnSpc>
-                <a:spcPts val="10500"/>
-              </a:lnSpc>
-              <a:spcBef>
-                <a:spcPct val="0"/>
-              </a:spcBef>
-            </a:pPr>
-            <a:r>
-              <a:rPr lang="ru-RU" sz="5400" dirty="0">
-                <a:latin typeface="Pixellet TH"/>
-                <a:ea typeface="Pixellet TH"/>
-                <a:cs typeface="Pixellet TH"/>
-                <a:sym typeface="Pixellet TH"/>
-              </a:rPr>
-              <a:t>1. </a:t>
-            </a:r>
-            <a:r>
-              <a:rPr lang="en-US" sz="5400" dirty="0">
-                <a:latin typeface="Pixellet TH"/>
-                <a:ea typeface="Pixellet TH"/>
-                <a:cs typeface="Pixellet TH"/>
-                <a:sym typeface="Pixellet TH"/>
-              </a:rPr>
-              <a:t>What is </a:t>
-            </a:r>
-            <a:r>
-              <a:rPr lang="en-US" sz="5400" dirty="0" err="1">
-                <a:latin typeface="Pixellet TH"/>
-                <a:ea typeface="Pixellet TH"/>
-                <a:cs typeface="Pixellet TH"/>
-                <a:sym typeface="Pixellet TH"/>
-              </a:rPr>
-              <a:t>neovim</a:t>
-            </a:r>
-            <a:r>
-              <a:rPr lang="en-US" sz="5400" dirty="0">
-                <a:latin typeface="Pixellet TH"/>
-                <a:ea typeface="Pixellet TH"/>
-                <a:cs typeface="Pixellet TH"/>
-                <a:sym typeface="Pixellet TH"/>
-              </a:rPr>
-              <a:t>?</a:t>
-            </a:r>
-          </a:p>
-        </p:txBody>
-      </p:sp>
-      <p:sp>
-        <p:nvSpPr>
-          <p:cNvPr id="37" name="TextBox 11">
-            <a:hlinkClick r:id="rId2" action="ppaction://hlinksldjump"/>
-            <a:extLst>
-              <a:ext uri="{FF2B5EF4-FFF2-40B4-BE49-F238E27FC236}">
-                <a16:creationId xmlns:a16="http://schemas.microsoft.com/office/drawing/2014/main" id="{6C8B081F-AC4F-BCB4-B5F8-006CD6BCBB43}"/>
-              </a:ext>
-            </a:extLst>
-          </p:cNvPr>
-          <p:cNvSpPr txBox="1"/>
-          <p:nvPr/>
-        </p:nvSpPr>
-        <p:spPr>
-          <a:xfrm>
-            <a:off x="285750" y="7438414"/>
-            <a:ext cx="8882062" cy="1159548"/>
-          </a:xfrm>
-          <a:prstGeom prst="rect">
-            <a:avLst/>
-          </a:prstGeom>
-        </p:spPr>
-        <p:txBody>
-          <a:bodyPr wrap="square" lIns="0" tIns="0" rIns="0" bIns="0" rtlCol="0" anchor="t">
-            <a:spAutoFit/>
-          </a:bodyPr>
-          <a:lstStyle/>
-          <a:p>
-            <a:pPr algn="ctr">
-              <a:lnSpc>
-                <a:spcPts val="10500"/>
-              </a:lnSpc>
-              <a:spcBef>
-                <a:spcPct val="0"/>
-              </a:spcBef>
-            </a:pPr>
-            <a:r>
-              <a:rPr lang="ru-RU" sz="5400" dirty="0">
-                <a:latin typeface="Pixellet TH"/>
-                <a:ea typeface="Pixellet TH"/>
-                <a:cs typeface="Pixellet TH"/>
-                <a:sym typeface="Pixellet TH"/>
-              </a:rPr>
-              <a:t>1. </a:t>
-            </a:r>
-            <a:r>
-              <a:rPr lang="en-US" sz="5400" dirty="0">
-                <a:latin typeface="Pixellet TH"/>
-                <a:ea typeface="Pixellet TH"/>
-                <a:cs typeface="Pixellet TH"/>
-                <a:sym typeface="Pixellet TH"/>
-              </a:rPr>
-              <a:t>What is </a:t>
-            </a:r>
-            <a:r>
-              <a:rPr lang="en-US" sz="5400" dirty="0" err="1">
-                <a:latin typeface="Pixellet TH"/>
-                <a:ea typeface="Pixellet TH"/>
-                <a:cs typeface="Pixellet TH"/>
-                <a:sym typeface="Pixellet TH"/>
-              </a:rPr>
-              <a:t>neovim</a:t>
-            </a:r>
-            <a:r>
-              <a:rPr lang="en-US" sz="5400" dirty="0">
-                <a:latin typeface="Pixellet TH"/>
-                <a:ea typeface="Pixellet TH"/>
-                <a:cs typeface="Pixellet TH"/>
-                <a:sym typeface="Pixellet TH"/>
-              </a:rPr>
-              <a:t>?</a:t>
-            </a:r>
-          </a:p>
-        </p:txBody>
-      </p:sp>
-      <p:sp>
-        <p:nvSpPr>
-          <p:cNvPr id="38" name="TextBox 11">
-            <a:hlinkClick r:id="rId2" action="ppaction://hlinksldjump"/>
-            <a:extLst>
-              <a:ext uri="{FF2B5EF4-FFF2-40B4-BE49-F238E27FC236}">
-                <a16:creationId xmlns:a16="http://schemas.microsoft.com/office/drawing/2014/main" id="{45C67835-A1BE-87B5-1FF7-A2EAE8E5B567}"/>
-              </a:ext>
-            </a:extLst>
-          </p:cNvPr>
-          <p:cNvSpPr txBox="1"/>
-          <p:nvPr/>
-        </p:nvSpPr>
-        <p:spPr>
-          <a:xfrm>
-            <a:off x="290512" y="8457254"/>
-            <a:ext cx="8882062" cy="1159548"/>
-          </a:xfrm>
-          <a:prstGeom prst="rect">
-            <a:avLst/>
-          </a:prstGeom>
-        </p:spPr>
-        <p:txBody>
-          <a:bodyPr wrap="square" lIns="0" tIns="0" rIns="0" bIns="0" rtlCol="0" anchor="t">
-            <a:spAutoFit/>
-          </a:bodyPr>
-          <a:lstStyle/>
-          <a:p>
-            <a:pPr algn="ctr">
-              <a:lnSpc>
-                <a:spcPts val="10500"/>
-              </a:lnSpc>
-              <a:spcBef>
-                <a:spcPct val="0"/>
-              </a:spcBef>
-            </a:pPr>
-            <a:r>
-              <a:rPr lang="ru-RU" sz="5400" dirty="0">
-                <a:latin typeface="Pixellet TH"/>
-                <a:ea typeface="Pixellet TH"/>
-                <a:cs typeface="Pixellet TH"/>
-                <a:sym typeface="Pixellet TH"/>
-              </a:rPr>
-              <a:t>1. </a:t>
-            </a:r>
-            <a:r>
-              <a:rPr lang="en-US" sz="5400" dirty="0">
-                <a:latin typeface="Pixellet TH"/>
-                <a:ea typeface="Pixellet TH"/>
-                <a:cs typeface="Pixellet TH"/>
-                <a:sym typeface="Pixellet TH"/>
-              </a:rPr>
-              <a:t>What is </a:t>
-            </a:r>
-            <a:r>
-              <a:rPr lang="en-US" sz="5400" dirty="0" err="1">
-                <a:latin typeface="Pixellet TH"/>
-                <a:ea typeface="Pixellet TH"/>
-                <a:cs typeface="Pixellet TH"/>
-                <a:sym typeface="Pixellet TH"/>
-              </a:rPr>
-              <a:t>neovim</a:t>
-            </a:r>
-            <a:r>
-              <a:rPr lang="en-US" sz="5400" dirty="0">
-                <a:latin typeface="Pixellet TH"/>
-                <a:ea typeface="Pixellet TH"/>
-                <a:cs typeface="Pixellet TH"/>
-                <a:sym typeface="Pixellet TH"/>
-              </a:rPr>
-              <a:t>?</a:t>
-            </a:r>
-          </a:p>
-        </p:txBody>
       </p:sp>
       <p:pic>
         <p:nvPicPr>
-          <p:cNvPr id="40" name="Рисунок 39" descr="Изображение выглядит как текст, снимок экрана&#10;&#10;Автоматически созданное описание">
+          <p:cNvPr id="1026" name="Picture 2" descr="Превращаем редактор в IDE: базовая конфигурация Neovim для Linux | Linux  для чайников: гайды, статьи и обзоры | Дзен">
             <a:extLst>
               <a:ext uri="{FF2B5EF4-FFF2-40B4-BE49-F238E27FC236}">
-                <a16:creationId xmlns:a16="http://schemas.microsoft.com/office/drawing/2014/main" id="{CF0A0D05-8FB1-D03D-FD61-8762DDE647FE}"/>
+                <a16:creationId xmlns:a16="http://schemas.microsoft.com/office/drawing/2014/main" id="{E2619A4B-BD32-F1A8-4667-4E2077FF9808}"/>
               </a:ext>
             </a:extLst>
           </p:cNvPr>
           <p:cNvPicPr>
-            <a:picLocks noChangeAspect="1"/>
+            <a:picLocks noChangeAspect="1" noChangeArrowheads="1"/>
           </p:cNvPicPr>
           <p:nvPr/>
         </p:nvPicPr>
@@ -13038,50 +11980,179 @@
               </a:ext>
             </a:extLst>
           </a:blip>
+          <a:srcRect/>
           <a:stretch>
             <a:fillRect/>
           </a:stretch>
         </p:blipFill>
+        <p:spPr bwMode="auto">
+          <a:xfrm>
+            <a:off x="1275651" y="2782907"/>
+            <a:ext cx="7340601" cy="4129088"/>
+          </a:xfrm>
+          <a:prstGeom prst="rect">
+            <a:avLst/>
+          </a:prstGeom>
+          <a:noFill/>
+          <a:extLst>
+            <a:ext uri="{909E8E84-426E-40DD-AFC4-6F175D3DCCD1}">
+              <a14:hiddenFill xmlns:a14="http://schemas.microsoft.com/office/drawing/2010/main">
+                <a:solidFill>
+                  <a:srgbClr val="FFFFFF"/>
+                </a:solidFill>
+              </a14:hiddenFill>
+            </a:ext>
+          </a:extLst>
+        </p:spPr>
+      </p:pic>
+      <p:sp>
+        <p:nvSpPr>
+          <p:cNvPr id="26" name="TextBox 22">
+            <a:extLst>
+              <a:ext uri="{FF2B5EF4-FFF2-40B4-BE49-F238E27FC236}">
+                <a16:creationId xmlns:a16="http://schemas.microsoft.com/office/drawing/2014/main" id="{FFCEF0F7-DBD3-FB9C-5109-0F8BDF30338C}"/>
+              </a:ext>
+            </a:extLst>
+          </p:cNvPr>
+          <p:cNvSpPr txBox="1"/>
+          <p:nvPr/>
+        </p:nvSpPr>
         <p:spPr>
           <a:xfrm>
-            <a:off x="9601200" y="3467100"/>
-            <a:ext cx="8075638" cy="5055172"/>
+            <a:off x="1416525" y="7259561"/>
+            <a:ext cx="6890395" cy="505908"/>
           </a:xfrm>
-          <a:prstGeom prst="roundRect">
-            <a:avLst>
-              <a:gd name="adj" fmla="val 8230"/>
-            </a:avLst>
+          <a:prstGeom prst="rect">
+            <a:avLst/>
           </a:prstGeom>
-          <a:ln>
-            <a:noFill/>
-          </a:ln>
-          <a:effectLst>
-            <a:outerShdw blurRad="76200" dist="38100" dir="7800000" algn="tl" rotWithShape="0">
-              <a:srgbClr val="000000">
-                <a:alpha val="40000"/>
-              </a:srgbClr>
-            </a:outerShdw>
-          </a:effectLst>
-          <a:scene3d>
-            <a:camera prst="orthographicFront"/>
-            <a:lightRig rig="contrasting" dir="t">
-              <a:rot lat="0" lon="0" rev="4200000"/>
-            </a:lightRig>
-          </a:scene3d>
-          <a:sp3d prstMaterial="plastic">
-            <a:bevelT w="381000" h="114300" prst="relaxedInset"/>
-            <a:contourClr>
-              <a:srgbClr val="969696"/>
-            </a:contourClr>
-          </a:sp3d>
+        </p:spPr>
+        <p:txBody>
+          <a:bodyPr lIns="0" tIns="0" rIns="0" bIns="0" rtlCol="0" anchor="t">
+            <a:spAutoFit/>
+          </a:bodyPr>
+          <a:lstStyle/>
+          <a:p>
+            <a:pPr algn="ctr">
+              <a:lnSpc>
+                <a:spcPts val="4200"/>
+              </a:lnSpc>
+              <a:spcBef>
+                <a:spcPct val="0"/>
+              </a:spcBef>
+            </a:pPr>
+            <a:r>
+              <a:rPr lang="en-US" sz="3000" dirty="0">
+                <a:solidFill>
+                  <a:srgbClr val="000000"/>
+                </a:solidFill>
+                <a:latin typeface="Bitter"/>
+                <a:ea typeface="Bitter"/>
+                <a:cs typeface="Bitter"/>
+                <a:sym typeface="Bitter"/>
+              </a:rPr>
+              <a:t>No plugin</a:t>
+            </a:r>
+          </a:p>
+        </p:txBody>
+      </p:sp>
+      <p:pic>
+        <p:nvPicPr>
+          <p:cNvPr id="1028" name="Picture 4" descr="Getting Started with Neovim Using NvChad: A Developer's Guide | by Atish  Dhunnoo | Spoon Consulting">
+            <a:extLst>
+              <a:ext uri="{FF2B5EF4-FFF2-40B4-BE49-F238E27FC236}">
+                <a16:creationId xmlns:a16="http://schemas.microsoft.com/office/drawing/2014/main" id="{DD8CEF51-DDFC-E802-032A-73C69B86C557}"/>
+              </a:ext>
+            </a:extLst>
+          </p:cNvPr>
+          <p:cNvPicPr>
+            <a:picLocks noChangeAspect="1" noChangeArrowheads="1"/>
+          </p:cNvPicPr>
+          <p:nvPr/>
+        </p:nvPicPr>
+        <p:blipFill>
+          <a:blip r:embed="rId5" cstate="print">
+            <a:extLst>
+              <a:ext uri="{28A0092B-C50C-407E-A947-70E740481C1C}">
+                <a14:useLocalDpi xmlns:a14="http://schemas.microsoft.com/office/drawing/2010/main" val="0"/>
+              </a:ext>
+            </a:extLst>
+          </a:blip>
+          <a:srcRect/>
+          <a:stretch>
+            <a:fillRect/>
+          </a:stretch>
+        </p:blipFill>
+        <p:spPr bwMode="auto">
+          <a:xfrm>
+            <a:off x="9667266" y="2782907"/>
+            <a:ext cx="7340601" cy="4129088"/>
+          </a:xfrm>
+          <a:prstGeom prst="rect">
+            <a:avLst/>
+          </a:prstGeom>
+          <a:noFill/>
+          <a:extLst>
+            <a:ext uri="{909E8E84-426E-40DD-AFC4-6F175D3DCCD1}">
+              <a14:hiddenFill xmlns:a14="http://schemas.microsoft.com/office/drawing/2010/main">
+                <a:solidFill>
+                  <a:srgbClr val="FFFFFF"/>
+                </a:solidFill>
+              </a14:hiddenFill>
+            </a:ext>
+          </a:extLst>
         </p:spPr>
       </p:pic>
+      <p:sp>
+        <p:nvSpPr>
+          <p:cNvPr id="27" name="TextBox 22">
+            <a:extLst>
+              <a:ext uri="{FF2B5EF4-FFF2-40B4-BE49-F238E27FC236}">
+                <a16:creationId xmlns:a16="http://schemas.microsoft.com/office/drawing/2014/main" id="{25DCCF02-FB1F-8E5C-5A23-45244A5FE2C9}"/>
+              </a:ext>
+            </a:extLst>
+          </p:cNvPr>
+          <p:cNvSpPr txBox="1"/>
+          <p:nvPr/>
+        </p:nvSpPr>
+        <p:spPr>
+          <a:xfrm>
+            <a:off x="9810731" y="7278062"/>
+            <a:ext cx="6890395" cy="505908"/>
+          </a:xfrm>
+          <a:prstGeom prst="rect">
+            <a:avLst/>
+          </a:prstGeom>
+        </p:spPr>
+        <p:txBody>
+          <a:bodyPr lIns="0" tIns="0" rIns="0" bIns="0" rtlCol="0" anchor="t">
+            <a:spAutoFit/>
+          </a:bodyPr>
+          <a:lstStyle/>
+          <a:p>
+            <a:pPr algn="ctr">
+              <a:lnSpc>
+                <a:spcPts val="4200"/>
+              </a:lnSpc>
+              <a:spcBef>
+                <a:spcPct val="0"/>
+              </a:spcBef>
+            </a:pPr>
+            <a:r>
+              <a:rPr lang="en-US" sz="3000" dirty="0">
+                <a:solidFill>
+                  <a:srgbClr val="000000"/>
+                </a:solidFill>
+                <a:latin typeface="Bitter"/>
+                <a:ea typeface="Bitter"/>
+                <a:cs typeface="Bitter"/>
+                <a:sym typeface="Bitter"/>
+              </a:rPr>
+              <a:t>Full set plugin</a:t>
+            </a:r>
+          </a:p>
+        </p:txBody>
+      </p:sp>
     </p:spTree>
-    <p:extLst>
-      <p:ext uri="{BB962C8B-B14F-4D97-AF65-F5344CB8AC3E}">
-        <p14:creationId xmlns:p14="http://schemas.microsoft.com/office/powerpoint/2010/main" val="2237832216"/>
-      </p:ext>
-    </p:extLst>
   </p:cSld>
   <p:clrMapOvr>
     <a:masterClrMapping/>
@@ -13107,7 +12178,7 @@
                             </p:stCondLst>
                             <p:childTnLst>
                               <p:par>
-                                <p:cTn id="5" presetID="53" presetClass="entr" presetSubtype="16" fill="hold" grpId="0" nodeType="clickEffect">
+                                <p:cTn id="5" presetID="31" presetClass="entr" presetSubtype="0" fill="hold" nodeType="clickEffect">
                                   <p:stCondLst>
                                     <p:cond delay="0"/>
                                   </p:stCondLst>
@@ -13120,7 +12191,7 @@
                                           </p:stCondLst>
                                         </p:cTn>
                                         <p:tgtEl>
-                                          <p:spTgt spid="32"/>
+                                          <p:spTgt spid="1026"/>
                                         </p:tgtEl>
                                         <p:attrNameLst>
                                           <p:attrName>style.visibility</p:attrName>
@@ -13132,9 +12203,9 @@
                                     </p:set>
                                     <p:anim calcmode="lin" valueType="num">
                                       <p:cBhvr>
-                                        <p:cTn id="7" dur="500" fill="hold"/>
+                                        <p:cTn id="7" dur="1000" fill="hold"/>
                                         <p:tgtEl>
-                                          <p:spTgt spid="32"/>
+                                          <p:spTgt spid="1026"/>
                                         </p:tgtEl>
                                         <p:attrNameLst>
                                           <p:attrName>ppt_w</p:attrName>
@@ -13155,9 +12226,9 @@
                                     </p:anim>
                                     <p:anim calcmode="lin" valueType="num">
                                       <p:cBhvr>
-                                        <p:cTn id="8" dur="500" fill="hold"/>
+                                        <p:cTn id="8" dur="1000" fill="hold"/>
                                         <p:tgtEl>
-                                          <p:spTgt spid="32"/>
+                                          <p:spTgt spid="1026"/>
                                         </p:tgtEl>
                                         <p:attrNameLst>
                                           <p:attrName>ppt_h</p:attrName>
@@ -13176,50 +12247,55 @@
                                         </p:tav>
                                       </p:tavLst>
                                     </p:anim>
+                                    <p:anim calcmode="lin" valueType="num">
+                                      <p:cBhvr>
+                                        <p:cTn id="9" dur="1000" fill="hold"/>
+                                        <p:tgtEl>
+                                          <p:spTgt spid="1026"/>
+                                        </p:tgtEl>
+                                        <p:attrNameLst>
+                                          <p:attrName>style.rotation</p:attrName>
+                                        </p:attrNameLst>
+                                      </p:cBhvr>
+                                      <p:tavLst>
+                                        <p:tav tm="0">
+                                          <p:val>
+                                            <p:fltVal val="90"/>
+                                          </p:val>
+                                        </p:tav>
+                                        <p:tav tm="100000">
+                                          <p:val>
+                                            <p:fltVal val="0"/>
+                                          </p:val>
+                                        </p:tav>
+                                      </p:tavLst>
+                                    </p:anim>
                                     <p:animEffect transition="in" filter="fade">
                                       <p:cBhvr>
-                                        <p:cTn id="9" dur="500"/>
+                                        <p:cTn id="10" dur="1000"/>
                                         <p:tgtEl>
-                                          <p:spTgt spid="32"/>
+                                          <p:spTgt spid="1026"/>
                                         </p:tgtEl>
                                       </p:cBhvr>
                                     </p:animEffect>
                                   </p:childTnLst>
                                 </p:cTn>
                               </p:par>
-                            </p:childTnLst>
-                          </p:cTn>
-                        </p:par>
-                      </p:childTnLst>
-                    </p:cTn>
-                  </p:par>
-                  <p:par>
-                    <p:cTn id="10" fill="hold">
-                      <p:stCondLst>
-                        <p:cond delay="indefinite"/>
-                      </p:stCondLst>
-                      <p:childTnLst>
-                        <p:par>
-                          <p:cTn id="11" fill="hold">
-                            <p:stCondLst>
-                              <p:cond delay="0"/>
-                            </p:stCondLst>
-                            <p:childTnLst>
                               <p:par>
-                                <p:cTn id="12" presetID="53" presetClass="entr" presetSubtype="16" fill="hold" grpId="0" nodeType="clickEffect">
+                                <p:cTn id="11" presetID="31" presetClass="entr" presetSubtype="0" fill="hold" grpId="0" nodeType="withEffect">
                                   <p:stCondLst>
                                     <p:cond delay="0"/>
                                   </p:stCondLst>
                                   <p:childTnLst>
                                     <p:set>
                                       <p:cBhvr>
-                                        <p:cTn id="13" dur="1" fill="hold">
+                                        <p:cTn id="12" dur="1" fill="hold">
                                           <p:stCondLst>
                                             <p:cond delay="0"/>
                                           </p:stCondLst>
                                         </p:cTn>
                                         <p:tgtEl>
-                                          <p:spTgt spid="33"/>
+                                          <p:spTgt spid="26"/>
                                         </p:tgtEl>
                                         <p:attrNameLst>
                                           <p:attrName>style.visibility</p:attrName>
@@ -13231,9 +12307,9 @@
                                     </p:set>
                                     <p:anim calcmode="lin" valueType="num">
                                       <p:cBhvr>
-                                        <p:cTn id="14" dur="500" fill="hold"/>
+                                        <p:cTn id="13" dur="1000" fill="hold"/>
                                         <p:tgtEl>
-                                          <p:spTgt spid="33"/>
+                                          <p:spTgt spid="26"/>
                                         </p:tgtEl>
                                         <p:attrNameLst>
                                           <p:attrName>ppt_w</p:attrName>
@@ -13254,9 +12330,9 @@
                                     </p:anim>
                                     <p:anim calcmode="lin" valueType="num">
                                       <p:cBhvr>
-                                        <p:cTn id="15" dur="500" fill="hold"/>
+                                        <p:cTn id="14" dur="1000" fill="hold"/>
                                         <p:tgtEl>
-                                          <p:spTgt spid="33"/>
+                                          <p:spTgt spid="26"/>
                                         </p:tgtEl>
                                         <p:attrNameLst>
                                           <p:attrName>ppt_h</p:attrName>
@@ -13275,11 +12351,34 @@
                                         </p:tav>
                                       </p:tavLst>
                                     </p:anim>
+                                    <p:anim calcmode="lin" valueType="num">
+                                      <p:cBhvr>
+                                        <p:cTn id="15" dur="1000" fill="hold"/>
+                                        <p:tgtEl>
+                                          <p:spTgt spid="26"/>
+                                        </p:tgtEl>
+                                        <p:attrNameLst>
+                                          <p:attrName>style.rotation</p:attrName>
+                                        </p:attrNameLst>
+                                      </p:cBhvr>
+                                      <p:tavLst>
+                                        <p:tav tm="0">
+                                          <p:val>
+                                            <p:fltVal val="90"/>
+                                          </p:val>
+                                        </p:tav>
+                                        <p:tav tm="100000">
+                                          <p:val>
+                                            <p:fltVal val="0"/>
+                                          </p:val>
+                                        </p:tav>
+                                      </p:tavLst>
+                                    </p:anim>
                                     <p:animEffect transition="in" filter="fade">
                                       <p:cBhvr>
-                                        <p:cTn id="16" dur="500"/>
+                                        <p:cTn id="16" dur="1000"/>
                                         <p:tgtEl>
-                                          <p:spTgt spid="33"/>
+                                          <p:spTgt spid="26"/>
                                         </p:tgtEl>
                                       </p:cBhvr>
                                     </p:animEffect>
@@ -13305,7 +12404,7 @@
                             </p:stCondLst>
                             <p:childTnLst>
                               <p:par>
-                                <p:cTn id="19" presetID="53" presetClass="entr" presetSubtype="16" fill="hold" grpId="0" nodeType="clickEffect">
+                                <p:cTn id="19" presetID="45" presetClass="entr" presetSubtype="0" fill="hold" nodeType="clickEffect">
                                   <p:stCondLst>
                                     <p:cond delay="0"/>
                                   </p:stCondLst>
@@ -13318,7 +12417,7 @@
                                           </p:stCondLst>
                                         </p:cTn>
                                         <p:tgtEl>
-                                          <p:spTgt spid="34"/>
+                                          <p:spTgt spid="1028"/>
                                         </p:tgtEl>
                                         <p:attrNameLst>
                                           <p:attrName>style.visibility</p:attrName>
@@ -13328,34 +12427,42 @@
                                         <p:strVal val="visible"/>
                                       </p:to>
                                     </p:set>
+                                    <p:animEffect transition="in" filter="fade">
+                                      <p:cBhvr>
+                                        <p:cTn id="21" dur="2000"/>
+                                        <p:tgtEl>
+                                          <p:spTgt spid="1028"/>
+                                        </p:tgtEl>
+                                      </p:cBhvr>
+                                    </p:animEffect>
                                     <p:anim calcmode="lin" valueType="num">
                                       <p:cBhvr>
-                                        <p:cTn id="21" dur="500" fill="hold"/>
+                                        <p:cTn id="22" dur="2000" fill="hold"/>
                                         <p:tgtEl>
-                                          <p:spTgt spid="34"/>
+                                          <p:spTgt spid="1028"/>
                                         </p:tgtEl>
                                         <p:attrNameLst>
                                           <p:attrName>ppt_w</p:attrName>
                                         </p:attrNameLst>
                                       </p:cBhvr>
                                       <p:tavLst>
-                                        <p:tav tm="0">
+                                        <p:tav tm="0" fmla="#ppt_w*sin(2.5*pi*$)">
                                           <p:val>
                                             <p:fltVal val="0"/>
                                           </p:val>
                                         </p:tav>
                                         <p:tav tm="100000">
                                           <p:val>
-                                            <p:strVal val="#ppt_w"/>
+                                            <p:fltVal val="1"/>
                                           </p:val>
                                         </p:tav>
                                       </p:tavLst>
                                     </p:anim>
                                     <p:anim calcmode="lin" valueType="num">
                                       <p:cBhvr>
-                                        <p:cTn id="22" dur="500" fill="hold"/>
+                                        <p:cTn id="23" dur="2000" fill="hold"/>
                                         <p:tgtEl>
-                                          <p:spTgt spid="34"/>
+                                          <p:spTgt spid="1028"/>
                                         </p:tgtEl>
                                         <p:attrNameLst>
                                           <p:attrName>ppt_h</p:attrName>
@@ -13364,7 +12471,7 @@
                                       <p:tavLst>
                                         <p:tav tm="0">
                                           <p:val>
-                                            <p:fltVal val="0"/>
+                                            <p:strVal val="#ppt_h"/>
                                           </p:val>
                                         </p:tav>
                                         <p:tav tm="100000">
@@ -13374,50 +12481,24 @@
                                         </p:tav>
                                       </p:tavLst>
                                     </p:anim>
-                                    <p:animEffect transition="in" filter="fade">
-                                      <p:cBhvr>
-                                        <p:cTn id="23" dur="500"/>
-                                        <p:tgtEl>
-                                          <p:spTgt spid="34"/>
-                                        </p:tgtEl>
-                                      </p:cBhvr>
-                                    </p:animEffect>
                                   </p:childTnLst>
                                 </p:cTn>
                               </p:par>
-                            </p:childTnLst>
-                          </p:cTn>
-                        </p:par>
-                      </p:childTnLst>
-                    </p:cTn>
-                  </p:par>
-                  <p:par>
-                    <p:cTn id="24" fill="hold">
-                      <p:stCondLst>
-                        <p:cond delay="indefinite"/>
-                      </p:stCondLst>
-                      <p:childTnLst>
-                        <p:par>
-                          <p:cTn id="25" fill="hold">
-                            <p:stCondLst>
-                              <p:cond delay="0"/>
-                            </p:stCondLst>
-                            <p:childTnLst>
                               <p:par>
-                                <p:cTn id="26" presetID="53" presetClass="entr" presetSubtype="16" fill="hold" grpId="0" nodeType="clickEffect">
+                                <p:cTn id="24" presetID="45" presetClass="entr" presetSubtype="0" fill="hold" grpId="0" nodeType="withEffect">
                                   <p:stCondLst>
                                     <p:cond delay="0"/>
                                   </p:stCondLst>
                                   <p:childTnLst>
                                     <p:set>
                                       <p:cBhvr>
-                                        <p:cTn id="27" dur="1" fill="hold">
+                                        <p:cTn id="25" dur="1" fill="hold">
                                           <p:stCondLst>
                                             <p:cond delay="0"/>
                                           </p:stCondLst>
                                         </p:cTn>
                                         <p:tgtEl>
-                                          <p:spTgt spid="35"/>
+                                          <p:spTgt spid="27"/>
                                         </p:tgtEl>
                                         <p:attrNameLst>
                                           <p:attrName>style.visibility</p:attrName>
@@ -13427,34 +12508,42 @@
                                         <p:strVal val="visible"/>
                                       </p:to>
                                     </p:set>
+                                    <p:animEffect transition="in" filter="fade">
+                                      <p:cBhvr>
+                                        <p:cTn id="26" dur="2000"/>
+                                        <p:tgtEl>
+                                          <p:spTgt spid="27"/>
+                                        </p:tgtEl>
+                                      </p:cBhvr>
+                                    </p:animEffect>
                                     <p:anim calcmode="lin" valueType="num">
                                       <p:cBhvr>
-                                        <p:cTn id="28" dur="500" fill="hold"/>
+                                        <p:cTn id="27" dur="2000" fill="hold"/>
                                         <p:tgtEl>
-                                          <p:spTgt spid="35"/>
+                                          <p:spTgt spid="27"/>
                                         </p:tgtEl>
                                         <p:attrNameLst>
                                           <p:attrName>ppt_w</p:attrName>
                                         </p:attrNameLst>
                                       </p:cBhvr>
                                       <p:tavLst>
-                                        <p:tav tm="0">
+                                        <p:tav tm="0" fmla="#ppt_w*sin(2.5*pi*$)">
                                           <p:val>
                                             <p:fltVal val="0"/>
                                           </p:val>
                                         </p:tav>
                                         <p:tav tm="100000">
                                           <p:val>
-                                            <p:strVal val="#ppt_w"/>
+                                            <p:fltVal val="1"/>
                                           </p:val>
                                         </p:tav>
                                       </p:tavLst>
                                     </p:anim>
                                     <p:anim calcmode="lin" valueType="num">
                                       <p:cBhvr>
-                                        <p:cTn id="29" dur="500" fill="hold"/>
+                                        <p:cTn id="28" dur="2000" fill="hold"/>
                                         <p:tgtEl>
-                                          <p:spTgt spid="35"/>
+                                          <p:spTgt spid="27"/>
                                         </p:tgtEl>
                                         <p:attrNameLst>
                                           <p:attrName>ppt_h</p:attrName>
@@ -13463,7 +12552,7 @@
                                       <p:tavLst>
                                         <p:tav tm="0">
                                           <p:val>
-                                            <p:fltVal val="0"/>
+                                            <p:strVal val="#ppt_h"/>
                                           </p:val>
                                         </p:tav>
                                         <p:tav tm="100000">
@@ -13473,311 +12562,6 @@
                                         </p:tav>
                                       </p:tavLst>
                                     </p:anim>
-                                    <p:animEffect transition="in" filter="fade">
-                                      <p:cBhvr>
-                                        <p:cTn id="30" dur="500"/>
-                                        <p:tgtEl>
-                                          <p:spTgt spid="35"/>
-                                        </p:tgtEl>
-                                      </p:cBhvr>
-                                    </p:animEffect>
-                                  </p:childTnLst>
-                                </p:cTn>
-                              </p:par>
-                            </p:childTnLst>
-                          </p:cTn>
-                        </p:par>
-                      </p:childTnLst>
-                    </p:cTn>
-                  </p:par>
-                  <p:par>
-                    <p:cTn id="31" fill="hold">
-                      <p:stCondLst>
-                        <p:cond delay="indefinite"/>
-                      </p:stCondLst>
-                      <p:childTnLst>
-                        <p:par>
-                          <p:cTn id="32" fill="hold">
-                            <p:stCondLst>
-                              <p:cond delay="0"/>
-                            </p:stCondLst>
-                            <p:childTnLst>
-                              <p:par>
-                                <p:cTn id="33" presetID="53" presetClass="entr" presetSubtype="16" fill="hold" grpId="0" nodeType="clickEffect">
-                                  <p:stCondLst>
-                                    <p:cond delay="0"/>
-                                  </p:stCondLst>
-                                  <p:childTnLst>
-                                    <p:set>
-                                      <p:cBhvr>
-                                        <p:cTn id="34" dur="1" fill="hold">
-                                          <p:stCondLst>
-                                            <p:cond delay="0"/>
-                                          </p:stCondLst>
-                                        </p:cTn>
-                                        <p:tgtEl>
-                                          <p:spTgt spid="36"/>
-                                        </p:tgtEl>
-                                        <p:attrNameLst>
-                                          <p:attrName>style.visibility</p:attrName>
-                                        </p:attrNameLst>
-                                      </p:cBhvr>
-                                      <p:to>
-                                        <p:strVal val="visible"/>
-                                      </p:to>
-                                    </p:set>
-                                    <p:anim calcmode="lin" valueType="num">
-                                      <p:cBhvr>
-                                        <p:cTn id="35" dur="500" fill="hold"/>
-                                        <p:tgtEl>
-                                          <p:spTgt spid="36"/>
-                                        </p:tgtEl>
-                                        <p:attrNameLst>
-                                          <p:attrName>ppt_w</p:attrName>
-                                        </p:attrNameLst>
-                                      </p:cBhvr>
-                                      <p:tavLst>
-                                        <p:tav tm="0">
-                                          <p:val>
-                                            <p:fltVal val="0"/>
-                                          </p:val>
-                                        </p:tav>
-                                        <p:tav tm="100000">
-                                          <p:val>
-                                            <p:strVal val="#ppt_w"/>
-                                          </p:val>
-                                        </p:tav>
-                                      </p:tavLst>
-                                    </p:anim>
-                                    <p:anim calcmode="lin" valueType="num">
-                                      <p:cBhvr>
-                                        <p:cTn id="36" dur="500" fill="hold"/>
-                                        <p:tgtEl>
-                                          <p:spTgt spid="36"/>
-                                        </p:tgtEl>
-                                        <p:attrNameLst>
-                                          <p:attrName>ppt_h</p:attrName>
-                                        </p:attrNameLst>
-                                      </p:cBhvr>
-                                      <p:tavLst>
-                                        <p:tav tm="0">
-                                          <p:val>
-                                            <p:fltVal val="0"/>
-                                          </p:val>
-                                        </p:tav>
-                                        <p:tav tm="100000">
-                                          <p:val>
-                                            <p:strVal val="#ppt_h"/>
-                                          </p:val>
-                                        </p:tav>
-                                      </p:tavLst>
-                                    </p:anim>
-                                    <p:animEffect transition="in" filter="fade">
-                                      <p:cBhvr>
-                                        <p:cTn id="37" dur="500"/>
-                                        <p:tgtEl>
-                                          <p:spTgt spid="36"/>
-                                        </p:tgtEl>
-                                      </p:cBhvr>
-                                    </p:animEffect>
-                                  </p:childTnLst>
-                                </p:cTn>
-                              </p:par>
-                            </p:childTnLst>
-                          </p:cTn>
-                        </p:par>
-                      </p:childTnLst>
-                    </p:cTn>
-                  </p:par>
-                  <p:par>
-                    <p:cTn id="38" fill="hold">
-                      <p:stCondLst>
-                        <p:cond delay="indefinite"/>
-                      </p:stCondLst>
-                      <p:childTnLst>
-                        <p:par>
-                          <p:cTn id="39" fill="hold">
-                            <p:stCondLst>
-                              <p:cond delay="0"/>
-                            </p:stCondLst>
-                            <p:childTnLst>
-                              <p:par>
-                                <p:cTn id="40" presetID="53" presetClass="entr" presetSubtype="16" fill="hold" grpId="0" nodeType="clickEffect">
-                                  <p:stCondLst>
-                                    <p:cond delay="0"/>
-                                  </p:stCondLst>
-                                  <p:childTnLst>
-                                    <p:set>
-                                      <p:cBhvr>
-                                        <p:cTn id="41" dur="1" fill="hold">
-                                          <p:stCondLst>
-                                            <p:cond delay="0"/>
-                                          </p:stCondLst>
-                                        </p:cTn>
-                                        <p:tgtEl>
-                                          <p:spTgt spid="37"/>
-                                        </p:tgtEl>
-                                        <p:attrNameLst>
-                                          <p:attrName>style.visibility</p:attrName>
-                                        </p:attrNameLst>
-                                      </p:cBhvr>
-                                      <p:to>
-                                        <p:strVal val="visible"/>
-                                      </p:to>
-                                    </p:set>
-                                    <p:anim calcmode="lin" valueType="num">
-                                      <p:cBhvr>
-                                        <p:cTn id="42" dur="500" fill="hold"/>
-                                        <p:tgtEl>
-                                          <p:spTgt spid="37"/>
-                                        </p:tgtEl>
-                                        <p:attrNameLst>
-                                          <p:attrName>ppt_w</p:attrName>
-                                        </p:attrNameLst>
-                                      </p:cBhvr>
-                                      <p:tavLst>
-                                        <p:tav tm="0">
-                                          <p:val>
-                                            <p:fltVal val="0"/>
-                                          </p:val>
-                                        </p:tav>
-                                        <p:tav tm="100000">
-                                          <p:val>
-                                            <p:strVal val="#ppt_w"/>
-                                          </p:val>
-                                        </p:tav>
-                                      </p:tavLst>
-                                    </p:anim>
-                                    <p:anim calcmode="lin" valueType="num">
-                                      <p:cBhvr>
-                                        <p:cTn id="43" dur="500" fill="hold"/>
-                                        <p:tgtEl>
-                                          <p:spTgt spid="37"/>
-                                        </p:tgtEl>
-                                        <p:attrNameLst>
-                                          <p:attrName>ppt_h</p:attrName>
-                                        </p:attrNameLst>
-                                      </p:cBhvr>
-                                      <p:tavLst>
-                                        <p:tav tm="0">
-                                          <p:val>
-                                            <p:fltVal val="0"/>
-                                          </p:val>
-                                        </p:tav>
-                                        <p:tav tm="100000">
-                                          <p:val>
-                                            <p:strVal val="#ppt_h"/>
-                                          </p:val>
-                                        </p:tav>
-                                      </p:tavLst>
-                                    </p:anim>
-                                    <p:animEffect transition="in" filter="fade">
-                                      <p:cBhvr>
-                                        <p:cTn id="44" dur="500"/>
-                                        <p:tgtEl>
-                                          <p:spTgt spid="37"/>
-                                        </p:tgtEl>
-                                      </p:cBhvr>
-                                    </p:animEffect>
-                                  </p:childTnLst>
-                                </p:cTn>
-                              </p:par>
-                            </p:childTnLst>
-                          </p:cTn>
-                        </p:par>
-                      </p:childTnLst>
-                    </p:cTn>
-                  </p:par>
-                  <p:par>
-                    <p:cTn id="45" fill="hold">
-                      <p:stCondLst>
-                        <p:cond delay="indefinite"/>
-                      </p:stCondLst>
-                      <p:childTnLst>
-                        <p:par>
-                          <p:cTn id="46" fill="hold">
-                            <p:stCondLst>
-                              <p:cond delay="0"/>
-                            </p:stCondLst>
-                            <p:childTnLst>
-                              <p:par>
-                                <p:cTn id="47" presetID="53" presetClass="entr" presetSubtype="16" fill="hold" grpId="0" nodeType="clickEffect">
-                                  <p:stCondLst>
-                                    <p:cond delay="0"/>
-                                  </p:stCondLst>
-                                  <p:childTnLst>
-                                    <p:set>
-                                      <p:cBhvr>
-                                        <p:cTn id="48" dur="1" fill="hold">
-                                          <p:stCondLst>
-                                            <p:cond delay="0"/>
-                                          </p:stCondLst>
-                                        </p:cTn>
-                                        <p:tgtEl>
-                                          <p:spTgt spid="38"/>
-                                        </p:tgtEl>
-                                        <p:attrNameLst>
-                                          <p:attrName>style.visibility</p:attrName>
-                                        </p:attrNameLst>
-                                      </p:cBhvr>
-                                      <p:to>
-                                        <p:strVal val="visible"/>
-                                      </p:to>
-                                    </p:set>
-                                    <p:anim calcmode="lin" valueType="num">
-                                      <p:cBhvr>
-                                        <p:cTn id="49" dur="500" fill="hold"/>
-                                        <p:tgtEl>
-                                          <p:spTgt spid="38"/>
-                                        </p:tgtEl>
-                                        <p:attrNameLst>
-                                          <p:attrName>ppt_w</p:attrName>
-                                        </p:attrNameLst>
-                                      </p:cBhvr>
-                                      <p:tavLst>
-                                        <p:tav tm="0">
-                                          <p:val>
-                                            <p:fltVal val="0"/>
-                                          </p:val>
-                                        </p:tav>
-                                        <p:tav tm="100000">
-                                          <p:val>
-                                            <p:strVal val="#ppt_w"/>
-                                          </p:val>
-                                        </p:tav>
-                                      </p:tavLst>
-                                    </p:anim>
-                                    <p:anim calcmode="lin" valueType="num">
-                                      <p:cBhvr>
-                                        <p:cTn id="50" dur="500" fill="hold"/>
-                                        <p:tgtEl>
-                                          <p:spTgt spid="38"/>
-                                        </p:tgtEl>
-                                        <p:attrNameLst>
-                                          <p:attrName>ppt_h</p:attrName>
-                                        </p:attrNameLst>
-                                      </p:cBhvr>
-                                      <p:tavLst>
-                                        <p:tav tm="0">
-                                          <p:val>
-                                            <p:fltVal val="0"/>
-                                          </p:val>
-                                        </p:tav>
-                                        <p:tav tm="100000">
-                                          <p:val>
-                                            <p:strVal val="#ppt_h"/>
-                                          </p:val>
-                                        </p:tav>
-                                      </p:tavLst>
-                                    </p:anim>
-                                    <p:animEffect transition="in" filter="fade">
-                                      <p:cBhvr>
-                                        <p:cTn id="51" dur="500"/>
-                                        <p:tgtEl>
-                                          <p:spTgt spid="38"/>
-                                        </p:tgtEl>
-                                      </p:cBhvr>
-                                    </p:animEffect>
                                   </p:childTnLst>
                                 </p:cTn>
                               </p:par>
@@ -13809,372 +12593,10 @@
       </p:par>
     </p:tnLst>
     <p:bldLst>
-      <p:bldP spid="32" grpId="0"/>
-      <p:bldP spid="33" grpId="0"/>
-      <p:bldP spid="34" grpId="0"/>
-      <p:bldP spid="35" grpId="0"/>
-      <p:bldP spid="36" grpId="0"/>
-      <p:bldP spid="37" grpId="0"/>
-      <p:bldP spid="38" grpId="0"/>
+      <p:bldP spid="26" grpId="0"/>
+      <p:bldP spid="27" grpId="0"/>
     </p:bldLst>
   </p:timing>
-</p:sld>
-</file>
-
-<file path=ppt/slides/slide9.xml><?xml version="1.0" encoding="utf-8"?>
-<p:sld xmlns:a="http://schemas.openxmlformats.org/drawingml/2006/main" xmlns:r="http://schemas.openxmlformats.org/officeDocument/2006/relationships" xmlns:p="http://schemas.openxmlformats.org/presentationml/2006/main">
-  <p:cSld>
-    <p:bg>
-      <p:bgPr>
-        <a:solidFill>
-          <a:srgbClr val="5BC4BD"/>
-        </a:solidFill>
-        <a:effectLst/>
-      </p:bgPr>
-    </p:bg>
-    <p:spTree>
-      <p:nvGrpSpPr>
-        <p:cNvPr id="1" name=""/>
-        <p:cNvGrpSpPr/>
-        <p:nvPr/>
-      </p:nvGrpSpPr>
-      <p:grpSpPr>
-        <a:xfrm>
-          <a:off x="0" y="0"/>
-          <a:ext cx="0" cy="0"/>
-          <a:chOff x="0" y="0"/>
-          <a:chExt cx="0" cy="0"/>
-        </a:xfrm>
-      </p:grpSpPr>
-      <p:sp>
-        <p:nvSpPr>
-          <p:cNvPr id="2" name="Freeform 2"/>
-          <p:cNvSpPr/>
-          <p:nvPr/>
-        </p:nvSpPr>
-        <p:spPr>
-          <a:xfrm>
-            <a:off x="11814488" y="3072244"/>
-            <a:ext cx="3381326" cy="4142512"/>
-          </a:xfrm>
-          <a:custGeom>
-            <a:avLst/>
-            <a:gdLst/>
-            <a:ahLst/>
-            <a:cxnLst/>
-            <a:rect l="l" t="t" r="r" b="b"/>
-            <a:pathLst>
-              <a:path w="3381326" h="4142512">
-                <a:moveTo>
-                  <a:pt x="0" y="0"/>
-                </a:moveTo>
-                <a:lnTo>
-                  <a:pt x="3381326" y="0"/>
-                </a:lnTo>
-                <a:lnTo>
-                  <a:pt x="3381326" y="4142512"/>
-                </a:lnTo>
-                <a:lnTo>
-                  <a:pt x="0" y="4142512"/>
-                </a:lnTo>
-                <a:lnTo>
-                  <a:pt x="0" y="0"/>
-                </a:lnTo>
-                <a:close/>
-              </a:path>
-            </a:pathLst>
-          </a:custGeom>
-          <a:blipFill>
-            <a:blip r:embed="rId2">
-              <a:extLst>
-                <a:ext uri="{96DAC541-7B7A-43D3-8B79-37D633B846F1}">
-                  <asvg:svgBlip xmlns:asvg="http://schemas.microsoft.com/office/drawing/2016/SVG/main" r:embed="rId3"/>
-                </a:ext>
-              </a:extLst>
-            </a:blip>
-            <a:stretch>
-              <a:fillRect/>
-            </a:stretch>
-          </a:blipFill>
-        </p:spPr>
-      </p:sp>
-      <p:sp>
-        <p:nvSpPr>
-          <p:cNvPr id="3" name="Freeform 3"/>
-          <p:cNvSpPr/>
-          <p:nvPr/>
-        </p:nvSpPr>
-        <p:spPr>
-          <a:xfrm>
-            <a:off x="3092186" y="3072244"/>
-            <a:ext cx="4080375" cy="4142512"/>
-          </a:xfrm>
-          <a:custGeom>
-            <a:avLst/>
-            <a:gdLst/>
-            <a:ahLst/>
-            <a:cxnLst/>
-            <a:rect l="l" t="t" r="r" b="b"/>
-            <a:pathLst>
-              <a:path w="4080375" h="4142512">
-                <a:moveTo>
-                  <a:pt x="0" y="0"/>
-                </a:moveTo>
-                <a:lnTo>
-                  <a:pt x="4080375" y="0"/>
-                </a:lnTo>
-                <a:lnTo>
-                  <a:pt x="4080375" y="4142512"/>
-                </a:lnTo>
-                <a:lnTo>
-                  <a:pt x="0" y="4142512"/>
-                </a:lnTo>
-                <a:lnTo>
-                  <a:pt x="0" y="0"/>
-                </a:lnTo>
-                <a:close/>
-              </a:path>
-            </a:pathLst>
-          </a:custGeom>
-          <a:blipFill>
-            <a:blip r:embed="rId4">
-              <a:extLst>
-                <a:ext uri="{96DAC541-7B7A-43D3-8B79-37D633B846F1}">
-                  <asvg:svgBlip xmlns:asvg="http://schemas.microsoft.com/office/drawing/2016/SVG/main" r:embed="rId5"/>
-                </a:ext>
-              </a:extLst>
-            </a:blip>
-            <a:stretch>
-              <a:fillRect/>
-            </a:stretch>
-          </a:blipFill>
-        </p:spPr>
-      </p:sp>
-      <p:sp>
-        <p:nvSpPr>
-          <p:cNvPr id="4" name="TextBox 4"/>
-          <p:cNvSpPr txBox="1"/>
-          <p:nvPr/>
-        </p:nvSpPr>
-        <p:spPr>
-          <a:xfrm>
-            <a:off x="9811361" y="7150245"/>
-            <a:ext cx="7387579" cy="1438275"/>
-          </a:xfrm>
-          <a:prstGeom prst="rect">
-            <a:avLst/>
-          </a:prstGeom>
-        </p:spPr>
-        <p:txBody>
-          <a:bodyPr lIns="0" tIns="0" rIns="0" bIns="0" rtlCol="0" anchor="t">
-            <a:spAutoFit/>
-          </a:bodyPr>
-          <a:lstStyle/>
-          <a:p>
-            <a:pPr algn="ctr">
-              <a:lnSpc>
-                <a:spcPts val="10500"/>
-              </a:lnSpc>
-              <a:spcBef>
-                <a:spcPct val="0"/>
-              </a:spcBef>
-            </a:pPr>
-            <a:r>
-              <a:rPr lang="en-US" sz="7500">
-                <a:solidFill>
-                  <a:srgbClr val="000000"/>
-                </a:solidFill>
-                <a:latin typeface="Pixellet TH"/>
-                <a:ea typeface="Pixellet TH"/>
-                <a:cs typeface="Pixellet TH"/>
-                <a:sym typeface="Pixellet TH"/>
-              </a:rPr>
-              <a:t>0 is off</a:t>
-            </a:r>
-          </a:p>
-        </p:txBody>
-      </p:sp>
-      <p:sp>
-        <p:nvSpPr>
-          <p:cNvPr id="5" name="TextBox 5"/>
-          <p:cNvSpPr txBox="1"/>
-          <p:nvPr/>
-        </p:nvSpPr>
-        <p:spPr>
-          <a:xfrm>
-            <a:off x="1756421" y="7150245"/>
-            <a:ext cx="7387579" cy="1438275"/>
-          </a:xfrm>
-          <a:prstGeom prst="rect">
-            <a:avLst/>
-          </a:prstGeom>
-        </p:spPr>
-        <p:txBody>
-          <a:bodyPr lIns="0" tIns="0" rIns="0" bIns="0" rtlCol="0" anchor="t">
-            <a:spAutoFit/>
-          </a:bodyPr>
-          <a:lstStyle/>
-          <a:p>
-            <a:pPr algn="ctr">
-              <a:lnSpc>
-                <a:spcPts val="10500"/>
-              </a:lnSpc>
-              <a:spcBef>
-                <a:spcPct val="0"/>
-              </a:spcBef>
-            </a:pPr>
-            <a:r>
-              <a:rPr lang="en-US" sz="7500">
-                <a:solidFill>
-                  <a:srgbClr val="000000"/>
-                </a:solidFill>
-                <a:latin typeface="Pixellet TH"/>
-                <a:ea typeface="Pixellet TH"/>
-                <a:cs typeface="Pixellet TH"/>
-                <a:sym typeface="Pixellet TH"/>
-              </a:rPr>
-              <a:t>1 is on</a:t>
-            </a:r>
-          </a:p>
-        </p:txBody>
-      </p:sp>
-      <p:sp>
-        <p:nvSpPr>
-          <p:cNvPr id="6" name="TextBox 6"/>
-          <p:cNvSpPr txBox="1"/>
-          <p:nvPr/>
-        </p:nvSpPr>
-        <p:spPr>
-          <a:xfrm>
-            <a:off x="1028700" y="992619"/>
-            <a:ext cx="16170240" cy="936625"/>
-          </a:xfrm>
-          <a:prstGeom prst="rect">
-            <a:avLst/>
-          </a:prstGeom>
-        </p:spPr>
-        <p:txBody>
-          <a:bodyPr lIns="0" tIns="0" rIns="0" bIns="0" rtlCol="0" anchor="t">
-            <a:spAutoFit/>
-          </a:bodyPr>
-          <a:lstStyle/>
-          <a:p>
-            <a:pPr algn="ctr">
-              <a:lnSpc>
-                <a:spcPts val="7699"/>
-              </a:lnSpc>
-              <a:spcBef>
-                <a:spcPct val="0"/>
-              </a:spcBef>
-            </a:pPr>
-            <a:r>
-              <a:rPr lang="en-US" sz="5499" dirty="0">
-                <a:solidFill>
-                  <a:srgbClr val="000000"/>
-                </a:solidFill>
-                <a:latin typeface="Bitter"/>
-                <a:ea typeface="Bitter"/>
-                <a:cs typeface="Bitter"/>
-                <a:sym typeface="Bitter"/>
-              </a:rPr>
-              <a:t>Think of the numbers like a light switch</a:t>
-            </a:r>
-          </a:p>
-        </p:txBody>
-      </p:sp>
-      <p:sp>
-        <p:nvSpPr>
-          <p:cNvPr id="7" name="TextBox 7"/>
-          <p:cNvSpPr txBox="1"/>
-          <p:nvPr/>
-        </p:nvSpPr>
-        <p:spPr>
-          <a:xfrm>
-            <a:off x="3574685" y="2481412"/>
-            <a:ext cx="2733466" cy="3816349"/>
-          </a:xfrm>
-          <a:prstGeom prst="rect">
-            <a:avLst/>
-          </a:prstGeom>
-        </p:spPr>
-        <p:txBody>
-          <a:bodyPr lIns="0" tIns="0" rIns="0" bIns="0" rtlCol="0" anchor="t">
-            <a:spAutoFit/>
-          </a:bodyPr>
-          <a:lstStyle/>
-          <a:p>
-            <a:pPr algn="ctr">
-              <a:lnSpc>
-                <a:spcPts val="28000"/>
-              </a:lnSpc>
-              <a:spcBef>
-                <a:spcPct val="0"/>
-              </a:spcBef>
-            </a:pPr>
-            <a:r>
-              <a:rPr lang="en-US" sz="20000">
-                <a:solidFill>
-                  <a:srgbClr val="000000"/>
-                </a:solidFill>
-                <a:latin typeface="Pixellet TH"/>
-                <a:ea typeface="Pixellet TH"/>
-                <a:cs typeface="Pixellet TH"/>
-                <a:sym typeface="Pixellet TH"/>
-              </a:rPr>
-              <a:t>1</a:t>
-            </a:r>
-          </a:p>
-        </p:txBody>
-      </p:sp>
-      <p:sp>
-        <p:nvSpPr>
-          <p:cNvPr id="8" name="TextBox 8"/>
-          <p:cNvSpPr txBox="1"/>
-          <p:nvPr/>
-        </p:nvSpPr>
-        <p:spPr>
-          <a:xfrm>
-            <a:off x="12138418" y="2481412"/>
-            <a:ext cx="2733466" cy="3816349"/>
-          </a:xfrm>
-          <a:prstGeom prst="rect">
-            <a:avLst/>
-          </a:prstGeom>
-        </p:spPr>
-        <p:txBody>
-          <a:bodyPr lIns="0" tIns="0" rIns="0" bIns="0" rtlCol="0" anchor="t">
-            <a:spAutoFit/>
-          </a:bodyPr>
-          <a:lstStyle/>
-          <a:p>
-            <a:pPr algn="ctr">
-              <a:lnSpc>
-                <a:spcPts val="28000"/>
-              </a:lnSpc>
-              <a:spcBef>
-                <a:spcPct val="0"/>
-              </a:spcBef>
-            </a:pPr>
-            <a:r>
-              <a:rPr lang="en-US" sz="20000">
-                <a:solidFill>
-                  <a:srgbClr val="000000"/>
-                </a:solidFill>
-                <a:latin typeface="Pixellet TH"/>
-                <a:ea typeface="Pixellet TH"/>
-                <a:cs typeface="Pixellet TH"/>
-                <a:sym typeface="Pixellet TH"/>
-              </a:rPr>
-              <a:t>0</a:t>
-            </a:r>
-          </a:p>
-        </p:txBody>
-      </p:sp>
-    </p:spTree>
-  </p:cSld>
-  <p:clrMapOvr>
-    <a:masterClrMapping/>
-  </p:clrMapOvr>
 </p:sld>
 </file>
 
